--- a/Team 17 Project 1 Storyboard.pptx
+++ b/Team 17 Project 1 Storyboard.pptx
@@ -5,14 +5,12 @@
     <p:sldMasterId id="2147483660" r:id="rId1"/>
   </p:sldMasterIdLst>
   <p:notesMasterIdLst>
-    <p:notesMasterId r:id="rId7"/>
+    <p:notesMasterId r:id="rId5"/>
   </p:notesMasterIdLst>
   <p:sldIdLst>
     <p:sldId id="256" r:id="rId2"/>
     <p:sldId id="257" r:id="rId3"/>
     <p:sldId id="258" r:id="rId4"/>
-    <p:sldId id="259" r:id="rId5"/>
-    <p:sldId id="260" r:id="rId6"/>
   </p:sldIdLst>
   <p:sldSz cx="14630400" cy="8229600"/>
   <p:notesSz cx="6858000" cy="9144000"/>
@@ -129,16 +127,6 @@
             <p14:sldId id="258"/>
           </p14:sldIdLst>
         </p14:section>
-        <p14:section name="Hit, Stand" id="{427C5C95-EE6D-4A13-9FC4-BCEFCFAA6659}">
-          <p14:sldIdLst>
-            <p14:sldId id="259"/>
-          </p14:sldIdLst>
-        </p14:section>
-        <p14:section name="Hit, Hit" id="{6FEBFDEB-A0D7-439A-8B3D-EB2A577548EC}">
-          <p14:sldIdLst>
-            <p14:sldId id="260"/>
-          </p14:sldIdLst>
-        </p14:section>
       </p14:sectionLst>
     </p:ext>
     <p:ext uri="{EFAFB233-063F-42B5-8137-9DF3F51BA10A}">
@@ -151,7 +139,7 @@
 <file path=ppt/revisionInfo.xml><?xml version="1.0" encoding="utf-8"?>
 <p1510:revInfo xmlns:a="http://schemas.openxmlformats.org/drawingml/2006/main" xmlns:r="http://schemas.openxmlformats.org/officeDocument/2006/relationships" xmlns:p1510="http://schemas.microsoft.com/office/powerpoint/2015/10/main">
   <p1510:revLst>
-    <p1510:client id="{9FCC207D-B9BD-4721-B143-34F9122DEF8F}" v="372" dt="2025-03-01T10:02:02.762"/>
+    <p1510:client id="{9FCC207D-B9BD-4721-B143-34F9122DEF8F}" v="706" dt="2025-03-02T18:16:38.740"/>
   </p1510:revLst>
 </p1510:revInfo>
 </file>
@@ -160,8 +148,8 @@
 <pc:chgInfo xmlns:a="http://schemas.openxmlformats.org/drawingml/2006/main" xmlns:r="http://schemas.openxmlformats.org/officeDocument/2006/relationships" xmlns:ac="http://schemas.microsoft.com/office/drawing/2013/main/command" xmlns:pc="http://schemas.microsoft.com/office/powerpoint/2013/main/command">
   <pc:docChgLst>
     <pc:chgData name="Joshua Ngui" userId="a6167923-c110-409b-bad0-723368df3cb1" providerId="ADAL" clId="{9FCC207D-B9BD-4721-B143-34F9122DEF8F}"/>
-    <pc:docChg chg="undo custSel addSld delSld modSld modMainMaster addSection modSection">
-      <pc:chgData name="Joshua Ngui" userId="a6167923-c110-409b-bad0-723368df3cb1" providerId="ADAL" clId="{9FCC207D-B9BD-4721-B143-34F9122DEF8F}" dt="2025-03-01T10:02:02.762" v="1785"/>
+    <pc:docChg chg="undo custSel addSld delSld modSld modMainMaster addSection delSection modSection">
+      <pc:chgData name="Joshua Ngui" userId="a6167923-c110-409b-bad0-723368df3cb1" providerId="ADAL" clId="{9FCC207D-B9BD-4721-B143-34F9122DEF8F}" dt="2025-03-02T18:19:20.214" v="2196" actId="113"/>
       <pc:docMkLst>
         <pc:docMk/>
       </pc:docMkLst>
@@ -453,7 +441,7 @@
         </pc:picChg>
       </pc:sldChg>
       <pc:sldChg chg="addSp delSp modSp new mod delAnim modAnim modNotesTx">
-        <pc:chgData name="Joshua Ngui" userId="a6167923-c110-409b-bad0-723368df3cb1" providerId="ADAL" clId="{9FCC207D-B9BD-4721-B143-34F9122DEF8F}" dt="2025-03-01T09:49:11.755" v="1664"/>
+        <pc:chgData name="Joshua Ngui" userId="a6167923-c110-409b-bad0-723368df3cb1" providerId="ADAL" clId="{9FCC207D-B9BD-4721-B143-34F9122DEF8F}" dt="2025-03-02T18:18:16.589" v="2175" actId="113"/>
         <pc:sldMkLst>
           <pc:docMk/>
           <pc:sldMk cId="372002819" sldId="257"/>
@@ -491,7 +479,7 @@
           </ac:spMkLst>
         </pc:spChg>
         <pc:spChg chg="add mod">
-          <ac:chgData name="Joshua Ngui" userId="a6167923-c110-409b-bad0-723368df3cb1" providerId="ADAL" clId="{9FCC207D-B9BD-4721-B143-34F9122DEF8F}" dt="2025-03-01T07:30:50.037" v="767" actId="1076"/>
+          <ac:chgData name="Joshua Ngui" userId="a6167923-c110-409b-bad0-723368df3cb1" providerId="ADAL" clId="{9FCC207D-B9BD-4721-B143-34F9122DEF8F}" dt="2025-03-02T18:04:10.274" v="1865" actId="20577"/>
           <ac:spMkLst>
             <pc:docMk/>
             <pc:sldMk cId="372002819" sldId="257"/>
@@ -522,12 +510,28 @@
             <ac:spMk id="9" creationId="{DF168B48-03BB-02EB-F8B4-02A12D62F196}"/>
           </ac:spMkLst>
         </pc:spChg>
-        <pc:spChg chg="add mod">
-          <ac:chgData name="Joshua Ngui" userId="a6167923-c110-409b-bad0-723368df3cb1" providerId="ADAL" clId="{9FCC207D-B9BD-4721-B143-34F9122DEF8F}" dt="2025-03-01T07:34:42.560" v="879" actId="1076"/>
+        <pc:spChg chg="add del mod">
+          <ac:chgData name="Joshua Ngui" userId="a6167923-c110-409b-bad0-723368df3cb1" providerId="ADAL" clId="{9FCC207D-B9BD-4721-B143-34F9122DEF8F}" dt="2025-03-02T18:05:29.440" v="1873" actId="478"/>
           <ac:spMkLst>
             <pc:docMk/>
             <pc:sldMk cId="372002819" sldId="257"/>
             <ac:spMk id="10" creationId="{C3BE42CE-C705-9329-566B-EC2C0D40A82C}"/>
+          </ac:spMkLst>
+        </pc:spChg>
+        <pc:spChg chg="add mod">
+          <ac:chgData name="Joshua Ngui" userId="a6167923-c110-409b-bad0-723368df3cb1" providerId="ADAL" clId="{9FCC207D-B9BD-4721-B143-34F9122DEF8F}" dt="2025-03-02T18:08:41.829" v="1955"/>
+          <ac:spMkLst>
+            <pc:docMk/>
+            <pc:sldMk cId="372002819" sldId="257"/>
+            <ac:spMk id="27" creationId="{6B00A549-6455-9CBC-5BEF-BF81291E33CB}"/>
+          </ac:spMkLst>
+        </pc:spChg>
+        <pc:spChg chg="add mod">
+          <ac:chgData name="Joshua Ngui" userId="a6167923-c110-409b-bad0-723368df3cb1" providerId="ADAL" clId="{9FCC207D-B9BD-4721-B143-34F9122DEF8F}" dt="2025-03-02T18:07:41.928" v="1950" actId="14100"/>
+          <ac:spMkLst>
+            <pc:docMk/>
+            <pc:sldMk cId="372002819" sldId="257"/>
+            <ac:spMk id="28" creationId="{5940E034-1BFA-1457-7B0C-9A4A17E44D0D}"/>
           </ac:spMkLst>
         </pc:spChg>
         <pc:spChg chg="add mod">
@@ -659,6 +663,14 @@
           </ac:picMkLst>
         </pc:picChg>
         <pc:picChg chg="add mod">
+          <ac:chgData name="Joshua Ngui" userId="a6167923-c110-409b-bad0-723368df3cb1" providerId="ADAL" clId="{9FCC207D-B9BD-4721-B143-34F9122DEF8F}" dt="2025-03-02T18:03:43.156" v="1839" actId="14100"/>
+          <ac:picMkLst>
+            <pc:docMk/>
+            <pc:sldMk cId="372002819" sldId="257"/>
+            <ac:picMk id="25" creationId="{CF0D1F70-54DD-C17A-6790-8B86A8B2551E}"/>
+          </ac:picMkLst>
+        </pc:picChg>
+        <pc:picChg chg="add mod">
           <ac:chgData name="Joshua Ngui" userId="a6167923-c110-409b-bad0-723368df3cb1" providerId="ADAL" clId="{9FCC207D-B9BD-4721-B143-34F9122DEF8F}" dt="2025-03-01T08:28:02.655" v="1510" actId="1076"/>
           <ac:picMkLst>
             <pc:docMk/>
@@ -690,16 +702,16 @@
             <ac:picMk id="31" creationId="{86C012F9-15A3-2FA7-6724-6DBDA1982249}"/>
           </ac:picMkLst>
         </pc:picChg>
-        <pc:picChg chg="add mod">
-          <ac:chgData name="Joshua Ngui" userId="a6167923-c110-409b-bad0-723368df3cb1" providerId="ADAL" clId="{9FCC207D-B9BD-4721-B143-34F9122DEF8F}" dt="2025-03-01T08:33:39.618" v="1542" actId="1076"/>
+        <pc:picChg chg="add del mod">
+          <ac:chgData name="Joshua Ngui" userId="a6167923-c110-409b-bad0-723368df3cb1" providerId="ADAL" clId="{9FCC207D-B9BD-4721-B143-34F9122DEF8F}" dt="2025-03-02T18:04:14.726" v="1866" actId="478"/>
           <ac:picMkLst>
             <pc:docMk/>
             <pc:sldMk cId="372002819" sldId="257"/>
             <ac:picMk id="32" creationId="{ABA5E0E1-61BE-5D59-6A5E-DEF60EDADA81}"/>
           </ac:picMkLst>
         </pc:picChg>
-        <pc:picChg chg="add mod">
-          <ac:chgData name="Joshua Ngui" userId="a6167923-c110-409b-bad0-723368df3cb1" providerId="ADAL" clId="{9FCC207D-B9BD-4721-B143-34F9122DEF8F}" dt="2025-03-01T09:46:20.787" v="1634" actId="688"/>
+        <pc:picChg chg="add del mod">
+          <ac:chgData name="Joshua Ngui" userId="a6167923-c110-409b-bad0-723368df3cb1" providerId="ADAL" clId="{9FCC207D-B9BD-4721-B143-34F9122DEF8F}" dt="2025-03-02T18:03:30.153" v="1834" actId="478"/>
           <ac:picMkLst>
             <pc:docMk/>
             <pc:sldMk cId="372002819" sldId="257"/>
@@ -716,7 +728,7 @@
         </pc:picChg>
       </pc:sldChg>
       <pc:sldChg chg="addSp delSp modSp new mod delAnim modAnim modNotesTx">
-        <pc:chgData name="Joshua Ngui" userId="a6167923-c110-409b-bad0-723368df3cb1" providerId="ADAL" clId="{9FCC207D-B9BD-4721-B143-34F9122DEF8F}" dt="2025-03-01T09:49:52.038" v="1666"/>
+        <pc:chgData name="Joshua Ngui" userId="a6167923-c110-409b-bad0-723368df3cb1" providerId="ADAL" clId="{9FCC207D-B9BD-4721-B143-34F9122DEF8F}" dt="2025-03-02T18:19:20.214" v="2196" actId="113"/>
         <pc:sldMkLst>
           <pc:docMk/>
           <pc:sldMk cId="26939119" sldId="258"/>
@@ -753,8 +765,8 @@
             <ac:spMk id="5" creationId="{CE128505-4CB1-5C4B-3A04-251B5675AE49}"/>
           </ac:spMkLst>
         </pc:spChg>
-        <pc:spChg chg="add mod">
-          <ac:chgData name="Joshua Ngui" userId="a6167923-c110-409b-bad0-723368df3cb1" providerId="ADAL" clId="{9FCC207D-B9BD-4721-B143-34F9122DEF8F}" dt="2025-03-01T07:33:06.601" v="851"/>
+        <pc:spChg chg="add del mod">
+          <ac:chgData name="Joshua Ngui" userId="a6167923-c110-409b-bad0-723368df3cb1" providerId="ADAL" clId="{9FCC207D-B9BD-4721-B143-34F9122DEF8F}" dt="2025-03-02T18:08:48.233" v="1956" actId="478"/>
           <ac:spMkLst>
             <pc:docMk/>
             <pc:sldMk cId="26939119" sldId="258"/>
@@ -762,7 +774,7 @@
           </ac:spMkLst>
         </pc:spChg>
         <pc:spChg chg="add mod">
-          <ac:chgData name="Joshua Ngui" userId="a6167923-c110-409b-bad0-723368df3cb1" providerId="ADAL" clId="{9FCC207D-B9BD-4721-B143-34F9122DEF8F}" dt="2025-03-01T09:23:19.357" v="1608" actId="1076"/>
+          <ac:chgData name="Joshua Ngui" userId="a6167923-c110-409b-bad0-723368df3cb1" providerId="ADAL" clId="{9FCC207D-B9BD-4721-B143-34F9122DEF8F}" dt="2025-03-02T18:09:23.581" v="1980" actId="14100"/>
           <ac:spMkLst>
             <pc:docMk/>
             <pc:sldMk cId="26939119" sldId="258"/>
@@ -777,8 +789,8 @@
             <ac:spMk id="8" creationId="{70CF32F6-3597-3C64-EEBD-5FBAC1B4340D}"/>
           </ac:spMkLst>
         </pc:spChg>
-        <pc:spChg chg="add mod">
-          <ac:chgData name="Joshua Ngui" userId="a6167923-c110-409b-bad0-723368df3cb1" providerId="ADAL" clId="{9FCC207D-B9BD-4721-B143-34F9122DEF8F}" dt="2025-03-01T07:38:21.758" v="951"/>
+        <pc:spChg chg="add del mod">
+          <ac:chgData name="Joshua Ngui" userId="a6167923-c110-409b-bad0-723368df3cb1" providerId="ADAL" clId="{9FCC207D-B9BD-4721-B143-34F9122DEF8F}" dt="2025-03-02T18:08:50.809" v="1957" actId="478"/>
           <ac:spMkLst>
             <pc:docMk/>
             <pc:sldMk cId="26939119" sldId="258"/>
@@ -786,7 +798,7 @@
           </ac:spMkLst>
         </pc:spChg>
         <pc:spChg chg="add mod">
-          <ac:chgData name="Joshua Ngui" userId="a6167923-c110-409b-bad0-723368df3cb1" providerId="ADAL" clId="{9FCC207D-B9BD-4721-B143-34F9122DEF8F}" dt="2025-03-01T09:23:16.403" v="1607" actId="1076"/>
+          <ac:chgData name="Joshua Ngui" userId="a6167923-c110-409b-bad0-723368df3cb1" providerId="ADAL" clId="{9FCC207D-B9BD-4721-B143-34F9122DEF8F}" dt="2025-03-02T18:12:41.478" v="2058" actId="20577"/>
           <ac:spMkLst>
             <pc:docMk/>
             <pc:sldMk cId="26939119" sldId="258"/>
@@ -801,6 +813,62 @@
             <ac:spMk id="11" creationId="{8E5D23BE-4587-8142-6B23-00B490C4F7A2}"/>
           </ac:spMkLst>
         </pc:spChg>
+        <pc:spChg chg="add mod">
+          <ac:chgData name="Joshua Ngui" userId="a6167923-c110-409b-bad0-723368df3cb1" providerId="ADAL" clId="{9FCC207D-B9BD-4721-B143-34F9122DEF8F}" dt="2025-03-02T18:13:42.059" v="2065" actId="20577"/>
+          <ac:spMkLst>
+            <pc:docMk/>
+            <pc:sldMk cId="26939119" sldId="258"/>
+            <ac:spMk id="32" creationId="{40EAB87A-D329-B4D3-F9D0-38912B292A20}"/>
+          </ac:spMkLst>
+        </pc:spChg>
+        <pc:spChg chg="add mod">
+          <ac:chgData name="Joshua Ngui" userId="a6167923-c110-409b-bad0-723368df3cb1" providerId="ADAL" clId="{9FCC207D-B9BD-4721-B143-34F9122DEF8F}" dt="2025-03-02T18:14:54.262" v="2075" actId="20577"/>
+          <ac:spMkLst>
+            <pc:docMk/>
+            <pc:sldMk cId="26939119" sldId="258"/>
+            <ac:spMk id="34" creationId="{3D2083F4-A806-C63D-DB8C-0A8A03F0CA82}"/>
+          </ac:spMkLst>
+        </pc:spChg>
+        <pc:spChg chg="add mod">
+          <ac:chgData name="Joshua Ngui" userId="a6167923-c110-409b-bad0-723368df3cb1" providerId="ADAL" clId="{9FCC207D-B9BD-4721-B143-34F9122DEF8F}" dt="2025-03-02T18:15:07.370" v="2094" actId="20577"/>
+          <ac:spMkLst>
+            <pc:docMk/>
+            <pc:sldMk cId="26939119" sldId="258"/>
+            <ac:spMk id="36" creationId="{15D3FA62-17B1-1BC0-8373-4A0B34ED7F51}"/>
+          </ac:spMkLst>
+        </pc:spChg>
+        <pc:spChg chg="add mod">
+          <ac:chgData name="Joshua Ngui" userId="a6167923-c110-409b-bad0-723368df3cb1" providerId="ADAL" clId="{9FCC207D-B9BD-4721-B143-34F9122DEF8F}" dt="2025-03-02T18:16:55.773" v="2169" actId="1076"/>
+          <ac:spMkLst>
+            <pc:docMk/>
+            <pc:sldMk cId="26939119" sldId="258"/>
+            <ac:spMk id="38" creationId="{6F26170B-7D50-266E-04A2-39F8C91D514E}"/>
+          </ac:spMkLst>
+        </pc:spChg>
+        <pc:spChg chg="add mod">
+          <ac:chgData name="Joshua Ngui" userId="a6167923-c110-409b-bad0-723368df3cb1" providerId="ADAL" clId="{9FCC207D-B9BD-4721-B143-34F9122DEF8F}" dt="2025-03-02T18:16:28.501" v="2162"/>
+          <ac:spMkLst>
+            <pc:docMk/>
+            <pc:sldMk cId="26939119" sldId="258"/>
+            <ac:spMk id="39" creationId="{483409A2-CC10-CA69-4CD0-ADC738D337DD}"/>
+          </ac:spMkLst>
+        </pc:spChg>
+        <pc:spChg chg="add mod">
+          <ac:chgData name="Joshua Ngui" userId="a6167923-c110-409b-bad0-723368df3cb1" providerId="ADAL" clId="{9FCC207D-B9BD-4721-B143-34F9122DEF8F}" dt="2025-03-02T18:16:38.740" v="2168" actId="20577"/>
+          <ac:spMkLst>
+            <pc:docMk/>
+            <pc:sldMk cId="26939119" sldId="258"/>
+            <ac:spMk id="40" creationId="{FE35E5D9-7E55-769A-35BF-11C016C61786}"/>
+          </ac:spMkLst>
+        </pc:spChg>
+        <pc:picChg chg="add mod">
+          <ac:chgData name="Joshua Ngui" userId="a6167923-c110-409b-bad0-723368df3cb1" providerId="ADAL" clId="{9FCC207D-B9BD-4721-B143-34F9122DEF8F}" dt="2025-03-02T18:09:11.021" v="1964" actId="14100"/>
+          <ac:picMkLst>
+            <pc:docMk/>
+            <pc:sldMk cId="26939119" sldId="258"/>
+            <ac:picMk id="8" creationId="{35A02EF0-8F7A-034A-8C86-643A48DD7080}"/>
+          </ac:picMkLst>
+        </pc:picChg>
         <pc:picChg chg="add mod">
           <ac:chgData name="Joshua Ngui" userId="a6167923-c110-409b-bad0-723368df3cb1" providerId="ADAL" clId="{9FCC207D-B9BD-4721-B143-34F9122DEF8F}" dt="2025-03-01T09:21:41.302" v="1597"/>
           <ac:picMkLst>
@@ -833,6 +901,14 @@
             <ac:picMk id="16" creationId="{33857D41-C79C-80D4-E2F2-350D4EDA8CEF}"/>
           </ac:picMkLst>
         </pc:picChg>
+        <pc:picChg chg="add del mod">
+          <ac:chgData name="Joshua Ngui" userId="a6167923-c110-409b-bad0-723368df3cb1" providerId="ADAL" clId="{9FCC207D-B9BD-4721-B143-34F9122DEF8F}" dt="2025-03-02T18:11:03.835" v="1994" actId="478"/>
+          <ac:picMkLst>
+            <pc:docMk/>
+            <pc:sldMk cId="26939119" sldId="258"/>
+            <ac:picMk id="16" creationId="{C95569AA-B82C-21F0-5F56-A3AD9638DBE9}"/>
+          </ac:picMkLst>
+        </pc:picChg>
         <pc:picChg chg="add mod">
           <ac:chgData name="Joshua Ngui" userId="a6167923-c110-409b-bad0-723368df3cb1" providerId="ADAL" clId="{9FCC207D-B9BD-4721-B143-34F9122DEF8F}" dt="2025-03-01T09:22:45.291" v="1605"/>
           <ac:picMkLst>
@@ -921,8 +997,8 @@
             <ac:picMk id="27" creationId="{AF30CB5E-D35E-284F-657C-64F3FC76891B}"/>
           </ac:picMkLst>
         </pc:picChg>
-        <pc:picChg chg="add mod">
-          <ac:chgData name="Joshua Ngui" userId="a6167923-c110-409b-bad0-723368df3cb1" providerId="ADAL" clId="{9FCC207D-B9BD-4721-B143-34F9122DEF8F}" dt="2025-03-01T09:47:10.201" v="1644" actId="1076"/>
+        <pc:picChg chg="add del mod">
+          <ac:chgData name="Joshua Ngui" userId="a6167923-c110-409b-bad0-723368df3cb1" providerId="ADAL" clId="{9FCC207D-B9BD-4721-B143-34F9122DEF8F}" dt="2025-03-02T18:08:56.903" v="1958" actId="478"/>
           <ac:picMkLst>
             <pc:docMk/>
             <pc:sldMk cId="26939119" sldId="258"/>
@@ -945,45 +1021,45 @@
             <ac:picMk id="30" creationId="{57FFA964-535B-7E78-B7A1-16B4BC6D4BBF}"/>
           </ac:picMkLst>
         </pc:picChg>
+        <pc:picChg chg="add mod">
+          <ac:chgData name="Joshua Ngui" userId="a6167923-c110-409b-bad0-723368df3cb1" providerId="ADAL" clId="{9FCC207D-B9BD-4721-B143-34F9122DEF8F}" dt="2025-03-02T18:12:08.925" v="2000" actId="688"/>
+          <ac:picMkLst>
+            <pc:docMk/>
+            <pc:sldMk cId="26939119" sldId="258"/>
+            <ac:picMk id="31" creationId="{5B8DE75D-8263-5F3F-A3F2-69629F8F6CFA}"/>
+          </ac:picMkLst>
+        </pc:picChg>
+        <pc:picChg chg="add mod">
+          <ac:chgData name="Joshua Ngui" userId="a6167923-c110-409b-bad0-723368df3cb1" providerId="ADAL" clId="{9FCC207D-B9BD-4721-B143-34F9122DEF8F}" dt="2025-03-02T18:13:14.246" v="2061"/>
+          <ac:picMkLst>
+            <pc:docMk/>
+            <pc:sldMk cId="26939119" sldId="258"/>
+            <ac:picMk id="33" creationId="{A77BFAEA-5B5D-9002-A1B9-C44F7C12E6EA}"/>
+          </ac:picMkLst>
+        </pc:picChg>
+        <pc:picChg chg="add mod">
+          <ac:chgData name="Joshua Ngui" userId="a6167923-c110-409b-bad0-723368df3cb1" providerId="ADAL" clId="{9FCC207D-B9BD-4721-B143-34F9122DEF8F}" dt="2025-03-02T18:14:01.214" v="2068" actId="1076"/>
+          <ac:picMkLst>
+            <pc:docMk/>
+            <pc:sldMk cId="26939119" sldId="258"/>
+            <ac:picMk id="35" creationId="{44C140E5-A910-6FD4-9CFF-03F9158F6B00}"/>
+          </ac:picMkLst>
+        </pc:picChg>
+        <pc:picChg chg="add mod">
+          <ac:chgData name="Joshua Ngui" userId="a6167923-c110-409b-bad0-723368df3cb1" providerId="ADAL" clId="{9FCC207D-B9BD-4721-B143-34F9122DEF8F}" dt="2025-03-02T18:14:39.626" v="2071" actId="1076"/>
+          <ac:picMkLst>
+            <pc:docMk/>
+            <pc:sldMk cId="26939119" sldId="258"/>
+            <ac:picMk id="37" creationId="{DBDA5171-C777-5F1D-5EAB-DA8CD9C61A26}"/>
+          </ac:picMkLst>
+        </pc:picChg>
       </pc:sldChg>
-      <pc:sldChg chg="addSp delSp modSp new mod modAnim modNotesTx">
-        <pc:chgData name="Joshua Ngui" userId="a6167923-c110-409b-bad0-723368df3cb1" providerId="ADAL" clId="{9FCC207D-B9BD-4721-B143-34F9122DEF8F}" dt="2025-03-01T09:53:49.686" v="1701"/>
+      <pc:sldChg chg="addSp delSp modSp new del mod modAnim modNotesTx">
+        <pc:chgData name="Joshua Ngui" userId="a6167923-c110-409b-bad0-723368df3cb1" providerId="ADAL" clId="{9FCC207D-B9BD-4721-B143-34F9122DEF8F}" dt="2025-03-02T17:56:29.394" v="1787" actId="47"/>
         <pc:sldMkLst>
           <pc:docMk/>
           <pc:sldMk cId="2254140008" sldId="259"/>
         </pc:sldMkLst>
-        <pc:spChg chg="add mod">
-          <ac:chgData name="Joshua Ngui" userId="a6167923-c110-409b-bad0-723368df3cb1" providerId="ADAL" clId="{9FCC207D-B9BD-4721-B143-34F9122DEF8F}" dt="2025-02-26T17:49:37.790" v="273"/>
-          <ac:spMkLst>
-            <pc:docMk/>
-            <pc:sldMk cId="2254140008" sldId="259"/>
-            <ac:spMk id="2" creationId="{93D2F210-AFD9-7243-AFFC-D7DA5B438CA3}"/>
-          </ac:spMkLst>
-        </pc:spChg>
-        <pc:spChg chg="add mod">
-          <ac:chgData name="Joshua Ngui" userId="a6167923-c110-409b-bad0-723368df3cb1" providerId="ADAL" clId="{9FCC207D-B9BD-4721-B143-34F9122DEF8F}" dt="2025-02-26T17:49:37.790" v="273"/>
-          <ac:spMkLst>
-            <pc:docMk/>
-            <pc:sldMk cId="2254140008" sldId="259"/>
-            <ac:spMk id="3" creationId="{084DD2EF-7200-0603-307B-091215DF45B4}"/>
-          </ac:spMkLst>
-        </pc:spChg>
-        <pc:spChg chg="add mod">
-          <ac:chgData name="Joshua Ngui" userId="a6167923-c110-409b-bad0-723368df3cb1" providerId="ADAL" clId="{9FCC207D-B9BD-4721-B143-34F9122DEF8F}" dt="2025-02-26T17:49:37.790" v="273"/>
-          <ac:spMkLst>
-            <pc:docMk/>
-            <pc:sldMk cId="2254140008" sldId="259"/>
-            <ac:spMk id="4" creationId="{1CB6DC60-4B53-5137-C13D-B72907A2D630}"/>
-          </ac:spMkLst>
-        </pc:spChg>
-        <pc:spChg chg="add mod">
-          <ac:chgData name="Joshua Ngui" userId="a6167923-c110-409b-bad0-723368df3cb1" providerId="ADAL" clId="{9FCC207D-B9BD-4721-B143-34F9122DEF8F}" dt="2025-02-26T17:49:37.790" v="273"/>
-          <ac:spMkLst>
-            <pc:docMk/>
-            <pc:sldMk cId="2254140008" sldId="259"/>
-            <ac:spMk id="5" creationId="{D9F3388B-610F-AF19-5277-62C5249076D1}"/>
-          </ac:spMkLst>
-        </pc:spChg>
         <pc:spChg chg="add del mod">
           <ac:chgData name="Joshua Ngui" userId="a6167923-c110-409b-bad0-723368df3cb1" providerId="ADAL" clId="{9FCC207D-B9BD-4721-B143-34F9122DEF8F}" dt="2025-03-01T07:38:20.387" v="950" actId="21"/>
           <ac:spMkLst>
@@ -1201,44 +1277,12 @@
           </ac:picMkLst>
         </pc:picChg>
       </pc:sldChg>
-      <pc:sldChg chg="addSp modSp new mod modAnim modNotesTx">
-        <pc:chgData name="Joshua Ngui" userId="a6167923-c110-409b-bad0-723368df3cb1" providerId="ADAL" clId="{9FCC207D-B9BD-4721-B143-34F9122DEF8F}" dt="2025-03-01T10:02:02.762" v="1785"/>
+      <pc:sldChg chg="addSp modSp new del mod modAnim modNotesTx">
+        <pc:chgData name="Joshua Ngui" userId="a6167923-c110-409b-bad0-723368df3cb1" providerId="ADAL" clId="{9FCC207D-B9BD-4721-B143-34F9122DEF8F}" dt="2025-03-02T17:56:26.949" v="1786" actId="47"/>
         <pc:sldMkLst>
           <pc:docMk/>
           <pc:sldMk cId="3394756282" sldId="260"/>
         </pc:sldMkLst>
-        <pc:spChg chg="add mod">
-          <ac:chgData name="Joshua Ngui" userId="a6167923-c110-409b-bad0-723368df3cb1" providerId="ADAL" clId="{9FCC207D-B9BD-4721-B143-34F9122DEF8F}" dt="2025-02-26T17:49:38.972" v="274"/>
-          <ac:spMkLst>
-            <pc:docMk/>
-            <pc:sldMk cId="3394756282" sldId="260"/>
-            <ac:spMk id="2" creationId="{510C014F-41F0-F57B-7303-BEF18E78D380}"/>
-          </ac:spMkLst>
-        </pc:spChg>
-        <pc:spChg chg="add mod">
-          <ac:chgData name="Joshua Ngui" userId="a6167923-c110-409b-bad0-723368df3cb1" providerId="ADAL" clId="{9FCC207D-B9BD-4721-B143-34F9122DEF8F}" dt="2025-02-26T17:49:38.972" v="274"/>
-          <ac:spMkLst>
-            <pc:docMk/>
-            <pc:sldMk cId="3394756282" sldId="260"/>
-            <ac:spMk id="3" creationId="{ED26272C-355D-8A62-345C-716A1792FF85}"/>
-          </ac:spMkLst>
-        </pc:spChg>
-        <pc:spChg chg="add mod">
-          <ac:chgData name="Joshua Ngui" userId="a6167923-c110-409b-bad0-723368df3cb1" providerId="ADAL" clId="{9FCC207D-B9BD-4721-B143-34F9122DEF8F}" dt="2025-02-26T17:49:38.972" v="274"/>
-          <ac:spMkLst>
-            <pc:docMk/>
-            <pc:sldMk cId="3394756282" sldId="260"/>
-            <ac:spMk id="4" creationId="{07EE3E66-6596-4555-D5F4-CAAEF3F039C0}"/>
-          </ac:spMkLst>
-        </pc:spChg>
-        <pc:spChg chg="add mod">
-          <ac:chgData name="Joshua Ngui" userId="a6167923-c110-409b-bad0-723368df3cb1" providerId="ADAL" clId="{9FCC207D-B9BD-4721-B143-34F9122DEF8F}" dt="2025-02-26T17:49:38.972" v="274"/>
-          <ac:spMkLst>
-            <pc:docMk/>
-            <pc:sldMk cId="3394756282" sldId="260"/>
-            <ac:spMk id="5" creationId="{EA64F0C2-6DFA-4622-A614-0C92B6EE1744}"/>
-          </ac:spMkLst>
-        </pc:spChg>
         <pc:spChg chg="add mod">
           <ac:chgData name="Joshua Ngui" userId="a6167923-c110-409b-bad0-723368df3cb1" providerId="ADAL" clId="{9FCC207D-B9BD-4721-B143-34F9122DEF8F}" dt="2025-03-01T09:57:08.591" v="1765" actId="1076"/>
           <ac:spMkLst>
@@ -2342,6 +2386,19 @@
             <a:endParaRPr lang="en-US" b="0" dirty="0"/>
           </a:p>
           <a:p>
+            <a:r>
+              <a:rPr lang="en-US" b="0" dirty="0">
+                <a:solidFill>
+                  <a:schemeClr val="bg1"/>
+                </a:solidFill>
+              </a:rPr>
+              <a:t>1. Player 4 hits, draws a Queen, busts with a value of 22, and loses their bet</a:t>
+            </a:r>
+          </a:p>
+          <a:p>
+            <a:endParaRPr lang="en-US" b="0" dirty="0"/>
+          </a:p>
+          <a:p>
             <a:pPr marL="0" marR="0" lvl="0" indent="0" algn="l" defTabSz="914400" rtl="0" eaLnBrk="1" fontAlgn="auto" latinLnBrk="0" hangingPunct="1">
               <a:lnSpc>
                 <a:spcPct val="100000"/>
@@ -2365,7 +2422,7 @@
                   <a:schemeClr val="bg1"/>
                 </a:solidFill>
               </a:rPr>
-              <a:t>1. Player 4 hits and draws a 9, obtaining a blackjack</a:t>
+              <a:t>2. Dealer flips over the face-down card and reveals an ace, giving a value of 17 and forcing them to stand</a:t>
             </a:r>
           </a:p>
           <a:p>
@@ -2395,7 +2452,7 @@
                   <a:schemeClr val="bg1"/>
                 </a:solidFill>
               </a:rPr>
-              <a:t>2. Dealer flips over the face-down card and reveals an ace, giving a value of 17 and forcing them to stand</a:t>
+              <a:t>3. Player 2, with a total value of 19, receives a payout equal to their bet</a:t>
             </a:r>
           </a:p>
           <a:p>
@@ -2425,67 +2482,20 @@
                   <a:schemeClr val="bg1"/>
                 </a:solidFill>
               </a:rPr>
-              <a:t>3. Player 2, with a total value of 19, receives a payout equal to their bet</a:t>
+              <a:t>4. The user, with a total value of 11, loses their bet</a:t>
             </a:r>
           </a:p>
           <a:p>
             <a:endParaRPr lang="en-US" b="0" dirty="0"/>
           </a:p>
           <a:p>
-            <a:pPr marL="0" marR="0" lvl="0" indent="0" algn="l" defTabSz="914400" rtl="0" eaLnBrk="1" fontAlgn="auto" latinLnBrk="0" hangingPunct="1">
-              <a:lnSpc>
-                <a:spcPct val="100000"/>
-              </a:lnSpc>
-              <a:spcBef>
-                <a:spcPts val="0"/>
-              </a:spcBef>
-              <a:spcAft>
-                <a:spcPts val="0"/>
-              </a:spcAft>
-              <a:buClrTx/>
-              <a:buSzTx/>
-              <a:buFontTx/>
-              <a:buNone/>
-              <a:tabLst/>
-              <a:defRPr/>
-            </a:pPr>
             <a:r>
               <a:rPr lang="en-US" b="0" dirty="0">
                 <a:solidFill>
                   <a:schemeClr val="bg1"/>
                 </a:solidFill>
               </a:rPr>
-              <a:t>4. The user, with a total value of 11, loses their bet</a:t>
-            </a:r>
-          </a:p>
-          <a:p>
-            <a:endParaRPr lang="en-US" b="0" dirty="0"/>
-          </a:p>
-          <a:p>
-            <a:pPr marL="0" marR="0" lvl="0" indent="0" algn="l" defTabSz="914400" rtl="0" eaLnBrk="1" fontAlgn="auto" latinLnBrk="0" hangingPunct="1">
-              <a:lnSpc>
-                <a:spcPct val="100000"/>
-              </a:lnSpc>
-              <a:spcBef>
-                <a:spcPts val="0"/>
-              </a:spcBef>
-              <a:spcAft>
-                <a:spcPts val="0"/>
-              </a:spcAft>
-              <a:buClrTx/>
-              <a:buSzTx/>
-              <a:buFontTx/>
-              <a:buNone/>
-              <a:tabLst/>
-              <a:defRPr/>
-            </a:pPr>
-            <a:r>
-              <a:rPr lang="en-US" b="0" dirty="0">
-                <a:solidFill>
-                  <a:schemeClr val="bg1"/>
-                </a:solidFill>
-              </a:rPr>
-              <a:t>5. Player 4, with a blackjack, receives a payout equal to their bet</a:t>
+              <a:t>5. A button appears, returning the user to the landing page</a:t>
             </a:r>
           </a:p>
         </p:txBody>
@@ -2602,178 +2612,7 @@
                   <a:schemeClr val="bg1"/>
                 </a:solidFill>
               </a:rPr>
-              <a:t>1. The user hits and draws a 9, obtaining a value of 20</a:t>
-            </a:r>
-          </a:p>
-          <a:p>
-            <a:pPr marL="228600" marR="0" lvl="0" indent="-228600" algn="l" defTabSz="914400" rtl="0" eaLnBrk="1" fontAlgn="auto" latinLnBrk="0" hangingPunct="1">
-              <a:lnSpc>
-                <a:spcPct val="100000"/>
-              </a:lnSpc>
-              <a:spcBef>
-                <a:spcPts val="0"/>
-              </a:spcBef>
-              <a:spcAft>
-                <a:spcPts val="0"/>
-              </a:spcAft>
-              <a:buClrTx/>
-              <a:buSzTx/>
-              <a:buFontTx/>
-              <a:buAutoNum type="arabicPeriod"/>
-              <a:tabLst/>
-              <a:defRPr/>
-            </a:pPr>
-            <a:endParaRPr lang="en-US" b="0" dirty="0">
-              <a:solidFill>
-                <a:schemeClr val="bg1"/>
-              </a:solidFill>
-            </a:endParaRPr>
-          </a:p>
-          <a:p>
-            <a:pPr marL="0" marR="0" lvl="0" indent="0" algn="l" defTabSz="914400" rtl="0" eaLnBrk="1" fontAlgn="auto" latinLnBrk="0" hangingPunct="1">
-              <a:lnSpc>
-                <a:spcPct val="100000"/>
-              </a:lnSpc>
-              <a:spcBef>
-                <a:spcPts val="0"/>
-              </a:spcBef>
-              <a:spcAft>
-                <a:spcPts val="0"/>
-              </a:spcAft>
-              <a:buClrTx/>
-              <a:buSzTx/>
-              <a:buFontTx/>
-              <a:buNone/>
-              <a:tabLst/>
-              <a:defRPr/>
-            </a:pPr>
-            <a:r>
-              <a:rPr lang="en-US" b="0" dirty="0">
-                <a:solidFill>
-                  <a:schemeClr val="bg1"/>
-                </a:solidFill>
-              </a:rPr>
-              <a:t>2. The user is given the option to stand or hit</a:t>
-            </a:r>
-          </a:p>
-          <a:p>
-            <a:endParaRPr lang="en-US" b="0" dirty="0"/>
-          </a:p>
-        </p:txBody>
-      </p:sp>
-      <p:sp>
-        <p:nvSpPr>
-          <p:cNvPr id="4" name="Slide Number Placeholder 3"/>
-          <p:cNvSpPr>
-            <a:spLocks noGrp="1"/>
-          </p:cNvSpPr>
-          <p:nvPr>
-            <p:ph type="sldNum" sz="quarter" idx="5"/>
-          </p:nvPr>
-        </p:nvSpPr>
-        <p:spPr/>
-        <p:txBody>
-          <a:bodyPr/>
-          <a:lstStyle/>
-          <a:p>
-            <a:fld id="{BB5D3ABF-68F3-4F49-A739-E3950DA2A62A}" type="slidenum">
-              <a:rPr lang="en-US" smtClean="0"/>
-              <a:t>3</a:t>
-            </a:fld>
-            <a:endParaRPr lang="en-US"/>
-          </a:p>
-        </p:txBody>
-      </p:sp>
-    </p:spTree>
-    <p:extLst>
-      <p:ext uri="{BB962C8B-B14F-4D97-AF65-F5344CB8AC3E}">
-        <p14:creationId xmlns:p14="http://schemas.microsoft.com/office/powerpoint/2010/main" val="4215709612"/>
-      </p:ext>
-    </p:extLst>
-  </p:cSld>
-  <p:clrMapOvr>
-    <a:masterClrMapping/>
-  </p:clrMapOvr>
-</p:notes>
-</file>
-
-<file path=ppt/notesSlides/notesSlide4.xml><?xml version="1.0" encoding="utf-8"?>
-<p:notes xmlns:a="http://schemas.openxmlformats.org/drawingml/2006/main" xmlns:r="http://schemas.openxmlformats.org/officeDocument/2006/relationships" xmlns:p="http://schemas.openxmlformats.org/presentationml/2006/main">
-  <p:cSld>
-    <p:spTree>
-      <p:nvGrpSpPr>
-        <p:cNvPr id="1" name=""/>
-        <p:cNvGrpSpPr/>
-        <p:nvPr/>
-      </p:nvGrpSpPr>
-      <p:grpSpPr>
-        <a:xfrm>
-          <a:off x="0" y="0"/>
-          <a:ext cx="0" cy="0"/>
-          <a:chOff x="0" y="0"/>
-          <a:chExt cx="0" cy="0"/>
-        </a:xfrm>
-      </p:grpSpPr>
-      <p:sp>
-        <p:nvSpPr>
-          <p:cNvPr id="2" name="Slide Image Placeholder 1"/>
-          <p:cNvSpPr>
-            <a:spLocks noGrp="1" noRot="1" noChangeAspect="1"/>
-          </p:cNvSpPr>
-          <p:nvPr>
-            <p:ph type="sldImg"/>
-          </p:nvPr>
-        </p:nvSpPr>
-        <p:spPr/>
-      </p:sp>
-      <p:sp>
-        <p:nvSpPr>
-          <p:cNvPr id="3" name="Notes Placeholder 2"/>
-          <p:cNvSpPr>
-            <a:spLocks noGrp="1"/>
-          </p:cNvSpPr>
-          <p:nvPr>
-            <p:ph type="body" idx="1"/>
-          </p:nvPr>
-        </p:nvSpPr>
-        <p:spPr/>
-        <p:txBody>
-          <a:bodyPr/>
-          <a:lstStyle/>
-          <a:p>
-            <a:r>
-              <a:rPr lang="en-US" b="0" dirty="0"/>
-              <a:t>IF THE USER HITS, THEN STANDS</a:t>
-            </a:r>
-          </a:p>
-          <a:p>
-            <a:endParaRPr lang="en-US" b="0" dirty="0"/>
-          </a:p>
-          <a:p>
-            <a:pPr marL="0" marR="0" lvl="0" indent="0" algn="l" defTabSz="914400" rtl="0" eaLnBrk="1" fontAlgn="auto" latinLnBrk="0" hangingPunct="1">
-              <a:lnSpc>
-                <a:spcPct val="100000"/>
-              </a:lnSpc>
-              <a:spcBef>
-                <a:spcPts val="0"/>
-              </a:spcBef>
-              <a:spcAft>
-                <a:spcPts val="0"/>
-              </a:spcAft>
-              <a:buClrTx/>
-              <a:buSzTx/>
-              <a:buFontTx/>
-              <a:buNone/>
-              <a:tabLst/>
-              <a:defRPr/>
-            </a:pPr>
-            <a:r>
-              <a:rPr lang="en-US" b="0" dirty="0">
-                <a:solidFill>
-                  <a:schemeClr val="bg1"/>
-                </a:solidFill>
-              </a:rPr>
-              <a:t>1. Player 4 hits draws a King and busts, losing their bet</a:t>
+              <a:t>1. The user hits and draws a Queen, obtaining a blackjack</a:t>
             </a:r>
           </a:p>
           <a:p>
@@ -2801,6 +2640,19 @@
             </a:endParaRPr>
           </a:p>
           <a:p>
+            <a:r>
+              <a:rPr lang="en-US" b="0" dirty="0">
+                <a:solidFill>
+                  <a:schemeClr val="bg1"/>
+                </a:solidFill>
+              </a:rPr>
+              <a:t>2. Player 4 hits, draws a 5 and stands with a value of 17</a:t>
+            </a:r>
+          </a:p>
+          <a:p>
+            <a:endParaRPr lang="en-US" b="0" dirty="0"/>
+          </a:p>
+          <a:p>
             <a:pPr marL="0" marR="0" lvl="0" indent="0" algn="l" defTabSz="914400" rtl="0" eaLnBrk="1" fontAlgn="auto" latinLnBrk="0" hangingPunct="1">
               <a:lnSpc>
                 <a:spcPct val="100000"/>
@@ -2824,7 +2676,7 @@
                   <a:schemeClr val="bg1"/>
                 </a:solidFill>
               </a:rPr>
-              <a:t>2. Dealer flips over the face-down card and reveals an ace, giving a value of 17 and forcing them to stand</a:t>
+              <a:t>3. Dealer flips over the face-down card and reveals an ace, giving a value of 17 and forcing them to stand</a:t>
             </a:r>
           </a:p>
           <a:p>
@@ -2854,7 +2706,7 @@
                   <a:schemeClr val="bg1"/>
                 </a:solidFill>
               </a:rPr>
-              <a:t>3. Player 2, with a total value of 19, receives a payout equal to their bet</a:t>
+              <a:t>4. Player 2, with a total value of 19, receives a payout equal to their bet</a:t>
             </a:r>
           </a:p>
           <a:p>
@@ -2884,97 +2736,7 @@
                   <a:schemeClr val="bg1"/>
                 </a:solidFill>
               </a:rPr>
-              <a:t>4. The user, with a total value of 20, receives a payout equal to their bet</a:t>
-            </a:r>
-          </a:p>
-          <a:p>
-            <a:endParaRPr lang="en-US" b="0" dirty="0"/>
-          </a:p>
-        </p:txBody>
-      </p:sp>
-      <p:sp>
-        <p:nvSpPr>
-          <p:cNvPr id="4" name="Slide Number Placeholder 3"/>
-          <p:cNvSpPr>
-            <a:spLocks noGrp="1"/>
-          </p:cNvSpPr>
-          <p:nvPr>
-            <p:ph type="sldNum" sz="quarter" idx="5"/>
-          </p:nvPr>
-        </p:nvSpPr>
-        <p:spPr/>
-        <p:txBody>
-          <a:bodyPr/>
-          <a:lstStyle/>
-          <a:p>
-            <a:fld id="{BB5D3ABF-68F3-4F49-A739-E3950DA2A62A}" type="slidenum">
-              <a:rPr lang="en-US" smtClean="0"/>
-              <a:t>4</a:t>
-            </a:fld>
-            <a:endParaRPr lang="en-US"/>
-          </a:p>
-        </p:txBody>
-      </p:sp>
-    </p:spTree>
-    <p:extLst>
-      <p:ext uri="{BB962C8B-B14F-4D97-AF65-F5344CB8AC3E}">
-        <p14:creationId xmlns:p14="http://schemas.microsoft.com/office/powerpoint/2010/main" val="3178572778"/>
-      </p:ext>
-    </p:extLst>
-  </p:cSld>
-  <p:clrMapOvr>
-    <a:masterClrMapping/>
-  </p:clrMapOvr>
-</p:notes>
-</file>
-
-<file path=ppt/notesSlides/notesSlide5.xml><?xml version="1.0" encoding="utf-8"?>
-<p:notes xmlns:a="http://schemas.openxmlformats.org/drawingml/2006/main" xmlns:r="http://schemas.openxmlformats.org/officeDocument/2006/relationships" xmlns:p="http://schemas.openxmlformats.org/presentationml/2006/main">
-  <p:cSld>
-    <p:spTree>
-      <p:nvGrpSpPr>
-        <p:cNvPr id="1" name=""/>
-        <p:cNvGrpSpPr/>
-        <p:nvPr/>
-      </p:nvGrpSpPr>
-      <p:grpSpPr>
-        <a:xfrm>
-          <a:off x="0" y="0"/>
-          <a:ext cx="0" cy="0"/>
-          <a:chOff x="0" y="0"/>
-          <a:chExt cx="0" cy="0"/>
-        </a:xfrm>
-      </p:grpSpPr>
-      <p:sp>
-        <p:nvSpPr>
-          <p:cNvPr id="2" name="Slide Image Placeholder 1"/>
-          <p:cNvSpPr>
-            <a:spLocks noGrp="1" noRot="1" noChangeAspect="1"/>
-          </p:cNvSpPr>
-          <p:nvPr>
-            <p:ph type="sldImg"/>
-          </p:nvPr>
-        </p:nvSpPr>
-        <p:spPr/>
-      </p:sp>
-      <p:sp>
-        <p:nvSpPr>
-          <p:cNvPr id="3" name="Notes Placeholder 2"/>
-          <p:cNvSpPr>
-            <a:spLocks noGrp="1"/>
-          </p:cNvSpPr>
-          <p:nvPr>
-            <p:ph type="body" idx="1"/>
-          </p:nvPr>
-        </p:nvSpPr>
-        <p:spPr/>
-        <p:txBody>
-          <a:bodyPr/>
-          <a:lstStyle/>
-          <a:p>
-            <a:r>
-              <a:rPr lang="en-US" b="0" dirty="0"/>
-              <a:t>IF THE USER HITS TWICE</a:t>
+              <a:t>5. The user, with a blackjack, receives a payout equal to their bet</a:t>
             </a:r>
           </a:p>
           <a:p>
@@ -3004,7 +2766,7 @@
                   <a:schemeClr val="bg1"/>
                 </a:solidFill>
               </a:rPr>
-              <a:t>1. The user draws a King and busts with a value of 30, losing their bet</a:t>
+              <a:t>6. Player 4, with a value of 17, keeps their bet but receives no payout</a:t>
             </a:r>
           </a:p>
           <a:p>
@@ -3034,101 +2796,8 @@
                   <a:schemeClr val="bg1"/>
                 </a:solidFill>
               </a:rPr>
-              <a:t>2. Player 4 draws a 6 and stands with a value of 18</a:t>
-            </a:r>
-          </a:p>
-          <a:p>
-            <a:endParaRPr lang="en-US" b="0" dirty="0"/>
-          </a:p>
-          <a:p>
-            <a:pPr marL="0" marR="0" lvl="0" indent="0" algn="l" defTabSz="914400" rtl="0" eaLnBrk="1" fontAlgn="auto" latinLnBrk="0" hangingPunct="1">
-              <a:lnSpc>
-                <a:spcPct val="100000"/>
-              </a:lnSpc>
-              <a:spcBef>
-                <a:spcPts val="0"/>
-              </a:spcBef>
-              <a:spcAft>
-                <a:spcPts val="0"/>
-              </a:spcAft>
-              <a:buClrTx/>
-              <a:buSzTx/>
-              <a:buFontTx/>
-              <a:buNone/>
-              <a:tabLst/>
-              <a:defRPr/>
-            </a:pPr>
-            <a:r>
-              <a:rPr lang="en-US" b="0" dirty="0">
-                <a:solidFill>
-                  <a:schemeClr val="bg1"/>
-                </a:solidFill>
-              </a:rPr>
-              <a:t>3. Dealer flips over the face-down card and reveals an ace, giving a value of 17 and forcing them to stand</a:t>
-            </a:r>
-          </a:p>
-          <a:p>
-            <a:endParaRPr lang="en-US" b="0" dirty="0"/>
-          </a:p>
-          <a:p>
-            <a:pPr marL="0" marR="0" lvl="0" indent="0" algn="l" defTabSz="914400" rtl="0" eaLnBrk="1" fontAlgn="auto" latinLnBrk="0" hangingPunct="1">
-              <a:lnSpc>
-                <a:spcPct val="100000"/>
-              </a:lnSpc>
-              <a:spcBef>
-                <a:spcPts val="0"/>
-              </a:spcBef>
-              <a:spcAft>
-                <a:spcPts val="0"/>
-              </a:spcAft>
-              <a:buClrTx/>
-              <a:buSzTx/>
-              <a:buFontTx/>
-              <a:buNone/>
-              <a:tabLst/>
-              <a:defRPr/>
-            </a:pPr>
-            <a:r>
-              <a:rPr lang="en-US" b="0" dirty="0">
-                <a:solidFill>
-                  <a:schemeClr val="bg1"/>
-                </a:solidFill>
-              </a:rPr>
-              <a:t>4. Player 2, with a total value of 19, receives a payout equal to their bet</a:t>
-            </a:r>
-          </a:p>
-          <a:p>
-            <a:endParaRPr lang="en-US" b="0" dirty="0"/>
-          </a:p>
-          <a:p>
-            <a:pPr marL="0" marR="0" lvl="0" indent="0" algn="l" defTabSz="914400" rtl="0" eaLnBrk="1" fontAlgn="auto" latinLnBrk="0" hangingPunct="1">
-              <a:lnSpc>
-                <a:spcPct val="100000"/>
-              </a:lnSpc>
-              <a:spcBef>
-                <a:spcPts val="0"/>
-              </a:spcBef>
-              <a:spcAft>
-                <a:spcPts val="0"/>
-              </a:spcAft>
-              <a:buClrTx/>
-              <a:buSzTx/>
-              <a:buFontTx/>
-              <a:buNone/>
-              <a:tabLst/>
-              <a:defRPr/>
-            </a:pPr>
-            <a:r>
-              <a:rPr lang="en-US" b="0" dirty="0">
-                <a:solidFill>
-                  <a:schemeClr val="bg1"/>
-                </a:solidFill>
-              </a:rPr>
-              <a:t>5. Player 4, with a total value of 18, receives a payout equal to their bet</a:t>
-            </a:r>
-          </a:p>
-          <a:p>
-            <a:endParaRPr lang="en-US" b="0" dirty="0"/>
+              <a:t>7. A button appears, returning the user to the landing page</a:t>
+            </a:r>
           </a:p>
         </p:txBody>
       </p:sp>
@@ -3149,7 +2818,7 @@
           <a:p>
             <a:fld id="{BB5D3ABF-68F3-4F49-A739-E3950DA2A62A}" type="slidenum">
               <a:rPr lang="en-US" smtClean="0"/>
-              <a:t>5</a:t>
+              <a:t>3</a:t>
             </a:fld>
             <a:endParaRPr lang="en-US"/>
           </a:p>
@@ -3158,7 +2827,7 @@
     </p:spTree>
     <p:extLst>
       <p:ext uri="{BB962C8B-B14F-4D97-AF65-F5344CB8AC3E}">
-        <p14:creationId xmlns:p14="http://schemas.microsoft.com/office/powerpoint/2010/main" val="3737669334"/>
+        <p14:creationId xmlns:p14="http://schemas.microsoft.com/office/powerpoint/2010/main" val="4215709612"/>
       </p:ext>
     </p:extLst>
   </p:cSld>
@@ -8638,7 +8307,7 @@
                   <a:schemeClr val="bg1"/>
                 </a:solidFill>
               </a:rPr>
-              <a:t>1. Player 4 hits and draws a 9, obtaining a blackjack</a:t>
+              <a:t>1. Player 4 hits, draws a Queen, busts with a value of 22, and loses their bet</a:t>
             </a:r>
           </a:p>
         </p:txBody>
@@ -8756,45 +8425,6 @@
                 </a:solidFill>
               </a:rPr>
               <a:t>4. The user, with a total value of 11, loses their bet</a:t>
-            </a:r>
-          </a:p>
-        </p:txBody>
-      </p:sp>
-      <p:sp>
-        <p:nvSpPr>
-          <p:cNvPr id="10" name="TextBox 9">
-            <a:extLst>
-              <a:ext uri="{FF2B5EF4-FFF2-40B4-BE49-F238E27FC236}">
-                <a16:creationId xmlns:a16="http://schemas.microsoft.com/office/drawing/2014/main" id="{C3BE42CE-C705-9329-566B-EC2C0D40A82C}"/>
-              </a:ext>
-            </a:extLst>
-          </p:cNvPr>
-          <p:cNvSpPr txBox="1"/>
-          <p:nvPr/>
-        </p:nvSpPr>
-        <p:spPr>
-          <a:xfrm>
-            <a:off x="9668873" y="3746360"/>
-            <a:ext cx="2970849" cy="923330"/>
-          </a:xfrm>
-          <a:prstGeom prst="rect">
-            <a:avLst/>
-          </a:prstGeom>
-          <a:noFill/>
-        </p:spPr>
-        <p:txBody>
-          <a:bodyPr wrap="square" rtlCol="0">
-            <a:spAutoFit/>
-          </a:bodyPr>
-          <a:lstStyle/>
-          <a:p>
-            <a:r>
-              <a:rPr lang="en-US" b="1" dirty="0">
-                <a:solidFill>
-                  <a:schemeClr val="bg1"/>
-                </a:solidFill>
-              </a:rPr>
-              <a:t>5. Player 4, with a blackjack, receives a payout equal to their bet</a:t>
             </a:r>
           </a:p>
         </p:txBody>
@@ -9305,41 +8935,6 @@
           </a:prstGeom>
         </p:spPr>
       </p:pic>
-      <p:pic>
-        <p:nvPicPr>
-          <p:cNvPr id="32" name="Picture 31" descr="A red and white poker chip&#10;&#10;AI-generated content may be incorrect.">
-            <a:extLst>
-              <a:ext uri="{FF2B5EF4-FFF2-40B4-BE49-F238E27FC236}">
-                <a16:creationId xmlns:a16="http://schemas.microsoft.com/office/drawing/2014/main" id="{ABA5E0E1-61BE-5D59-6A5E-DEF60EDADA81}"/>
-              </a:ext>
-            </a:extLst>
-          </p:cNvPr>
-          <p:cNvPicPr>
-            <a:picLocks noChangeAspect="1"/>
-          </p:cNvPicPr>
-          <p:nvPr/>
-        </p:nvPicPr>
-        <p:blipFill>
-          <a:blip r:embed="rId3">
-            <a:extLst>
-              <a:ext uri="{28A0092B-C50C-407E-A947-70E740481C1C}">
-                <a14:useLocalDpi xmlns:a14="http://schemas.microsoft.com/office/drawing/2010/main" val="0"/>
-              </a:ext>
-            </a:extLst>
-          </a:blip>
-          <a:srcRect l="5000" t="5001" r="4850" b="5150"/>
-          <a:stretch/>
-        </p:blipFill>
-        <p:spPr>
-          <a:xfrm rot="20707865">
-            <a:off x="9064287" y="6195778"/>
-            <a:ext cx="578943" cy="577016"/>
-          </a:xfrm>
-          <a:prstGeom prst="ellipse">
-            <a:avLst/>
-          </a:prstGeom>
-        </p:spPr>
-      </p:pic>
       <p:sp>
         <p:nvSpPr>
           <p:cNvPr id="33" name="TextBox 32">
@@ -9380,36 +8975,6 @@
           </a:p>
         </p:txBody>
       </p:sp>
-      <p:pic>
-        <p:nvPicPr>
-          <p:cNvPr id="35" name="Picture 34">
-            <a:extLst>
-              <a:ext uri="{FF2B5EF4-FFF2-40B4-BE49-F238E27FC236}">
-                <a16:creationId xmlns:a16="http://schemas.microsoft.com/office/drawing/2014/main" id="{3004F5DF-C59D-BFA7-DB35-632CFBE15E76}"/>
-              </a:ext>
-            </a:extLst>
-          </p:cNvPr>
-          <p:cNvPicPr>
-            <a:picLocks noChangeAspect="1"/>
-          </p:cNvPicPr>
-          <p:nvPr/>
-        </p:nvPicPr>
-        <p:blipFill>
-          <a:blip r:embed="rId16"/>
-          <a:stretch>
-            <a:fillRect/>
-          </a:stretch>
-        </p:blipFill>
-        <p:spPr>
-          <a:xfrm rot="21181894">
-            <a:off x="9135514" y="4166702"/>
-            <a:ext cx="620287" cy="962963"/>
-          </a:xfrm>
-          <a:prstGeom prst="rect">
-            <a:avLst/>
-          </a:prstGeom>
-        </p:spPr>
-      </p:pic>
       <p:pic>
         <p:nvPicPr>
           <p:cNvPr id="36" name="Picture 35">
@@ -9425,21 +8990,150 @@
           <p:nvPr/>
         </p:nvPicPr>
         <p:blipFill>
+          <a:blip r:embed="rId16"/>
+          <a:stretch>
+            <a:fillRect/>
+          </a:stretch>
+        </p:blipFill>
+        <p:spPr>
+          <a:xfrm>
+            <a:off x="6305049" y="250475"/>
+            <a:ext cx="663255" cy="1001743"/>
+          </a:xfrm>
+          <a:prstGeom prst="rect">
+            <a:avLst/>
+          </a:prstGeom>
+        </p:spPr>
+      </p:pic>
+      <p:pic>
+        <p:nvPicPr>
+          <p:cNvPr id="25" name="Picture 24">
+            <a:extLst>
+              <a:ext uri="{FF2B5EF4-FFF2-40B4-BE49-F238E27FC236}">
+                <a16:creationId xmlns:a16="http://schemas.microsoft.com/office/drawing/2014/main" id="{CF0D1F70-54DD-C17A-6790-8B86A8B2551E}"/>
+              </a:ext>
+            </a:extLst>
+          </p:cNvPr>
+          <p:cNvPicPr>
+            <a:picLocks noChangeAspect="1"/>
+          </p:cNvPicPr>
+          <p:nvPr/>
+        </p:nvPicPr>
+        <p:blipFill>
           <a:blip r:embed="rId17"/>
           <a:stretch>
             <a:fillRect/>
           </a:stretch>
         </p:blipFill>
         <p:spPr>
-          <a:xfrm>
-            <a:off x="6305049" y="250475"/>
-            <a:ext cx="663255" cy="1001743"/>
+          <a:xfrm rot="21254478">
+            <a:off x="9122370" y="4175277"/>
+            <a:ext cx="630419" cy="969876"/>
           </a:xfrm>
           <a:prstGeom prst="rect">
             <a:avLst/>
           </a:prstGeom>
         </p:spPr>
       </p:pic>
+      <p:sp>
+        <p:nvSpPr>
+          <p:cNvPr id="27" name="Rectangle 26">
+            <a:hlinkClick r:id="rId18" action="ppaction://hlinksldjump"/>
+            <a:extLst>
+              <a:ext uri="{FF2B5EF4-FFF2-40B4-BE49-F238E27FC236}">
+                <a16:creationId xmlns:a16="http://schemas.microsoft.com/office/drawing/2014/main" id="{6B00A549-6455-9CBC-5BEF-BF81291E33CB}"/>
+              </a:ext>
+            </a:extLst>
+          </p:cNvPr>
+          <p:cNvSpPr/>
+          <p:nvPr/>
+        </p:nvSpPr>
+        <p:spPr>
+          <a:xfrm>
+            <a:off x="656004" y="6799446"/>
+            <a:ext cx="1542229" cy="730969"/>
+          </a:xfrm>
+          <a:prstGeom prst="rect">
+            <a:avLst/>
+          </a:prstGeom>
+          <a:solidFill>
+            <a:schemeClr val="bg2">
+              <a:lumMod val="50000"/>
+            </a:schemeClr>
+          </a:solidFill>
+          <a:ln>
+            <a:solidFill>
+              <a:schemeClr val="tx1"/>
+            </a:solidFill>
+          </a:ln>
+        </p:spPr>
+        <p:style>
+          <a:lnRef idx="2">
+            <a:schemeClr val="accent1">
+              <a:shade val="15000"/>
+            </a:schemeClr>
+          </a:lnRef>
+          <a:fillRef idx="1">
+            <a:schemeClr val="accent1"/>
+          </a:fillRef>
+          <a:effectRef idx="0">
+            <a:schemeClr val="accent1"/>
+          </a:effectRef>
+          <a:fontRef idx="minor">
+            <a:schemeClr val="lt1"/>
+          </a:fontRef>
+        </p:style>
+        <p:txBody>
+          <a:bodyPr rtlCol="0" anchor="ctr"/>
+          <a:lstStyle/>
+          <a:p>
+            <a:pPr algn="ctr"/>
+            <a:r>
+              <a:rPr lang="en-US" dirty="0"/>
+              <a:t>Leave Game</a:t>
+            </a:r>
+          </a:p>
+        </p:txBody>
+      </p:sp>
+      <p:sp>
+        <p:nvSpPr>
+          <p:cNvPr id="28" name="TextBox 27">
+            <a:extLst>
+              <a:ext uri="{FF2B5EF4-FFF2-40B4-BE49-F238E27FC236}">
+                <a16:creationId xmlns:a16="http://schemas.microsoft.com/office/drawing/2014/main" id="{5940E034-1BFA-1457-7B0C-9A4A17E44D0D}"/>
+              </a:ext>
+            </a:extLst>
+          </p:cNvPr>
+          <p:cNvSpPr txBox="1"/>
+          <p:nvPr/>
+        </p:nvSpPr>
+        <p:spPr>
+          <a:xfrm>
+            <a:off x="2473027" y="7504386"/>
+            <a:ext cx="3331065" cy="646331"/>
+          </a:xfrm>
+          <a:prstGeom prst="rect">
+            <a:avLst/>
+          </a:prstGeom>
+          <a:noFill/>
+        </p:spPr>
+        <p:txBody>
+          <a:bodyPr wrap="square" rtlCol="0">
+            <a:spAutoFit/>
+          </a:bodyPr>
+          <a:lstStyle/>
+          <a:p>
+            <a:r>
+              <a:rPr lang="en-US" b="1" dirty="0">
+                <a:solidFill>
+                  <a:schemeClr val="bg1"/>
+                </a:solidFill>
+              </a:rPr>
+              <a:t>5. A button appears, returning the user to the landing page</a:t>
+            </a:r>
+          </a:p>
+        </p:txBody>
+      </p:sp>
     </p:spTree>
     <p:extLst>
       <p:ext uri="{BB962C8B-B14F-4D97-AF65-F5344CB8AC3E}">
@@ -9538,7 +9232,7 @@
                                           </p:stCondLst>
                                         </p:cTn>
                                         <p:tgtEl>
-                                          <p:spTgt spid="35"/>
+                                          <p:spTgt spid="25"/>
                                         </p:tgtEl>
                                         <p:attrNameLst>
                                           <p:attrName>style.visibility</p:attrName>
@@ -9551,6 +9245,33 @@
                                   </p:childTnLst>
                                 </p:cTn>
                               </p:par>
+                              <p:par>
+                                <p:cTn id="11" presetID="1" presetClass="exit" presetSubtype="0" fill="hold" nodeType="withEffect">
+                                  <p:stCondLst>
+                                    <p:cond delay="0"/>
+                                  </p:stCondLst>
+                                  <p:childTnLst>
+                                    <p:set>
+                                      <p:cBhvr>
+                                        <p:cTn id="12" dur="1" fill="hold">
+                                          <p:stCondLst>
+                                            <p:cond delay="0"/>
+                                          </p:stCondLst>
+                                        </p:cTn>
+                                        <p:tgtEl>
+                                          <p:spTgt spid="14"/>
+                                        </p:tgtEl>
+                                        <p:attrNameLst>
+                                          <p:attrName>style.visibility</p:attrName>
+                                        </p:attrNameLst>
+                                      </p:cBhvr>
+                                      <p:to>
+                                        <p:strVal val="hidden"/>
+                                      </p:to>
+                                    </p:set>
+                                  </p:childTnLst>
+                                </p:cTn>
+                              </p:par>
                             </p:childTnLst>
                           </p:cTn>
                         </p:par>
@@ -9558,26 +9279,26 @@
                     </p:cTn>
                   </p:par>
                   <p:par>
-                    <p:cTn id="11" fill="hold">
+                    <p:cTn id="13" fill="hold">
                       <p:stCondLst>
                         <p:cond delay="indefinite"/>
                       </p:stCondLst>
                       <p:childTnLst>
                         <p:par>
-                          <p:cTn id="12" fill="hold">
+                          <p:cTn id="14" fill="hold">
                             <p:stCondLst>
                               <p:cond delay="0"/>
                             </p:stCondLst>
                             <p:childTnLst>
                               <p:par>
-                                <p:cTn id="13" presetID="1" presetClass="exit" presetSubtype="0" fill="hold" grpId="0" nodeType="clickEffect">
+                                <p:cTn id="15" presetID="1" presetClass="exit" presetSubtype="0" fill="hold" grpId="0" nodeType="clickEffect">
                                   <p:stCondLst>
                                     <p:cond delay="0"/>
                                   </p:stCondLst>
                                   <p:childTnLst>
                                     <p:set>
                                       <p:cBhvr>
-                                        <p:cTn id="14" dur="1" fill="hold">
+                                        <p:cTn id="16" dur="1" fill="hold">
                                           <p:stCondLst>
                                             <p:cond delay="0"/>
                                           </p:stCondLst>
@@ -9597,14 +9318,14 @@
                                 </p:cTn>
                               </p:par>
                               <p:par>
-                                <p:cTn id="15" presetID="1" presetClass="entr" presetSubtype="0" fill="hold" grpId="1" nodeType="withEffect">
+                                <p:cTn id="17" presetID="1" presetClass="entr" presetSubtype="0" fill="hold" grpId="1" nodeType="withEffect">
                                   <p:stCondLst>
                                     <p:cond delay="0"/>
                                   </p:stCondLst>
                                   <p:childTnLst>
                                     <p:set>
                                       <p:cBhvr>
-                                        <p:cTn id="16" dur="1" fill="hold">
+                                        <p:cTn id="18" dur="1" fill="hold">
                                           <p:stCondLst>
                                             <p:cond delay="0"/>
                                           </p:stCondLst>
@@ -9624,14 +9345,14 @@
                                 </p:cTn>
                               </p:par>
                               <p:par>
-                                <p:cTn id="17" presetID="1" presetClass="exit" presetSubtype="0" fill="hold" nodeType="withEffect">
+                                <p:cTn id="19" presetID="1" presetClass="exit" presetSubtype="0" fill="hold" nodeType="withEffect">
                                   <p:stCondLst>
                                     <p:cond delay="0"/>
                                   </p:stCondLst>
                                   <p:childTnLst>
                                     <p:set>
                                       <p:cBhvr>
-                                        <p:cTn id="18" dur="1" fill="hold">
+                                        <p:cTn id="20" dur="1" fill="hold">
                                           <p:stCondLst>
                                             <p:cond delay="0"/>
                                           </p:stCondLst>
@@ -9651,14 +9372,14 @@
                                 </p:cTn>
                               </p:par>
                               <p:par>
-                                <p:cTn id="19" presetID="1" presetClass="entr" presetSubtype="0" fill="hold" nodeType="withEffect">
+                                <p:cTn id="21" presetID="1" presetClass="entr" presetSubtype="0" fill="hold" nodeType="withEffect">
                                   <p:stCondLst>
                                     <p:cond delay="0"/>
                                   </p:stCondLst>
                                   <p:childTnLst>
                                     <p:set>
                                       <p:cBhvr>
-                                        <p:cTn id="20" dur="1" fill="hold">
+                                        <p:cTn id="22" dur="1" fill="hold">
                                           <p:stCondLst>
                                             <p:cond delay="0"/>
                                           </p:stCondLst>
@@ -9684,26 +9405,26 @@
                     </p:cTn>
                   </p:par>
                   <p:par>
-                    <p:cTn id="21" fill="hold">
+                    <p:cTn id="23" fill="hold">
                       <p:stCondLst>
                         <p:cond delay="indefinite"/>
                       </p:stCondLst>
                       <p:childTnLst>
                         <p:par>
-                          <p:cTn id="22" fill="hold">
+                          <p:cTn id="24" fill="hold">
                             <p:stCondLst>
                               <p:cond delay="0"/>
                             </p:stCondLst>
                             <p:childTnLst>
                               <p:par>
-                                <p:cTn id="23" presetID="1" presetClass="exit" presetSubtype="0" fill="hold" grpId="0" nodeType="clickEffect">
+                                <p:cTn id="25" presetID="1" presetClass="exit" presetSubtype="0" fill="hold" grpId="0" nodeType="clickEffect">
                                   <p:stCondLst>
                                     <p:cond delay="0"/>
                                   </p:stCondLst>
                                   <p:childTnLst>
                                     <p:set>
                                       <p:cBhvr>
-                                        <p:cTn id="24" dur="1" fill="hold">
+                                        <p:cTn id="26" dur="1" fill="hold">
                                           <p:stCondLst>
                                             <p:cond delay="0"/>
                                           </p:stCondLst>
@@ -9723,14 +9444,14 @@
                                 </p:cTn>
                               </p:par>
                               <p:par>
-                                <p:cTn id="25" presetID="1" presetClass="entr" presetSubtype="0" fill="hold" grpId="0" nodeType="withEffect">
+                                <p:cTn id="27" presetID="1" presetClass="entr" presetSubtype="0" fill="hold" grpId="0" nodeType="withEffect">
                                   <p:stCondLst>
                                     <p:cond delay="0"/>
                                   </p:stCondLst>
                                   <p:childTnLst>
                                     <p:set>
                                       <p:cBhvr>
-                                        <p:cTn id="26" dur="1" fill="hold">
+                                        <p:cTn id="28" dur="1" fill="hold">
                                           <p:stCondLst>
                                             <p:cond delay="0"/>
                                           </p:stCondLst>
@@ -9750,14 +9471,14 @@
                                 </p:cTn>
                               </p:par>
                               <p:par>
-                                <p:cTn id="27" presetID="1" presetClass="entr" presetSubtype="0" fill="hold" nodeType="withEffect">
+                                <p:cTn id="29" presetID="1" presetClass="entr" presetSubtype="0" fill="hold" nodeType="withEffect">
                                   <p:stCondLst>
                                     <p:cond delay="0"/>
                                   </p:stCondLst>
                                   <p:childTnLst>
                                     <p:set>
                                       <p:cBhvr>
-                                        <p:cTn id="28" dur="1" fill="hold">
+                                        <p:cTn id="30" dur="1" fill="hold">
                                           <p:stCondLst>
                                             <p:cond delay="0"/>
                                           </p:stCondLst>
@@ -9783,26 +9504,26 @@
                     </p:cTn>
                   </p:par>
                   <p:par>
-                    <p:cTn id="29" fill="hold">
+                    <p:cTn id="31" fill="hold">
                       <p:stCondLst>
                         <p:cond delay="indefinite"/>
                       </p:stCondLst>
                       <p:childTnLst>
                         <p:par>
-                          <p:cTn id="30" fill="hold">
+                          <p:cTn id="32" fill="hold">
                             <p:stCondLst>
                               <p:cond delay="0"/>
                             </p:stCondLst>
                             <p:childTnLst>
                               <p:par>
-                                <p:cTn id="31" presetID="1" presetClass="exit" presetSubtype="0" fill="hold" grpId="1" nodeType="clickEffect">
+                                <p:cTn id="33" presetID="1" presetClass="exit" presetSubtype="0" fill="hold" grpId="1" nodeType="clickEffect">
                                   <p:stCondLst>
                                     <p:cond delay="0"/>
                                   </p:stCondLst>
                                   <p:childTnLst>
                                     <p:set>
                                       <p:cBhvr>
-                                        <p:cTn id="32" dur="1" fill="hold">
+                                        <p:cTn id="34" dur="1" fill="hold">
                                           <p:stCondLst>
                                             <p:cond delay="0"/>
                                           </p:stCondLst>
@@ -9822,14 +9543,14 @@
                                 </p:cTn>
                               </p:par>
                               <p:par>
-                                <p:cTn id="33" presetID="1" presetClass="entr" presetSubtype="0" fill="hold" grpId="0" nodeType="withEffect">
+                                <p:cTn id="35" presetID="1" presetClass="entr" presetSubtype="0" fill="hold" grpId="0" nodeType="withEffect">
                                   <p:stCondLst>
                                     <p:cond delay="0"/>
                                   </p:stCondLst>
                                   <p:childTnLst>
                                     <p:set>
                                       <p:cBhvr>
-                                        <p:cTn id="34" dur="1" fill="hold">
+                                        <p:cTn id="36" dur="1" fill="hold">
                                           <p:stCondLst>
                                             <p:cond delay="0"/>
                                           </p:stCondLst>
@@ -9849,14 +9570,14 @@
                                 </p:cTn>
                               </p:par>
                               <p:par>
-                                <p:cTn id="35" presetID="1" presetClass="exit" presetSubtype="0" fill="hold" nodeType="withEffect">
+                                <p:cTn id="37" presetID="1" presetClass="exit" presetSubtype="0" fill="hold" nodeType="withEffect">
                                   <p:stCondLst>
                                     <p:cond delay="0"/>
                                   </p:stCondLst>
                                   <p:childTnLst>
                                     <p:set>
                                       <p:cBhvr>
-                                        <p:cTn id="36" dur="1" fill="hold">
+                                        <p:cTn id="38" dur="1" fill="hold">
                                           <p:stCondLst>
                                             <p:cond delay="0"/>
                                           </p:stCondLst>
@@ -9882,26 +9603,26 @@
                     </p:cTn>
                   </p:par>
                   <p:par>
-                    <p:cTn id="37" fill="hold">
+                    <p:cTn id="39" fill="hold">
                       <p:stCondLst>
                         <p:cond delay="indefinite"/>
                       </p:stCondLst>
                       <p:childTnLst>
                         <p:par>
-                          <p:cTn id="38" fill="hold">
+                          <p:cTn id="40" fill="hold">
                             <p:stCondLst>
                               <p:cond delay="0"/>
                             </p:stCondLst>
                             <p:childTnLst>
                               <p:par>
-                                <p:cTn id="39" presetID="1" presetClass="exit" presetSubtype="0" fill="hold" grpId="1" nodeType="clickEffect">
+                                <p:cTn id="41" presetID="1" presetClass="exit" presetSubtype="0" fill="hold" grpId="1" nodeType="clickEffect">
                                   <p:stCondLst>
                                     <p:cond delay="0"/>
                                   </p:stCondLst>
                                   <p:childTnLst>
                                     <p:set>
                                       <p:cBhvr>
-                                        <p:cTn id="40" dur="1" fill="hold">
+                                        <p:cTn id="42" dur="1" fill="hold">
                                           <p:stCondLst>
                                             <p:cond delay="0"/>
                                           </p:stCondLst>
@@ -9921,20 +9642,20 @@
                                 </p:cTn>
                               </p:par>
                               <p:par>
-                                <p:cTn id="41" presetID="1" presetClass="entr" presetSubtype="0" fill="hold" grpId="0" nodeType="withEffect">
+                                <p:cTn id="43" presetID="1" presetClass="entr" presetSubtype="0" fill="hold" grpId="0" nodeType="withEffect">
                                   <p:stCondLst>
                                     <p:cond delay="0"/>
                                   </p:stCondLst>
                                   <p:childTnLst>
                                     <p:set>
                                       <p:cBhvr>
-                                        <p:cTn id="42" dur="1" fill="hold">
+                                        <p:cTn id="44" dur="1" fill="hold">
                                           <p:stCondLst>
                                             <p:cond delay="0"/>
                                           </p:stCondLst>
                                         </p:cTn>
                                         <p:tgtEl>
-                                          <p:spTgt spid="10"/>
+                                          <p:spTgt spid="28"/>
                                         </p:tgtEl>
                                         <p:attrNameLst>
                                           <p:attrName>style.visibility</p:attrName>
@@ -9948,20 +9669,20 @@
                                 </p:cTn>
                               </p:par>
                               <p:par>
-                                <p:cTn id="43" presetID="1" presetClass="entr" presetSubtype="0" fill="hold" nodeType="withEffect">
+                                <p:cTn id="45" presetID="1" presetClass="entr" presetSubtype="0" fill="hold" grpId="0" nodeType="withEffect">
                                   <p:stCondLst>
                                     <p:cond delay="0"/>
                                   </p:stCondLst>
                                   <p:childTnLst>
                                     <p:set>
                                       <p:cBhvr>
-                                        <p:cTn id="44" dur="1" fill="hold">
+                                        <p:cTn id="46" dur="1" fill="hold">
                                           <p:stCondLst>
                                             <p:cond delay="0"/>
                                           </p:stCondLst>
                                         </p:cTn>
                                         <p:tgtEl>
-                                          <p:spTgt spid="32"/>
+                                          <p:spTgt spid="27"/>
                                         </p:tgtEl>
                                         <p:attrNameLst>
                                           <p:attrName>style.visibility</p:attrName>
@@ -10010,8 +9731,9 @@
       <p:bldP spid="8" grpId="1"/>
       <p:bldP spid="9" grpId="0"/>
       <p:bldP spid="9" grpId="1"/>
-      <p:bldP spid="10" grpId="0"/>
       <p:bldP spid="33" grpId="0"/>
+      <p:bldP spid="27" grpId="0" animBg="1"/>
+      <p:bldP spid="28" grpId="0"/>
     </p:bldLst>
   </p:timing>
 </p:sld>
@@ -10207,11 +9929,916 @@
       </p:sp>
       <p:sp>
         <p:nvSpPr>
-          <p:cNvPr id="6" name="Rectangle 5">
-            <a:hlinkClick r:id="rId3" action="ppaction://hlinksldjump"/>
+          <p:cNvPr id="7" name="TextBox 6">
             <a:extLst>
               <a:ext uri="{FF2B5EF4-FFF2-40B4-BE49-F238E27FC236}">
-                <a16:creationId xmlns:a16="http://schemas.microsoft.com/office/drawing/2014/main" id="{D968B729-2060-4FDB-E138-362E1F2AD354}"/>
+                <a16:creationId xmlns:a16="http://schemas.microsoft.com/office/drawing/2014/main" id="{F69343B4-CC08-A1D1-A44C-C59143827D69}"/>
+              </a:ext>
+            </a:extLst>
+          </p:cNvPr>
+          <p:cNvSpPr txBox="1"/>
+          <p:nvPr/>
+        </p:nvSpPr>
+        <p:spPr>
+          <a:xfrm>
+            <a:off x="5856977" y="3396959"/>
+            <a:ext cx="3228348" cy="646331"/>
+          </a:xfrm>
+          <a:prstGeom prst="rect">
+            <a:avLst/>
+          </a:prstGeom>
+          <a:noFill/>
+        </p:spPr>
+        <p:txBody>
+          <a:bodyPr wrap="square" rtlCol="0">
+            <a:spAutoFit/>
+          </a:bodyPr>
+          <a:lstStyle/>
+          <a:p>
+            <a:r>
+              <a:rPr lang="en-US" b="1" dirty="0">
+                <a:solidFill>
+                  <a:schemeClr val="bg1"/>
+                </a:solidFill>
+              </a:rPr>
+              <a:t>1. The user hits and draws a Queen, obtaining a blackjack</a:t>
+            </a:r>
+          </a:p>
+        </p:txBody>
+      </p:sp>
+      <p:sp>
+        <p:nvSpPr>
+          <p:cNvPr id="10" name="TextBox 9">
+            <a:extLst>
+              <a:ext uri="{FF2B5EF4-FFF2-40B4-BE49-F238E27FC236}">
+                <a16:creationId xmlns:a16="http://schemas.microsoft.com/office/drawing/2014/main" id="{84BA2770-1E75-3F78-543A-4F34C9E36414}"/>
+              </a:ext>
+            </a:extLst>
+          </p:cNvPr>
+          <p:cNvSpPr txBox="1"/>
+          <p:nvPr/>
+        </p:nvSpPr>
+        <p:spPr>
+          <a:xfrm>
+            <a:off x="10014894" y="3861285"/>
+            <a:ext cx="2552701" cy="923330"/>
+          </a:xfrm>
+          <a:prstGeom prst="rect">
+            <a:avLst/>
+          </a:prstGeom>
+          <a:noFill/>
+        </p:spPr>
+        <p:txBody>
+          <a:bodyPr wrap="square" rtlCol="0">
+            <a:spAutoFit/>
+          </a:bodyPr>
+          <a:lstStyle/>
+          <a:p>
+            <a:r>
+              <a:rPr lang="en-US" b="1" dirty="0">
+                <a:solidFill>
+                  <a:schemeClr val="bg1"/>
+                </a:solidFill>
+              </a:rPr>
+              <a:t>2. Player 4 hits, draws a 5 and stands with a value of 17</a:t>
+            </a:r>
+          </a:p>
+        </p:txBody>
+      </p:sp>
+      <p:sp>
+        <p:nvSpPr>
+          <p:cNvPr id="11" name="TextBox 10">
+            <a:extLst>
+              <a:ext uri="{FF2B5EF4-FFF2-40B4-BE49-F238E27FC236}">
+                <a16:creationId xmlns:a16="http://schemas.microsoft.com/office/drawing/2014/main" id="{8E5D23BE-4587-8142-6B23-00B490C4F7A2}"/>
+              </a:ext>
+            </a:extLst>
+          </p:cNvPr>
+          <p:cNvSpPr txBox="1"/>
+          <p:nvPr/>
+        </p:nvSpPr>
+        <p:spPr>
+          <a:xfrm>
+            <a:off x="4795520" y="2578060"/>
+            <a:ext cx="5262094" cy="707886"/>
+          </a:xfrm>
+          <a:prstGeom prst="rect">
+            <a:avLst/>
+          </a:prstGeom>
+          <a:noFill/>
+        </p:spPr>
+        <p:txBody>
+          <a:bodyPr wrap="square" rtlCol="0" anchor="ctr">
+            <a:spAutoFit/>
+          </a:bodyPr>
+          <a:lstStyle/>
+          <a:p>
+            <a:pPr algn="ctr"/>
+            <a:r>
+              <a:rPr lang="en-US" sz="4000" b="1" dirty="0">
+                <a:solidFill>
+                  <a:schemeClr val="bg1"/>
+                </a:solidFill>
+              </a:rPr>
+              <a:t>IF THE USER HITS</a:t>
+            </a:r>
+          </a:p>
+        </p:txBody>
+      </p:sp>
+      <p:pic>
+        <p:nvPicPr>
+          <p:cNvPr id="12" name="Picture 11" descr="A red and white poker chip&#10;&#10;AI-generated content may be incorrect.">
+            <a:extLst>
+              <a:ext uri="{FF2B5EF4-FFF2-40B4-BE49-F238E27FC236}">
+                <a16:creationId xmlns:a16="http://schemas.microsoft.com/office/drawing/2014/main" id="{857757BB-EF73-BAE1-197B-0CE42274FDC2}"/>
+              </a:ext>
+            </a:extLst>
+          </p:cNvPr>
+          <p:cNvPicPr>
+            <a:picLocks noChangeAspect="1"/>
+          </p:cNvPicPr>
+          <p:nvPr/>
+        </p:nvPicPr>
+        <p:blipFill>
+          <a:blip r:embed="rId3">
+            <a:extLst>
+              <a:ext uri="{28A0092B-C50C-407E-A947-70E740481C1C}">
+                <a14:useLocalDpi xmlns:a14="http://schemas.microsoft.com/office/drawing/2010/main" val="0"/>
+              </a:ext>
+            </a:extLst>
+          </a:blip>
+          <a:srcRect l="5000" t="5001" r="4850" b="5150"/>
+          <a:stretch/>
+        </p:blipFill>
+        <p:spPr>
+          <a:xfrm rot="760974">
+            <a:off x="5108822" y="5672381"/>
+            <a:ext cx="578943" cy="577016"/>
+          </a:xfrm>
+          <a:prstGeom prst="ellipse">
+            <a:avLst/>
+          </a:prstGeom>
+        </p:spPr>
+      </p:pic>
+      <p:pic>
+        <p:nvPicPr>
+          <p:cNvPr id="13" name="Picture 12" descr="A red and white poker chip&#10;&#10;AI-generated content may be incorrect.">
+            <a:extLst>
+              <a:ext uri="{FF2B5EF4-FFF2-40B4-BE49-F238E27FC236}">
+                <a16:creationId xmlns:a16="http://schemas.microsoft.com/office/drawing/2014/main" id="{0EB898EA-59C8-D663-E1F1-23D5A5D72602}"/>
+              </a:ext>
+            </a:extLst>
+          </p:cNvPr>
+          <p:cNvPicPr>
+            <a:picLocks noChangeAspect="1"/>
+          </p:cNvPicPr>
+          <p:nvPr/>
+        </p:nvPicPr>
+        <p:blipFill>
+          <a:blip r:embed="rId3">
+            <a:extLst>
+              <a:ext uri="{28A0092B-C50C-407E-A947-70E740481C1C}">
+                <a14:useLocalDpi xmlns:a14="http://schemas.microsoft.com/office/drawing/2010/main" val="0"/>
+              </a:ext>
+            </a:extLst>
+          </a:blip>
+          <a:srcRect l="5000" t="5001" r="4850" b="5150"/>
+          <a:stretch/>
+        </p:blipFill>
+        <p:spPr>
+          <a:xfrm rot="21431088">
+            <a:off x="7127769" y="5672382"/>
+            <a:ext cx="578943" cy="577016"/>
+          </a:xfrm>
+          <a:prstGeom prst="ellipse">
+            <a:avLst/>
+          </a:prstGeom>
+        </p:spPr>
+      </p:pic>
+      <p:pic>
+        <p:nvPicPr>
+          <p:cNvPr id="14" name="Picture 13" descr="A red and white poker chip&#10;&#10;AI-generated content may be incorrect.">
+            <a:extLst>
+              <a:ext uri="{FF2B5EF4-FFF2-40B4-BE49-F238E27FC236}">
+                <a16:creationId xmlns:a16="http://schemas.microsoft.com/office/drawing/2014/main" id="{D7BF4B9C-5183-8A2D-0D4D-2E676C5E2AD9}"/>
+              </a:ext>
+            </a:extLst>
+          </p:cNvPr>
+          <p:cNvPicPr>
+            <a:picLocks noChangeAspect="1"/>
+          </p:cNvPicPr>
+          <p:nvPr/>
+        </p:nvPicPr>
+        <p:blipFill>
+          <a:blip r:embed="rId3">
+            <a:extLst>
+              <a:ext uri="{28A0092B-C50C-407E-A947-70E740481C1C}">
+                <a14:useLocalDpi xmlns:a14="http://schemas.microsoft.com/office/drawing/2010/main" val="0"/>
+              </a:ext>
+            </a:extLst>
+          </a:blip>
+          <a:srcRect l="5000" t="5001" r="4850" b="5150"/>
+          <a:stretch/>
+        </p:blipFill>
+        <p:spPr>
+          <a:xfrm rot="20707865">
+            <a:off x="9057784" y="5593859"/>
+            <a:ext cx="578943" cy="577016"/>
+          </a:xfrm>
+          <a:prstGeom prst="ellipse">
+            <a:avLst/>
+          </a:prstGeom>
+        </p:spPr>
+      </p:pic>
+      <p:pic>
+        <p:nvPicPr>
+          <p:cNvPr id="17" name="Picture 16">
+            <a:extLst>
+              <a:ext uri="{FF2B5EF4-FFF2-40B4-BE49-F238E27FC236}">
+                <a16:creationId xmlns:a16="http://schemas.microsoft.com/office/drawing/2014/main" id="{1CA89EEB-73BA-1107-ABB4-B3073672A4B8}"/>
+              </a:ext>
+            </a:extLst>
+          </p:cNvPr>
+          <p:cNvPicPr>
+            <a:picLocks noChangeAspect="1"/>
+          </p:cNvPicPr>
+          <p:nvPr/>
+        </p:nvPicPr>
+        <p:blipFill>
+          <a:blip r:embed="rId4"/>
+          <a:stretch>
+            <a:fillRect/>
+          </a:stretch>
+        </p:blipFill>
+        <p:spPr>
+          <a:xfrm rot="1015425">
+            <a:off x="3248061" y="3921803"/>
+            <a:ext cx="526830" cy="823635"/>
+          </a:xfrm>
+          <a:prstGeom prst="rect">
+            <a:avLst/>
+          </a:prstGeom>
+        </p:spPr>
+      </p:pic>
+      <p:pic>
+        <p:nvPicPr>
+          <p:cNvPr id="18" name="Picture 17">
+            <a:extLst>
+              <a:ext uri="{FF2B5EF4-FFF2-40B4-BE49-F238E27FC236}">
+                <a16:creationId xmlns:a16="http://schemas.microsoft.com/office/drawing/2014/main" id="{3109D721-8FA0-0C30-5892-817ADD5BBF84}"/>
+              </a:ext>
+            </a:extLst>
+          </p:cNvPr>
+          <p:cNvPicPr>
+            <a:picLocks noChangeAspect="1"/>
+          </p:cNvPicPr>
+          <p:nvPr/>
+        </p:nvPicPr>
+        <p:blipFill>
+          <a:blip r:embed="rId5"/>
+          <a:stretch>
+            <a:fillRect/>
+          </a:stretch>
+        </p:blipFill>
+        <p:spPr>
+          <a:xfrm rot="945597">
+            <a:off x="3567961" y="4030245"/>
+            <a:ext cx="518709" cy="785169"/>
+          </a:xfrm>
+          <a:prstGeom prst="rect">
+            <a:avLst/>
+          </a:prstGeom>
+        </p:spPr>
+      </p:pic>
+      <p:pic>
+        <p:nvPicPr>
+          <p:cNvPr id="19" name="Picture 18">
+            <a:extLst>
+              <a:ext uri="{FF2B5EF4-FFF2-40B4-BE49-F238E27FC236}">
+                <a16:creationId xmlns:a16="http://schemas.microsoft.com/office/drawing/2014/main" id="{9313D854-3336-3E31-7C6A-0AE0E7B6C9D5}"/>
+              </a:ext>
+            </a:extLst>
+          </p:cNvPr>
+          <p:cNvPicPr>
+            <a:picLocks noChangeAspect="1"/>
+          </p:cNvPicPr>
+          <p:nvPr/>
+        </p:nvPicPr>
+        <p:blipFill>
+          <a:blip r:embed="rId6"/>
+          <a:stretch>
+            <a:fillRect/>
+          </a:stretch>
+        </p:blipFill>
+        <p:spPr>
+          <a:xfrm rot="607984">
+            <a:off x="5050970" y="4194988"/>
+            <a:ext cx="572458" cy="880704"/>
+          </a:xfrm>
+          <a:prstGeom prst="rect">
+            <a:avLst/>
+          </a:prstGeom>
+        </p:spPr>
+      </p:pic>
+      <p:pic>
+        <p:nvPicPr>
+          <p:cNvPr id="20" name="Picture 19">
+            <a:extLst>
+              <a:ext uri="{FF2B5EF4-FFF2-40B4-BE49-F238E27FC236}">
+                <a16:creationId xmlns:a16="http://schemas.microsoft.com/office/drawing/2014/main" id="{8B8F4556-2FC6-BF42-1732-D0EC50599E20}"/>
+              </a:ext>
+            </a:extLst>
+          </p:cNvPr>
+          <p:cNvPicPr>
+            <a:picLocks noChangeAspect="1"/>
+          </p:cNvPicPr>
+          <p:nvPr/>
+        </p:nvPicPr>
+        <p:blipFill>
+          <a:blip r:embed="rId7"/>
+          <a:stretch>
+            <a:fillRect/>
+          </a:stretch>
+        </p:blipFill>
+        <p:spPr>
+          <a:xfrm rot="493982">
+            <a:off x="5391313" y="4251607"/>
+            <a:ext cx="610247" cy="915371"/>
+          </a:xfrm>
+          <a:prstGeom prst="rect">
+            <a:avLst/>
+          </a:prstGeom>
+        </p:spPr>
+      </p:pic>
+      <p:pic>
+        <p:nvPicPr>
+          <p:cNvPr id="21" name="Picture 20">
+            <a:extLst>
+              <a:ext uri="{FF2B5EF4-FFF2-40B4-BE49-F238E27FC236}">
+                <a16:creationId xmlns:a16="http://schemas.microsoft.com/office/drawing/2014/main" id="{C013BB15-86CC-8517-B984-A29E62E09586}"/>
+              </a:ext>
+            </a:extLst>
+          </p:cNvPr>
+          <p:cNvPicPr>
+            <a:picLocks noChangeAspect="1"/>
+          </p:cNvPicPr>
+          <p:nvPr/>
+        </p:nvPicPr>
+        <p:blipFill>
+          <a:blip r:embed="rId8"/>
+          <a:stretch>
+            <a:fillRect/>
+          </a:stretch>
+        </p:blipFill>
+        <p:spPr>
+          <a:xfrm>
+            <a:off x="6800149" y="4408171"/>
+            <a:ext cx="513440" cy="786094"/>
+          </a:xfrm>
+          <a:prstGeom prst="rect">
+            <a:avLst/>
+          </a:prstGeom>
+        </p:spPr>
+      </p:pic>
+      <p:pic>
+        <p:nvPicPr>
+          <p:cNvPr id="22" name="Picture 21">
+            <a:extLst>
+              <a:ext uri="{FF2B5EF4-FFF2-40B4-BE49-F238E27FC236}">
+                <a16:creationId xmlns:a16="http://schemas.microsoft.com/office/drawing/2014/main" id="{3ECDC7CD-7AE3-B12B-A083-CFEF7A3CDCEC}"/>
+              </a:ext>
+            </a:extLst>
+          </p:cNvPr>
+          <p:cNvPicPr>
+            <a:picLocks noChangeAspect="1"/>
+          </p:cNvPicPr>
+          <p:nvPr/>
+        </p:nvPicPr>
+        <p:blipFill>
+          <a:blip r:embed="rId9"/>
+          <a:stretch>
+            <a:fillRect/>
+          </a:stretch>
+        </p:blipFill>
+        <p:spPr>
+          <a:xfrm>
+            <a:off x="7149344" y="4407125"/>
+            <a:ext cx="531202" cy="794971"/>
+          </a:xfrm>
+          <a:prstGeom prst="rect">
+            <a:avLst/>
+          </a:prstGeom>
+        </p:spPr>
+      </p:pic>
+      <p:pic>
+        <p:nvPicPr>
+          <p:cNvPr id="23" name="Picture 22">
+            <a:extLst>
+              <a:ext uri="{FF2B5EF4-FFF2-40B4-BE49-F238E27FC236}">
+                <a16:creationId xmlns:a16="http://schemas.microsoft.com/office/drawing/2014/main" id="{18EAC5D1-6C2F-7F05-0160-D8E218C1A5E9}"/>
+              </a:ext>
+            </a:extLst>
+          </p:cNvPr>
+          <p:cNvPicPr>
+            <a:picLocks noChangeAspect="1"/>
+          </p:cNvPicPr>
+          <p:nvPr/>
+        </p:nvPicPr>
+        <p:blipFill>
+          <a:blip r:embed="rId10"/>
+          <a:stretch>
+            <a:fillRect/>
+          </a:stretch>
+        </p:blipFill>
+        <p:spPr>
+          <a:xfrm rot="21181036">
+            <a:off x="8557526" y="4277479"/>
+            <a:ext cx="580388" cy="884788"/>
+          </a:xfrm>
+          <a:prstGeom prst="rect">
+            <a:avLst/>
+          </a:prstGeom>
+        </p:spPr>
+      </p:pic>
+      <p:pic>
+        <p:nvPicPr>
+          <p:cNvPr id="24" name="Picture 23">
+            <a:extLst>
+              <a:ext uri="{FF2B5EF4-FFF2-40B4-BE49-F238E27FC236}">
+                <a16:creationId xmlns:a16="http://schemas.microsoft.com/office/drawing/2014/main" id="{C1841CE9-C468-EA97-BEED-1E1F92E21C02}"/>
+              </a:ext>
+            </a:extLst>
+          </p:cNvPr>
+          <p:cNvPicPr>
+            <a:picLocks noChangeAspect="1"/>
+          </p:cNvPicPr>
+          <p:nvPr/>
+        </p:nvPicPr>
+        <p:blipFill>
+          <a:blip r:embed="rId11"/>
+          <a:stretch>
+            <a:fillRect/>
+          </a:stretch>
+        </p:blipFill>
+        <p:spPr>
+          <a:xfrm rot="21263436">
+            <a:off x="8899274" y="4212273"/>
+            <a:ext cx="615428" cy="942508"/>
+          </a:xfrm>
+          <a:prstGeom prst="rect">
+            <a:avLst/>
+          </a:prstGeom>
+        </p:spPr>
+      </p:pic>
+      <p:pic>
+        <p:nvPicPr>
+          <p:cNvPr id="25" name="Picture 24">
+            <a:extLst>
+              <a:ext uri="{FF2B5EF4-FFF2-40B4-BE49-F238E27FC236}">
+                <a16:creationId xmlns:a16="http://schemas.microsoft.com/office/drawing/2014/main" id="{4210AEF1-20FB-8DF4-119D-3BF1BFE50DB6}"/>
+              </a:ext>
+            </a:extLst>
+          </p:cNvPr>
+          <p:cNvPicPr>
+            <a:picLocks noChangeAspect="1"/>
+          </p:cNvPicPr>
+          <p:nvPr/>
+        </p:nvPicPr>
+        <p:blipFill>
+          <a:blip r:embed="rId12"/>
+          <a:stretch>
+            <a:fillRect/>
+          </a:stretch>
+        </p:blipFill>
+        <p:spPr>
+          <a:xfrm rot="877911">
+            <a:off x="3820109" y="4081234"/>
+            <a:ext cx="561947" cy="860604"/>
+          </a:xfrm>
+          <a:prstGeom prst="rect">
+            <a:avLst/>
+          </a:prstGeom>
+        </p:spPr>
+      </p:pic>
+      <p:pic>
+        <p:nvPicPr>
+          <p:cNvPr id="26" name="Picture 25">
+            <a:extLst>
+              <a:ext uri="{FF2B5EF4-FFF2-40B4-BE49-F238E27FC236}">
+                <a16:creationId xmlns:a16="http://schemas.microsoft.com/office/drawing/2014/main" id="{E000E63E-FA73-4380-44AE-7DF98683F650}"/>
+              </a:ext>
+            </a:extLst>
+          </p:cNvPr>
+          <p:cNvPicPr>
+            <a:picLocks noChangeAspect="1"/>
+          </p:cNvPicPr>
+          <p:nvPr/>
+        </p:nvPicPr>
+        <p:blipFill>
+          <a:blip r:embed="rId13"/>
+          <a:stretch>
+            <a:fillRect/>
+          </a:stretch>
+        </p:blipFill>
+        <p:spPr>
+          <a:xfrm rot="491473">
+            <a:off x="5636779" y="4313323"/>
+            <a:ext cx="596663" cy="901167"/>
+          </a:xfrm>
+          <a:prstGeom prst="rect">
+            <a:avLst/>
+          </a:prstGeom>
+        </p:spPr>
+      </p:pic>
+      <p:pic>
+        <p:nvPicPr>
+          <p:cNvPr id="29" name="Picture 28" descr="A rectangular blue and white rectangular pattern&#10;&#10;AI-generated content may be incorrect.">
+            <a:extLst>
+              <a:ext uri="{FF2B5EF4-FFF2-40B4-BE49-F238E27FC236}">
+                <a16:creationId xmlns:a16="http://schemas.microsoft.com/office/drawing/2014/main" id="{30E16840-039D-70A0-70C2-FFD3AE4D1F42}"/>
+              </a:ext>
+            </a:extLst>
+          </p:cNvPr>
+          <p:cNvPicPr>
+            <a:picLocks noChangeAspect="1"/>
+          </p:cNvPicPr>
+          <p:nvPr/>
+        </p:nvPicPr>
+        <p:blipFill>
+          <a:blip r:embed="rId14">
+            <a:extLst>
+              <a:ext uri="{28A0092B-C50C-407E-A947-70E740481C1C}">
+                <a14:useLocalDpi xmlns:a14="http://schemas.microsoft.com/office/drawing/2010/main" val="0"/>
+              </a:ext>
+            </a:extLst>
+          </a:blip>
+          <a:stretch>
+            <a:fillRect/>
+          </a:stretch>
+        </p:blipFill>
+        <p:spPr>
+          <a:xfrm>
+            <a:off x="7217192" y="287977"/>
+            <a:ext cx="663256" cy="926741"/>
+          </a:xfrm>
+          <a:prstGeom prst="rect">
+            <a:avLst/>
+          </a:prstGeom>
+        </p:spPr>
+      </p:pic>
+      <p:pic>
+        <p:nvPicPr>
+          <p:cNvPr id="30" name="Picture 29">
+            <a:extLst>
+              <a:ext uri="{FF2B5EF4-FFF2-40B4-BE49-F238E27FC236}">
+                <a16:creationId xmlns:a16="http://schemas.microsoft.com/office/drawing/2014/main" id="{57FFA964-535B-7E78-B7A1-16B4BC6D4BBF}"/>
+              </a:ext>
+            </a:extLst>
+          </p:cNvPr>
+          <p:cNvPicPr>
+            <a:picLocks noChangeAspect="1"/>
+          </p:cNvPicPr>
+          <p:nvPr/>
+        </p:nvPicPr>
+        <p:blipFill>
+          <a:blip r:embed="rId15"/>
+          <a:stretch>
+            <a:fillRect/>
+          </a:stretch>
+        </p:blipFill>
+        <p:spPr>
+          <a:xfrm>
+            <a:off x="6305049" y="250475"/>
+            <a:ext cx="663255" cy="1001743"/>
+          </a:xfrm>
+          <a:prstGeom prst="rect">
+            <a:avLst/>
+          </a:prstGeom>
+        </p:spPr>
+      </p:pic>
+      <p:pic>
+        <p:nvPicPr>
+          <p:cNvPr id="8" name="Picture 7">
+            <a:extLst>
+              <a:ext uri="{FF2B5EF4-FFF2-40B4-BE49-F238E27FC236}">
+                <a16:creationId xmlns:a16="http://schemas.microsoft.com/office/drawing/2014/main" id="{35A02EF0-8F7A-034A-8C86-643A48DD7080}"/>
+              </a:ext>
+            </a:extLst>
+          </p:cNvPr>
+          <p:cNvPicPr>
+            <a:picLocks noChangeAspect="1"/>
+          </p:cNvPicPr>
+          <p:nvPr/>
+        </p:nvPicPr>
+        <p:blipFill>
+          <a:blip r:embed="rId16"/>
+          <a:stretch>
+            <a:fillRect/>
+          </a:stretch>
+        </p:blipFill>
+        <p:spPr>
+          <a:xfrm>
+            <a:off x="7451789" y="4418715"/>
+            <a:ext cx="510961" cy="786095"/>
+          </a:xfrm>
+          <a:prstGeom prst="rect">
+            <a:avLst/>
+          </a:prstGeom>
+        </p:spPr>
+      </p:pic>
+      <p:pic>
+        <p:nvPicPr>
+          <p:cNvPr id="31" name="Picture 30">
+            <a:extLst>
+              <a:ext uri="{FF2B5EF4-FFF2-40B4-BE49-F238E27FC236}">
+                <a16:creationId xmlns:a16="http://schemas.microsoft.com/office/drawing/2014/main" id="{5B8DE75D-8263-5F3F-A3F2-69629F8F6CFA}"/>
+              </a:ext>
+            </a:extLst>
+          </p:cNvPr>
+          <p:cNvPicPr>
+            <a:picLocks noChangeAspect="1"/>
+          </p:cNvPicPr>
+          <p:nvPr/>
+        </p:nvPicPr>
+        <p:blipFill>
+          <a:blip r:embed="rId17"/>
+          <a:stretch>
+            <a:fillRect/>
+          </a:stretch>
+        </p:blipFill>
+        <p:spPr>
+          <a:xfrm rot="21104447">
+            <a:off x="9224519" y="4104863"/>
+            <a:ext cx="647612" cy="1013847"/>
+          </a:xfrm>
+          <a:prstGeom prst="rect">
+            <a:avLst/>
+          </a:prstGeom>
+        </p:spPr>
+      </p:pic>
+      <p:sp>
+        <p:nvSpPr>
+          <p:cNvPr id="32" name="TextBox 31">
+            <a:extLst>
+              <a:ext uri="{FF2B5EF4-FFF2-40B4-BE49-F238E27FC236}">
+                <a16:creationId xmlns:a16="http://schemas.microsoft.com/office/drawing/2014/main" id="{40EAB87A-D329-B4D3-F9D0-38912B292A20}"/>
+              </a:ext>
+            </a:extLst>
+          </p:cNvPr>
+          <p:cNvSpPr txBox="1"/>
+          <p:nvPr/>
+        </p:nvSpPr>
+        <p:spPr>
+          <a:xfrm>
+            <a:off x="8009432" y="338905"/>
+            <a:ext cx="4096364" cy="923330"/>
+          </a:xfrm>
+          <a:prstGeom prst="rect">
+            <a:avLst/>
+          </a:prstGeom>
+          <a:noFill/>
+        </p:spPr>
+        <p:txBody>
+          <a:bodyPr wrap="square" rtlCol="0">
+            <a:spAutoFit/>
+          </a:bodyPr>
+          <a:lstStyle/>
+          <a:p>
+            <a:r>
+              <a:rPr lang="en-US" b="1" dirty="0">
+                <a:solidFill>
+                  <a:schemeClr val="bg1"/>
+                </a:solidFill>
+              </a:rPr>
+              <a:t>3. Dealer flips over the face-down card and reveals an ace, giving a value of 17 and forcing them to stand</a:t>
+            </a:r>
+          </a:p>
+        </p:txBody>
+      </p:sp>
+      <p:pic>
+        <p:nvPicPr>
+          <p:cNvPr id="33" name="Picture 32">
+            <a:extLst>
+              <a:ext uri="{FF2B5EF4-FFF2-40B4-BE49-F238E27FC236}">
+                <a16:creationId xmlns:a16="http://schemas.microsoft.com/office/drawing/2014/main" id="{A77BFAEA-5B5D-9002-A1B9-C44F7C12E6EA}"/>
+              </a:ext>
+            </a:extLst>
+          </p:cNvPr>
+          <p:cNvPicPr>
+            <a:picLocks noChangeAspect="1"/>
+          </p:cNvPicPr>
+          <p:nvPr/>
+        </p:nvPicPr>
+        <p:blipFill>
+          <a:blip r:embed="rId18"/>
+          <a:stretch>
+            <a:fillRect/>
+          </a:stretch>
+        </p:blipFill>
+        <p:spPr>
+          <a:xfrm>
+            <a:off x="7364423" y="261451"/>
+            <a:ext cx="647829" cy="1000784"/>
+          </a:xfrm>
+          <a:prstGeom prst="rect">
+            <a:avLst/>
+          </a:prstGeom>
+        </p:spPr>
+      </p:pic>
+      <p:sp>
+        <p:nvSpPr>
+          <p:cNvPr id="34" name="TextBox 33">
+            <a:extLst>
+              <a:ext uri="{FF2B5EF4-FFF2-40B4-BE49-F238E27FC236}">
+                <a16:creationId xmlns:a16="http://schemas.microsoft.com/office/drawing/2014/main" id="{3D2083F4-A806-C63D-DB8C-0A8A03F0CA82}"/>
+              </a:ext>
+            </a:extLst>
+          </p:cNvPr>
+          <p:cNvSpPr txBox="1"/>
+          <p:nvPr/>
+        </p:nvSpPr>
+        <p:spPr>
+          <a:xfrm>
+            <a:off x="1835181" y="3166300"/>
+            <a:ext cx="4096364" cy="646331"/>
+          </a:xfrm>
+          <a:prstGeom prst="rect">
+            <a:avLst/>
+          </a:prstGeom>
+          <a:noFill/>
+        </p:spPr>
+        <p:txBody>
+          <a:bodyPr wrap="square" rtlCol="0">
+            <a:spAutoFit/>
+          </a:bodyPr>
+          <a:lstStyle/>
+          <a:p>
+            <a:r>
+              <a:rPr lang="en-US" b="1" dirty="0">
+                <a:solidFill>
+                  <a:schemeClr val="bg1"/>
+                </a:solidFill>
+              </a:rPr>
+              <a:t>4. Player 2, with a total value of 19, receives a payout equal to their bet</a:t>
+            </a:r>
+          </a:p>
+        </p:txBody>
+      </p:sp>
+      <p:pic>
+        <p:nvPicPr>
+          <p:cNvPr id="35" name="Picture 34" descr="A red and white poker chip&#10;&#10;AI-generated content may be incorrect.">
+            <a:extLst>
+              <a:ext uri="{FF2B5EF4-FFF2-40B4-BE49-F238E27FC236}">
+                <a16:creationId xmlns:a16="http://schemas.microsoft.com/office/drawing/2014/main" id="{44C140E5-A910-6FD4-9CFF-03F9158F6B00}"/>
+              </a:ext>
+            </a:extLst>
+          </p:cNvPr>
+          <p:cNvPicPr>
+            <a:picLocks noChangeAspect="1"/>
+          </p:cNvPicPr>
+          <p:nvPr/>
+        </p:nvPicPr>
+        <p:blipFill>
+          <a:blip r:embed="rId3">
+            <a:extLst>
+              <a:ext uri="{28A0092B-C50C-407E-A947-70E740481C1C}">
+                <a14:useLocalDpi xmlns:a14="http://schemas.microsoft.com/office/drawing/2010/main" val="0"/>
+              </a:ext>
+            </a:extLst>
+          </a:blip>
+          <a:srcRect l="5000" t="5001" r="4850" b="5150"/>
+          <a:stretch/>
+        </p:blipFill>
+        <p:spPr>
+          <a:xfrm rot="760974">
+            <a:off x="4995232" y="6296009"/>
+            <a:ext cx="578943" cy="577016"/>
+          </a:xfrm>
+          <a:prstGeom prst="ellipse">
+            <a:avLst/>
+          </a:prstGeom>
+        </p:spPr>
+      </p:pic>
+      <p:sp>
+        <p:nvSpPr>
+          <p:cNvPr id="36" name="TextBox 35">
+            <a:extLst>
+              <a:ext uri="{FF2B5EF4-FFF2-40B4-BE49-F238E27FC236}">
+                <a16:creationId xmlns:a16="http://schemas.microsoft.com/office/drawing/2014/main" id="{15D3FA62-17B1-1BC0-8373-4A0B34ED7F51}"/>
+              </a:ext>
+            </a:extLst>
+          </p:cNvPr>
+          <p:cNvSpPr txBox="1"/>
+          <p:nvPr/>
+        </p:nvSpPr>
+        <p:spPr>
+          <a:xfrm>
+            <a:off x="9218002" y="3166300"/>
+            <a:ext cx="4096364" cy="646331"/>
+          </a:xfrm>
+          <a:prstGeom prst="rect">
+            <a:avLst/>
+          </a:prstGeom>
+          <a:noFill/>
+        </p:spPr>
+        <p:txBody>
+          <a:bodyPr wrap="square" rtlCol="0">
+            <a:spAutoFit/>
+          </a:bodyPr>
+          <a:lstStyle/>
+          <a:p>
+            <a:r>
+              <a:rPr lang="en-US" b="1" dirty="0">
+                <a:solidFill>
+                  <a:schemeClr val="bg1"/>
+                </a:solidFill>
+              </a:rPr>
+              <a:t>5. The user, with a blackjack, receives a payout equal to their bet</a:t>
+            </a:r>
+          </a:p>
+        </p:txBody>
+      </p:sp>
+      <p:pic>
+        <p:nvPicPr>
+          <p:cNvPr id="37" name="Picture 36" descr="A red and white poker chip&#10;&#10;AI-generated content may be incorrect.">
+            <a:extLst>
+              <a:ext uri="{FF2B5EF4-FFF2-40B4-BE49-F238E27FC236}">
+                <a16:creationId xmlns:a16="http://schemas.microsoft.com/office/drawing/2014/main" id="{DBDA5171-C777-5F1D-5EAB-DA8CD9C61A26}"/>
+              </a:ext>
+            </a:extLst>
+          </p:cNvPr>
+          <p:cNvPicPr>
+            <a:picLocks noChangeAspect="1"/>
+          </p:cNvPicPr>
+          <p:nvPr/>
+        </p:nvPicPr>
+        <p:blipFill>
+          <a:blip r:embed="rId3">
+            <a:extLst>
+              <a:ext uri="{28A0092B-C50C-407E-A947-70E740481C1C}">
+                <a14:useLocalDpi xmlns:a14="http://schemas.microsoft.com/office/drawing/2010/main" val="0"/>
+              </a:ext>
+            </a:extLst>
+          </a:blip>
+          <a:srcRect l="5000" t="5001" r="4850" b="5150"/>
+          <a:stretch/>
+        </p:blipFill>
+        <p:spPr>
+          <a:xfrm rot="760974">
+            <a:off x="7106499" y="6362428"/>
+            <a:ext cx="578943" cy="577016"/>
+          </a:xfrm>
+          <a:prstGeom prst="ellipse">
+            <a:avLst/>
+          </a:prstGeom>
+        </p:spPr>
+      </p:pic>
+      <p:sp>
+        <p:nvSpPr>
+          <p:cNvPr id="38" name="TextBox 37">
+            <a:extLst>
+              <a:ext uri="{FF2B5EF4-FFF2-40B4-BE49-F238E27FC236}">
+                <a16:creationId xmlns:a16="http://schemas.microsoft.com/office/drawing/2014/main" id="{6F26170B-7D50-266E-04A2-39F8C91D514E}"/>
+              </a:ext>
+            </a:extLst>
+          </p:cNvPr>
+          <p:cNvSpPr txBox="1"/>
+          <p:nvPr/>
+        </p:nvSpPr>
+        <p:spPr>
+          <a:xfrm>
+            <a:off x="10245303" y="6689414"/>
+            <a:ext cx="4096364" cy="646331"/>
+          </a:xfrm>
+          <a:prstGeom prst="rect">
+            <a:avLst/>
+          </a:prstGeom>
+          <a:noFill/>
+        </p:spPr>
+        <p:txBody>
+          <a:bodyPr wrap="square" rtlCol="0">
+            <a:spAutoFit/>
+          </a:bodyPr>
+          <a:lstStyle/>
+          <a:p>
+            <a:r>
+              <a:rPr lang="en-US" b="1" dirty="0">
+                <a:solidFill>
+                  <a:schemeClr val="bg1"/>
+                </a:solidFill>
+              </a:rPr>
+              <a:t>6. Player 4, with a value of 17, keeps their bet but receives no payout</a:t>
+            </a:r>
+          </a:p>
+        </p:txBody>
+      </p:sp>
+      <p:sp>
+        <p:nvSpPr>
+          <p:cNvPr id="39" name="Rectangle 38">
+            <a:hlinkClick r:id="rId19" action="ppaction://hlinksldjump"/>
+            <a:extLst>
+              <a:ext uri="{FF2B5EF4-FFF2-40B4-BE49-F238E27FC236}">
+                <a16:creationId xmlns:a16="http://schemas.microsoft.com/office/drawing/2014/main" id="{483409A2-CC10-CA69-4CD0-ADC738D337DD}"/>
               </a:ext>
             </a:extLst>
           </p:cNvPr>
@@ -10220,14 +10847,16 @@
         </p:nvSpPr>
         <p:spPr>
           <a:xfrm>
-            <a:off x="476250" y="6953525"/>
-            <a:ext cx="1348740" cy="730969"/>
+            <a:off x="656004" y="6799446"/>
+            <a:ext cx="1542229" cy="730969"/>
           </a:xfrm>
           <a:prstGeom prst="rect">
             <a:avLst/>
           </a:prstGeom>
           <a:solidFill>
-            <a:srgbClr val="FF0000"/>
+            <a:schemeClr val="bg2">
+              <a:lumMod val="50000"/>
+            </a:schemeClr>
           </a:solidFill>
           <a:ln>
             <a:solidFill>
@@ -10258,17 +10887,17 @@
             <a:pPr algn="ctr"/>
             <a:r>
               <a:rPr lang="en-US" dirty="0"/>
-              <a:t>Stand</a:t>
+              <a:t>Leave Game</a:t>
             </a:r>
           </a:p>
         </p:txBody>
       </p:sp>
       <p:sp>
         <p:nvSpPr>
-          <p:cNvPr id="7" name="TextBox 6">
+          <p:cNvPr id="40" name="TextBox 39">
             <a:extLst>
               <a:ext uri="{FF2B5EF4-FFF2-40B4-BE49-F238E27FC236}">
-                <a16:creationId xmlns:a16="http://schemas.microsoft.com/office/drawing/2014/main" id="{F69343B4-CC08-A1D1-A44C-C59143827D69}"/>
+                <a16:creationId xmlns:a16="http://schemas.microsoft.com/office/drawing/2014/main" id="{FE35E5D9-7E55-769A-35BF-11C016C61786}"/>
               </a:ext>
             </a:extLst>
           </p:cNvPr>
@@ -10277,8 +10906,8 @@
         </p:nvSpPr>
         <p:spPr>
           <a:xfrm>
-            <a:off x="5856977" y="3396959"/>
-            <a:ext cx="3115935" cy="646331"/>
+            <a:off x="2473027" y="7504386"/>
+            <a:ext cx="3331065" cy="646331"/>
           </a:xfrm>
           <a:prstGeom prst="rect">
             <a:avLst/>
@@ -10297,653 +10926,11 @@
                   <a:schemeClr val="bg1"/>
                 </a:solidFill>
               </a:rPr>
-              <a:t>1. The user hits and draws a 9, obtaining a value of 20</a:t>
+              <a:t>7. A button appears, returning the user to the landing page</a:t>
             </a:r>
           </a:p>
         </p:txBody>
       </p:sp>
-      <p:sp>
-        <p:nvSpPr>
-          <p:cNvPr id="9" name="Rectangle 8">
-            <a:hlinkClick r:id="rId4" action="ppaction://hlinksldjump"/>
-            <a:extLst>
-              <a:ext uri="{FF2B5EF4-FFF2-40B4-BE49-F238E27FC236}">
-                <a16:creationId xmlns:a16="http://schemas.microsoft.com/office/drawing/2014/main" id="{CBEF2271-DA56-79CD-4071-7E14E1EAEB84}"/>
-              </a:ext>
-            </a:extLst>
-          </p:cNvPr>
-          <p:cNvSpPr/>
-          <p:nvPr/>
-        </p:nvSpPr>
-        <p:spPr>
-          <a:xfrm>
-            <a:off x="12378690" y="6553751"/>
-            <a:ext cx="1348740" cy="730969"/>
-          </a:xfrm>
-          <a:prstGeom prst="rect">
-            <a:avLst/>
-          </a:prstGeom>
-          <a:solidFill>
-            <a:srgbClr val="92D050"/>
-          </a:solidFill>
-          <a:ln>
-            <a:solidFill>
-              <a:schemeClr val="tx1"/>
-            </a:solidFill>
-          </a:ln>
-        </p:spPr>
-        <p:style>
-          <a:lnRef idx="2">
-            <a:schemeClr val="accent1">
-              <a:shade val="15000"/>
-            </a:schemeClr>
-          </a:lnRef>
-          <a:fillRef idx="1">
-            <a:schemeClr val="accent1"/>
-          </a:fillRef>
-          <a:effectRef idx="0">
-            <a:schemeClr val="accent1"/>
-          </a:effectRef>
-          <a:fontRef idx="minor">
-            <a:schemeClr val="lt1"/>
-          </a:fontRef>
-        </p:style>
-        <p:txBody>
-          <a:bodyPr rtlCol="0" anchor="ctr"/>
-          <a:lstStyle/>
-          <a:p>
-            <a:pPr algn="ctr"/>
-            <a:r>
-              <a:rPr lang="en-US" dirty="0">
-                <a:solidFill>
-                  <a:schemeClr val="tx1"/>
-                </a:solidFill>
-              </a:rPr>
-              <a:t>Hit</a:t>
-            </a:r>
-          </a:p>
-        </p:txBody>
-      </p:sp>
-      <p:sp>
-        <p:nvSpPr>
-          <p:cNvPr id="10" name="TextBox 9">
-            <a:extLst>
-              <a:ext uri="{FF2B5EF4-FFF2-40B4-BE49-F238E27FC236}">
-                <a16:creationId xmlns:a16="http://schemas.microsoft.com/office/drawing/2014/main" id="{84BA2770-1E75-3F78-543A-4F34C9E36414}"/>
-              </a:ext>
-            </a:extLst>
-          </p:cNvPr>
-          <p:cNvSpPr txBox="1"/>
-          <p:nvPr/>
-        </p:nvSpPr>
-        <p:spPr>
-          <a:xfrm>
-            <a:off x="8061007" y="7437557"/>
-            <a:ext cx="2552701" cy="646331"/>
-          </a:xfrm>
-          <a:prstGeom prst="rect">
-            <a:avLst/>
-          </a:prstGeom>
-          <a:noFill/>
-        </p:spPr>
-        <p:txBody>
-          <a:bodyPr wrap="square" rtlCol="0">
-            <a:spAutoFit/>
-          </a:bodyPr>
-          <a:lstStyle/>
-          <a:p>
-            <a:r>
-              <a:rPr lang="en-US" b="1" dirty="0">
-                <a:solidFill>
-                  <a:schemeClr val="bg1"/>
-                </a:solidFill>
-              </a:rPr>
-              <a:t>2. The user is given the option to stand or hit</a:t>
-            </a:r>
-          </a:p>
-        </p:txBody>
-      </p:sp>
-      <p:sp>
-        <p:nvSpPr>
-          <p:cNvPr id="11" name="TextBox 10">
-            <a:extLst>
-              <a:ext uri="{FF2B5EF4-FFF2-40B4-BE49-F238E27FC236}">
-                <a16:creationId xmlns:a16="http://schemas.microsoft.com/office/drawing/2014/main" id="{8E5D23BE-4587-8142-6B23-00B490C4F7A2}"/>
-              </a:ext>
-            </a:extLst>
-          </p:cNvPr>
-          <p:cNvSpPr txBox="1"/>
-          <p:nvPr/>
-        </p:nvSpPr>
-        <p:spPr>
-          <a:xfrm>
-            <a:off x="4795520" y="2578060"/>
-            <a:ext cx="5262094" cy="707886"/>
-          </a:xfrm>
-          <a:prstGeom prst="rect">
-            <a:avLst/>
-          </a:prstGeom>
-          <a:noFill/>
-        </p:spPr>
-        <p:txBody>
-          <a:bodyPr wrap="square" rtlCol="0" anchor="ctr">
-            <a:spAutoFit/>
-          </a:bodyPr>
-          <a:lstStyle/>
-          <a:p>
-            <a:pPr algn="ctr"/>
-            <a:r>
-              <a:rPr lang="en-US" sz="4000" b="1" dirty="0">
-                <a:solidFill>
-                  <a:schemeClr val="bg1"/>
-                </a:solidFill>
-              </a:rPr>
-              <a:t>IF THE USER HITS</a:t>
-            </a:r>
-          </a:p>
-        </p:txBody>
-      </p:sp>
-      <p:pic>
-        <p:nvPicPr>
-          <p:cNvPr id="12" name="Picture 11" descr="A red and white poker chip&#10;&#10;AI-generated content may be incorrect.">
-            <a:extLst>
-              <a:ext uri="{FF2B5EF4-FFF2-40B4-BE49-F238E27FC236}">
-                <a16:creationId xmlns:a16="http://schemas.microsoft.com/office/drawing/2014/main" id="{857757BB-EF73-BAE1-197B-0CE42274FDC2}"/>
-              </a:ext>
-            </a:extLst>
-          </p:cNvPr>
-          <p:cNvPicPr>
-            <a:picLocks noChangeAspect="1"/>
-          </p:cNvPicPr>
-          <p:nvPr/>
-        </p:nvPicPr>
-        <p:blipFill>
-          <a:blip r:embed="rId5">
-            <a:extLst>
-              <a:ext uri="{28A0092B-C50C-407E-A947-70E740481C1C}">
-                <a14:useLocalDpi xmlns:a14="http://schemas.microsoft.com/office/drawing/2010/main" val="0"/>
-              </a:ext>
-            </a:extLst>
-          </a:blip>
-          <a:srcRect l="5000" t="5001" r="4850" b="5150"/>
-          <a:stretch/>
-        </p:blipFill>
-        <p:spPr>
-          <a:xfrm rot="760974">
-            <a:off x="5108822" y="5672381"/>
-            <a:ext cx="578943" cy="577016"/>
-          </a:xfrm>
-          <a:prstGeom prst="ellipse">
-            <a:avLst/>
-          </a:prstGeom>
-        </p:spPr>
-      </p:pic>
-      <p:pic>
-        <p:nvPicPr>
-          <p:cNvPr id="13" name="Picture 12" descr="A red and white poker chip&#10;&#10;AI-generated content may be incorrect.">
-            <a:extLst>
-              <a:ext uri="{FF2B5EF4-FFF2-40B4-BE49-F238E27FC236}">
-                <a16:creationId xmlns:a16="http://schemas.microsoft.com/office/drawing/2014/main" id="{0EB898EA-59C8-D663-E1F1-23D5A5D72602}"/>
-              </a:ext>
-            </a:extLst>
-          </p:cNvPr>
-          <p:cNvPicPr>
-            <a:picLocks noChangeAspect="1"/>
-          </p:cNvPicPr>
-          <p:nvPr/>
-        </p:nvPicPr>
-        <p:blipFill>
-          <a:blip r:embed="rId5">
-            <a:extLst>
-              <a:ext uri="{28A0092B-C50C-407E-A947-70E740481C1C}">
-                <a14:useLocalDpi xmlns:a14="http://schemas.microsoft.com/office/drawing/2010/main" val="0"/>
-              </a:ext>
-            </a:extLst>
-          </a:blip>
-          <a:srcRect l="5000" t="5001" r="4850" b="5150"/>
-          <a:stretch/>
-        </p:blipFill>
-        <p:spPr>
-          <a:xfrm rot="21431088">
-            <a:off x="7127769" y="5672382"/>
-            <a:ext cx="578943" cy="577016"/>
-          </a:xfrm>
-          <a:prstGeom prst="ellipse">
-            <a:avLst/>
-          </a:prstGeom>
-        </p:spPr>
-      </p:pic>
-      <p:pic>
-        <p:nvPicPr>
-          <p:cNvPr id="14" name="Picture 13" descr="A red and white poker chip&#10;&#10;AI-generated content may be incorrect.">
-            <a:extLst>
-              <a:ext uri="{FF2B5EF4-FFF2-40B4-BE49-F238E27FC236}">
-                <a16:creationId xmlns:a16="http://schemas.microsoft.com/office/drawing/2014/main" id="{D7BF4B9C-5183-8A2D-0D4D-2E676C5E2AD9}"/>
-              </a:ext>
-            </a:extLst>
-          </p:cNvPr>
-          <p:cNvPicPr>
-            <a:picLocks noChangeAspect="1"/>
-          </p:cNvPicPr>
-          <p:nvPr/>
-        </p:nvPicPr>
-        <p:blipFill>
-          <a:blip r:embed="rId5">
-            <a:extLst>
-              <a:ext uri="{28A0092B-C50C-407E-A947-70E740481C1C}">
-                <a14:useLocalDpi xmlns:a14="http://schemas.microsoft.com/office/drawing/2010/main" val="0"/>
-              </a:ext>
-            </a:extLst>
-          </a:blip>
-          <a:srcRect l="5000" t="5001" r="4850" b="5150"/>
-          <a:stretch/>
-        </p:blipFill>
-        <p:spPr>
-          <a:xfrm rot="20707865">
-            <a:off x="9057784" y="5593859"/>
-            <a:ext cx="578943" cy="577016"/>
-          </a:xfrm>
-          <a:prstGeom prst="ellipse">
-            <a:avLst/>
-          </a:prstGeom>
-        </p:spPr>
-      </p:pic>
-      <p:pic>
-        <p:nvPicPr>
-          <p:cNvPr id="17" name="Picture 16">
-            <a:extLst>
-              <a:ext uri="{FF2B5EF4-FFF2-40B4-BE49-F238E27FC236}">
-                <a16:creationId xmlns:a16="http://schemas.microsoft.com/office/drawing/2014/main" id="{1CA89EEB-73BA-1107-ABB4-B3073672A4B8}"/>
-              </a:ext>
-            </a:extLst>
-          </p:cNvPr>
-          <p:cNvPicPr>
-            <a:picLocks noChangeAspect="1"/>
-          </p:cNvPicPr>
-          <p:nvPr/>
-        </p:nvPicPr>
-        <p:blipFill>
-          <a:blip r:embed="rId6"/>
-          <a:stretch>
-            <a:fillRect/>
-          </a:stretch>
-        </p:blipFill>
-        <p:spPr>
-          <a:xfrm rot="1015425">
-            <a:off x="3248061" y="3921803"/>
-            <a:ext cx="526830" cy="823635"/>
-          </a:xfrm>
-          <a:prstGeom prst="rect">
-            <a:avLst/>
-          </a:prstGeom>
-        </p:spPr>
-      </p:pic>
-      <p:pic>
-        <p:nvPicPr>
-          <p:cNvPr id="18" name="Picture 17">
-            <a:extLst>
-              <a:ext uri="{FF2B5EF4-FFF2-40B4-BE49-F238E27FC236}">
-                <a16:creationId xmlns:a16="http://schemas.microsoft.com/office/drawing/2014/main" id="{3109D721-8FA0-0C30-5892-817ADD5BBF84}"/>
-              </a:ext>
-            </a:extLst>
-          </p:cNvPr>
-          <p:cNvPicPr>
-            <a:picLocks noChangeAspect="1"/>
-          </p:cNvPicPr>
-          <p:nvPr/>
-        </p:nvPicPr>
-        <p:blipFill>
-          <a:blip r:embed="rId7"/>
-          <a:stretch>
-            <a:fillRect/>
-          </a:stretch>
-        </p:blipFill>
-        <p:spPr>
-          <a:xfrm rot="945597">
-            <a:off x="3567961" y="4030245"/>
-            <a:ext cx="518709" cy="785169"/>
-          </a:xfrm>
-          <a:prstGeom prst="rect">
-            <a:avLst/>
-          </a:prstGeom>
-        </p:spPr>
-      </p:pic>
-      <p:pic>
-        <p:nvPicPr>
-          <p:cNvPr id="19" name="Picture 18">
-            <a:extLst>
-              <a:ext uri="{FF2B5EF4-FFF2-40B4-BE49-F238E27FC236}">
-                <a16:creationId xmlns:a16="http://schemas.microsoft.com/office/drawing/2014/main" id="{9313D854-3336-3E31-7C6A-0AE0E7B6C9D5}"/>
-              </a:ext>
-            </a:extLst>
-          </p:cNvPr>
-          <p:cNvPicPr>
-            <a:picLocks noChangeAspect="1"/>
-          </p:cNvPicPr>
-          <p:nvPr/>
-        </p:nvPicPr>
-        <p:blipFill>
-          <a:blip r:embed="rId8"/>
-          <a:stretch>
-            <a:fillRect/>
-          </a:stretch>
-        </p:blipFill>
-        <p:spPr>
-          <a:xfrm rot="607984">
-            <a:off x="5050970" y="4194988"/>
-            <a:ext cx="572458" cy="880704"/>
-          </a:xfrm>
-          <a:prstGeom prst="rect">
-            <a:avLst/>
-          </a:prstGeom>
-        </p:spPr>
-      </p:pic>
-      <p:pic>
-        <p:nvPicPr>
-          <p:cNvPr id="20" name="Picture 19">
-            <a:extLst>
-              <a:ext uri="{FF2B5EF4-FFF2-40B4-BE49-F238E27FC236}">
-                <a16:creationId xmlns:a16="http://schemas.microsoft.com/office/drawing/2014/main" id="{8B8F4556-2FC6-BF42-1732-D0EC50599E20}"/>
-              </a:ext>
-            </a:extLst>
-          </p:cNvPr>
-          <p:cNvPicPr>
-            <a:picLocks noChangeAspect="1"/>
-          </p:cNvPicPr>
-          <p:nvPr/>
-        </p:nvPicPr>
-        <p:blipFill>
-          <a:blip r:embed="rId9"/>
-          <a:stretch>
-            <a:fillRect/>
-          </a:stretch>
-        </p:blipFill>
-        <p:spPr>
-          <a:xfrm rot="493982">
-            <a:off x="5391313" y="4251607"/>
-            <a:ext cx="610247" cy="915371"/>
-          </a:xfrm>
-          <a:prstGeom prst="rect">
-            <a:avLst/>
-          </a:prstGeom>
-        </p:spPr>
-      </p:pic>
-      <p:pic>
-        <p:nvPicPr>
-          <p:cNvPr id="21" name="Picture 20">
-            <a:extLst>
-              <a:ext uri="{FF2B5EF4-FFF2-40B4-BE49-F238E27FC236}">
-                <a16:creationId xmlns:a16="http://schemas.microsoft.com/office/drawing/2014/main" id="{C013BB15-86CC-8517-B984-A29E62E09586}"/>
-              </a:ext>
-            </a:extLst>
-          </p:cNvPr>
-          <p:cNvPicPr>
-            <a:picLocks noChangeAspect="1"/>
-          </p:cNvPicPr>
-          <p:nvPr/>
-        </p:nvPicPr>
-        <p:blipFill>
-          <a:blip r:embed="rId10"/>
-          <a:stretch>
-            <a:fillRect/>
-          </a:stretch>
-        </p:blipFill>
-        <p:spPr>
-          <a:xfrm>
-            <a:off x="6800149" y="4408171"/>
-            <a:ext cx="513440" cy="786094"/>
-          </a:xfrm>
-          <a:prstGeom prst="rect">
-            <a:avLst/>
-          </a:prstGeom>
-        </p:spPr>
-      </p:pic>
-      <p:pic>
-        <p:nvPicPr>
-          <p:cNvPr id="22" name="Picture 21">
-            <a:extLst>
-              <a:ext uri="{FF2B5EF4-FFF2-40B4-BE49-F238E27FC236}">
-                <a16:creationId xmlns:a16="http://schemas.microsoft.com/office/drawing/2014/main" id="{3ECDC7CD-7AE3-B12B-A083-CFEF7A3CDCEC}"/>
-              </a:ext>
-            </a:extLst>
-          </p:cNvPr>
-          <p:cNvPicPr>
-            <a:picLocks noChangeAspect="1"/>
-          </p:cNvPicPr>
-          <p:nvPr/>
-        </p:nvPicPr>
-        <p:blipFill>
-          <a:blip r:embed="rId11"/>
-          <a:stretch>
-            <a:fillRect/>
-          </a:stretch>
-        </p:blipFill>
-        <p:spPr>
-          <a:xfrm>
-            <a:off x="7149344" y="4407125"/>
-            <a:ext cx="531202" cy="794971"/>
-          </a:xfrm>
-          <a:prstGeom prst="rect">
-            <a:avLst/>
-          </a:prstGeom>
-        </p:spPr>
-      </p:pic>
-      <p:pic>
-        <p:nvPicPr>
-          <p:cNvPr id="23" name="Picture 22">
-            <a:extLst>
-              <a:ext uri="{FF2B5EF4-FFF2-40B4-BE49-F238E27FC236}">
-                <a16:creationId xmlns:a16="http://schemas.microsoft.com/office/drawing/2014/main" id="{18EAC5D1-6C2F-7F05-0160-D8E218C1A5E9}"/>
-              </a:ext>
-            </a:extLst>
-          </p:cNvPr>
-          <p:cNvPicPr>
-            <a:picLocks noChangeAspect="1"/>
-          </p:cNvPicPr>
-          <p:nvPr/>
-        </p:nvPicPr>
-        <p:blipFill>
-          <a:blip r:embed="rId12"/>
-          <a:stretch>
-            <a:fillRect/>
-          </a:stretch>
-        </p:blipFill>
-        <p:spPr>
-          <a:xfrm rot="21181036">
-            <a:off x="8557526" y="4277479"/>
-            <a:ext cx="580388" cy="884788"/>
-          </a:xfrm>
-          <a:prstGeom prst="rect">
-            <a:avLst/>
-          </a:prstGeom>
-        </p:spPr>
-      </p:pic>
-      <p:pic>
-        <p:nvPicPr>
-          <p:cNvPr id="24" name="Picture 23">
-            <a:extLst>
-              <a:ext uri="{FF2B5EF4-FFF2-40B4-BE49-F238E27FC236}">
-                <a16:creationId xmlns:a16="http://schemas.microsoft.com/office/drawing/2014/main" id="{C1841CE9-C468-EA97-BEED-1E1F92E21C02}"/>
-              </a:ext>
-            </a:extLst>
-          </p:cNvPr>
-          <p:cNvPicPr>
-            <a:picLocks noChangeAspect="1"/>
-          </p:cNvPicPr>
-          <p:nvPr/>
-        </p:nvPicPr>
-        <p:blipFill>
-          <a:blip r:embed="rId13"/>
-          <a:stretch>
-            <a:fillRect/>
-          </a:stretch>
-        </p:blipFill>
-        <p:spPr>
-          <a:xfrm rot="21263436">
-            <a:off x="8899274" y="4212273"/>
-            <a:ext cx="615428" cy="942508"/>
-          </a:xfrm>
-          <a:prstGeom prst="rect">
-            <a:avLst/>
-          </a:prstGeom>
-        </p:spPr>
-      </p:pic>
-      <p:pic>
-        <p:nvPicPr>
-          <p:cNvPr id="25" name="Picture 24">
-            <a:extLst>
-              <a:ext uri="{FF2B5EF4-FFF2-40B4-BE49-F238E27FC236}">
-                <a16:creationId xmlns:a16="http://schemas.microsoft.com/office/drawing/2014/main" id="{4210AEF1-20FB-8DF4-119D-3BF1BFE50DB6}"/>
-              </a:ext>
-            </a:extLst>
-          </p:cNvPr>
-          <p:cNvPicPr>
-            <a:picLocks noChangeAspect="1"/>
-          </p:cNvPicPr>
-          <p:nvPr/>
-        </p:nvPicPr>
-        <p:blipFill>
-          <a:blip r:embed="rId14"/>
-          <a:stretch>
-            <a:fillRect/>
-          </a:stretch>
-        </p:blipFill>
-        <p:spPr>
-          <a:xfrm rot="877911">
-            <a:off x="3820109" y="4081234"/>
-            <a:ext cx="561947" cy="860604"/>
-          </a:xfrm>
-          <a:prstGeom prst="rect">
-            <a:avLst/>
-          </a:prstGeom>
-        </p:spPr>
-      </p:pic>
-      <p:pic>
-        <p:nvPicPr>
-          <p:cNvPr id="26" name="Picture 25">
-            <a:extLst>
-              <a:ext uri="{FF2B5EF4-FFF2-40B4-BE49-F238E27FC236}">
-                <a16:creationId xmlns:a16="http://schemas.microsoft.com/office/drawing/2014/main" id="{E000E63E-FA73-4380-44AE-7DF98683F650}"/>
-              </a:ext>
-            </a:extLst>
-          </p:cNvPr>
-          <p:cNvPicPr>
-            <a:picLocks noChangeAspect="1"/>
-          </p:cNvPicPr>
-          <p:nvPr/>
-        </p:nvPicPr>
-        <p:blipFill>
-          <a:blip r:embed="rId15"/>
-          <a:stretch>
-            <a:fillRect/>
-          </a:stretch>
-        </p:blipFill>
-        <p:spPr>
-          <a:xfrm rot="491473">
-            <a:off x="5636779" y="4313323"/>
-            <a:ext cx="596663" cy="901167"/>
-          </a:xfrm>
-          <a:prstGeom prst="rect">
-            <a:avLst/>
-          </a:prstGeom>
-        </p:spPr>
-      </p:pic>
-      <p:pic>
-        <p:nvPicPr>
-          <p:cNvPr id="28" name="Picture 27">
-            <a:extLst>
-              <a:ext uri="{FF2B5EF4-FFF2-40B4-BE49-F238E27FC236}">
-                <a16:creationId xmlns:a16="http://schemas.microsoft.com/office/drawing/2014/main" id="{C9D2C197-E18F-B2B8-9335-71C80BF3092F}"/>
-              </a:ext>
-            </a:extLst>
-          </p:cNvPr>
-          <p:cNvPicPr>
-            <a:picLocks noChangeAspect="1"/>
-          </p:cNvPicPr>
-          <p:nvPr/>
-        </p:nvPicPr>
-        <p:blipFill>
-          <a:blip r:embed="rId16"/>
-          <a:stretch>
-            <a:fillRect/>
-          </a:stretch>
-        </p:blipFill>
-        <p:spPr>
-          <a:xfrm>
-            <a:off x="7423826" y="4397176"/>
-            <a:ext cx="513440" cy="797089"/>
-          </a:xfrm>
-          <a:prstGeom prst="rect">
-            <a:avLst/>
-          </a:prstGeom>
-        </p:spPr>
-      </p:pic>
-      <p:pic>
-        <p:nvPicPr>
-          <p:cNvPr id="29" name="Picture 28" descr="A rectangular blue and white rectangular pattern&#10;&#10;AI-generated content may be incorrect.">
-            <a:extLst>
-              <a:ext uri="{FF2B5EF4-FFF2-40B4-BE49-F238E27FC236}">
-                <a16:creationId xmlns:a16="http://schemas.microsoft.com/office/drawing/2014/main" id="{30E16840-039D-70A0-70C2-FFD3AE4D1F42}"/>
-              </a:ext>
-            </a:extLst>
-          </p:cNvPr>
-          <p:cNvPicPr>
-            <a:picLocks noChangeAspect="1"/>
-          </p:cNvPicPr>
-          <p:nvPr/>
-        </p:nvPicPr>
-        <p:blipFill>
-          <a:blip r:embed="rId17">
-            <a:extLst>
-              <a:ext uri="{28A0092B-C50C-407E-A947-70E740481C1C}">
-                <a14:useLocalDpi xmlns:a14="http://schemas.microsoft.com/office/drawing/2010/main" val="0"/>
-              </a:ext>
-            </a:extLst>
-          </a:blip>
-          <a:stretch>
-            <a:fillRect/>
-          </a:stretch>
-        </p:blipFill>
-        <p:spPr>
-          <a:xfrm>
-            <a:off x="7217192" y="287977"/>
-            <a:ext cx="663256" cy="926741"/>
-          </a:xfrm>
-          <a:prstGeom prst="rect">
-            <a:avLst/>
-          </a:prstGeom>
-        </p:spPr>
-      </p:pic>
-      <p:pic>
-        <p:nvPicPr>
-          <p:cNvPr id="30" name="Picture 29">
-            <a:extLst>
-              <a:ext uri="{FF2B5EF4-FFF2-40B4-BE49-F238E27FC236}">
-                <a16:creationId xmlns:a16="http://schemas.microsoft.com/office/drawing/2014/main" id="{57FFA964-535B-7E78-B7A1-16B4BC6D4BBF}"/>
-              </a:ext>
-            </a:extLst>
-          </p:cNvPr>
-          <p:cNvPicPr>
-            <a:picLocks noChangeAspect="1"/>
-          </p:cNvPicPr>
-          <p:nvPr/>
-        </p:nvPicPr>
-        <p:blipFill>
-          <a:blip r:embed="rId18"/>
-          <a:stretch>
-            <a:fillRect/>
-          </a:stretch>
-        </p:blipFill>
-        <p:spPr>
-          <a:xfrm>
-            <a:off x="6305049" y="250475"/>
-            <a:ext cx="663255" cy="1001743"/>
-          </a:xfrm>
-          <a:prstGeom prst="rect">
-            <a:avLst/>
-          </a:prstGeom>
-        </p:spPr>
-      </p:pic>
     </p:spTree>
     <p:extLst>
       <p:ext uri="{BB962C8B-B14F-4D97-AF65-F5344CB8AC3E}">
@@ -11042,7 +11029,7 @@
                                           </p:stCondLst>
                                         </p:cTn>
                                         <p:tgtEl>
-                                          <p:spTgt spid="28"/>
+                                          <p:spTgt spid="8"/>
                                         </p:tgtEl>
                                         <p:attrNameLst>
                                           <p:attrName>style.visibility</p:attrName>
@@ -11128,7 +11115,7 @@
                                 </p:cTn>
                               </p:par>
                               <p:par>
-                                <p:cTn id="17" presetID="1" presetClass="entr" presetSubtype="0" fill="hold" grpId="0" nodeType="withEffect">
+                                <p:cTn id="17" presetID="1" presetClass="entr" presetSubtype="0" fill="hold" nodeType="withEffect">
                                   <p:stCondLst>
                                     <p:cond delay="0"/>
                                   </p:stCondLst>
@@ -11141,7 +11128,79 @@
                                           </p:stCondLst>
                                         </p:cTn>
                                         <p:tgtEl>
-                                          <p:spTgt spid="6"/>
+                                          <p:spTgt spid="31"/>
+                                        </p:tgtEl>
+                                        <p:attrNameLst>
+                                          <p:attrName>style.visibility</p:attrName>
+                                        </p:attrNameLst>
+                                      </p:cBhvr>
+                                      <p:to>
+                                        <p:strVal val="visible"/>
+                                      </p:to>
+                                    </p:set>
+                                  </p:childTnLst>
+                                </p:cTn>
+                              </p:par>
+                            </p:childTnLst>
+                          </p:cTn>
+                        </p:par>
+                      </p:childTnLst>
+                    </p:cTn>
+                  </p:par>
+                  <p:par>
+                    <p:cTn id="19" fill="hold">
+                      <p:stCondLst>
+                        <p:cond delay="indefinite"/>
+                      </p:stCondLst>
+                      <p:childTnLst>
+                        <p:par>
+                          <p:cTn id="20" fill="hold">
+                            <p:stCondLst>
+                              <p:cond delay="0"/>
+                            </p:stCondLst>
+                            <p:childTnLst>
+                              <p:par>
+                                <p:cTn id="21" presetID="1" presetClass="exit" presetSubtype="0" fill="hold" grpId="1" nodeType="clickEffect">
+                                  <p:stCondLst>
+                                    <p:cond delay="0"/>
+                                  </p:stCondLst>
+                                  <p:childTnLst>
+                                    <p:set>
+                                      <p:cBhvr>
+                                        <p:cTn id="22" dur="1" fill="hold">
+                                          <p:stCondLst>
+                                            <p:cond delay="0"/>
+                                          </p:stCondLst>
+                                        </p:cTn>
+                                        <p:tgtEl>
+                                          <p:spTgt spid="10"/>
+                                        </p:tgtEl>
+                                        <p:attrNameLst>
+                                          <p:attrName>style.visibility</p:attrName>
+                                        </p:attrNameLst>
+                                      </p:cBhvr>
+                                      <p:to>
+                                        <p:strVal val="hidden"/>
+                                      </p:to>
+                                    </p:set>
+                                  </p:childTnLst>
+                                </p:cTn>
+                              </p:par>
+                              <p:par>
+                                <p:cTn id="23" presetID="1" presetClass="entr" presetSubtype="0" fill="hold" grpId="1" nodeType="withEffect">
+                                  <p:stCondLst>
+                                    <p:cond delay="0"/>
+                                  </p:stCondLst>
+                                  <p:childTnLst>
+                                    <p:set>
+                                      <p:cBhvr>
+                                        <p:cTn id="24" dur="1" fill="hold">
+                                          <p:stCondLst>
+                                            <p:cond delay="0"/>
+                                          </p:stCondLst>
+                                        </p:cTn>
+                                        <p:tgtEl>
+                                          <p:spTgt spid="32"/>
                                         </p:tgtEl>
                                         <p:attrNameLst>
                                           <p:attrName>style.visibility</p:attrName>
@@ -11155,20 +11214,389 @@
                                 </p:cTn>
                               </p:par>
                               <p:par>
-                                <p:cTn id="19" presetID="1" presetClass="entr" presetSubtype="0" fill="hold" grpId="0" nodeType="withEffect">
+                                <p:cTn id="25" presetID="1" presetClass="entr" presetSubtype="0" fill="hold" nodeType="withEffect">
                                   <p:stCondLst>
                                     <p:cond delay="0"/>
                                   </p:stCondLst>
                                   <p:childTnLst>
                                     <p:set>
                                       <p:cBhvr>
-                                        <p:cTn id="20" dur="1" fill="hold">
+                                        <p:cTn id="26" dur="1" fill="hold">
                                           <p:stCondLst>
                                             <p:cond delay="0"/>
                                           </p:stCondLst>
                                         </p:cTn>
                                         <p:tgtEl>
-                                          <p:spTgt spid="9"/>
+                                          <p:spTgt spid="33"/>
+                                        </p:tgtEl>
+                                        <p:attrNameLst>
+                                          <p:attrName>style.visibility</p:attrName>
+                                        </p:attrNameLst>
+                                      </p:cBhvr>
+                                      <p:to>
+                                        <p:strVal val="visible"/>
+                                      </p:to>
+                                    </p:set>
+                                  </p:childTnLst>
+                                </p:cTn>
+                              </p:par>
+                            </p:childTnLst>
+                          </p:cTn>
+                        </p:par>
+                      </p:childTnLst>
+                    </p:cTn>
+                  </p:par>
+                  <p:par>
+                    <p:cTn id="27" fill="hold">
+                      <p:stCondLst>
+                        <p:cond delay="indefinite"/>
+                      </p:stCondLst>
+                      <p:childTnLst>
+                        <p:par>
+                          <p:cTn id="28" fill="hold">
+                            <p:stCondLst>
+                              <p:cond delay="0"/>
+                            </p:stCondLst>
+                            <p:childTnLst>
+                              <p:par>
+                                <p:cTn id="29" presetID="1" presetClass="exit" presetSubtype="0" fill="hold" grpId="0" nodeType="clickEffect">
+                                  <p:stCondLst>
+                                    <p:cond delay="0"/>
+                                  </p:stCondLst>
+                                  <p:childTnLst>
+                                    <p:set>
+                                      <p:cBhvr>
+                                        <p:cTn id="30" dur="1" fill="hold">
+                                          <p:stCondLst>
+                                            <p:cond delay="0"/>
+                                          </p:stCondLst>
+                                        </p:cTn>
+                                        <p:tgtEl>
+                                          <p:spTgt spid="32"/>
+                                        </p:tgtEl>
+                                        <p:attrNameLst>
+                                          <p:attrName>style.visibility</p:attrName>
+                                        </p:attrNameLst>
+                                      </p:cBhvr>
+                                      <p:to>
+                                        <p:strVal val="hidden"/>
+                                      </p:to>
+                                    </p:set>
+                                  </p:childTnLst>
+                                </p:cTn>
+                              </p:par>
+                              <p:par>
+                                <p:cTn id="31" presetID="1" presetClass="entr" presetSubtype="0" fill="hold" grpId="0" nodeType="withEffect">
+                                  <p:stCondLst>
+                                    <p:cond delay="0"/>
+                                  </p:stCondLst>
+                                  <p:childTnLst>
+                                    <p:set>
+                                      <p:cBhvr>
+                                        <p:cTn id="32" dur="1" fill="hold">
+                                          <p:stCondLst>
+                                            <p:cond delay="0"/>
+                                          </p:stCondLst>
+                                        </p:cTn>
+                                        <p:tgtEl>
+                                          <p:spTgt spid="34"/>
+                                        </p:tgtEl>
+                                        <p:attrNameLst>
+                                          <p:attrName>style.visibility</p:attrName>
+                                        </p:attrNameLst>
+                                      </p:cBhvr>
+                                      <p:to>
+                                        <p:strVal val="visible"/>
+                                      </p:to>
+                                    </p:set>
+                                  </p:childTnLst>
+                                </p:cTn>
+                              </p:par>
+                              <p:par>
+                                <p:cTn id="33" presetID="1" presetClass="entr" presetSubtype="0" fill="hold" nodeType="withEffect">
+                                  <p:stCondLst>
+                                    <p:cond delay="0"/>
+                                  </p:stCondLst>
+                                  <p:childTnLst>
+                                    <p:set>
+                                      <p:cBhvr>
+                                        <p:cTn id="34" dur="1" fill="hold">
+                                          <p:stCondLst>
+                                            <p:cond delay="0"/>
+                                          </p:stCondLst>
+                                        </p:cTn>
+                                        <p:tgtEl>
+                                          <p:spTgt spid="35"/>
+                                        </p:tgtEl>
+                                        <p:attrNameLst>
+                                          <p:attrName>style.visibility</p:attrName>
+                                        </p:attrNameLst>
+                                      </p:cBhvr>
+                                      <p:to>
+                                        <p:strVal val="visible"/>
+                                      </p:to>
+                                    </p:set>
+                                  </p:childTnLst>
+                                </p:cTn>
+                              </p:par>
+                            </p:childTnLst>
+                          </p:cTn>
+                        </p:par>
+                      </p:childTnLst>
+                    </p:cTn>
+                  </p:par>
+                  <p:par>
+                    <p:cTn id="35" fill="hold">
+                      <p:stCondLst>
+                        <p:cond delay="indefinite"/>
+                      </p:stCondLst>
+                      <p:childTnLst>
+                        <p:par>
+                          <p:cTn id="36" fill="hold">
+                            <p:stCondLst>
+                              <p:cond delay="0"/>
+                            </p:stCondLst>
+                            <p:childTnLst>
+                              <p:par>
+                                <p:cTn id="37" presetID="1" presetClass="exit" presetSubtype="0" fill="hold" grpId="1" nodeType="clickEffect">
+                                  <p:stCondLst>
+                                    <p:cond delay="0"/>
+                                  </p:stCondLst>
+                                  <p:childTnLst>
+                                    <p:set>
+                                      <p:cBhvr>
+                                        <p:cTn id="38" dur="1" fill="hold">
+                                          <p:stCondLst>
+                                            <p:cond delay="0"/>
+                                          </p:stCondLst>
+                                        </p:cTn>
+                                        <p:tgtEl>
+                                          <p:spTgt spid="34"/>
+                                        </p:tgtEl>
+                                        <p:attrNameLst>
+                                          <p:attrName>style.visibility</p:attrName>
+                                        </p:attrNameLst>
+                                      </p:cBhvr>
+                                      <p:to>
+                                        <p:strVal val="hidden"/>
+                                      </p:to>
+                                    </p:set>
+                                  </p:childTnLst>
+                                </p:cTn>
+                              </p:par>
+                              <p:par>
+                                <p:cTn id="39" presetID="1" presetClass="entr" presetSubtype="0" fill="hold" grpId="0" nodeType="withEffect">
+                                  <p:stCondLst>
+                                    <p:cond delay="0"/>
+                                  </p:stCondLst>
+                                  <p:childTnLst>
+                                    <p:set>
+                                      <p:cBhvr>
+                                        <p:cTn id="40" dur="1" fill="hold">
+                                          <p:stCondLst>
+                                            <p:cond delay="0"/>
+                                          </p:stCondLst>
+                                        </p:cTn>
+                                        <p:tgtEl>
+                                          <p:spTgt spid="36"/>
+                                        </p:tgtEl>
+                                        <p:attrNameLst>
+                                          <p:attrName>style.visibility</p:attrName>
+                                        </p:attrNameLst>
+                                      </p:cBhvr>
+                                      <p:to>
+                                        <p:strVal val="visible"/>
+                                      </p:to>
+                                    </p:set>
+                                  </p:childTnLst>
+                                </p:cTn>
+                              </p:par>
+                              <p:par>
+                                <p:cTn id="41" presetID="1" presetClass="entr" presetSubtype="0" fill="hold" nodeType="withEffect">
+                                  <p:stCondLst>
+                                    <p:cond delay="0"/>
+                                  </p:stCondLst>
+                                  <p:childTnLst>
+                                    <p:set>
+                                      <p:cBhvr>
+                                        <p:cTn id="42" dur="1" fill="hold">
+                                          <p:stCondLst>
+                                            <p:cond delay="0"/>
+                                          </p:stCondLst>
+                                        </p:cTn>
+                                        <p:tgtEl>
+                                          <p:spTgt spid="37"/>
+                                        </p:tgtEl>
+                                        <p:attrNameLst>
+                                          <p:attrName>style.visibility</p:attrName>
+                                        </p:attrNameLst>
+                                      </p:cBhvr>
+                                      <p:to>
+                                        <p:strVal val="visible"/>
+                                      </p:to>
+                                    </p:set>
+                                  </p:childTnLst>
+                                </p:cTn>
+                              </p:par>
+                            </p:childTnLst>
+                          </p:cTn>
+                        </p:par>
+                      </p:childTnLst>
+                    </p:cTn>
+                  </p:par>
+                  <p:par>
+                    <p:cTn id="43" fill="hold">
+                      <p:stCondLst>
+                        <p:cond delay="indefinite"/>
+                      </p:stCondLst>
+                      <p:childTnLst>
+                        <p:par>
+                          <p:cTn id="44" fill="hold">
+                            <p:stCondLst>
+                              <p:cond delay="0"/>
+                            </p:stCondLst>
+                            <p:childTnLst>
+                              <p:par>
+                                <p:cTn id="45" presetID="1" presetClass="exit" presetSubtype="0" fill="hold" grpId="1" nodeType="clickEffect">
+                                  <p:stCondLst>
+                                    <p:cond delay="0"/>
+                                  </p:stCondLst>
+                                  <p:childTnLst>
+                                    <p:set>
+                                      <p:cBhvr>
+                                        <p:cTn id="46" dur="1" fill="hold">
+                                          <p:stCondLst>
+                                            <p:cond delay="0"/>
+                                          </p:stCondLst>
+                                        </p:cTn>
+                                        <p:tgtEl>
+                                          <p:spTgt spid="36"/>
+                                        </p:tgtEl>
+                                        <p:attrNameLst>
+                                          <p:attrName>style.visibility</p:attrName>
+                                        </p:attrNameLst>
+                                      </p:cBhvr>
+                                      <p:to>
+                                        <p:strVal val="hidden"/>
+                                      </p:to>
+                                    </p:set>
+                                  </p:childTnLst>
+                                </p:cTn>
+                              </p:par>
+                              <p:par>
+                                <p:cTn id="47" presetID="1" presetClass="entr" presetSubtype="0" fill="hold" grpId="0" nodeType="withEffect">
+                                  <p:stCondLst>
+                                    <p:cond delay="0"/>
+                                  </p:stCondLst>
+                                  <p:childTnLst>
+                                    <p:set>
+                                      <p:cBhvr>
+                                        <p:cTn id="48" dur="1" fill="hold">
+                                          <p:stCondLst>
+                                            <p:cond delay="0"/>
+                                          </p:stCondLst>
+                                        </p:cTn>
+                                        <p:tgtEl>
+                                          <p:spTgt spid="38"/>
+                                        </p:tgtEl>
+                                        <p:attrNameLst>
+                                          <p:attrName>style.visibility</p:attrName>
+                                        </p:attrNameLst>
+                                      </p:cBhvr>
+                                      <p:to>
+                                        <p:strVal val="visible"/>
+                                      </p:to>
+                                    </p:set>
+                                  </p:childTnLst>
+                                </p:cTn>
+                              </p:par>
+                            </p:childTnLst>
+                          </p:cTn>
+                        </p:par>
+                      </p:childTnLst>
+                    </p:cTn>
+                  </p:par>
+                  <p:par>
+                    <p:cTn id="49" fill="hold">
+                      <p:stCondLst>
+                        <p:cond delay="indefinite"/>
+                      </p:stCondLst>
+                      <p:childTnLst>
+                        <p:par>
+                          <p:cTn id="50" fill="hold">
+                            <p:stCondLst>
+                              <p:cond delay="0"/>
+                            </p:stCondLst>
+                            <p:childTnLst>
+                              <p:par>
+                                <p:cTn id="51" presetID="1" presetClass="exit" presetSubtype="0" fill="hold" grpId="1" nodeType="clickEffect">
+                                  <p:stCondLst>
+                                    <p:cond delay="0"/>
+                                  </p:stCondLst>
+                                  <p:childTnLst>
+                                    <p:set>
+                                      <p:cBhvr>
+                                        <p:cTn id="52" dur="1" fill="hold">
+                                          <p:stCondLst>
+                                            <p:cond delay="0"/>
+                                          </p:stCondLst>
+                                        </p:cTn>
+                                        <p:tgtEl>
+                                          <p:spTgt spid="38"/>
+                                        </p:tgtEl>
+                                        <p:attrNameLst>
+                                          <p:attrName>style.visibility</p:attrName>
+                                        </p:attrNameLst>
+                                      </p:cBhvr>
+                                      <p:to>
+                                        <p:strVal val="hidden"/>
+                                      </p:to>
+                                    </p:set>
+                                  </p:childTnLst>
+                                </p:cTn>
+                              </p:par>
+                              <p:par>
+                                <p:cTn id="53" presetID="1" presetClass="entr" presetSubtype="0" fill="hold" grpId="0" nodeType="withEffect">
+                                  <p:stCondLst>
+                                    <p:cond delay="0"/>
+                                  </p:stCondLst>
+                                  <p:childTnLst>
+                                    <p:set>
+                                      <p:cBhvr>
+                                        <p:cTn id="54" dur="1" fill="hold">
+                                          <p:stCondLst>
+                                            <p:cond delay="0"/>
+                                          </p:stCondLst>
+                                        </p:cTn>
+                                        <p:tgtEl>
+                                          <p:spTgt spid="40"/>
+                                        </p:tgtEl>
+                                        <p:attrNameLst>
+                                          <p:attrName>style.visibility</p:attrName>
+                                        </p:attrNameLst>
+                                      </p:cBhvr>
+                                      <p:to>
+                                        <p:strVal val="visible"/>
+                                      </p:to>
+                                    </p:set>
+                                  </p:childTnLst>
+                                </p:cTn>
+                              </p:par>
+                              <p:par>
+                                <p:cTn id="55" presetID="1" presetClass="entr" presetSubtype="0" fill="hold" grpId="0" nodeType="withEffect">
+                                  <p:stCondLst>
+                                    <p:cond delay="0"/>
+                                  </p:stCondLst>
+                                  <p:childTnLst>
+                                    <p:set>
+                                      <p:cBhvr>
+                                        <p:cTn id="56" dur="1" fill="hold">
+                                          <p:stCondLst>
+                                            <p:cond delay="0"/>
+                                          </p:stCondLst>
+                                        </p:cTn>
+                                        <p:tgtEl>
+                                          <p:spTgt spid="39"/>
                                         </p:tgtEl>
                                         <p:attrNameLst>
                                           <p:attrName>style.visibility</p:attrName>
@@ -11209,3218 +11637,21 @@
       </p:par>
     </p:tnLst>
     <p:bldLst>
-      <p:bldP spid="6" grpId="0" animBg="1"/>
       <p:bldP spid="7" grpId="0"/>
       <p:bldP spid="7" grpId="1"/>
-      <p:bldP spid="9" grpId="0" animBg="1"/>
       <p:bldP spid="10" grpId="0"/>
+      <p:bldP spid="10" grpId="1"/>
       <p:bldP spid="11" grpId="0"/>
-    </p:bldLst>
-  </p:timing>
-</p:sld>
-</file>
-
-<file path=ppt/slides/slide4.xml><?xml version="1.0" encoding="utf-8"?>
-<p:sld xmlns:a="http://schemas.openxmlformats.org/drawingml/2006/main" xmlns:r="http://schemas.openxmlformats.org/officeDocument/2006/relationships" xmlns:p="http://schemas.openxmlformats.org/presentationml/2006/main">
-  <p:cSld>
-    <p:spTree>
-      <p:nvGrpSpPr>
-        <p:cNvPr id="1" name=""/>
-        <p:cNvGrpSpPr/>
-        <p:nvPr/>
-      </p:nvGrpSpPr>
-      <p:grpSpPr>
-        <a:xfrm>
-          <a:off x="0" y="0"/>
-          <a:ext cx="0" cy="0"/>
-          <a:chOff x="0" y="0"/>
-          <a:chExt cx="0" cy="0"/>
-        </a:xfrm>
-      </p:grpSpPr>
-      <p:sp>
-        <p:nvSpPr>
-          <p:cNvPr id="2" name="TextBox 1">
-            <a:extLst>
-              <a:ext uri="{FF2B5EF4-FFF2-40B4-BE49-F238E27FC236}">
-                <a16:creationId xmlns:a16="http://schemas.microsoft.com/office/drawing/2014/main" id="{93D2F210-AFD9-7243-AFFC-D7DA5B438CA3}"/>
-              </a:ext>
-            </a:extLst>
-          </p:cNvPr>
-          <p:cNvSpPr txBox="1"/>
-          <p:nvPr/>
-        </p:nvSpPr>
-        <p:spPr>
-          <a:xfrm rot="21214893">
-            <a:off x="8939040" y="6907745"/>
-            <a:ext cx="1085850" cy="646331"/>
-          </a:xfrm>
-          <a:prstGeom prst="rect">
-            <a:avLst/>
-          </a:prstGeom>
-          <a:noFill/>
-        </p:spPr>
-        <p:txBody>
-          <a:bodyPr wrap="square" rtlCol="0">
-            <a:spAutoFit/>
-          </a:bodyPr>
-          <a:lstStyle/>
-          <a:p>
-            <a:pPr algn="ctr"/>
-            <a:r>
-              <a:rPr lang="en-US" sz="3600" b="1" dirty="0">
-                <a:solidFill>
-                  <a:schemeClr val="bg1"/>
-                </a:solidFill>
-              </a:rPr>
-              <a:t>4</a:t>
-            </a:r>
-          </a:p>
-        </p:txBody>
-      </p:sp>
-      <p:sp>
-        <p:nvSpPr>
-          <p:cNvPr id="3" name="TextBox 2">
-            <a:extLst>
-              <a:ext uri="{FF2B5EF4-FFF2-40B4-BE49-F238E27FC236}">
-                <a16:creationId xmlns:a16="http://schemas.microsoft.com/office/drawing/2014/main" id="{084DD2EF-7200-0603-307B-091215DF45B4}"/>
-              </a:ext>
-            </a:extLst>
-          </p:cNvPr>
-          <p:cNvSpPr txBox="1"/>
-          <p:nvPr/>
-        </p:nvSpPr>
-        <p:spPr>
-          <a:xfrm rot="505186">
-            <a:off x="4676774" y="6995845"/>
-            <a:ext cx="1085850" cy="646331"/>
-          </a:xfrm>
-          <a:prstGeom prst="rect">
-            <a:avLst/>
-          </a:prstGeom>
-          <a:noFill/>
-        </p:spPr>
-        <p:txBody>
-          <a:bodyPr wrap="square" rtlCol="0">
-            <a:spAutoFit/>
-          </a:bodyPr>
-          <a:lstStyle/>
-          <a:p>
-            <a:pPr algn="ctr"/>
-            <a:r>
-              <a:rPr lang="en-US" sz="3600" b="1" dirty="0">
-                <a:solidFill>
-                  <a:schemeClr val="bg1"/>
-                </a:solidFill>
-              </a:rPr>
-              <a:t>2</a:t>
-            </a:r>
-          </a:p>
-        </p:txBody>
-      </p:sp>
-      <p:sp>
-        <p:nvSpPr>
-          <p:cNvPr id="4" name="TextBox 3">
-            <a:extLst>
-              <a:ext uri="{FF2B5EF4-FFF2-40B4-BE49-F238E27FC236}">
-                <a16:creationId xmlns:a16="http://schemas.microsoft.com/office/drawing/2014/main" id="{1CB6DC60-4B53-5137-C13D-B72907A2D630}"/>
-              </a:ext>
-            </a:extLst>
-          </p:cNvPr>
-          <p:cNvSpPr txBox="1"/>
-          <p:nvPr/>
-        </p:nvSpPr>
-        <p:spPr>
-          <a:xfrm>
-            <a:off x="6569391" y="7012580"/>
-            <a:ext cx="1491616" cy="1200329"/>
-          </a:xfrm>
-          <a:prstGeom prst="rect">
-            <a:avLst/>
-          </a:prstGeom>
-          <a:noFill/>
-        </p:spPr>
-        <p:txBody>
-          <a:bodyPr wrap="square" rtlCol="0">
-            <a:spAutoFit/>
-          </a:bodyPr>
-          <a:lstStyle/>
-          <a:p>
-            <a:pPr algn="ctr"/>
-            <a:r>
-              <a:rPr lang="en-US" sz="3600" b="1" dirty="0">
-                <a:solidFill>
-                  <a:schemeClr val="bg1"/>
-                </a:solidFill>
-              </a:rPr>
-              <a:t>3</a:t>
-            </a:r>
-          </a:p>
-          <a:p>
-            <a:pPr algn="ctr"/>
-            <a:r>
-              <a:rPr lang="en-US" sz="3600" b="1" dirty="0">
-                <a:solidFill>
-                  <a:schemeClr val="bg1"/>
-                </a:solidFill>
-              </a:rPr>
-              <a:t>(You)</a:t>
-            </a:r>
-          </a:p>
-        </p:txBody>
-      </p:sp>
-      <p:sp>
-        <p:nvSpPr>
-          <p:cNvPr id="5" name="TextBox 4">
-            <a:extLst>
-              <a:ext uri="{FF2B5EF4-FFF2-40B4-BE49-F238E27FC236}">
-                <a16:creationId xmlns:a16="http://schemas.microsoft.com/office/drawing/2014/main" id="{D9F3388B-610F-AF19-5277-62C5249076D1}"/>
-              </a:ext>
-            </a:extLst>
-          </p:cNvPr>
-          <p:cNvSpPr txBox="1"/>
-          <p:nvPr/>
-        </p:nvSpPr>
-        <p:spPr>
-          <a:xfrm rot="948362">
-            <a:off x="2512695" y="6537015"/>
-            <a:ext cx="1085850" cy="646331"/>
-          </a:xfrm>
-          <a:prstGeom prst="rect">
-            <a:avLst/>
-          </a:prstGeom>
-          <a:noFill/>
-        </p:spPr>
-        <p:txBody>
-          <a:bodyPr wrap="square" rtlCol="0">
-            <a:spAutoFit/>
-          </a:bodyPr>
-          <a:lstStyle/>
-          <a:p>
-            <a:pPr algn="ctr"/>
-            <a:r>
-              <a:rPr lang="en-US" sz="3600" b="1" dirty="0">
-                <a:solidFill>
-                  <a:schemeClr val="bg1"/>
-                </a:solidFill>
-              </a:rPr>
-              <a:t>1</a:t>
-            </a:r>
-          </a:p>
-        </p:txBody>
-      </p:sp>
-      <p:sp>
-        <p:nvSpPr>
-          <p:cNvPr id="8" name="TextBox 7">
-            <a:extLst>
-              <a:ext uri="{FF2B5EF4-FFF2-40B4-BE49-F238E27FC236}">
-                <a16:creationId xmlns:a16="http://schemas.microsoft.com/office/drawing/2014/main" id="{70CF32F6-3597-3C64-EEBD-5FBAC1B4340D}"/>
-              </a:ext>
-            </a:extLst>
-          </p:cNvPr>
-          <p:cNvSpPr txBox="1"/>
-          <p:nvPr/>
-        </p:nvSpPr>
-        <p:spPr>
-          <a:xfrm>
-            <a:off x="9782576" y="3889464"/>
-            <a:ext cx="3261023" cy="646331"/>
-          </a:xfrm>
-          <a:prstGeom prst="rect">
-            <a:avLst/>
-          </a:prstGeom>
-          <a:noFill/>
-        </p:spPr>
-        <p:txBody>
-          <a:bodyPr wrap="square" rtlCol="0">
-            <a:spAutoFit/>
-          </a:bodyPr>
-          <a:lstStyle/>
-          <a:p>
-            <a:r>
-              <a:rPr lang="en-US" b="1" dirty="0">
-                <a:solidFill>
-                  <a:schemeClr val="bg1"/>
-                </a:solidFill>
-              </a:rPr>
-              <a:t>1. Player 4 hits, draws a King and busts, losing their bet</a:t>
-            </a:r>
-          </a:p>
-        </p:txBody>
-      </p:sp>
-      <p:sp>
-        <p:nvSpPr>
-          <p:cNvPr id="7" name="TextBox 6">
-            <a:extLst>
-              <a:ext uri="{FF2B5EF4-FFF2-40B4-BE49-F238E27FC236}">
-                <a16:creationId xmlns:a16="http://schemas.microsoft.com/office/drawing/2014/main" id="{5C7F516E-BF56-EB64-2D8D-13BCFE48FC3C}"/>
-              </a:ext>
-            </a:extLst>
-          </p:cNvPr>
-          <p:cNvSpPr txBox="1"/>
-          <p:nvPr/>
-        </p:nvSpPr>
-        <p:spPr>
-          <a:xfrm>
-            <a:off x="8009432" y="338905"/>
-            <a:ext cx="4096364" cy="923330"/>
-          </a:xfrm>
-          <a:prstGeom prst="rect">
-            <a:avLst/>
-          </a:prstGeom>
-          <a:noFill/>
-        </p:spPr>
-        <p:txBody>
-          <a:bodyPr wrap="square" rtlCol="0">
-            <a:spAutoFit/>
-          </a:bodyPr>
-          <a:lstStyle/>
-          <a:p>
-            <a:r>
-              <a:rPr lang="en-US" b="1" dirty="0">
-                <a:solidFill>
-                  <a:schemeClr val="bg1"/>
-                </a:solidFill>
-              </a:rPr>
-              <a:t>2. Dealer flips over the face-down card and reveals an ace, giving a value of 17 and forcing them to stand</a:t>
-            </a:r>
-          </a:p>
-        </p:txBody>
-      </p:sp>
-      <p:sp>
-        <p:nvSpPr>
-          <p:cNvPr id="9" name="TextBox 8">
-            <a:extLst>
-              <a:ext uri="{FF2B5EF4-FFF2-40B4-BE49-F238E27FC236}">
-                <a16:creationId xmlns:a16="http://schemas.microsoft.com/office/drawing/2014/main" id="{D20913D7-639A-4B23-BCC1-F5A70569204F}"/>
-              </a:ext>
-            </a:extLst>
-          </p:cNvPr>
-          <p:cNvSpPr txBox="1"/>
-          <p:nvPr/>
-        </p:nvSpPr>
-        <p:spPr>
-          <a:xfrm>
-            <a:off x="1232553" y="3186060"/>
-            <a:ext cx="4096364" cy="646331"/>
-          </a:xfrm>
-          <a:prstGeom prst="rect">
-            <a:avLst/>
-          </a:prstGeom>
-          <a:noFill/>
-        </p:spPr>
-        <p:txBody>
-          <a:bodyPr wrap="square" rtlCol="0">
-            <a:spAutoFit/>
-          </a:bodyPr>
-          <a:lstStyle/>
-          <a:p>
-            <a:r>
-              <a:rPr lang="en-US" b="1" dirty="0">
-                <a:solidFill>
-                  <a:schemeClr val="bg1"/>
-                </a:solidFill>
-              </a:rPr>
-              <a:t>3. Player 2, with a total value of 19, receives a payout equal to their bet</a:t>
-            </a:r>
-          </a:p>
-        </p:txBody>
-      </p:sp>
-      <p:sp>
-        <p:nvSpPr>
-          <p:cNvPr id="10" name="TextBox 9">
-            <a:extLst>
-              <a:ext uri="{FF2B5EF4-FFF2-40B4-BE49-F238E27FC236}">
-                <a16:creationId xmlns:a16="http://schemas.microsoft.com/office/drawing/2014/main" id="{2DFA0180-6C83-18B8-B862-9B2273BEB520}"/>
-              </a:ext>
-            </a:extLst>
-          </p:cNvPr>
-          <p:cNvSpPr txBox="1"/>
-          <p:nvPr/>
-        </p:nvSpPr>
-        <p:spPr>
-          <a:xfrm>
-            <a:off x="5669207" y="3418394"/>
-            <a:ext cx="4096364" cy="646331"/>
-          </a:xfrm>
-          <a:prstGeom prst="rect">
-            <a:avLst/>
-          </a:prstGeom>
-          <a:noFill/>
-        </p:spPr>
-        <p:txBody>
-          <a:bodyPr wrap="square" rtlCol="0">
-            <a:spAutoFit/>
-          </a:bodyPr>
-          <a:lstStyle/>
-          <a:p>
-            <a:r>
-              <a:rPr lang="en-US" b="1" dirty="0">
-                <a:solidFill>
-                  <a:schemeClr val="bg1"/>
-                </a:solidFill>
-              </a:rPr>
-              <a:t>4. The user, with a total value of 20, receives a payout equal to their bet</a:t>
-            </a:r>
-          </a:p>
-        </p:txBody>
-      </p:sp>
-      <p:pic>
-        <p:nvPicPr>
-          <p:cNvPr id="11" name="Picture 10" descr="A red and white poker chip&#10;&#10;AI-generated content may be incorrect.">
-            <a:extLst>
-              <a:ext uri="{FF2B5EF4-FFF2-40B4-BE49-F238E27FC236}">
-                <a16:creationId xmlns:a16="http://schemas.microsoft.com/office/drawing/2014/main" id="{D56F2B87-3E8B-5F8D-77B8-491F6FDCCC33}"/>
-              </a:ext>
-            </a:extLst>
-          </p:cNvPr>
-          <p:cNvPicPr>
-            <a:picLocks noChangeAspect="1"/>
-          </p:cNvPicPr>
-          <p:nvPr/>
-        </p:nvPicPr>
-        <p:blipFill>
-          <a:blip r:embed="rId3">
-            <a:extLst>
-              <a:ext uri="{28A0092B-C50C-407E-A947-70E740481C1C}">
-                <a14:useLocalDpi xmlns:a14="http://schemas.microsoft.com/office/drawing/2010/main" val="0"/>
-              </a:ext>
-            </a:extLst>
-          </a:blip>
-          <a:srcRect l="5000" t="5001" r="4850" b="5150"/>
-          <a:stretch/>
-        </p:blipFill>
-        <p:spPr>
-          <a:xfrm rot="760974">
-            <a:off x="5108822" y="5672381"/>
-            <a:ext cx="578943" cy="577016"/>
-          </a:xfrm>
-          <a:prstGeom prst="ellipse">
-            <a:avLst/>
-          </a:prstGeom>
-        </p:spPr>
-      </p:pic>
-      <p:pic>
-        <p:nvPicPr>
-          <p:cNvPr id="12" name="Picture 11" descr="A red and white poker chip&#10;&#10;AI-generated content may be incorrect.">
-            <a:extLst>
-              <a:ext uri="{FF2B5EF4-FFF2-40B4-BE49-F238E27FC236}">
-                <a16:creationId xmlns:a16="http://schemas.microsoft.com/office/drawing/2014/main" id="{D9C9C9A8-BCA3-797A-E1D1-3C9D2B698CE2}"/>
-              </a:ext>
-            </a:extLst>
-          </p:cNvPr>
-          <p:cNvPicPr>
-            <a:picLocks noChangeAspect="1"/>
-          </p:cNvPicPr>
-          <p:nvPr/>
-        </p:nvPicPr>
-        <p:blipFill>
-          <a:blip r:embed="rId3">
-            <a:extLst>
-              <a:ext uri="{28A0092B-C50C-407E-A947-70E740481C1C}">
-                <a14:useLocalDpi xmlns:a14="http://schemas.microsoft.com/office/drawing/2010/main" val="0"/>
-              </a:ext>
-            </a:extLst>
-          </a:blip>
-          <a:srcRect l="5000" t="5001" r="4850" b="5150"/>
-          <a:stretch/>
-        </p:blipFill>
-        <p:spPr>
-          <a:xfrm rot="21431088">
-            <a:off x="7127769" y="5672382"/>
-            <a:ext cx="578943" cy="577016"/>
-          </a:xfrm>
-          <a:prstGeom prst="ellipse">
-            <a:avLst/>
-          </a:prstGeom>
-        </p:spPr>
-      </p:pic>
-      <p:pic>
-        <p:nvPicPr>
-          <p:cNvPr id="13" name="Picture 12" descr="A red and white poker chip&#10;&#10;AI-generated content may be incorrect.">
-            <a:extLst>
-              <a:ext uri="{FF2B5EF4-FFF2-40B4-BE49-F238E27FC236}">
-                <a16:creationId xmlns:a16="http://schemas.microsoft.com/office/drawing/2014/main" id="{32D22331-C104-09AC-F706-2619A3A6066C}"/>
-              </a:ext>
-            </a:extLst>
-          </p:cNvPr>
-          <p:cNvPicPr>
-            <a:picLocks noChangeAspect="1"/>
-          </p:cNvPicPr>
-          <p:nvPr/>
-        </p:nvPicPr>
-        <p:blipFill>
-          <a:blip r:embed="rId3">
-            <a:extLst>
-              <a:ext uri="{28A0092B-C50C-407E-A947-70E740481C1C}">
-                <a14:useLocalDpi xmlns:a14="http://schemas.microsoft.com/office/drawing/2010/main" val="0"/>
-              </a:ext>
-            </a:extLst>
-          </a:blip>
-          <a:srcRect l="5000" t="5001" r="4850" b="5150"/>
-          <a:stretch/>
-        </p:blipFill>
-        <p:spPr>
-          <a:xfrm rot="20707865">
-            <a:off x="9057784" y="5593859"/>
-            <a:ext cx="578943" cy="577016"/>
-          </a:xfrm>
-          <a:prstGeom prst="ellipse">
-            <a:avLst/>
-          </a:prstGeom>
-        </p:spPr>
-      </p:pic>
-      <p:pic>
-        <p:nvPicPr>
-          <p:cNvPr id="14" name="Picture 13">
-            <a:extLst>
-              <a:ext uri="{FF2B5EF4-FFF2-40B4-BE49-F238E27FC236}">
-                <a16:creationId xmlns:a16="http://schemas.microsoft.com/office/drawing/2014/main" id="{886BB776-74F7-2DC7-41C8-585E4B2EEA99}"/>
-              </a:ext>
-            </a:extLst>
-          </p:cNvPr>
-          <p:cNvPicPr>
-            <a:picLocks noChangeAspect="1"/>
-          </p:cNvPicPr>
-          <p:nvPr/>
-        </p:nvPicPr>
-        <p:blipFill>
-          <a:blip r:embed="rId4"/>
-          <a:stretch>
-            <a:fillRect/>
-          </a:stretch>
-        </p:blipFill>
-        <p:spPr>
-          <a:xfrm rot="1015425">
-            <a:off x="3248061" y="3921803"/>
-            <a:ext cx="526830" cy="823635"/>
-          </a:xfrm>
-          <a:prstGeom prst="rect">
-            <a:avLst/>
-          </a:prstGeom>
-        </p:spPr>
-      </p:pic>
-      <p:pic>
-        <p:nvPicPr>
-          <p:cNvPr id="15" name="Picture 14">
-            <a:extLst>
-              <a:ext uri="{FF2B5EF4-FFF2-40B4-BE49-F238E27FC236}">
-                <a16:creationId xmlns:a16="http://schemas.microsoft.com/office/drawing/2014/main" id="{7E74C3E9-7D98-F754-BE82-7BB35536793C}"/>
-              </a:ext>
-            </a:extLst>
-          </p:cNvPr>
-          <p:cNvPicPr>
-            <a:picLocks noChangeAspect="1"/>
-          </p:cNvPicPr>
-          <p:nvPr/>
-        </p:nvPicPr>
-        <p:blipFill>
-          <a:blip r:embed="rId5"/>
-          <a:stretch>
-            <a:fillRect/>
-          </a:stretch>
-        </p:blipFill>
-        <p:spPr>
-          <a:xfrm rot="945597">
-            <a:off x="3567961" y="4030245"/>
-            <a:ext cx="518709" cy="785169"/>
-          </a:xfrm>
-          <a:prstGeom prst="rect">
-            <a:avLst/>
-          </a:prstGeom>
-        </p:spPr>
-      </p:pic>
-      <p:pic>
-        <p:nvPicPr>
-          <p:cNvPr id="16" name="Picture 15">
-            <a:extLst>
-              <a:ext uri="{FF2B5EF4-FFF2-40B4-BE49-F238E27FC236}">
-                <a16:creationId xmlns:a16="http://schemas.microsoft.com/office/drawing/2014/main" id="{614DE49F-B7B0-A2CA-5711-EA342AAA99F7}"/>
-              </a:ext>
-            </a:extLst>
-          </p:cNvPr>
-          <p:cNvPicPr>
-            <a:picLocks noChangeAspect="1"/>
-          </p:cNvPicPr>
-          <p:nvPr/>
-        </p:nvPicPr>
-        <p:blipFill>
-          <a:blip r:embed="rId6"/>
-          <a:stretch>
-            <a:fillRect/>
-          </a:stretch>
-        </p:blipFill>
-        <p:spPr>
-          <a:xfrm rot="607984">
-            <a:off x="5050970" y="4194988"/>
-            <a:ext cx="572458" cy="880704"/>
-          </a:xfrm>
-          <a:prstGeom prst="rect">
-            <a:avLst/>
-          </a:prstGeom>
-        </p:spPr>
-      </p:pic>
-      <p:pic>
-        <p:nvPicPr>
-          <p:cNvPr id="17" name="Picture 16">
-            <a:extLst>
-              <a:ext uri="{FF2B5EF4-FFF2-40B4-BE49-F238E27FC236}">
-                <a16:creationId xmlns:a16="http://schemas.microsoft.com/office/drawing/2014/main" id="{8CA7631E-8D64-24CB-5E05-817796D493E6}"/>
-              </a:ext>
-            </a:extLst>
-          </p:cNvPr>
-          <p:cNvPicPr>
-            <a:picLocks noChangeAspect="1"/>
-          </p:cNvPicPr>
-          <p:nvPr/>
-        </p:nvPicPr>
-        <p:blipFill>
-          <a:blip r:embed="rId7"/>
-          <a:stretch>
-            <a:fillRect/>
-          </a:stretch>
-        </p:blipFill>
-        <p:spPr>
-          <a:xfrm rot="493982">
-            <a:off x="5391313" y="4251607"/>
-            <a:ext cx="610247" cy="915371"/>
-          </a:xfrm>
-          <a:prstGeom prst="rect">
-            <a:avLst/>
-          </a:prstGeom>
-        </p:spPr>
-      </p:pic>
-      <p:pic>
-        <p:nvPicPr>
-          <p:cNvPr id="18" name="Picture 17">
-            <a:extLst>
-              <a:ext uri="{FF2B5EF4-FFF2-40B4-BE49-F238E27FC236}">
-                <a16:creationId xmlns:a16="http://schemas.microsoft.com/office/drawing/2014/main" id="{42989369-CB0C-5C8E-29EA-D545B202220A}"/>
-              </a:ext>
-            </a:extLst>
-          </p:cNvPr>
-          <p:cNvPicPr>
-            <a:picLocks noChangeAspect="1"/>
-          </p:cNvPicPr>
-          <p:nvPr/>
-        </p:nvPicPr>
-        <p:blipFill>
-          <a:blip r:embed="rId8"/>
-          <a:stretch>
-            <a:fillRect/>
-          </a:stretch>
-        </p:blipFill>
-        <p:spPr>
-          <a:xfrm>
-            <a:off x="6800149" y="4408171"/>
-            <a:ext cx="513440" cy="786094"/>
-          </a:xfrm>
-          <a:prstGeom prst="rect">
-            <a:avLst/>
-          </a:prstGeom>
-        </p:spPr>
-      </p:pic>
-      <p:pic>
-        <p:nvPicPr>
-          <p:cNvPr id="19" name="Picture 18">
-            <a:extLst>
-              <a:ext uri="{FF2B5EF4-FFF2-40B4-BE49-F238E27FC236}">
-                <a16:creationId xmlns:a16="http://schemas.microsoft.com/office/drawing/2014/main" id="{3F6F2FB4-AED2-3FF3-0E15-434FCEC583FE}"/>
-              </a:ext>
-            </a:extLst>
-          </p:cNvPr>
-          <p:cNvPicPr>
-            <a:picLocks noChangeAspect="1"/>
-          </p:cNvPicPr>
-          <p:nvPr/>
-        </p:nvPicPr>
-        <p:blipFill>
-          <a:blip r:embed="rId9"/>
-          <a:stretch>
-            <a:fillRect/>
-          </a:stretch>
-        </p:blipFill>
-        <p:spPr>
-          <a:xfrm>
-            <a:off x="7149344" y="4407125"/>
-            <a:ext cx="531202" cy="794971"/>
-          </a:xfrm>
-          <a:prstGeom prst="rect">
-            <a:avLst/>
-          </a:prstGeom>
-        </p:spPr>
-      </p:pic>
-      <p:pic>
-        <p:nvPicPr>
-          <p:cNvPr id="20" name="Picture 19">
-            <a:extLst>
-              <a:ext uri="{FF2B5EF4-FFF2-40B4-BE49-F238E27FC236}">
-                <a16:creationId xmlns:a16="http://schemas.microsoft.com/office/drawing/2014/main" id="{BB325FD1-1CB7-C62A-DC05-F3EA7295068B}"/>
-              </a:ext>
-            </a:extLst>
-          </p:cNvPr>
-          <p:cNvPicPr>
-            <a:picLocks noChangeAspect="1"/>
-          </p:cNvPicPr>
-          <p:nvPr/>
-        </p:nvPicPr>
-        <p:blipFill>
-          <a:blip r:embed="rId10"/>
-          <a:stretch>
-            <a:fillRect/>
-          </a:stretch>
-        </p:blipFill>
-        <p:spPr>
-          <a:xfrm rot="21181036">
-            <a:off x="8557526" y="4277479"/>
-            <a:ext cx="580388" cy="884788"/>
-          </a:xfrm>
-          <a:prstGeom prst="rect">
-            <a:avLst/>
-          </a:prstGeom>
-        </p:spPr>
-      </p:pic>
-      <p:pic>
-        <p:nvPicPr>
-          <p:cNvPr id="21" name="Picture 20">
-            <a:extLst>
-              <a:ext uri="{FF2B5EF4-FFF2-40B4-BE49-F238E27FC236}">
-                <a16:creationId xmlns:a16="http://schemas.microsoft.com/office/drawing/2014/main" id="{5DF0B692-F773-3402-F4F7-402C3601C9CB}"/>
-              </a:ext>
-            </a:extLst>
-          </p:cNvPr>
-          <p:cNvPicPr>
-            <a:picLocks noChangeAspect="1"/>
-          </p:cNvPicPr>
-          <p:nvPr/>
-        </p:nvPicPr>
-        <p:blipFill>
-          <a:blip r:embed="rId11"/>
-          <a:stretch>
-            <a:fillRect/>
-          </a:stretch>
-        </p:blipFill>
-        <p:spPr>
-          <a:xfrm rot="21263436">
-            <a:off x="8899274" y="4212273"/>
-            <a:ext cx="615428" cy="942508"/>
-          </a:xfrm>
-          <a:prstGeom prst="rect">
-            <a:avLst/>
-          </a:prstGeom>
-        </p:spPr>
-      </p:pic>
-      <p:pic>
-        <p:nvPicPr>
-          <p:cNvPr id="22" name="Picture 21">
-            <a:extLst>
-              <a:ext uri="{FF2B5EF4-FFF2-40B4-BE49-F238E27FC236}">
-                <a16:creationId xmlns:a16="http://schemas.microsoft.com/office/drawing/2014/main" id="{7FF42B33-4526-C14F-FD2E-4B27A3F2C5C1}"/>
-              </a:ext>
-            </a:extLst>
-          </p:cNvPr>
-          <p:cNvPicPr>
-            <a:picLocks noChangeAspect="1"/>
-          </p:cNvPicPr>
-          <p:nvPr/>
-        </p:nvPicPr>
-        <p:blipFill>
-          <a:blip r:embed="rId12"/>
-          <a:stretch>
-            <a:fillRect/>
-          </a:stretch>
-        </p:blipFill>
-        <p:spPr>
-          <a:xfrm rot="877911">
-            <a:off x="3820109" y="4081234"/>
-            <a:ext cx="561947" cy="860604"/>
-          </a:xfrm>
-          <a:prstGeom prst="rect">
-            <a:avLst/>
-          </a:prstGeom>
-        </p:spPr>
-      </p:pic>
-      <p:pic>
-        <p:nvPicPr>
-          <p:cNvPr id="23" name="Picture 22">
-            <a:extLst>
-              <a:ext uri="{FF2B5EF4-FFF2-40B4-BE49-F238E27FC236}">
-                <a16:creationId xmlns:a16="http://schemas.microsoft.com/office/drawing/2014/main" id="{6C23E423-2FE0-98E3-C3F7-64F28B1325E1}"/>
-              </a:ext>
-            </a:extLst>
-          </p:cNvPr>
-          <p:cNvPicPr>
-            <a:picLocks noChangeAspect="1"/>
-          </p:cNvPicPr>
-          <p:nvPr/>
-        </p:nvPicPr>
-        <p:blipFill>
-          <a:blip r:embed="rId13"/>
-          <a:stretch>
-            <a:fillRect/>
-          </a:stretch>
-        </p:blipFill>
-        <p:spPr>
-          <a:xfrm rot="491473">
-            <a:off x="5636779" y="4313323"/>
-            <a:ext cx="596663" cy="901167"/>
-          </a:xfrm>
-          <a:prstGeom prst="rect">
-            <a:avLst/>
-          </a:prstGeom>
-        </p:spPr>
-      </p:pic>
-      <p:pic>
-        <p:nvPicPr>
-          <p:cNvPr id="26" name="Picture 25">
-            <a:extLst>
-              <a:ext uri="{FF2B5EF4-FFF2-40B4-BE49-F238E27FC236}">
-                <a16:creationId xmlns:a16="http://schemas.microsoft.com/office/drawing/2014/main" id="{CA4BD358-6A6D-2665-3CE9-18D1C7BFDFDB}"/>
-              </a:ext>
-            </a:extLst>
-          </p:cNvPr>
-          <p:cNvPicPr>
-            <a:picLocks noChangeAspect="1"/>
-          </p:cNvPicPr>
-          <p:nvPr/>
-        </p:nvPicPr>
-        <p:blipFill>
-          <a:blip r:embed="rId14"/>
-          <a:stretch>
-            <a:fillRect/>
-          </a:stretch>
-        </p:blipFill>
-        <p:spPr>
-          <a:xfrm rot="21272813">
-            <a:off x="9120527" y="4209153"/>
-            <a:ext cx="592444" cy="923881"/>
-          </a:xfrm>
-          <a:prstGeom prst="rect">
-            <a:avLst/>
-          </a:prstGeom>
-        </p:spPr>
-      </p:pic>
-      <p:pic>
-        <p:nvPicPr>
-          <p:cNvPr id="28" name="Picture 27">
-            <a:extLst>
-              <a:ext uri="{FF2B5EF4-FFF2-40B4-BE49-F238E27FC236}">
-                <a16:creationId xmlns:a16="http://schemas.microsoft.com/office/drawing/2014/main" id="{E473055C-7F0F-DF38-C8BF-2AE4C0AC77C3}"/>
-              </a:ext>
-            </a:extLst>
-          </p:cNvPr>
-          <p:cNvPicPr>
-            <a:picLocks noChangeAspect="1"/>
-          </p:cNvPicPr>
-          <p:nvPr/>
-        </p:nvPicPr>
-        <p:blipFill>
-          <a:blip r:embed="rId15"/>
-          <a:stretch>
-            <a:fillRect/>
-          </a:stretch>
-        </p:blipFill>
-        <p:spPr>
-          <a:xfrm>
-            <a:off x="7423826" y="4397176"/>
-            <a:ext cx="513440" cy="797089"/>
-          </a:xfrm>
-          <a:prstGeom prst="rect">
-            <a:avLst/>
-          </a:prstGeom>
-        </p:spPr>
-      </p:pic>
-      <p:sp>
-        <p:nvSpPr>
-          <p:cNvPr id="29" name="TextBox 28">
-            <a:extLst>
-              <a:ext uri="{FF2B5EF4-FFF2-40B4-BE49-F238E27FC236}">
-                <a16:creationId xmlns:a16="http://schemas.microsoft.com/office/drawing/2014/main" id="{54A9A69D-9C41-19CF-0A0E-4E89961F8E8D}"/>
-              </a:ext>
-            </a:extLst>
-          </p:cNvPr>
-          <p:cNvSpPr txBox="1"/>
-          <p:nvPr/>
-        </p:nvSpPr>
-        <p:spPr>
-          <a:xfrm>
-            <a:off x="3150349" y="2668491"/>
-            <a:ext cx="7813040" cy="707886"/>
-          </a:xfrm>
-          <a:prstGeom prst="rect">
-            <a:avLst/>
-          </a:prstGeom>
-          <a:noFill/>
-        </p:spPr>
-        <p:txBody>
-          <a:bodyPr wrap="square" rtlCol="0" anchor="ctr">
-            <a:spAutoFit/>
-          </a:bodyPr>
-          <a:lstStyle/>
-          <a:p>
-            <a:pPr algn="ctr"/>
-            <a:r>
-              <a:rPr lang="en-US" sz="4000" b="1" dirty="0">
-                <a:solidFill>
-                  <a:schemeClr val="bg1"/>
-                </a:solidFill>
-              </a:rPr>
-              <a:t>IF THE USER HITS, THEN STANDS</a:t>
-            </a:r>
-          </a:p>
-        </p:txBody>
-      </p:sp>
-      <p:pic>
-        <p:nvPicPr>
-          <p:cNvPr id="30" name="Picture 29" descr="A rectangular blue and white rectangular pattern&#10;&#10;AI-generated content may be incorrect.">
-            <a:extLst>
-              <a:ext uri="{FF2B5EF4-FFF2-40B4-BE49-F238E27FC236}">
-                <a16:creationId xmlns:a16="http://schemas.microsoft.com/office/drawing/2014/main" id="{82E7AED1-4D24-7F83-9B6A-161CB9884F93}"/>
-              </a:ext>
-            </a:extLst>
-          </p:cNvPr>
-          <p:cNvPicPr>
-            <a:picLocks noChangeAspect="1"/>
-          </p:cNvPicPr>
-          <p:nvPr/>
-        </p:nvPicPr>
-        <p:blipFill>
-          <a:blip r:embed="rId16">
-            <a:extLst>
-              <a:ext uri="{28A0092B-C50C-407E-A947-70E740481C1C}">
-                <a14:useLocalDpi xmlns:a14="http://schemas.microsoft.com/office/drawing/2010/main" val="0"/>
-              </a:ext>
-            </a:extLst>
-          </a:blip>
-          <a:stretch>
-            <a:fillRect/>
-          </a:stretch>
-        </p:blipFill>
-        <p:spPr>
-          <a:xfrm>
-            <a:off x="7217192" y="287977"/>
-            <a:ext cx="663256" cy="926741"/>
-          </a:xfrm>
-          <a:prstGeom prst="rect">
-            <a:avLst/>
-          </a:prstGeom>
-        </p:spPr>
-      </p:pic>
-      <p:pic>
-        <p:nvPicPr>
-          <p:cNvPr id="31" name="Picture 30">
-            <a:extLst>
-              <a:ext uri="{FF2B5EF4-FFF2-40B4-BE49-F238E27FC236}">
-                <a16:creationId xmlns:a16="http://schemas.microsoft.com/office/drawing/2014/main" id="{6114A22D-ABF2-6237-410E-D8EFA0F15477}"/>
-              </a:ext>
-            </a:extLst>
-          </p:cNvPr>
-          <p:cNvPicPr>
-            <a:picLocks noChangeAspect="1"/>
-          </p:cNvPicPr>
-          <p:nvPr/>
-        </p:nvPicPr>
-        <p:blipFill>
-          <a:blip r:embed="rId17"/>
-          <a:stretch>
-            <a:fillRect/>
-          </a:stretch>
-        </p:blipFill>
-        <p:spPr>
-          <a:xfrm>
-            <a:off x="7364423" y="261451"/>
-            <a:ext cx="647829" cy="1000784"/>
-          </a:xfrm>
-          <a:prstGeom prst="rect">
-            <a:avLst/>
-          </a:prstGeom>
-        </p:spPr>
-      </p:pic>
-      <p:pic>
-        <p:nvPicPr>
-          <p:cNvPr id="32" name="Picture 31">
-            <a:extLst>
-              <a:ext uri="{FF2B5EF4-FFF2-40B4-BE49-F238E27FC236}">
-                <a16:creationId xmlns:a16="http://schemas.microsoft.com/office/drawing/2014/main" id="{2F396335-386F-6058-6062-4EC624FFDE0E}"/>
-              </a:ext>
-            </a:extLst>
-          </p:cNvPr>
-          <p:cNvPicPr>
-            <a:picLocks noChangeAspect="1"/>
-          </p:cNvPicPr>
-          <p:nvPr/>
-        </p:nvPicPr>
-        <p:blipFill>
-          <a:blip r:embed="rId18"/>
-          <a:stretch>
-            <a:fillRect/>
-          </a:stretch>
-        </p:blipFill>
-        <p:spPr>
-          <a:xfrm>
-            <a:off x="6305049" y="250475"/>
-            <a:ext cx="663255" cy="1001743"/>
-          </a:xfrm>
-          <a:prstGeom prst="rect">
-            <a:avLst/>
-          </a:prstGeom>
-        </p:spPr>
-      </p:pic>
-      <p:pic>
-        <p:nvPicPr>
-          <p:cNvPr id="33" name="Picture 32" descr="A red and white poker chip&#10;&#10;AI-generated content may be incorrect.">
-            <a:extLst>
-              <a:ext uri="{FF2B5EF4-FFF2-40B4-BE49-F238E27FC236}">
-                <a16:creationId xmlns:a16="http://schemas.microsoft.com/office/drawing/2014/main" id="{D7DE6AB3-E2E8-75A4-ABD2-F93361C87045}"/>
-              </a:ext>
-            </a:extLst>
-          </p:cNvPr>
-          <p:cNvPicPr>
-            <a:picLocks noChangeAspect="1"/>
-          </p:cNvPicPr>
-          <p:nvPr/>
-        </p:nvPicPr>
-        <p:blipFill>
-          <a:blip r:embed="rId3">
-            <a:extLst>
-              <a:ext uri="{28A0092B-C50C-407E-A947-70E740481C1C}">
-                <a14:useLocalDpi xmlns:a14="http://schemas.microsoft.com/office/drawing/2010/main" val="0"/>
-              </a:ext>
-            </a:extLst>
-          </a:blip>
-          <a:srcRect l="5000" t="5001" r="4850" b="5150"/>
-          <a:stretch/>
-        </p:blipFill>
-        <p:spPr>
-          <a:xfrm rot="760974">
-            <a:off x="4995232" y="6296009"/>
-            <a:ext cx="578943" cy="577016"/>
-          </a:xfrm>
-          <a:prstGeom prst="ellipse">
-            <a:avLst/>
-          </a:prstGeom>
-        </p:spPr>
-      </p:pic>
-      <p:pic>
-        <p:nvPicPr>
-          <p:cNvPr id="34" name="Picture 33" descr="A red and white poker chip&#10;&#10;AI-generated content may be incorrect.">
-            <a:extLst>
-              <a:ext uri="{FF2B5EF4-FFF2-40B4-BE49-F238E27FC236}">
-                <a16:creationId xmlns:a16="http://schemas.microsoft.com/office/drawing/2014/main" id="{32936D8A-66C0-4D39-F3F3-81B8D14D048A}"/>
-              </a:ext>
-            </a:extLst>
-          </p:cNvPr>
-          <p:cNvPicPr>
-            <a:picLocks noChangeAspect="1"/>
-          </p:cNvPicPr>
-          <p:nvPr/>
-        </p:nvPicPr>
-        <p:blipFill>
-          <a:blip r:embed="rId3">
-            <a:extLst>
-              <a:ext uri="{28A0092B-C50C-407E-A947-70E740481C1C}">
-                <a14:useLocalDpi xmlns:a14="http://schemas.microsoft.com/office/drawing/2010/main" val="0"/>
-              </a:ext>
-            </a:extLst>
-          </a:blip>
-          <a:srcRect l="5000" t="5001" r="4850" b="5150"/>
-          <a:stretch/>
-        </p:blipFill>
-        <p:spPr>
-          <a:xfrm rot="21431088">
-            <a:off x="7065732" y="6333653"/>
-            <a:ext cx="578943" cy="577016"/>
-          </a:xfrm>
-          <a:prstGeom prst="ellipse">
-            <a:avLst/>
-          </a:prstGeom>
-        </p:spPr>
-      </p:pic>
-    </p:spTree>
-    <p:extLst>
-      <p:ext uri="{BB962C8B-B14F-4D97-AF65-F5344CB8AC3E}">
-        <p14:creationId xmlns:p14="http://schemas.microsoft.com/office/powerpoint/2010/main" val="2254140008"/>
-      </p:ext>
-    </p:extLst>
-  </p:cSld>
-  <p:clrMapOvr>
-    <a:masterClrMapping/>
-  </p:clrMapOvr>
-  <p:timing>
-    <p:tnLst>
-      <p:par>
-        <p:cTn id="1" dur="indefinite" restart="never" nodeType="tmRoot">
-          <p:childTnLst>
-            <p:seq concurrent="1" nextAc="seek">
-              <p:cTn id="2" dur="indefinite" nodeType="mainSeq">
-                <p:childTnLst>
-                  <p:par>
-                    <p:cTn id="3" fill="hold">
-                      <p:stCondLst>
-                        <p:cond delay="indefinite"/>
-                      </p:stCondLst>
-                      <p:childTnLst>
-                        <p:par>
-                          <p:cTn id="4" fill="hold">
-                            <p:stCondLst>
-                              <p:cond delay="0"/>
-                            </p:stCondLst>
-                            <p:childTnLst>
-                              <p:par>
-                                <p:cTn id="5" presetID="1" presetClass="exit" presetSubtype="0" fill="hold" grpId="0" nodeType="clickEffect">
-                                  <p:stCondLst>
-                                    <p:cond delay="0"/>
-                                  </p:stCondLst>
-                                  <p:childTnLst>
-                                    <p:set>
-                                      <p:cBhvr>
-                                        <p:cTn id="6" dur="1" fill="hold">
-                                          <p:stCondLst>
-                                            <p:cond delay="0"/>
-                                          </p:stCondLst>
-                                        </p:cTn>
-                                        <p:tgtEl>
-                                          <p:spTgt spid="29"/>
-                                        </p:tgtEl>
-                                        <p:attrNameLst>
-                                          <p:attrName>style.visibility</p:attrName>
-                                        </p:attrNameLst>
-                                      </p:cBhvr>
-                                      <p:to>
-                                        <p:strVal val="hidden"/>
-                                      </p:to>
-                                    </p:set>
-                                  </p:childTnLst>
-                                </p:cTn>
-                              </p:par>
-                              <p:par>
-                                <p:cTn id="7" presetID="1" presetClass="entr" presetSubtype="0" fill="hold" grpId="1" nodeType="withEffect">
-                                  <p:stCondLst>
-                                    <p:cond delay="0"/>
-                                  </p:stCondLst>
-                                  <p:childTnLst>
-                                    <p:set>
-                                      <p:cBhvr>
-                                        <p:cTn id="8" dur="1" fill="hold">
-                                          <p:stCondLst>
-                                            <p:cond delay="0"/>
-                                          </p:stCondLst>
-                                        </p:cTn>
-                                        <p:tgtEl>
-                                          <p:spTgt spid="8"/>
-                                        </p:tgtEl>
-                                        <p:attrNameLst>
-                                          <p:attrName>style.visibility</p:attrName>
-                                        </p:attrNameLst>
-                                      </p:cBhvr>
-                                      <p:to>
-                                        <p:strVal val="visible"/>
-                                      </p:to>
-                                    </p:set>
-                                  </p:childTnLst>
-                                </p:cTn>
-                              </p:par>
-                              <p:par>
-                                <p:cTn id="9" presetID="1" presetClass="entr" presetSubtype="0" fill="hold" nodeType="withEffect">
-                                  <p:stCondLst>
-                                    <p:cond delay="0"/>
-                                  </p:stCondLst>
-                                  <p:childTnLst>
-                                    <p:set>
-                                      <p:cBhvr>
-                                        <p:cTn id="10" dur="1" fill="hold">
-                                          <p:stCondLst>
-                                            <p:cond delay="0"/>
-                                          </p:stCondLst>
-                                        </p:cTn>
-                                        <p:tgtEl>
-                                          <p:spTgt spid="26"/>
-                                        </p:tgtEl>
-                                        <p:attrNameLst>
-                                          <p:attrName>style.visibility</p:attrName>
-                                        </p:attrNameLst>
-                                      </p:cBhvr>
-                                      <p:to>
-                                        <p:strVal val="visible"/>
-                                      </p:to>
-                                    </p:set>
-                                  </p:childTnLst>
-                                </p:cTn>
-                              </p:par>
-                              <p:par>
-                                <p:cTn id="11" presetID="1" presetClass="exit" presetSubtype="0" fill="hold" nodeType="withEffect">
-                                  <p:stCondLst>
-                                    <p:cond delay="0"/>
-                                  </p:stCondLst>
-                                  <p:childTnLst>
-                                    <p:set>
-                                      <p:cBhvr>
-                                        <p:cTn id="12" dur="1" fill="hold">
-                                          <p:stCondLst>
-                                            <p:cond delay="0"/>
-                                          </p:stCondLst>
-                                        </p:cTn>
-                                        <p:tgtEl>
-                                          <p:spTgt spid="13"/>
-                                        </p:tgtEl>
-                                        <p:attrNameLst>
-                                          <p:attrName>style.visibility</p:attrName>
-                                        </p:attrNameLst>
-                                      </p:cBhvr>
-                                      <p:to>
-                                        <p:strVal val="hidden"/>
-                                      </p:to>
-                                    </p:set>
-                                  </p:childTnLst>
-                                </p:cTn>
-                              </p:par>
-                            </p:childTnLst>
-                          </p:cTn>
-                        </p:par>
-                      </p:childTnLst>
-                    </p:cTn>
-                  </p:par>
-                  <p:par>
-                    <p:cTn id="13" fill="hold">
-                      <p:stCondLst>
-                        <p:cond delay="indefinite"/>
-                      </p:stCondLst>
-                      <p:childTnLst>
-                        <p:par>
-                          <p:cTn id="14" fill="hold">
-                            <p:stCondLst>
-                              <p:cond delay="0"/>
-                            </p:stCondLst>
-                            <p:childTnLst>
-                              <p:par>
-                                <p:cTn id="15" presetID="1" presetClass="exit" presetSubtype="0" fill="hold" grpId="0" nodeType="clickEffect">
-                                  <p:stCondLst>
-                                    <p:cond delay="0"/>
-                                  </p:stCondLst>
-                                  <p:childTnLst>
-                                    <p:set>
-                                      <p:cBhvr>
-                                        <p:cTn id="16" dur="1" fill="hold">
-                                          <p:stCondLst>
-                                            <p:cond delay="0"/>
-                                          </p:stCondLst>
-                                        </p:cTn>
-                                        <p:tgtEl>
-                                          <p:spTgt spid="8"/>
-                                        </p:tgtEl>
-                                        <p:attrNameLst>
-                                          <p:attrName>style.visibility</p:attrName>
-                                        </p:attrNameLst>
-                                      </p:cBhvr>
-                                      <p:to>
-                                        <p:strVal val="hidden"/>
-                                      </p:to>
-                                    </p:set>
-                                  </p:childTnLst>
-                                </p:cTn>
-                              </p:par>
-                              <p:par>
-                                <p:cTn id="17" presetID="1" presetClass="entr" presetSubtype="0" fill="hold" grpId="0" nodeType="withEffect">
-                                  <p:stCondLst>
-                                    <p:cond delay="0"/>
-                                  </p:stCondLst>
-                                  <p:childTnLst>
-                                    <p:set>
-                                      <p:cBhvr>
-                                        <p:cTn id="18" dur="1" fill="hold">
-                                          <p:stCondLst>
-                                            <p:cond delay="0"/>
-                                          </p:stCondLst>
-                                        </p:cTn>
-                                        <p:tgtEl>
-                                          <p:spTgt spid="7"/>
-                                        </p:tgtEl>
-                                        <p:attrNameLst>
-                                          <p:attrName>style.visibility</p:attrName>
-                                        </p:attrNameLst>
-                                      </p:cBhvr>
-                                      <p:to>
-                                        <p:strVal val="visible"/>
-                                      </p:to>
-                                    </p:set>
-                                  </p:childTnLst>
-                                </p:cTn>
-                              </p:par>
-                              <p:par>
-                                <p:cTn id="19" presetID="1" presetClass="exit" presetSubtype="0" fill="hold" nodeType="withEffect">
-                                  <p:stCondLst>
-                                    <p:cond delay="0"/>
-                                  </p:stCondLst>
-                                  <p:childTnLst>
-                                    <p:set>
-                                      <p:cBhvr>
-                                        <p:cTn id="20" dur="1" fill="hold">
-                                          <p:stCondLst>
-                                            <p:cond delay="0"/>
-                                          </p:stCondLst>
-                                        </p:cTn>
-                                        <p:tgtEl>
-                                          <p:spTgt spid="30"/>
-                                        </p:tgtEl>
-                                        <p:attrNameLst>
-                                          <p:attrName>style.visibility</p:attrName>
-                                        </p:attrNameLst>
-                                      </p:cBhvr>
-                                      <p:to>
-                                        <p:strVal val="hidden"/>
-                                      </p:to>
-                                    </p:set>
-                                  </p:childTnLst>
-                                </p:cTn>
-                              </p:par>
-                              <p:par>
-                                <p:cTn id="21" presetID="1" presetClass="entr" presetSubtype="0" fill="hold" nodeType="withEffect">
-                                  <p:stCondLst>
-                                    <p:cond delay="0"/>
-                                  </p:stCondLst>
-                                  <p:childTnLst>
-                                    <p:set>
-                                      <p:cBhvr>
-                                        <p:cTn id="22" dur="1" fill="hold">
-                                          <p:stCondLst>
-                                            <p:cond delay="0"/>
-                                          </p:stCondLst>
-                                        </p:cTn>
-                                        <p:tgtEl>
-                                          <p:spTgt spid="31"/>
-                                        </p:tgtEl>
-                                        <p:attrNameLst>
-                                          <p:attrName>style.visibility</p:attrName>
-                                        </p:attrNameLst>
-                                      </p:cBhvr>
-                                      <p:to>
-                                        <p:strVal val="visible"/>
-                                      </p:to>
-                                    </p:set>
-                                  </p:childTnLst>
-                                </p:cTn>
-                              </p:par>
-                            </p:childTnLst>
-                          </p:cTn>
-                        </p:par>
-                      </p:childTnLst>
-                    </p:cTn>
-                  </p:par>
-                  <p:par>
-                    <p:cTn id="23" fill="hold">
-                      <p:stCondLst>
-                        <p:cond delay="indefinite"/>
-                      </p:stCondLst>
-                      <p:childTnLst>
-                        <p:par>
-                          <p:cTn id="24" fill="hold">
-                            <p:stCondLst>
-                              <p:cond delay="0"/>
-                            </p:stCondLst>
-                            <p:childTnLst>
-                              <p:par>
-                                <p:cTn id="25" presetID="1" presetClass="exit" presetSubtype="0" fill="hold" grpId="1" nodeType="clickEffect">
-                                  <p:stCondLst>
-                                    <p:cond delay="0"/>
-                                  </p:stCondLst>
-                                  <p:childTnLst>
-                                    <p:set>
-                                      <p:cBhvr>
-                                        <p:cTn id="26" dur="1" fill="hold">
-                                          <p:stCondLst>
-                                            <p:cond delay="0"/>
-                                          </p:stCondLst>
-                                        </p:cTn>
-                                        <p:tgtEl>
-                                          <p:spTgt spid="7"/>
-                                        </p:tgtEl>
-                                        <p:attrNameLst>
-                                          <p:attrName>style.visibility</p:attrName>
-                                        </p:attrNameLst>
-                                      </p:cBhvr>
-                                      <p:to>
-                                        <p:strVal val="hidden"/>
-                                      </p:to>
-                                    </p:set>
-                                  </p:childTnLst>
-                                </p:cTn>
-                              </p:par>
-                              <p:par>
-                                <p:cTn id="27" presetID="1" presetClass="entr" presetSubtype="0" fill="hold" grpId="0" nodeType="withEffect">
-                                  <p:stCondLst>
-                                    <p:cond delay="0"/>
-                                  </p:stCondLst>
-                                  <p:childTnLst>
-                                    <p:set>
-                                      <p:cBhvr>
-                                        <p:cTn id="28" dur="1" fill="hold">
-                                          <p:stCondLst>
-                                            <p:cond delay="0"/>
-                                          </p:stCondLst>
-                                        </p:cTn>
-                                        <p:tgtEl>
-                                          <p:spTgt spid="9"/>
-                                        </p:tgtEl>
-                                        <p:attrNameLst>
-                                          <p:attrName>style.visibility</p:attrName>
-                                        </p:attrNameLst>
-                                      </p:cBhvr>
-                                      <p:to>
-                                        <p:strVal val="visible"/>
-                                      </p:to>
-                                    </p:set>
-                                  </p:childTnLst>
-                                </p:cTn>
-                              </p:par>
-                              <p:par>
-                                <p:cTn id="29" presetID="1" presetClass="entr" presetSubtype="0" fill="hold" nodeType="withEffect">
-                                  <p:stCondLst>
-                                    <p:cond delay="0"/>
-                                  </p:stCondLst>
-                                  <p:childTnLst>
-                                    <p:set>
-                                      <p:cBhvr>
-                                        <p:cTn id="30" dur="1" fill="hold">
-                                          <p:stCondLst>
-                                            <p:cond delay="0"/>
-                                          </p:stCondLst>
-                                        </p:cTn>
-                                        <p:tgtEl>
-                                          <p:spTgt spid="33"/>
-                                        </p:tgtEl>
-                                        <p:attrNameLst>
-                                          <p:attrName>style.visibility</p:attrName>
-                                        </p:attrNameLst>
-                                      </p:cBhvr>
-                                      <p:to>
-                                        <p:strVal val="visible"/>
-                                      </p:to>
-                                    </p:set>
-                                  </p:childTnLst>
-                                </p:cTn>
-                              </p:par>
-                            </p:childTnLst>
-                          </p:cTn>
-                        </p:par>
-                      </p:childTnLst>
-                    </p:cTn>
-                  </p:par>
-                  <p:par>
-                    <p:cTn id="31" fill="hold">
-                      <p:stCondLst>
-                        <p:cond delay="indefinite"/>
-                      </p:stCondLst>
-                      <p:childTnLst>
-                        <p:par>
-                          <p:cTn id="32" fill="hold">
-                            <p:stCondLst>
-                              <p:cond delay="0"/>
-                            </p:stCondLst>
-                            <p:childTnLst>
-                              <p:par>
-                                <p:cTn id="33" presetID="1" presetClass="exit" presetSubtype="0" fill="hold" grpId="1" nodeType="clickEffect">
-                                  <p:stCondLst>
-                                    <p:cond delay="0"/>
-                                  </p:stCondLst>
-                                  <p:childTnLst>
-                                    <p:set>
-                                      <p:cBhvr>
-                                        <p:cTn id="34" dur="1" fill="hold">
-                                          <p:stCondLst>
-                                            <p:cond delay="0"/>
-                                          </p:stCondLst>
-                                        </p:cTn>
-                                        <p:tgtEl>
-                                          <p:spTgt spid="9"/>
-                                        </p:tgtEl>
-                                        <p:attrNameLst>
-                                          <p:attrName>style.visibility</p:attrName>
-                                        </p:attrNameLst>
-                                      </p:cBhvr>
-                                      <p:to>
-                                        <p:strVal val="hidden"/>
-                                      </p:to>
-                                    </p:set>
-                                  </p:childTnLst>
-                                </p:cTn>
-                              </p:par>
-                              <p:par>
-                                <p:cTn id="35" presetID="1" presetClass="entr" presetSubtype="0" fill="hold" grpId="0" nodeType="withEffect">
-                                  <p:stCondLst>
-                                    <p:cond delay="0"/>
-                                  </p:stCondLst>
-                                  <p:childTnLst>
-                                    <p:set>
-                                      <p:cBhvr>
-                                        <p:cTn id="36" dur="1" fill="hold">
-                                          <p:stCondLst>
-                                            <p:cond delay="0"/>
-                                          </p:stCondLst>
-                                        </p:cTn>
-                                        <p:tgtEl>
-                                          <p:spTgt spid="10"/>
-                                        </p:tgtEl>
-                                        <p:attrNameLst>
-                                          <p:attrName>style.visibility</p:attrName>
-                                        </p:attrNameLst>
-                                      </p:cBhvr>
-                                      <p:to>
-                                        <p:strVal val="visible"/>
-                                      </p:to>
-                                    </p:set>
-                                  </p:childTnLst>
-                                </p:cTn>
-                              </p:par>
-                              <p:par>
-                                <p:cTn id="37" presetID="1" presetClass="entr" presetSubtype="0" fill="hold" nodeType="withEffect">
-                                  <p:stCondLst>
-                                    <p:cond delay="0"/>
-                                  </p:stCondLst>
-                                  <p:childTnLst>
-                                    <p:set>
-                                      <p:cBhvr>
-                                        <p:cTn id="38" dur="1" fill="hold">
-                                          <p:stCondLst>
-                                            <p:cond delay="0"/>
-                                          </p:stCondLst>
-                                        </p:cTn>
-                                        <p:tgtEl>
-                                          <p:spTgt spid="34"/>
-                                        </p:tgtEl>
-                                        <p:attrNameLst>
-                                          <p:attrName>style.visibility</p:attrName>
-                                        </p:attrNameLst>
-                                      </p:cBhvr>
-                                      <p:to>
-                                        <p:strVal val="visible"/>
-                                      </p:to>
-                                    </p:set>
-                                  </p:childTnLst>
-                                </p:cTn>
-                              </p:par>
-                            </p:childTnLst>
-                          </p:cTn>
-                        </p:par>
-                      </p:childTnLst>
-                    </p:cTn>
-                  </p:par>
-                </p:childTnLst>
-              </p:cTn>
-              <p:prevCondLst>
-                <p:cond evt="onPrev" delay="0">
-                  <p:tgtEl>
-                    <p:sldTgt/>
-                  </p:tgtEl>
-                </p:cond>
-              </p:prevCondLst>
-              <p:nextCondLst>
-                <p:cond evt="onNext" delay="0">
-                  <p:tgtEl>
-                    <p:sldTgt/>
-                  </p:tgtEl>
-                </p:cond>
-              </p:nextCondLst>
-            </p:seq>
-          </p:childTnLst>
-        </p:cTn>
-      </p:par>
-    </p:tnLst>
-    <p:bldLst>
-      <p:bldP spid="8" grpId="0"/>
-      <p:bldP spid="8" grpId="1"/>
-      <p:bldP spid="7" grpId="0"/>
-      <p:bldP spid="7" grpId="1"/>
-      <p:bldP spid="9" grpId="0"/>
-      <p:bldP spid="9" grpId="1"/>
-      <p:bldP spid="10" grpId="0"/>
-      <p:bldP spid="29" grpId="0"/>
-    </p:bldLst>
-  </p:timing>
-</p:sld>
-</file>
-
-<file path=ppt/slides/slide5.xml><?xml version="1.0" encoding="utf-8"?>
-<p:sld xmlns:a="http://schemas.openxmlformats.org/drawingml/2006/main" xmlns:r="http://schemas.openxmlformats.org/officeDocument/2006/relationships" xmlns:p="http://schemas.openxmlformats.org/presentationml/2006/main">
-  <p:cSld>
-    <p:spTree>
-      <p:nvGrpSpPr>
-        <p:cNvPr id="1" name=""/>
-        <p:cNvGrpSpPr/>
-        <p:nvPr/>
-      </p:nvGrpSpPr>
-      <p:grpSpPr>
-        <a:xfrm>
-          <a:off x="0" y="0"/>
-          <a:ext cx="0" cy="0"/>
-          <a:chOff x="0" y="0"/>
-          <a:chExt cx="0" cy="0"/>
-        </a:xfrm>
-      </p:grpSpPr>
-      <p:sp>
-        <p:nvSpPr>
-          <p:cNvPr id="2" name="TextBox 1">
-            <a:extLst>
-              <a:ext uri="{FF2B5EF4-FFF2-40B4-BE49-F238E27FC236}">
-                <a16:creationId xmlns:a16="http://schemas.microsoft.com/office/drawing/2014/main" id="{510C014F-41F0-F57B-7303-BEF18E78D380}"/>
-              </a:ext>
-            </a:extLst>
-          </p:cNvPr>
-          <p:cNvSpPr txBox="1"/>
-          <p:nvPr/>
-        </p:nvSpPr>
-        <p:spPr>
-          <a:xfrm rot="21214893">
-            <a:off x="8939040" y="6907745"/>
-            <a:ext cx="1085850" cy="646331"/>
-          </a:xfrm>
-          <a:prstGeom prst="rect">
-            <a:avLst/>
-          </a:prstGeom>
-          <a:noFill/>
-        </p:spPr>
-        <p:txBody>
-          <a:bodyPr wrap="square" rtlCol="0">
-            <a:spAutoFit/>
-          </a:bodyPr>
-          <a:lstStyle/>
-          <a:p>
-            <a:pPr algn="ctr"/>
-            <a:r>
-              <a:rPr lang="en-US" sz="3600" b="1" dirty="0">
-                <a:solidFill>
-                  <a:schemeClr val="bg1"/>
-                </a:solidFill>
-              </a:rPr>
-              <a:t>4</a:t>
-            </a:r>
-          </a:p>
-        </p:txBody>
-      </p:sp>
-      <p:sp>
-        <p:nvSpPr>
-          <p:cNvPr id="3" name="TextBox 2">
-            <a:extLst>
-              <a:ext uri="{FF2B5EF4-FFF2-40B4-BE49-F238E27FC236}">
-                <a16:creationId xmlns:a16="http://schemas.microsoft.com/office/drawing/2014/main" id="{ED26272C-355D-8A62-345C-716A1792FF85}"/>
-              </a:ext>
-            </a:extLst>
-          </p:cNvPr>
-          <p:cNvSpPr txBox="1"/>
-          <p:nvPr/>
-        </p:nvSpPr>
-        <p:spPr>
-          <a:xfrm rot="505186">
-            <a:off x="4676774" y="6995845"/>
-            <a:ext cx="1085850" cy="646331"/>
-          </a:xfrm>
-          <a:prstGeom prst="rect">
-            <a:avLst/>
-          </a:prstGeom>
-          <a:noFill/>
-        </p:spPr>
-        <p:txBody>
-          <a:bodyPr wrap="square" rtlCol="0">
-            <a:spAutoFit/>
-          </a:bodyPr>
-          <a:lstStyle/>
-          <a:p>
-            <a:pPr algn="ctr"/>
-            <a:r>
-              <a:rPr lang="en-US" sz="3600" b="1" dirty="0">
-                <a:solidFill>
-                  <a:schemeClr val="bg1"/>
-                </a:solidFill>
-              </a:rPr>
-              <a:t>2</a:t>
-            </a:r>
-          </a:p>
-        </p:txBody>
-      </p:sp>
-      <p:sp>
-        <p:nvSpPr>
-          <p:cNvPr id="4" name="TextBox 3">
-            <a:extLst>
-              <a:ext uri="{FF2B5EF4-FFF2-40B4-BE49-F238E27FC236}">
-                <a16:creationId xmlns:a16="http://schemas.microsoft.com/office/drawing/2014/main" id="{07EE3E66-6596-4555-D5F4-CAAEF3F039C0}"/>
-              </a:ext>
-            </a:extLst>
-          </p:cNvPr>
-          <p:cNvSpPr txBox="1"/>
-          <p:nvPr/>
-        </p:nvSpPr>
-        <p:spPr>
-          <a:xfrm>
-            <a:off x="6569391" y="7012580"/>
-            <a:ext cx="1491616" cy="1200329"/>
-          </a:xfrm>
-          <a:prstGeom prst="rect">
-            <a:avLst/>
-          </a:prstGeom>
-          <a:noFill/>
-        </p:spPr>
-        <p:txBody>
-          <a:bodyPr wrap="square" rtlCol="0">
-            <a:spAutoFit/>
-          </a:bodyPr>
-          <a:lstStyle/>
-          <a:p>
-            <a:pPr algn="ctr"/>
-            <a:r>
-              <a:rPr lang="en-US" sz="3600" b="1" dirty="0">
-                <a:solidFill>
-                  <a:schemeClr val="bg1"/>
-                </a:solidFill>
-              </a:rPr>
-              <a:t>3</a:t>
-            </a:r>
-          </a:p>
-          <a:p>
-            <a:pPr algn="ctr"/>
-            <a:r>
-              <a:rPr lang="en-US" sz="3600" b="1" dirty="0">
-                <a:solidFill>
-                  <a:schemeClr val="bg1"/>
-                </a:solidFill>
-              </a:rPr>
-              <a:t>(You)</a:t>
-            </a:r>
-          </a:p>
-        </p:txBody>
-      </p:sp>
-      <p:sp>
-        <p:nvSpPr>
-          <p:cNvPr id="5" name="TextBox 4">
-            <a:extLst>
-              <a:ext uri="{FF2B5EF4-FFF2-40B4-BE49-F238E27FC236}">
-                <a16:creationId xmlns:a16="http://schemas.microsoft.com/office/drawing/2014/main" id="{EA64F0C2-6DFA-4622-A614-0C92B6EE1744}"/>
-              </a:ext>
-            </a:extLst>
-          </p:cNvPr>
-          <p:cNvSpPr txBox="1"/>
-          <p:nvPr/>
-        </p:nvSpPr>
-        <p:spPr>
-          <a:xfrm rot="948362">
-            <a:off x="2512695" y="6537015"/>
-            <a:ext cx="1085850" cy="646331"/>
-          </a:xfrm>
-          <a:prstGeom prst="rect">
-            <a:avLst/>
-          </a:prstGeom>
-          <a:noFill/>
-        </p:spPr>
-        <p:txBody>
-          <a:bodyPr wrap="square" rtlCol="0">
-            <a:spAutoFit/>
-          </a:bodyPr>
-          <a:lstStyle/>
-          <a:p>
-            <a:pPr algn="ctr"/>
-            <a:r>
-              <a:rPr lang="en-US" sz="3600" b="1" dirty="0">
-                <a:solidFill>
-                  <a:schemeClr val="bg1"/>
-                </a:solidFill>
-              </a:rPr>
-              <a:t>1</a:t>
-            </a:r>
-          </a:p>
-        </p:txBody>
-      </p:sp>
-      <p:sp>
-        <p:nvSpPr>
-          <p:cNvPr id="6" name="TextBox 5">
-            <a:extLst>
-              <a:ext uri="{FF2B5EF4-FFF2-40B4-BE49-F238E27FC236}">
-                <a16:creationId xmlns:a16="http://schemas.microsoft.com/office/drawing/2014/main" id="{EB4BDFB8-1225-7D99-7E4E-539997FD8263}"/>
-              </a:ext>
-            </a:extLst>
-          </p:cNvPr>
-          <p:cNvSpPr txBox="1"/>
-          <p:nvPr/>
-        </p:nvSpPr>
-        <p:spPr>
-          <a:xfrm>
-            <a:off x="6024290" y="3464013"/>
-            <a:ext cx="2698406" cy="923330"/>
-          </a:xfrm>
-          <a:prstGeom prst="rect">
-            <a:avLst/>
-          </a:prstGeom>
-          <a:noFill/>
-        </p:spPr>
-        <p:txBody>
-          <a:bodyPr wrap="square" rtlCol="0">
-            <a:spAutoFit/>
-          </a:bodyPr>
-          <a:lstStyle/>
-          <a:p>
-            <a:r>
-              <a:rPr lang="en-US" b="1" dirty="0">
-                <a:solidFill>
-                  <a:schemeClr val="bg1"/>
-                </a:solidFill>
-              </a:rPr>
-              <a:t>1. The user draws a King and busts with a value of 30, losing their bet</a:t>
-            </a:r>
-          </a:p>
-        </p:txBody>
-      </p:sp>
-      <p:sp>
-        <p:nvSpPr>
-          <p:cNvPr id="7" name="TextBox 6">
-            <a:extLst>
-              <a:ext uri="{FF2B5EF4-FFF2-40B4-BE49-F238E27FC236}">
-                <a16:creationId xmlns:a16="http://schemas.microsoft.com/office/drawing/2014/main" id="{80A3EB68-8FA4-9AF6-52E3-FEDEF3370F1A}"/>
-              </a:ext>
-            </a:extLst>
-          </p:cNvPr>
-          <p:cNvSpPr txBox="1"/>
-          <p:nvPr/>
-        </p:nvSpPr>
-        <p:spPr>
-          <a:xfrm>
-            <a:off x="9730895" y="4054693"/>
-            <a:ext cx="3261023" cy="646331"/>
-          </a:xfrm>
-          <a:prstGeom prst="rect">
-            <a:avLst/>
-          </a:prstGeom>
-          <a:noFill/>
-        </p:spPr>
-        <p:txBody>
-          <a:bodyPr wrap="square" rtlCol="0">
-            <a:spAutoFit/>
-          </a:bodyPr>
-          <a:lstStyle/>
-          <a:p>
-            <a:r>
-              <a:rPr lang="en-US" b="1" dirty="0">
-                <a:solidFill>
-                  <a:schemeClr val="bg1"/>
-                </a:solidFill>
-              </a:rPr>
-              <a:t>2. Player 4 draws a 6 and stands with a value of 18</a:t>
-            </a:r>
-          </a:p>
-        </p:txBody>
-      </p:sp>
-      <p:sp>
-        <p:nvSpPr>
-          <p:cNvPr id="8" name="TextBox 7">
-            <a:extLst>
-              <a:ext uri="{FF2B5EF4-FFF2-40B4-BE49-F238E27FC236}">
-                <a16:creationId xmlns:a16="http://schemas.microsoft.com/office/drawing/2014/main" id="{90B01E91-1541-8DB5-ADC8-F4305DEF0FE1}"/>
-              </a:ext>
-            </a:extLst>
-          </p:cNvPr>
-          <p:cNvSpPr txBox="1"/>
-          <p:nvPr/>
-        </p:nvSpPr>
-        <p:spPr>
-          <a:xfrm>
-            <a:off x="8009432" y="338905"/>
-            <a:ext cx="4096364" cy="923330"/>
-          </a:xfrm>
-          <a:prstGeom prst="rect">
-            <a:avLst/>
-          </a:prstGeom>
-          <a:noFill/>
-        </p:spPr>
-        <p:txBody>
-          <a:bodyPr wrap="square" rtlCol="0">
-            <a:spAutoFit/>
-          </a:bodyPr>
-          <a:lstStyle/>
-          <a:p>
-            <a:r>
-              <a:rPr lang="en-US" b="1" dirty="0">
-                <a:solidFill>
-                  <a:schemeClr val="bg1"/>
-                </a:solidFill>
-              </a:rPr>
-              <a:t>3. Dealer flips over the face-down card and reveals an ace, giving a value of 17 and forcing them to stand</a:t>
-            </a:r>
-          </a:p>
-        </p:txBody>
-      </p:sp>
-      <p:sp>
-        <p:nvSpPr>
-          <p:cNvPr id="9" name="TextBox 8">
-            <a:extLst>
-              <a:ext uri="{FF2B5EF4-FFF2-40B4-BE49-F238E27FC236}">
-                <a16:creationId xmlns:a16="http://schemas.microsoft.com/office/drawing/2014/main" id="{A46BA970-A7CD-B7AC-A9E9-BF4C5A177922}"/>
-              </a:ext>
-            </a:extLst>
-          </p:cNvPr>
-          <p:cNvSpPr txBox="1"/>
-          <p:nvPr/>
-        </p:nvSpPr>
-        <p:spPr>
-          <a:xfrm>
-            <a:off x="976036" y="3328229"/>
-            <a:ext cx="4096364" cy="646331"/>
-          </a:xfrm>
-          <a:prstGeom prst="rect">
-            <a:avLst/>
-          </a:prstGeom>
-          <a:noFill/>
-        </p:spPr>
-        <p:txBody>
-          <a:bodyPr wrap="square" rtlCol="0">
-            <a:spAutoFit/>
-          </a:bodyPr>
-          <a:lstStyle/>
-          <a:p>
-            <a:r>
-              <a:rPr lang="en-US" b="1" dirty="0">
-                <a:solidFill>
-                  <a:schemeClr val="bg1"/>
-                </a:solidFill>
-              </a:rPr>
-              <a:t>4. Player 2, with a total value of 19, receives a payout equal to their bet</a:t>
-            </a:r>
-          </a:p>
-        </p:txBody>
-      </p:sp>
-      <p:sp>
-        <p:nvSpPr>
-          <p:cNvPr id="10" name="TextBox 9">
-            <a:extLst>
-              <a:ext uri="{FF2B5EF4-FFF2-40B4-BE49-F238E27FC236}">
-                <a16:creationId xmlns:a16="http://schemas.microsoft.com/office/drawing/2014/main" id="{F345B33B-C7D1-F736-4547-D56F6630A21E}"/>
-              </a:ext>
-            </a:extLst>
-          </p:cNvPr>
-          <p:cNvSpPr txBox="1"/>
-          <p:nvPr/>
-        </p:nvSpPr>
-        <p:spPr>
-          <a:xfrm>
-            <a:off x="10534036" y="3259697"/>
-            <a:ext cx="4096364" cy="646331"/>
-          </a:xfrm>
-          <a:prstGeom prst="rect">
-            <a:avLst/>
-          </a:prstGeom>
-          <a:noFill/>
-        </p:spPr>
-        <p:txBody>
-          <a:bodyPr wrap="square" rtlCol="0">
-            <a:spAutoFit/>
-          </a:bodyPr>
-          <a:lstStyle/>
-          <a:p>
-            <a:r>
-              <a:rPr lang="en-US" b="1" dirty="0">
-                <a:solidFill>
-                  <a:schemeClr val="bg1"/>
-                </a:solidFill>
-              </a:rPr>
-              <a:t>5. Player 4, with a total value of 18, receives a payout equal to their bet</a:t>
-            </a:r>
-          </a:p>
-        </p:txBody>
-      </p:sp>
-      <p:sp>
-        <p:nvSpPr>
-          <p:cNvPr id="11" name="TextBox 10">
-            <a:extLst>
-              <a:ext uri="{FF2B5EF4-FFF2-40B4-BE49-F238E27FC236}">
-                <a16:creationId xmlns:a16="http://schemas.microsoft.com/office/drawing/2014/main" id="{13B44FAF-4384-CBC1-C496-8FA5908FEBB5}"/>
-              </a:ext>
-            </a:extLst>
-          </p:cNvPr>
-          <p:cNvSpPr txBox="1"/>
-          <p:nvPr/>
-        </p:nvSpPr>
-        <p:spPr>
-          <a:xfrm>
-            <a:off x="3150349" y="2668491"/>
-            <a:ext cx="7813040" cy="707886"/>
-          </a:xfrm>
-          <a:prstGeom prst="rect">
-            <a:avLst/>
-          </a:prstGeom>
-          <a:noFill/>
-        </p:spPr>
-        <p:txBody>
-          <a:bodyPr wrap="square" rtlCol="0" anchor="ctr">
-            <a:spAutoFit/>
-          </a:bodyPr>
-          <a:lstStyle/>
-          <a:p>
-            <a:pPr algn="ctr"/>
-            <a:r>
-              <a:rPr lang="en-US" sz="4000" b="1" dirty="0">
-                <a:solidFill>
-                  <a:schemeClr val="bg1"/>
-                </a:solidFill>
-              </a:rPr>
-              <a:t>IF THE USER HITS TWICE</a:t>
-            </a:r>
-          </a:p>
-        </p:txBody>
-      </p:sp>
-      <p:pic>
-        <p:nvPicPr>
-          <p:cNvPr id="12" name="Picture 11">
-            <a:extLst>
-              <a:ext uri="{FF2B5EF4-FFF2-40B4-BE49-F238E27FC236}">
-                <a16:creationId xmlns:a16="http://schemas.microsoft.com/office/drawing/2014/main" id="{770EA44D-41D4-F074-B62C-658D57745455}"/>
-              </a:ext>
-            </a:extLst>
-          </p:cNvPr>
-          <p:cNvPicPr>
-            <a:picLocks noChangeAspect="1"/>
-          </p:cNvPicPr>
-          <p:nvPr/>
-        </p:nvPicPr>
-        <p:blipFill>
-          <a:blip r:embed="rId3"/>
-          <a:stretch>
-            <a:fillRect/>
-          </a:stretch>
-        </p:blipFill>
-        <p:spPr>
-          <a:xfrm rot="1015425">
-            <a:off x="3248061" y="3921803"/>
-            <a:ext cx="526830" cy="823635"/>
-          </a:xfrm>
-          <a:prstGeom prst="rect">
-            <a:avLst/>
-          </a:prstGeom>
-        </p:spPr>
-      </p:pic>
-      <p:pic>
-        <p:nvPicPr>
-          <p:cNvPr id="13" name="Picture 12">
-            <a:extLst>
-              <a:ext uri="{FF2B5EF4-FFF2-40B4-BE49-F238E27FC236}">
-                <a16:creationId xmlns:a16="http://schemas.microsoft.com/office/drawing/2014/main" id="{F2909763-D4E3-5D49-CBB4-F0145D8C9E19}"/>
-              </a:ext>
-            </a:extLst>
-          </p:cNvPr>
-          <p:cNvPicPr>
-            <a:picLocks noChangeAspect="1"/>
-          </p:cNvPicPr>
-          <p:nvPr/>
-        </p:nvPicPr>
-        <p:blipFill>
-          <a:blip r:embed="rId4"/>
-          <a:stretch>
-            <a:fillRect/>
-          </a:stretch>
-        </p:blipFill>
-        <p:spPr>
-          <a:xfrm rot="945597">
-            <a:off x="3567961" y="4030245"/>
-            <a:ext cx="518709" cy="785169"/>
-          </a:xfrm>
-          <a:prstGeom prst="rect">
-            <a:avLst/>
-          </a:prstGeom>
-        </p:spPr>
-      </p:pic>
-      <p:pic>
-        <p:nvPicPr>
-          <p:cNvPr id="14" name="Picture 13">
-            <a:extLst>
-              <a:ext uri="{FF2B5EF4-FFF2-40B4-BE49-F238E27FC236}">
-                <a16:creationId xmlns:a16="http://schemas.microsoft.com/office/drawing/2014/main" id="{E1B0F5CA-8CE0-7546-632B-7EDB55D1ECEB}"/>
-              </a:ext>
-            </a:extLst>
-          </p:cNvPr>
-          <p:cNvPicPr>
-            <a:picLocks noChangeAspect="1"/>
-          </p:cNvPicPr>
-          <p:nvPr/>
-        </p:nvPicPr>
-        <p:blipFill>
-          <a:blip r:embed="rId5"/>
-          <a:stretch>
-            <a:fillRect/>
-          </a:stretch>
-        </p:blipFill>
-        <p:spPr>
-          <a:xfrm rot="607984">
-            <a:off x="5050970" y="4194988"/>
-            <a:ext cx="572458" cy="880704"/>
-          </a:xfrm>
-          <a:prstGeom prst="rect">
-            <a:avLst/>
-          </a:prstGeom>
-        </p:spPr>
-      </p:pic>
-      <p:pic>
-        <p:nvPicPr>
-          <p:cNvPr id="15" name="Picture 14">
-            <a:extLst>
-              <a:ext uri="{FF2B5EF4-FFF2-40B4-BE49-F238E27FC236}">
-                <a16:creationId xmlns:a16="http://schemas.microsoft.com/office/drawing/2014/main" id="{840D9448-DC6F-547C-6215-76AA72F060C2}"/>
-              </a:ext>
-            </a:extLst>
-          </p:cNvPr>
-          <p:cNvPicPr>
-            <a:picLocks noChangeAspect="1"/>
-          </p:cNvPicPr>
-          <p:nvPr/>
-        </p:nvPicPr>
-        <p:blipFill>
-          <a:blip r:embed="rId6"/>
-          <a:stretch>
-            <a:fillRect/>
-          </a:stretch>
-        </p:blipFill>
-        <p:spPr>
-          <a:xfrm rot="493982">
-            <a:off x="5391313" y="4251607"/>
-            <a:ext cx="610247" cy="915371"/>
-          </a:xfrm>
-          <a:prstGeom prst="rect">
-            <a:avLst/>
-          </a:prstGeom>
-        </p:spPr>
-      </p:pic>
-      <p:pic>
-        <p:nvPicPr>
-          <p:cNvPr id="16" name="Picture 15">
-            <a:extLst>
-              <a:ext uri="{FF2B5EF4-FFF2-40B4-BE49-F238E27FC236}">
-                <a16:creationId xmlns:a16="http://schemas.microsoft.com/office/drawing/2014/main" id="{6051EB3D-1600-7C07-F328-40551BFFD09F}"/>
-              </a:ext>
-            </a:extLst>
-          </p:cNvPr>
-          <p:cNvPicPr>
-            <a:picLocks noChangeAspect="1"/>
-          </p:cNvPicPr>
-          <p:nvPr/>
-        </p:nvPicPr>
-        <p:blipFill>
-          <a:blip r:embed="rId7"/>
-          <a:stretch>
-            <a:fillRect/>
-          </a:stretch>
-        </p:blipFill>
-        <p:spPr>
-          <a:xfrm>
-            <a:off x="6800149" y="4408171"/>
-            <a:ext cx="513440" cy="786094"/>
-          </a:xfrm>
-          <a:prstGeom prst="rect">
-            <a:avLst/>
-          </a:prstGeom>
-        </p:spPr>
-      </p:pic>
-      <p:pic>
-        <p:nvPicPr>
-          <p:cNvPr id="17" name="Picture 16">
-            <a:extLst>
-              <a:ext uri="{FF2B5EF4-FFF2-40B4-BE49-F238E27FC236}">
-                <a16:creationId xmlns:a16="http://schemas.microsoft.com/office/drawing/2014/main" id="{DDBB6600-3804-5E37-F164-609E46C834BF}"/>
-              </a:ext>
-            </a:extLst>
-          </p:cNvPr>
-          <p:cNvPicPr>
-            <a:picLocks noChangeAspect="1"/>
-          </p:cNvPicPr>
-          <p:nvPr/>
-        </p:nvPicPr>
-        <p:blipFill>
-          <a:blip r:embed="rId8"/>
-          <a:stretch>
-            <a:fillRect/>
-          </a:stretch>
-        </p:blipFill>
-        <p:spPr>
-          <a:xfrm>
-            <a:off x="7149344" y="4407125"/>
-            <a:ext cx="531202" cy="794971"/>
-          </a:xfrm>
-          <a:prstGeom prst="rect">
-            <a:avLst/>
-          </a:prstGeom>
-        </p:spPr>
-      </p:pic>
-      <p:pic>
-        <p:nvPicPr>
-          <p:cNvPr id="18" name="Picture 17">
-            <a:extLst>
-              <a:ext uri="{FF2B5EF4-FFF2-40B4-BE49-F238E27FC236}">
-                <a16:creationId xmlns:a16="http://schemas.microsoft.com/office/drawing/2014/main" id="{50AF7A20-23CB-82C6-B4A9-E911B27A6535}"/>
-              </a:ext>
-            </a:extLst>
-          </p:cNvPr>
-          <p:cNvPicPr>
-            <a:picLocks noChangeAspect="1"/>
-          </p:cNvPicPr>
-          <p:nvPr/>
-        </p:nvPicPr>
-        <p:blipFill>
-          <a:blip r:embed="rId9"/>
-          <a:stretch>
-            <a:fillRect/>
-          </a:stretch>
-        </p:blipFill>
-        <p:spPr>
-          <a:xfrm rot="21181036">
-            <a:off x="8557526" y="4277479"/>
-            <a:ext cx="580388" cy="884788"/>
-          </a:xfrm>
-          <a:prstGeom prst="rect">
-            <a:avLst/>
-          </a:prstGeom>
-        </p:spPr>
-      </p:pic>
-      <p:pic>
-        <p:nvPicPr>
-          <p:cNvPr id="19" name="Picture 18">
-            <a:extLst>
-              <a:ext uri="{FF2B5EF4-FFF2-40B4-BE49-F238E27FC236}">
-                <a16:creationId xmlns:a16="http://schemas.microsoft.com/office/drawing/2014/main" id="{E5B1CF11-9862-8D05-40B8-DDF5C521D240}"/>
-              </a:ext>
-            </a:extLst>
-          </p:cNvPr>
-          <p:cNvPicPr>
-            <a:picLocks noChangeAspect="1"/>
-          </p:cNvPicPr>
-          <p:nvPr/>
-        </p:nvPicPr>
-        <p:blipFill>
-          <a:blip r:embed="rId10"/>
-          <a:stretch>
-            <a:fillRect/>
-          </a:stretch>
-        </p:blipFill>
-        <p:spPr>
-          <a:xfrm rot="21263436">
-            <a:off x="8899274" y="4212273"/>
-            <a:ext cx="615428" cy="942508"/>
-          </a:xfrm>
-          <a:prstGeom prst="rect">
-            <a:avLst/>
-          </a:prstGeom>
-        </p:spPr>
-      </p:pic>
-      <p:pic>
-        <p:nvPicPr>
-          <p:cNvPr id="20" name="Picture 19">
-            <a:extLst>
-              <a:ext uri="{FF2B5EF4-FFF2-40B4-BE49-F238E27FC236}">
-                <a16:creationId xmlns:a16="http://schemas.microsoft.com/office/drawing/2014/main" id="{6F059AAE-E760-B6F6-8F4D-B5452D7DC5DC}"/>
-              </a:ext>
-            </a:extLst>
-          </p:cNvPr>
-          <p:cNvPicPr>
-            <a:picLocks noChangeAspect="1"/>
-          </p:cNvPicPr>
-          <p:nvPr/>
-        </p:nvPicPr>
-        <p:blipFill>
-          <a:blip r:embed="rId11"/>
-          <a:stretch>
-            <a:fillRect/>
-          </a:stretch>
-        </p:blipFill>
-        <p:spPr>
-          <a:xfrm rot="877911">
-            <a:off x="3820109" y="4081234"/>
-            <a:ext cx="561947" cy="860604"/>
-          </a:xfrm>
-          <a:prstGeom prst="rect">
-            <a:avLst/>
-          </a:prstGeom>
-        </p:spPr>
-      </p:pic>
-      <p:pic>
-        <p:nvPicPr>
-          <p:cNvPr id="21" name="Picture 20">
-            <a:extLst>
-              <a:ext uri="{FF2B5EF4-FFF2-40B4-BE49-F238E27FC236}">
-                <a16:creationId xmlns:a16="http://schemas.microsoft.com/office/drawing/2014/main" id="{7A16672D-0BC0-CE45-645A-771AA6F97E65}"/>
-              </a:ext>
-            </a:extLst>
-          </p:cNvPr>
-          <p:cNvPicPr>
-            <a:picLocks noChangeAspect="1"/>
-          </p:cNvPicPr>
-          <p:nvPr/>
-        </p:nvPicPr>
-        <p:blipFill>
-          <a:blip r:embed="rId12"/>
-          <a:stretch>
-            <a:fillRect/>
-          </a:stretch>
-        </p:blipFill>
-        <p:spPr>
-          <a:xfrm rot="491473">
-            <a:off x="5636779" y="4313323"/>
-            <a:ext cx="596663" cy="901167"/>
-          </a:xfrm>
-          <a:prstGeom prst="rect">
-            <a:avLst/>
-          </a:prstGeom>
-        </p:spPr>
-      </p:pic>
-      <p:pic>
-        <p:nvPicPr>
-          <p:cNvPr id="22" name="Picture 21">
-            <a:extLst>
-              <a:ext uri="{FF2B5EF4-FFF2-40B4-BE49-F238E27FC236}">
-                <a16:creationId xmlns:a16="http://schemas.microsoft.com/office/drawing/2014/main" id="{AF177904-E018-D5AE-30FD-5933A3E70653}"/>
-              </a:ext>
-            </a:extLst>
-          </p:cNvPr>
-          <p:cNvPicPr>
-            <a:picLocks noChangeAspect="1"/>
-          </p:cNvPicPr>
-          <p:nvPr/>
-        </p:nvPicPr>
-        <p:blipFill>
-          <a:blip r:embed="rId13"/>
-          <a:stretch>
-            <a:fillRect/>
-          </a:stretch>
-        </p:blipFill>
-        <p:spPr>
-          <a:xfrm>
-            <a:off x="7423826" y="4397176"/>
-            <a:ext cx="513440" cy="797089"/>
-          </a:xfrm>
-          <a:prstGeom prst="rect">
-            <a:avLst/>
-          </a:prstGeom>
-        </p:spPr>
-      </p:pic>
-      <p:pic>
-        <p:nvPicPr>
-          <p:cNvPr id="23" name="Picture 22" descr="A rectangular blue and white rectangular pattern&#10;&#10;AI-generated content may be incorrect.">
-            <a:extLst>
-              <a:ext uri="{FF2B5EF4-FFF2-40B4-BE49-F238E27FC236}">
-                <a16:creationId xmlns:a16="http://schemas.microsoft.com/office/drawing/2014/main" id="{7361DFDB-A377-972A-ECAE-65713446968E}"/>
-              </a:ext>
-            </a:extLst>
-          </p:cNvPr>
-          <p:cNvPicPr>
-            <a:picLocks noChangeAspect="1"/>
-          </p:cNvPicPr>
-          <p:nvPr/>
-        </p:nvPicPr>
-        <p:blipFill>
-          <a:blip r:embed="rId14">
-            <a:extLst>
-              <a:ext uri="{28A0092B-C50C-407E-A947-70E740481C1C}">
-                <a14:useLocalDpi xmlns:a14="http://schemas.microsoft.com/office/drawing/2010/main" val="0"/>
-              </a:ext>
-            </a:extLst>
-          </a:blip>
-          <a:stretch>
-            <a:fillRect/>
-          </a:stretch>
-        </p:blipFill>
-        <p:spPr>
-          <a:xfrm>
-            <a:off x="7217192" y="287977"/>
-            <a:ext cx="663256" cy="926741"/>
-          </a:xfrm>
-          <a:prstGeom prst="rect">
-            <a:avLst/>
-          </a:prstGeom>
-        </p:spPr>
-      </p:pic>
-      <p:pic>
-        <p:nvPicPr>
-          <p:cNvPr id="24" name="Picture 23">
-            <a:extLst>
-              <a:ext uri="{FF2B5EF4-FFF2-40B4-BE49-F238E27FC236}">
-                <a16:creationId xmlns:a16="http://schemas.microsoft.com/office/drawing/2014/main" id="{A07438D0-FFDB-F65C-AA8F-3937CD15895F}"/>
-              </a:ext>
-            </a:extLst>
-          </p:cNvPr>
-          <p:cNvPicPr>
-            <a:picLocks noChangeAspect="1"/>
-          </p:cNvPicPr>
-          <p:nvPr/>
-        </p:nvPicPr>
-        <p:blipFill>
-          <a:blip r:embed="rId15"/>
-          <a:stretch>
-            <a:fillRect/>
-          </a:stretch>
-        </p:blipFill>
-        <p:spPr>
-          <a:xfrm>
-            <a:off x="7364423" y="261451"/>
-            <a:ext cx="647829" cy="1000784"/>
-          </a:xfrm>
-          <a:prstGeom prst="rect">
-            <a:avLst/>
-          </a:prstGeom>
-        </p:spPr>
-      </p:pic>
-      <p:pic>
-        <p:nvPicPr>
-          <p:cNvPr id="25" name="Picture 24">
-            <a:extLst>
-              <a:ext uri="{FF2B5EF4-FFF2-40B4-BE49-F238E27FC236}">
-                <a16:creationId xmlns:a16="http://schemas.microsoft.com/office/drawing/2014/main" id="{25920772-6ED3-5F27-6F51-BDEC510557B4}"/>
-              </a:ext>
-            </a:extLst>
-          </p:cNvPr>
-          <p:cNvPicPr>
-            <a:picLocks noChangeAspect="1"/>
-          </p:cNvPicPr>
-          <p:nvPr/>
-        </p:nvPicPr>
-        <p:blipFill>
-          <a:blip r:embed="rId16"/>
-          <a:stretch>
-            <a:fillRect/>
-          </a:stretch>
-        </p:blipFill>
-        <p:spPr>
-          <a:xfrm>
-            <a:off x="6305049" y="250475"/>
-            <a:ext cx="663255" cy="1001743"/>
-          </a:xfrm>
-          <a:prstGeom prst="rect">
-            <a:avLst/>
-          </a:prstGeom>
-        </p:spPr>
-      </p:pic>
-      <p:pic>
-        <p:nvPicPr>
-          <p:cNvPr id="26" name="Picture 25">
-            <a:extLst>
-              <a:ext uri="{FF2B5EF4-FFF2-40B4-BE49-F238E27FC236}">
-                <a16:creationId xmlns:a16="http://schemas.microsoft.com/office/drawing/2014/main" id="{37430898-1FEE-9E87-63F8-4AA5E5672501}"/>
-              </a:ext>
-            </a:extLst>
-          </p:cNvPr>
-          <p:cNvPicPr>
-            <a:picLocks noChangeAspect="1"/>
-          </p:cNvPicPr>
-          <p:nvPr/>
-        </p:nvPicPr>
-        <p:blipFill>
-          <a:blip r:embed="rId17"/>
-          <a:stretch>
-            <a:fillRect/>
-          </a:stretch>
-        </p:blipFill>
-        <p:spPr>
-          <a:xfrm>
-            <a:off x="7688337" y="4410816"/>
-            <a:ext cx="489706" cy="763667"/>
-          </a:xfrm>
-          <a:prstGeom prst="rect">
-            <a:avLst/>
-          </a:prstGeom>
-        </p:spPr>
-      </p:pic>
-      <p:pic>
-        <p:nvPicPr>
-          <p:cNvPr id="27" name="Picture 26" descr="A red and white poker chip&#10;&#10;AI-generated content may be incorrect.">
-            <a:extLst>
-              <a:ext uri="{FF2B5EF4-FFF2-40B4-BE49-F238E27FC236}">
-                <a16:creationId xmlns:a16="http://schemas.microsoft.com/office/drawing/2014/main" id="{8236C2E8-C091-981F-A35A-8032A6B461C1}"/>
-              </a:ext>
-            </a:extLst>
-          </p:cNvPr>
-          <p:cNvPicPr>
-            <a:picLocks noChangeAspect="1"/>
-          </p:cNvPicPr>
-          <p:nvPr/>
-        </p:nvPicPr>
-        <p:blipFill>
-          <a:blip r:embed="rId18">
-            <a:extLst>
-              <a:ext uri="{28A0092B-C50C-407E-A947-70E740481C1C}">
-                <a14:useLocalDpi xmlns:a14="http://schemas.microsoft.com/office/drawing/2010/main" val="0"/>
-              </a:ext>
-            </a:extLst>
-          </a:blip>
-          <a:srcRect l="5000" t="5001" r="4850" b="5150"/>
-          <a:stretch/>
-        </p:blipFill>
-        <p:spPr>
-          <a:xfrm rot="760974">
-            <a:off x="5108822" y="5672381"/>
-            <a:ext cx="578943" cy="577016"/>
-          </a:xfrm>
-          <a:prstGeom prst="ellipse">
-            <a:avLst/>
-          </a:prstGeom>
-        </p:spPr>
-      </p:pic>
-      <p:pic>
-        <p:nvPicPr>
-          <p:cNvPr id="28" name="Picture 27" descr="A red and white poker chip&#10;&#10;AI-generated content may be incorrect.">
-            <a:extLst>
-              <a:ext uri="{FF2B5EF4-FFF2-40B4-BE49-F238E27FC236}">
-                <a16:creationId xmlns:a16="http://schemas.microsoft.com/office/drawing/2014/main" id="{96969E13-D5FE-FF16-5D3D-4F2DBD7589A5}"/>
-              </a:ext>
-            </a:extLst>
-          </p:cNvPr>
-          <p:cNvPicPr>
-            <a:picLocks noChangeAspect="1"/>
-          </p:cNvPicPr>
-          <p:nvPr/>
-        </p:nvPicPr>
-        <p:blipFill>
-          <a:blip r:embed="rId18">
-            <a:extLst>
-              <a:ext uri="{28A0092B-C50C-407E-A947-70E740481C1C}">
-                <a14:useLocalDpi xmlns:a14="http://schemas.microsoft.com/office/drawing/2010/main" val="0"/>
-              </a:ext>
-            </a:extLst>
-          </a:blip>
-          <a:srcRect l="5000" t="5001" r="4850" b="5150"/>
-          <a:stretch/>
-        </p:blipFill>
-        <p:spPr>
-          <a:xfrm rot="21431088">
-            <a:off x="7127769" y="5672382"/>
-            <a:ext cx="578943" cy="577016"/>
-          </a:xfrm>
-          <a:prstGeom prst="ellipse">
-            <a:avLst/>
-          </a:prstGeom>
-        </p:spPr>
-      </p:pic>
-      <p:pic>
-        <p:nvPicPr>
-          <p:cNvPr id="29" name="Picture 28" descr="A red and white poker chip&#10;&#10;AI-generated content may be incorrect.">
-            <a:extLst>
-              <a:ext uri="{FF2B5EF4-FFF2-40B4-BE49-F238E27FC236}">
-                <a16:creationId xmlns:a16="http://schemas.microsoft.com/office/drawing/2014/main" id="{FF7141AE-5AFB-5DF0-E896-3C04195FC7E8}"/>
-              </a:ext>
-            </a:extLst>
-          </p:cNvPr>
-          <p:cNvPicPr>
-            <a:picLocks noChangeAspect="1"/>
-          </p:cNvPicPr>
-          <p:nvPr/>
-        </p:nvPicPr>
-        <p:blipFill>
-          <a:blip r:embed="rId18">
-            <a:extLst>
-              <a:ext uri="{28A0092B-C50C-407E-A947-70E740481C1C}">
-                <a14:useLocalDpi xmlns:a14="http://schemas.microsoft.com/office/drawing/2010/main" val="0"/>
-              </a:ext>
-            </a:extLst>
-          </a:blip>
-          <a:srcRect l="5000" t="5001" r="4850" b="5150"/>
-          <a:stretch/>
-        </p:blipFill>
-        <p:spPr>
-          <a:xfrm rot="20707865">
-            <a:off x="9057784" y="5593859"/>
-            <a:ext cx="578943" cy="577016"/>
-          </a:xfrm>
-          <a:prstGeom prst="ellipse">
-            <a:avLst/>
-          </a:prstGeom>
-        </p:spPr>
-      </p:pic>
-      <p:pic>
-        <p:nvPicPr>
-          <p:cNvPr id="31" name="Picture 30">
-            <a:extLst>
-              <a:ext uri="{FF2B5EF4-FFF2-40B4-BE49-F238E27FC236}">
-                <a16:creationId xmlns:a16="http://schemas.microsoft.com/office/drawing/2014/main" id="{682A79BE-5576-E63E-D7DC-0FF737720D12}"/>
-              </a:ext>
-            </a:extLst>
-          </p:cNvPr>
-          <p:cNvPicPr>
-            <a:picLocks noChangeAspect="1"/>
-          </p:cNvPicPr>
-          <p:nvPr/>
-        </p:nvPicPr>
-        <p:blipFill>
-          <a:blip r:embed="rId19"/>
-          <a:stretch>
-            <a:fillRect/>
-          </a:stretch>
-        </p:blipFill>
-        <p:spPr>
-          <a:xfrm rot="21237988">
-            <a:off x="9185569" y="4201418"/>
-            <a:ext cx="592792" cy="911988"/>
-          </a:xfrm>
-          <a:prstGeom prst="rect">
-            <a:avLst/>
-          </a:prstGeom>
-        </p:spPr>
-      </p:pic>
-      <p:pic>
-        <p:nvPicPr>
-          <p:cNvPr id="32" name="Picture 31" descr="A red and white poker chip&#10;&#10;AI-generated content may be incorrect.">
-            <a:extLst>
-              <a:ext uri="{FF2B5EF4-FFF2-40B4-BE49-F238E27FC236}">
-                <a16:creationId xmlns:a16="http://schemas.microsoft.com/office/drawing/2014/main" id="{A2EFB1A1-9B57-BDCB-86E4-68DDF70C2DBD}"/>
-              </a:ext>
-            </a:extLst>
-          </p:cNvPr>
-          <p:cNvPicPr>
-            <a:picLocks noChangeAspect="1"/>
-          </p:cNvPicPr>
-          <p:nvPr/>
-        </p:nvPicPr>
-        <p:blipFill>
-          <a:blip r:embed="rId18">
-            <a:extLst>
-              <a:ext uri="{28A0092B-C50C-407E-A947-70E740481C1C}">
-                <a14:useLocalDpi xmlns:a14="http://schemas.microsoft.com/office/drawing/2010/main" val="0"/>
-              </a:ext>
-            </a:extLst>
-          </a:blip>
-          <a:srcRect l="5000" t="5001" r="4850" b="5150"/>
-          <a:stretch/>
-        </p:blipFill>
-        <p:spPr>
-          <a:xfrm rot="760974">
-            <a:off x="4995232" y="6296009"/>
-            <a:ext cx="578943" cy="577016"/>
-          </a:xfrm>
-          <a:prstGeom prst="ellipse">
-            <a:avLst/>
-          </a:prstGeom>
-        </p:spPr>
-      </p:pic>
-      <p:pic>
-        <p:nvPicPr>
-          <p:cNvPr id="33" name="Picture 32" descr="A red and white poker chip&#10;&#10;AI-generated content may be incorrect.">
-            <a:extLst>
-              <a:ext uri="{FF2B5EF4-FFF2-40B4-BE49-F238E27FC236}">
-                <a16:creationId xmlns:a16="http://schemas.microsoft.com/office/drawing/2014/main" id="{A8B1725E-FE5D-B487-A84A-0D0A530E3107}"/>
-              </a:ext>
-            </a:extLst>
-          </p:cNvPr>
-          <p:cNvPicPr>
-            <a:picLocks noChangeAspect="1"/>
-          </p:cNvPicPr>
-          <p:nvPr/>
-        </p:nvPicPr>
-        <p:blipFill>
-          <a:blip r:embed="rId18">
-            <a:extLst>
-              <a:ext uri="{28A0092B-C50C-407E-A947-70E740481C1C}">
-                <a14:useLocalDpi xmlns:a14="http://schemas.microsoft.com/office/drawing/2010/main" val="0"/>
-              </a:ext>
-            </a:extLst>
-          </a:blip>
-          <a:srcRect l="5000" t="5001" r="4850" b="5150"/>
-          <a:stretch/>
-        </p:blipFill>
-        <p:spPr>
-          <a:xfrm rot="20707865">
-            <a:off x="9064287" y="6195778"/>
-            <a:ext cx="578943" cy="577016"/>
-          </a:xfrm>
-          <a:prstGeom prst="ellipse">
-            <a:avLst/>
-          </a:prstGeom>
-        </p:spPr>
-      </p:pic>
-    </p:spTree>
-    <p:extLst>
-      <p:ext uri="{BB962C8B-B14F-4D97-AF65-F5344CB8AC3E}">
-        <p14:creationId xmlns:p14="http://schemas.microsoft.com/office/powerpoint/2010/main" val="3394756282"/>
-      </p:ext>
-    </p:extLst>
-  </p:cSld>
-  <p:clrMapOvr>
-    <a:masterClrMapping/>
-  </p:clrMapOvr>
-  <p:timing>
-    <p:tnLst>
-      <p:par>
-        <p:cTn id="1" dur="indefinite" restart="never" nodeType="tmRoot">
-          <p:childTnLst>
-            <p:seq concurrent="1" nextAc="seek">
-              <p:cTn id="2" dur="indefinite" nodeType="mainSeq">
-                <p:childTnLst>
-                  <p:par>
-                    <p:cTn id="3" fill="hold">
-                      <p:stCondLst>
-                        <p:cond delay="indefinite"/>
-                      </p:stCondLst>
-                      <p:childTnLst>
-                        <p:par>
-                          <p:cTn id="4" fill="hold">
-                            <p:stCondLst>
-                              <p:cond delay="0"/>
-                            </p:stCondLst>
-                            <p:childTnLst>
-                              <p:par>
-                                <p:cTn id="5" presetID="1" presetClass="exit" presetSubtype="0" fill="hold" grpId="0" nodeType="clickEffect">
-                                  <p:stCondLst>
-                                    <p:cond delay="0"/>
-                                  </p:stCondLst>
-                                  <p:childTnLst>
-                                    <p:set>
-                                      <p:cBhvr>
-                                        <p:cTn id="6" dur="1" fill="hold">
-                                          <p:stCondLst>
-                                            <p:cond delay="0"/>
-                                          </p:stCondLst>
-                                        </p:cTn>
-                                        <p:tgtEl>
-                                          <p:spTgt spid="11"/>
-                                        </p:tgtEl>
-                                        <p:attrNameLst>
-                                          <p:attrName>style.visibility</p:attrName>
-                                        </p:attrNameLst>
-                                      </p:cBhvr>
-                                      <p:to>
-                                        <p:strVal val="hidden"/>
-                                      </p:to>
-                                    </p:set>
-                                  </p:childTnLst>
-                                </p:cTn>
-                              </p:par>
-                              <p:par>
-                                <p:cTn id="7" presetID="1" presetClass="entr" presetSubtype="0" fill="hold" grpId="1" nodeType="withEffect">
-                                  <p:stCondLst>
-                                    <p:cond delay="0"/>
-                                  </p:stCondLst>
-                                  <p:childTnLst>
-                                    <p:set>
-                                      <p:cBhvr>
-                                        <p:cTn id="8" dur="1" fill="hold">
-                                          <p:stCondLst>
-                                            <p:cond delay="0"/>
-                                          </p:stCondLst>
-                                        </p:cTn>
-                                        <p:tgtEl>
-                                          <p:spTgt spid="6"/>
-                                        </p:tgtEl>
-                                        <p:attrNameLst>
-                                          <p:attrName>style.visibility</p:attrName>
-                                        </p:attrNameLst>
-                                      </p:cBhvr>
-                                      <p:to>
-                                        <p:strVal val="visible"/>
-                                      </p:to>
-                                    </p:set>
-                                  </p:childTnLst>
-                                </p:cTn>
-                              </p:par>
-                              <p:par>
-                                <p:cTn id="9" presetID="1" presetClass="entr" presetSubtype="0" fill="hold" nodeType="withEffect">
-                                  <p:stCondLst>
-                                    <p:cond delay="0"/>
-                                  </p:stCondLst>
-                                  <p:childTnLst>
-                                    <p:set>
-                                      <p:cBhvr>
-                                        <p:cTn id="10" dur="1" fill="hold">
-                                          <p:stCondLst>
-                                            <p:cond delay="0"/>
-                                          </p:stCondLst>
-                                        </p:cTn>
-                                        <p:tgtEl>
-                                          <p:spTgt spid="26"/>
-                                        </p:tgtEl>
-                                        <p:attrNameLst>
-                                          <p:attrName>style.visibility</p:attrName>
-                                        </p:attrNameLst>
-                                      </p:cBhvr>
-                                      <p:to>
-                                        <p:strVal val="visible"/>
-                                      </p:to>
-                                    </p:set>
-                                  </p:childTnLst>
-                                </p:cTn>
-                              </p:par>
-                              <p:par>
-                                <p:cTn id="11" presetID="1" presetClass="exit" presetSubtype="0" fill="hold" nodeType="withEffect">
-                                  <p:stCondLst>
-                                    <p:cond delay="0"/>
-                                  </p:stCondLst>
-                                  <p:childTnLst>
-                                    <p:set>
-                                      <p:cBhvr>
-                                        <p:cTn id="12" dur="1" fill="hold">
-                                          <p:stCondLst>
-                                            <p:cond delay="0"/>
-                                          </p:stCondLst>
-                                        </p:cTn>
-                                        <p:tgtEl>
-                                          <p:spTgt spid="28"/>
-                                        </p:tgtEl>
-                                        <p:attrNameLst>
-                                          <p:attrName>style.visibility</p:attrName>
-                                        </p:attrNameLst>
-                                      </p:cBhvr>
-                                      <p:to>
-                                        <p:strVal val="hidden"/>
-                                      </p:to>
-                                    </p:set>
-                                  </p:childTnLst>
-                                </p:cTn>
-                              </p:par>
-                            </p:childTnLst>
-                          </p:cTn>
-                        </p:par>
-                      </p:childTnLst>
-                    </p:cTn>
-                  </p:par>
-                  <p:par>
-                    <p:cTn id="13" fill="hold">
-                      <p:stCondLst>
-                        <p:cond delay="indefinite"/>
-                      </p:stCondLst>
-                      <p:childTnLst>
-                        <p:par>
-                          <p:cTn id="14" fill="hold">
-                            <p:stCondLst>
-                              <p:cond delay="0"/>
-                            </p:stCondLst>
-                            <p:childTnLst>
-                              <p:par>
-                                <p:cTn id="15" presetID="1" presetClass="exit" presetSubtype="0" fill="hold" grpId="0" nodeType="clickEffect">
-                                  <p:stCondLst>
-                                    <p:cond delay="0"/>
-                                  </p:stCondLst>
-                                  <p:childTnLst>
-                                    <p:set>
-                                      <p:cBhvr>
-                                        <p:cTn id="16" dur="1" fill="hold">
-                                          <p:stCondLst>
-                                            <p:cond delay="0"/>
-                                          </p:stCondLst>
-                                        </p:cTn>
-                                        <p:tgtEl>
-                                          <p:spTgt spid="6"/>
-                                        </p:tgtEl>
-                                        <p:attrNameLst>
-                                          <p:attrName>style.visibility</p:attrName>
-                                        </p:attrNameLst>
-                                      </p:cBhvr>
-                                      <p:to>
-                                        <p:strVal val="hidden"/>
-                                      </p:to>
-                                    </p:set>
-                                  </p:childTnLst>
-                                </p:cTn>
-                              </p:par>
-                              <p:par>
-                                <p:cTn id="17" presetID="1" presetClass="entr" presetSubtype="0" fill="hold" grpId="0" nodeType="withEffect">
-                                  <p:stCondLst>
-                                    <p:cond delay="0"/>
-                                  </p:stCondLst>
-                                  <p:childTnLst>
-                                    <p:set>
-                                      <p:cBhvr>
-                                        <p:cTn id="18" dur="1" fill="hold">
-                                          <p:stCondLst>
-                                            <p:cond delay="0"/>
-                                          </p:stCondLst>
-                                        </p:cTn>
-                                        <p:tgtEl>
-                                          <p:spTgt spid="7"/>
-                                        </p:tgtEl>
-                                        <p:attrNameLst>
-                                          <p:attrName>style.visibility</p:attrName>
-                                        </p:attrNameLst>
-                                      </p:cBhvr>
-                                      <p:to>
-                                        <p:strVal val="visible"/>
-                                      </p:to>
-                                    </p:set>
-                                  </p:childTnLst>
-                                </p:cTn>
-                              </p:par>
-                              <p:par>
-                                <p:cTn id="19" presetID="1" presetClass="entr" presetSubtype="0" fill="hold" nodeType="withEffect">
-                                  <p:stCondLst>
-                                    <p:cond delay="0"/>
-                                  </p:stCondLst>
-                                  <p:childTnLst>
-                                    <p:set>
-                                      <p:cBhvr>
-                                        <p:cTn id="20" dur="1" fill="hold">
-                                          <p:stCondLst>
-                                            <p:cond delay="0"/>
-                                          </p:stCondLst>
-                                        </p:cTn>
-                                        <p:tgtEl>
-                                          <p:spTgt spid="31"/>
-                                        </p:tgtEl>
-                                        <p:attrNameLst>
-                                          <p:attrName>style.visibility</p:attrName>
-                                        </p:attrNameLst>
-                                      </p:cBhvr>
-                                      <p:to>
-                                        <p:strVal val="visible"/>
-                                      </p:to>
-                                    </p:set>
-                                  </p:childTnLst>
-                                </p:cTn>
-                              </p:par>
-                            </p:childTnLst>
-                          </p:cTn>
-                        </p:par>
-                      </p:childTnLst>
-                    </p:cTn>
-                  </p:par>
-                  <p:par>
-                    <p:cTn id="21" fill="hold">
-                      <p:stCondLst>
-                        <p:cond delay="indefinite"/>
-                      </p:stCondLst>
-                      <p:childTnLst>
-                        <p:par>
-                          <p:cTn id="22" fill="hold">
-                            <p:stCondLst>
-                              <p:cond delay="0"/>
-                            </p:stCondLst>
-                            <p:childTnLst>
-                              <p:par>
-                                <p:cTn id="23" presetID="1" presetClass="exit" presetSubtype="0" fill="hold" grpId="1" nodeType="clickEffect">
-                                  <p:stCondLst>
-                                    <p:cond delay="0"/>
-                                  </p:stCondLst>
-                                  <p:childTnLst>
-                                    <p:set>
-                                      <p:cBhvr>
-                                        <p:cTn id="24" dur="1" fill="hold">
-                                          <p:stCondLst>
-                                            <p:cond delay="0"/>
-                                          </p:stCondLst>
-                                        </p:cTn>
-                                        <p:tgtEl>
-                                          <p:spTgt spid="7"/>
-                                        </p:tgtEl>
-                                        <p:attrNameLst>
-                                          <p:attrName>style.visibility</p:attrName>
-                                        </p:attrNameLst>
-                                      </p:cBhvr>
-                                      <p:to>
-                                        <p:strVal val="hidden"/>
-                                      </p:to>
-                                    </p:set>
-                                  </p:childTnLst>
-                                </p:cTn>
-                              </p:par>
-                              <p:par>
-                                <p:cTn id="25" presetID="1" presetClass="entr" presetSubtype="0" fill="hold" grpId="0" nodeType="withEffect">
-                                  <p:stCondLst>
-                                    <p:cond delay="0"/>
-                                  </p:stCondLst>
-                                  <p:childTnLst>
-                                    <p:set>
-                                      <p:cBhvr>
-                                        <p:cTn id="26" dur="1" fill="hold">
-                                          <p:stCondLst>
-                                            <p:cond delay="0"/>
-                                          </p:stCondLst>
-                                        </p:cTn>
-                                        <p:tgtEl>
-                                          <p:spTgt spid="8"/>
-                                        </p:tgtEl>
-                                        <p:attrNameLst>
-                                          <p:attrName>style.visibility</p:attrName>
-                                        </p:attrNameLst>
-                                      </p:cBhvr>
-                                      <p:to>
-                                        <p:strVal val="visible"/>
-                                      </p:to>
-                                    </p:set>
-                                  </p:childTnLst>
-                                </p:cTn>
-                              </p:par>
-                              <p:par>
-                                <p:cTn id="27" presetID="1" presetClass="exit" presetSubtype="0" fill="hold" nodeType="withEffect">
-                                  <p:stCondLst>
-                                    <p:cond delay="0"/>
-                                  </p:stCondLst>
-                                  <p:childTnLst>
-                                    <p:set>
-                                      <p:cBhvr>
-                                        <p:cTn id="28" dur="1" fill="hold">
-                                          <p:stCondLst>
-                                            <p:cond delay="0"/>
-                                          </p:stCondLst>
-                                        </p:cTn>
-                                        <p:tgtEl>
-                                          <p:spTgt spid="23"/>
-                                        </p:tgtEl>
-                                        <p:attrNameLst>
-                                          <p:attrName>style.visibility</p:attrName>
-                                        </p:attrNameLst>
-                                      </p:cBhvr>
-                                      <p:to>
-                                        <p:strVal val="hidden"/>
-                                      </p:to>
-                                    </p:set>
-                                  </p:childTnLst>
-                                </p:cTn>
-                              </p:par>
-                              <p:par>
-                                <p:cTn id="29" presetID="1" presetClass="entr" presetSubtype="0" fill="hold" nodeType="withEffect">
-                                  <p:stCondLst>
-                                    <p:cond delay="0"/>
-                                  </p:stCondLst>
-                                  <p:childTnLst>
-                                    <p:set>
-                                      <p:cBhvr>
-                                        <p:cTn id="30" dur="1" fill="hold">
-                                          <p:stCondLst>
-                                            <p:cond delay="0"/>
-                                          </p:stCondLst>
-                                        </p:cTn>
-                                        <p:tgtEl>
-                                          <p:spTgt spid="24"/>
-                                        </p:tgtEl>
-                                        <p:attrNameLst>
-                                          <p:attrName>style.visibility</p:attrName>
-                                        </p:attrNameLst>
-                                      </p:cBhvr>
-                                      <p:to>
-                                        <p:strVal val="visible"/>
-                                      </p:to>
-                                    </p:set>
-                                  </p:childTnLst>
-                                </p:cTn>
-                              </p:par>
-                            </p:childTnLst>
-                          </p:cTn>
-                        </p:par>
-                      </p:childTnLst>
-                    </p:cTn>
-                  </p:par>
-                  <p:par>
-                    <p:cTn id="31" fill="hold">
-                      <p:stCondLst>
-                        <p:cond delay="indefinite"/>
-                      </p:stCondLst>
-                      <p:childTnLst>
-                        <p:par>
-                          <p:cTn id="32" fill="hold">
-                            <p:stCondLst>
-                              <p:cond delay="0"/>
-                            </p:stCondLst>
-                            <p:childTnLst>
-                              <p:par>
-                                <p:cTn id="33" presetID="1" presetClass="exit" presetSubtype="0" fill="hold" grpId="1" nodeType="clickEffect">
-                                  <p:stCondLst>
-                                    <p:cond delay="0"/>
-                                  </p:stCondLst>
-                                  <p:childTnLst>
-                                    <p:set>
-                                      <p:cBhvr>
-                                        <p:cTn id="34" dur="1" fill="hold">
-                                          <p:stCondLst>
-                                            <p:cond delay="0"/>
-                                          </p:stCondLst>
-                                        </p:cTn>
-                                        <p:tgtEl>
-                                          <p:spTgt spid="8"/>
-                                        </p:tgtEl>
-                                        <p:attrNameLst>
-                                          <p:attrName>style.visibility</p:attrName>
-                                        </p:attrNameLst>
-                                      </p:cBhvr>
-                                      <p:to>
-                                        <p:strVal val="hidden"/>
-                                      </p:to>
-                                    </p:set>
-                                  </p:childTnLst>
-                                </p:cTn>
-                              </p:par>
-                              <p:par>
-                                <p:cTn id="35" presetID="1" presetClass="entr" presetSubtype="0" fill="hold" grpId="0" nodeType="withEffect">
-                                  <p:stCondLst>
-                                    <p:cond delay="0"/>
-                                  </p:stCondLst>
-                                  <p:childTnLst>
-                                    <p:set>
-                                      <p:cBhvr>
-                                        <p:cTn id="36" dur="1" fill="hold">
-                                          <p:stCondLst>
-                                            <p:cond delay="0"/>
-                                          </p:stCondLst>
-                                        </p:cTn>
-                                        <p:tgtEl>
-                                          <p:spTgt spid="9"/>
-                                        </p:tgtEl>
-                                        <p:attrNameLst>
-                                          <p:attrName>style.visibility</p:attrName>
-                                        </p:attrNameLst>
-                                      </p:cBhvr>
-                                      <p:to>
-                                        <p:strVal val="visible"/>
-                                      </p:to>
-                                    </p:set>
-                                  </p:childTnLst>
-                                </p:cTn>
-                              </p:par>
-                              <p:par>
-                                <p:cTn id="37" presetID="1" presetClass="entr" presetSubtype="0" fill="hold" nodeType="withEffect">
-                                  <p:stCondLst>
-                                    <p:cond delay="0"/>
-                                  </p:stCondLst>
-                                  <p:childTnLst>
-                                    <p:set>
-                                      <p:cBhvr>
-                                        <p:cTn id="38" dur="1" fill="hold">
-                                          <p:stCondLst>
-                                            <p:cond delay="0"/>
-                                          </p:stCondLst>
-                                        </p:cTn>
-                                        <p:tgtEl>
-                                          <p:spTgt spid="32"/>
-                                        </p:tgtEl>
-                                        <p:attrNameLst>
-                                          <p:attrName>style.visibility</p:attrName>
-                                        </p:attrNameLst>
-                                      </p:cBhvr>
-                                      <p:to>
-                                        <p:strVal val="visible"/>
-                                      </p:to>
-                                    </p:set>
-                                  </p:childTnLst>
-                                </p:cTn>
-                              </p:par>
-                            </p:childTnLst>
-                          </p:cTn>
-                        </p:par>
-                      </p:childTnLst>
-                    </p:cTn>
-                  </p:par>
-                  <p:par>
-                    <p:cTn id="39" fill="hold">
-                      <p:stCondLst>
-                        <p:cond delay="indefinite"/>
-                      </p:stCondLst>
-                      <p:childTnLst>
-                        <p:par>
-                          <p:cTn id="40" fill="hold">
-                            <p:stCondLst>
-                              <p:cond delay="0"/>
-                            </p:stCondLst>
-                            <p:childTnLst>
-                              <p:par>
-                                <p:cTn id="41" presetID="1" presetClass="exit" presetSubtype="0" fill="hold" grpId="1" nodeType="clickEffect">
-                                  <p:stCondLst>
-                                    <p:cond delay="0"/>
-                                  </p:stCondLst>
-                                  <p:childTnLst>
-                                    <p:set>
-                                      <p:cBhvr>
-                                        <p:cTn id="42" dur="1" fill="hold">
-                                          <p:stCondLst>
-                                            <p:cond delay="0"/>
-                                          </p:stCondLst>
-                                        </p:cTn>
-                                        <p:tgtEl>
-                                          <p:spTgt spid="9"/>
-                                        </p:tgtEl>
-                                        <p:attrNameLst>
-                                          <p:attrName>style.visibility</p:attrName>
-                                        </p:attrNameLst>
-                                      </p:cBhvr>
-                                      <p:to>
-                                        <p:strVal val="hidden"/>
-                                      </p:to>
-                                    </p:set>
-                                  </p:childTnLst>
-                                </p:cTn>
-                              </p:par>
-                              <p:par>
-                                <p:cTn id="43" presetID="1" presetClass="entr" presetSubtype="0" fill="hold" grpId="0" nodeType="withEffect">
-                                  <p:stCondLst>
-                                    <p:cond delay="0"/>
-                                  </p:stCondLst>
-                                  <p:childTnLst>
-                                    <p:set>
-                                      <p:cBhvr>
-                                        <p:cTn id="44" dur="1" fill="hold">
-                                          <p:stCondLst>
-                                            <p:cond delay="0"/>
-                                          </p:stCondLst>
-                                        </p:cTn>
-                                        <p:tgtEl>
-                                          <p:spTgt spid="10"/>
-                                        </p:tgtEl>
-                                        <p:attrNameLst>
-                                          <p:attrName>style.visibility</p:attrName>
-                                        </p:attrNameLst>
-                                      </p:cBhvr>
-                                      <p:to>
-                                        <p:strVal val="visible"/>
-                                      </p:to>
-                                    </p:set>
-                                  </p:childTnLst>
-                                </p:cTn>
-                              </p:par>
-                              <p:par>
-                                <p:cTn id="45" presetID="1" presetClass="entr" presetSubtype="0" fill="hold" nodeType="withEffect">
-                                  <p:stCondLst>
-                                    <p:cond delay="0"/>
-                                  </p:stCondLst>
-                                  <p:childTnLst>
-                                    <p:set>
-                                      <p:cBhvr>
-                                        <p:cTn id="46" dur="1" fill="hold">
-                                          <p:stCondLst>
-                                            <p:cond delay="0"/>
-                                          </p:stCondLst>
-                                        </p:cTn>
-                                        <p:tgtEl>
-                                          <p:spTgt spid="33"/>
-                                        </p:tgtEl>
-                                        <p:attrNameLst>
-                                          <p:attrName>style.visibility</p:attrName>
-                                        </p:attrNameLst>
-                                      </p:cBhvr>
-                                      <p:to>
-                                        <p:strVal val="visible"/>
-                                      </p:to>
-                                    </p:set>
-                                  </p:childTnLst>
-                                </p:cTn>
-                              </p:par>
-                            </p:childTnLst>
-                          </p:cTn>
-                        </p:par>
-                      </p:childTnLst>
-                    </p:cTn>
-                  </p:par>
-                </p:childTnLst>
-              </p:cTn>
-              <p:prevCondLst>
-                <p:cond evt="onPrev" delay="0">
-                  <p:tgtEl>
-                    <p:sldTgt/>
-                  </p:tgtEl>
-                </p:cond>
-              </p:prevCondLst>
-              <p:nextCondLst>
-                <p:cond evt="onNext" delay="0">
-                  <p:tgtEl>
-                    <p:sldTgt/>
-                  </p:tgtEl>
-                </p:cond>
-              </p:nextCondLst>
-            </p:seq>
-          </p:childTnLst>
-        </p:cTn>
-      </p:par>
-    </p:tnLst>
-    <p:bldLst>
-      <p:bldP spid="6" grpId="0"/>
-      <p:bldP spid="6" grpId="1"/>
-      <p:bldP spid="7" grpId="0"/>
-      <p:bldP spid="7" grpId="1"/>
-      <p:bldP spid="8" grpId="0"/>
-      <p:bldP spid="8" grpId="1"/>
-      <p:bldP spid="9" grpId="0"/>
-      <p:bldP spid="9" grpId="1"/>
-      <p:bldP spid="10" grpId="0"/>
-      <p:bldP spid="11" grpId="0"/>
+      <p:bldP spid="32" grpId="0"/>
+      <p:bldP spid="32" grpId="1"/>
+      <p:bldP spid="34" grpId="0"/>
+      <p:bldP spid="34" grpId="1"/>
+      <p:bldP spid="36" grpId="0"/>
+      <p:bldP spid="36" grpId="1"/>
+      <p:bldP spid="38" grpId="0"/>
+      <p:bldP spid="38" grpId="1"/>
+      <p:bldP spid="39" grpId="0" animBg="1"/>
+      <p:bldP spid="40" grpId="0"/>
     </p:bldLst>
   </p:timing>
 </p:sld>

--- a/Team 17 Project 1 Storyboard.pptx
+++ b/Team 17 Project 1 Storyboard.pptx
@@ -139,7 +139,7 @@
 <file path=ppt/revisionInfo.xml><?xml version="1.0" encoding="utf-8"?>
 <p1510:revInfo xmlns:a="http://schemas.openxmlformats.org/drawingml/2006/main" xmlns:r="http://schemas.openxmlformats.org/officeDocument/2006/relationships" xmlns:p1510="http://schemas.microsoft.com/office/powerpoint/2015/10/main">
   <p1510:revLst>
-    <p1510:client id="{9FCC207D-B9BD-4721-B143-34F9122DEF8F}" v="706" dt="2025-03-02T18:16:38.740"/>
+    <p1510:client id="{9FCC207D-B9BD-4721-B143-34F9122DEF8F}" v="1037" dt="2025-03-02T21:51:33.350"/>
   </p1510:revLst>
 </p1510:revInfo>
 </file>
@@ -149,22 +149,38 @@
   <pc:docChgLst>
     <pc:chgData name="Joshua Ngui" userId="a6167923-c110-409b-bad0-723368df3cb1" providerId="ADAL" clId="{9FCC207D-B9BD-4721-B143-34F9122DEF8F}"/>
     <pc:docChg chg="undo custSel addSld delSld modSld modMainMaster addSection delSection modSection">
-      <pc:chgData name="Joshua Ngui" userId="a6167923-c110-409b-bad0-723368df3cb1" providerId="ADAL" clId="{9FCC207D-B9BD-4721-B143-34F9122DEF8F}" dt="2025-03-02T18:19:20.214" v="2196" actId="113"/>
+      <pc:chgData name="Joshua Ngui" userId="a6167923-c110-409b-bad0-723368df3cb1" providerId="ADAL" clId="{9FCC207D-B9BD-4721-B143-34F9122DEF8F}" dt="2025-03-02T21:51:33.350" v="2551"/>
       <pc:docMkLst>
         <pc:docMk/>
       </pc:docMkLst>
       <pc:sldChg chg="addSp delSp modSp mod setBg delAnim modAnim modNotesTx">
-        <pc:chgData name="Joshua Ngui" userId="a6167923-c110-409b-bad0-723368df3cb1" providerId="ADAL" clId="{9FCC207D-B9BD-4721-B143-34F9122DEF8F}" dt="2025-03-01T09:48:48.897" v="1660"/>
+        <pc:chgData name="Joshua Ngui" userId="a6167923-c110-409b-bad0-723368df3cb1" providerId="ADAL" clId="{9FCC207D-B9BD-4721-B143-34F9122DEF8F}" dt="2025-03-02T21:50:01.232" v="2533"/>
         <pc:sldMkLst>
           <pc:docMk/>
           <pc:sldMk cId="2805030926" sldId="256"/>
         </pc:sldMkLst>
         <pc:spChg chg="add mod">
+          <ac:chgData name="Joshua Ngui" userId="a6167923-c110-409b-bad0-723368df3cb1" providerId="ADAL" clId="{9FCC207D-B9BD-4721-B143-34F9122DEF8F}" dt="2025-03-02T20:46:08.415" v="2214" actId="1076"/>
+          <ac:spMkLst>
+            <pc:docMk/>
+            <pc:sldMk cId="2805030926" sldId="256"/>
+            <ac:spMk id="2" creationId="{FC868036-A6CE-EF22-2E90-B041CAE2C34B}"/>
+          </ac:spMkLst>
+        </pc:spChg>
+        <pc:spChg chg="add mod">
           <ac:chgData name="Joshua Ngui" userId="a6167923-c110-409b-bad0-723368df3cb1" providerId="ADAL" clId="{9FCC207D-B9BD-4721-B143-34F9122DEF8F}" dt="2025-03-01T08:03:42.481" v="1190"/>
           <ac:spMkLst>
             <pc:docMk/>
             <pc:sldMk cId="2805030926" sldId="256"/>
             <ac:spMk id="4" creationId="{C14D268E-1433-E6A5-2A31-A0B5FA2ADDB4}"/>
+          </ac:spMkLst>
+        </pc:spChg>
+        <pc:spChg chg="add mod">
+          <ac:chgData name="Joshua Ngui" userId="a6167923-c110-409b-bad0-723368df3cb1" providerId="ADAL" clId="{9FCC207D-B9BD-4721-B143-34F9122DEF8F}" dt="2025-03-02T20:51:29.280" v="2220" actId="20577"/>
+          <ac:spMkLst>
+            <pc:docMk/>
+            <pc:sldMk cId="2805030926" sldId="256"/>
+            <ac:spMk id="4" creationId="{ECAF733F-64C1-48F2-5B13-AD19F712F4C3}"/>
           </ac:spMkLst>
         </pc:spChg>
         <pc:spChg chg="add mod">
@@ -232,7 +248,7 @@
           </ac:spMkLst>
         </pc:spChg>
         <pc:spChg chg="add mod">
-          <ac:chgData name="Joshua Ngui" userId="a6167923-c110-409b-bad0-723368df3cb1" providerId="ADAL" clId="{9FCC207D-B9BD-4721-B143-34F9122DEF8F}" dt="2025-03-01T08:15:11.418" v="1263" actId="1076"/>
+          <ac:chgData name="Joshua Ngui" userId="a6167923-c110-409b-bad0-723368df3cb1" providerId="ADAL" clId="{9FCC207D-B9BD-4721-B143-34F9122DEF8F}" dt="2025-03-02T21:10:06.079" v="2324" actId="1076"/>
           <ac:spMkLst>
             <pc:docMk/>
             <pc:sldMk cId="2805030926" sldId="256"/>
@@ -240,7 +256,7 @@
           </ac:spMkLst>
         </pc:spChg>
         <pc:spChg chg="add mod">
-          <ac:chgData name="Joshua Ngui" userId="a6167923-c110-409b-bad0-723368df3cb1" providerId="ADAL" clId="{9FCC207D-B9BD-4721-B143-34F9122DEF8F}" dt="2025-03-01T08:15:15.118" v="1264" actId="1076"/>
+          <ac:chgData name="Joshua Ngui" userId="a6167923-c110-409b-bad0-723368df3cb1" providerId="ADAL" clId="{9FCC207D-B9BD-4721-B143-34F9122DEF8F}" dt="2025-03-02T21:11:09.950" v="2344" actId="1076"/>
           <ac:spMkLst>
             <pc:docMk/>
             <pc:sldMk cId="2805030926" sldId="256"/>
@@ -248,7 +264,7 @@
           </ac:spMkLst>
         </pc:spChg>
         <pc:spChg chg="add mod">
-          <ac:chgData name="Joshua Ngui" userId="a6167923-c110-409b-bad0-723368df3cb1" providerId="ADAL" clId="{9FCC207D-B9BD-4721-B143-34F9122DEF8F}" dt="2025-03-01T08:15:22.434" v="1265" actId="1076"/>
+          <ac:chgData name="Joshua Ngui" userId="a6167923-c110-409b-bad0-723368df3cb1" providerId="ADAL" clId="{9FCC207D-B9BD-4721-B143-34F9122DEF8F}" dt="2025-03-02T21:11:15.065" v="2345" actId="1076"/>
           <ac:spMkLst>
             <pc:docMk/>
             <pc:sldMk cId="2805030926" sldId="256"/>
@@ -272,7 +288,87 @@
           </ac:spMkLst>
         </pc:spChg>
         <pc:spChg chg="add mod">
-          <ac:chgData name="Joshua Ngui" userId="a6167923-c110-409b-bad0-723368df3cb1" providerId="ADAL" clId="{9FCC207D-B9BD-4721-B143-34F9122DEF8F}" dt="2025-03-01T08:34:42.567" v="1552" actId="1076"/>
+          <ac:chgData name="Joshua Ngui" userId="a6167923-c110-409b-bad0-723368df3cb1" providerId="ADAL" clId="{9FCC207D-B9BD-4721-B143-34F9122DEF8F}" dt="2025-03-02T20:51:45.924" v="2227" actId="20577"/>
+          <ac:spMkLst>
+            <pc:docMk/>
+            <pc:sldMk cId="2805030926" sldId="256"/>
+            <ac:spMk id="23" creationId="{D0616CBB-F8A1-CB19-49B0-FE2B2D6B5420}"/>
+          </ac:spMkLst>
+        </pc:spChg>
+        <pc:spChg chg="add mod">
+          <ac:chgData name="Joshua Ngui" userId="a6167923-c110-409b-bad0-723368df3cb1" providerId="ADAL" clId="{9FCC207D-B9BD-4721-B143-34F9122DEF8F}" dt="2025-03-02T20:51:55.231" v="2232" actId="20577"/>
+          <ac:spMkLst>
+            <pc:docMk/>
+            <pc:sldMk cId="2805030926" sldId="256"/>
+            <ac:spMk id="25" creationId="{28921810-9EE7-0DA6-E4E1-16D8C393AE1F}"/>
+          </ac:spMkLst>
+        </pc:spChg>
+        <pc:spChg chg="add mod">
+          <ac:chgData name="Joshua Ngui" userId="a6167923-c110-409b-bad0-723368df3cb1" providerId="ADAL" clId="{9FCC207D-B9BD-4721-B143-34F9122DEF8F}" dt="2025-03-02T20:52:12.654" v="2239" actId="20577"/>
+          <ac:spMkLst>
+            <pc:docMk/>
+            <pc:sldMk cId="2805030926" sldId="256"/>
+            <ac:spMk id="27" creationId="{6A48C1E2-202C-AF62-0AC3-4696B118B259}"/>
+          </ac:spMkLst>
+        </pc:spChg>
+        <pc:spChg chg="add mod">
+          <ac:chgData name="Joshua Ngui" userId="a6167923-c110-409b-bad0-723368df3cb1" providerId="ADAL" clId="{9FCC207D-B9BD-4721-B143-34F9122DEF8F}" dt="2025-03-02T20:54:41.619" v="2249" actId="20577"/>
+          <ac:spMkLst>
+            <pc:docMk/>
+            <pc:sldMk cId="2805030926" sldId="256"/>
+            <ac:spMk id="29" creationId="{8BF7F90E-A695-6A33-3BEA-2949D6F3C608}"/>
+          </ac:spMkLst>
+        </pc:spChg>
+        <pc:spChg chg="add mod">
+          <ac:chgData name="Joshua Ngui" userId="a6167923-c110-409b-bad0-723368df3cb1" providerId="ADAL" clId="{9FCC207D-B9BD-4721-B143-34F9122DEF8F}" dt="2025-03-02T20:56:48.755" v="2257" actId="20577"/>
+          <ac:spMkLst>
+            <pc:docMk/>
+            <pc:sldMk cId="2805030926" sldId="256"/>
+            <ac:spMk id="31" creationId="{BB9592CA-25A5-F553-A2D9-4D9AD92FEF79}"/>
+          </ac:spMkLst>
+        </pc:spChg>
+        <pc:spChg chg="add mod">
+          <ac:chgData name="Joshua Ngui" userId="a6167923-c110-409b-bad0-723368df3cb1" providerId="ADAL" clId="{9FCC207D-B9BD-4721-B143-34F9122DEF8F}" dt="2025-03-02T21:09:57.861" v="2322" actId="1076"/>
+          <ac:spMkLst>
+            <pc:docMk/>
+            <pc:sldMk cId="2805030926" sldId="256"/>
+            <ac:spMk id="33" creationId="{9968AAF3-463A-E53F-A41D-2D5BFE44DA18}"/>
+          </ac:spMkLst>
+        </pc:spChg>
+        <pc:spChg chg="add mod">
+          <ac:chgData name="Joshua Ngui" userId="a6167923-c110-409b-bad0-723368df3cb1" providerId="ADAL" clId="{9FCC207D-B9BD-4721-B143-34F9122DEF8F}" dt="2025-03-02T21:10:01.583" v="2323" actId="1076"/>
+          <ac:spMkLst>
+            <pc:docMk/>
+            <pc:sldMk cId="2805030926" sldId="256"/>
+            <ac:spMk id="34" creationId="{19BE7FD5-BB32-2B95-08B3-203F0CC82DCA}"/>
+          </ac:spMkLst>
+        </pc:spChg>
+        <pc:spChg chg="add mod">
+          <ac:chgData name="Joshua Ngui" userId="a6167923-c110-409b-bad0-723368df3cb1" providerId="ADAL" clId="{9FCC207D-B9BD-4721-B143-34F9122DEF8F}" dt="2025-03-02T21:10:21.500" v="2327" actId="688"/>
+          <ac:spMkLst>
+            <pc:docMk/>
+            <pc:sldMk cId="2805030926" sldId="256"/>
+            <ac:spMk id="35" creationId="{0FEB2DE5-8A4D-27AC-199A-7C1957C571FF}"/>
+          </ac:spMkLst>
+        </pc:spChg>
+        <pc:spChg chg="add mod">
+          <ac:chgData name="Joshua Ngui" userId="a6167923-c110-409b-bad0-723368df3cb1" providerId="ADAL" clId="{9FCC207D-B9BD-4721-B143-34F9122DEF8F}" dt="2025-03-02T21:10:52.826" v="2342" actId="1076"/>
+          <ac:spMkLst>
+            <pc:docMk/>
+            <pc:sldMk cId="2805030926" sldId="256"/>
+            <ac:spMk id="37" creationId="{42BB8E5B-F165-05E8-AA22-3D845BEC8663}"/>
+          </ac:spMkLst>
+        </pc:spChg>
+        <pc:spChg chg="add mod">
+          <ac:chgData name="Joshua Ngui" userId="a6167923-c110-409b-bad0-723368df3cb1" providerId="ADAL" clId="{9FCC207D-B9BD-4721-B143-34F9122DEF8F}" dt="2025-03-02T21:49:55.096" v="2532" actId="20577"/>
+          <ac:spMkLst>
+            <pc:docMk/>
+            <pc:sldMk cId="2805030926" sldId="256"/>
+            <ac:spMk id="39" creationId="{2C99B30C-A726-9BF8-AC77-24C9F908E3E5}"/>
+          </ac:spMkLst>
+        </pc:spChg>
+        <pc:spChg chg="add mod">
+          <ac:chgData name="Joshua Ngui" userId="a6167923-c110-409b-bad0-723368df3cb1" providerId="ADAL" clId="{9FCC207D-B9BD-4721-B143-34F9122DEF8F}" dt="2025-03-02T21:11:05.268" v="2343" actId="1076"/>
           <ac:spMkLst>
             <pc:docMk/>
             <pc:sldMk cId="2805030926" sldId="256"/>
@@ -376,7 +472,7 @@
           </ac:picMkLst>
         </pc:picChg>
         <pc:picChg chg="add mod">
-          <ac:chgData name="Joshua Ngui" userId="a6167923-c110-409b-bad0-723368df3cb1" providerId="ADAL" clId="{9FCC207D-B9BD-4721-B143-34F9122DEF8F}" dt="2025-03-01T08:13:21.903" v="1248" actId="1076"/>
+          <ac:chgData name="Joshua Ngui" userId="a6167923-c110-409b-bad0-723368df3cb1" providerId="ADAL" clId="{9FCC207D-B9BD-4721-B143-34F9122DEF8F}" dt="2025-03-02T21:49:42.373" v="2528" actId="1076"/>
           <ac:picMkLst>
             <pc:docMk/>
             <pc:sldMk cId="2805030926" sldId="256"/>
@@ -440,8 +536,8 @@
           </ac:picMkLst>
         </pc:picChg>
       </pc:sldChg>
-      <pc:sldChg chg="addSp delSp modSp new mod delAnim modAnim modNotesTx">
-        <pc:chgData name="Joshua Ngui" userId="a6167923-c110-409b-bad0-723368df3cb1" providerId="ADAL" clId="{9FCC207D-B9BD-4721-B143-34F9122DEF8F}" dt="2025-03-02T18:18:16.589" v="2175" actId="113"/>
+      <pc:sldChg chg="addSp delSp modSp new mod addAnim delAnim modAnim modNotesTx">
+        <pc:chgData name="Joshua Ngui" userId="a6167923-c110-409b-bad0-723368df3cb1" providerId="ADAL" clId="{9FCC207D-B9BD-4721-B143-34F9122DEF8F}" dt="2025-03-02T21:51:05.533" v="2546"/>
         <pc:sldMkLst>
           <pc:docMk/>
           <pc:sldMk cId="372002819" sldId="257"/>
@@ -495,7 +591,7 @@
           </ac:spMkLst>
         </pc:spChg>
         <pc:spChg chg="add mod">
-          <ac:chgData name="Joshua Ngui" userId="a6167923-c110-409b-bad0-723368df3cb1" providerId="ADAL" clId="{9FCC207D-B9BD-4721-B143-34F9122DEF8F}" dt="2025-03-01T08:27:48.567" v="1507" actId="1076"/>
+          <ac:chgData name="Joshua Ngui" userId="a6167923-c110-409b-bad0-723368df3cb1" providerId="ADAL" clId="{9FCC207D-B9BD-4721-B143-34F9122DEF8F}" dt="2025-03-02T21:17:19.134" v="2373" actId="1076"/>
           <ac:spMkLst>
             <pc:docMk/>
             <pc:sldMk cId="372002819" sldId="257"/>
@@ -503,11 +599,19 @@
           </ac:spMkLst>
         </pc:spChg>
         <pc:spChg chg="add mod">
-          <ac:chgData name="Joshua Ngui" userId="a6167923-c110-409b-bad0-723368df3cb1" providerId="ADAL" clId="{9FCC207D-B9BD-4721-B143-34F9122DEF8F}" dt="2025-03-01T08:27:52.319" v="1508" actId="1076"/>
+          <ac:chgData name="Joshua Ngui" userId="a6167923-c110-409b-bad0-723368df3cb1" providerId="ADAL" clId="{9FCC207D-B9BD-4721-B143-34F9122DEF8F}" dt="2025-03-02T21:20:26.738" v="2417" actId="1076"/>
           <ac:spMkLst>
             <pc:docMk/>
             <pc:sldMk cId="372002819" sldId="257"/>
             <ac:spMk id="9" creationId="{DF168B48-03BB-02EB-F8B4-02A12D62F196}"/>
+          </ac:spMkLst>
+        </pc:spChg>
+        <pc:spChg chg="add mod">
+          <ac:chgData name="Joshua Ngui" userId="a6167923-c110-409b-bad0-723368df3cb1" providerId="ADAL" clId="{9FCC207D-B9BD-4721-B143-34F9122DEF8F}" dt="2025-03-02T20:59:11.463" v="2262"/>
+          <ac:spMkLst>
+            <pc:docMk/>
+            <pc:sldMk cId="372002819" sldId="257"/>
+            <ac:spMk id="10" creationId="{0201076E-D80F-D17C-BE37-5F8928F518EA}"/>
           </ac:spMkLst>
         </pc:spChg>
         <pc:spChg chg="add del mod">
@@ -516,6 +620,14 @@
             <pc:docMk/>
             <pc:sldMk cId="372002819" sldId="257"/>
             <ac:spMk id="10" creationId="{C3BE42CE-C705-9329-566B-EC2C0D40A82C}"/>
+          </ac:spMkLst>
+        </pc:spChg>
+        <pc:spChg chg="add mod">
+          <ac:chgData name="Joshua Ngui" userId="a6167923-c110-409b-bad0-723368df3cb1" providerId="ADAL" clId="{9FCC207D-B9BD-4721-B143-34F9122DEF8F}" dt="2025-03-02T21:19:01.272" v="2393" actId="1076"/>
+          <ac:spMkLst>
+            <pc:docMk/>
+            <pc:sldMk cId="372002819" sldId="257"/>
+            <ac:spMk id="11" creationId="{7246E368-145B-5498-BD29-D637C5AEB2A7}"/>
           </ac:spMkLst>
         </pc:spChg>
         <pc:spChg chg="add mod">
@@ -535,11 +647,123 @@
           </ac:spMkLst>
         </pc:spChg>
         <pc:spChg chg="add mod">
-          <ac:chgData name="Joshua Ngui" userId="a6167923-c110-409b-bad0-723368df3cb1" providerId="ADAL" clId="{9FCC207D-B9BD-4721-B143-34F9122DEF8F}" dt="2025-03-01T08:36:24.105" v="1565" actId="1076"/>
+          <ac:chgData name="Joshua Ngui" userId="a6167923-c110-409b-bad0-723368df3cb1" providerId="ADAL" clId="{9FCC207D-B9BD-4721-B143-34F9122DEF8F}" dt="2025-03-02T20:59:11.463" v="2262"/>
+          <ac:spMkLst>
+            <pc:docMk/>
+            <pc:sldMk cId="372002819" sldId="257"/>
+            <ac:spMk id="29" creationId="{05C131C7-1514-318F-F3BD-DDCDED6ED4EE}"/>
+          </ac:spMkLst>
+        </pc:spChg>
+        <pc:spChg chg="add mod">
+          <ac:chgData name="Joshua Ngui" userId="a6167923-c110-409b-bad0-723368df3cb1" providerId="ADAL" clId="{9FCC207D-B9BD-4721-B143-34F9122DEF8F}" dt="2025-03-02T21:17:09.043" v="2371" actId="1076"/>
+          <ac:spMkLst>
+            <pc:docMk/>
+            <pc:sldMk cId="372002819" sldId="257"/>
+            <ac:spMk id="32" creationId="{CFFBAD34-DEC0-3B5D-D0D2-E8B832772B11}"/>
+          </ac:spMkLst>
+        </pc:spChg>
+        <pc:spChg chg="add mod">
+          <ac:chgData name="Joshua Ngui" userId="a6167923-c110-409b-bad0-723368df3cb1" providerId="ADAL" clId="{9FCC207D-B9BD-4721-B143-34F9122DEF8F}" dt="2025-03-02T21:23:58.635" v="2442" actId="1076"/>
           <ac:spMkLst>
             <pc:docMk/>
             <pc:sldMk cId="372002819" sldId="257"/>
             <ac:spMk id="33" creationId="{0D18E653-2B0F-0D22-1FCF-DC46FD4A39D2}"/>
+          </ac:spMkLst>
+        </pc:spChg>
+        <pc:spChg chg="add mod">
+          <ac:chgData name="Joshua Ngui" userId="a6167923-c110-409b-bad0-723368df3cb1" providerId="ADAL" clId="{9FCC207D-B9BD-4721-B143-34F9122DEF8F}" dt="2025-03-02T21:17:51.070" v="2374" actId="1076"/>
+          <ac:spMkLst>
+            <pc:docMk/>
+            <pc:sldMk cId="372002819" sldId="257"/>
+            <ac:spMk id="34" creationId="{ED168C08-22DB-A36C-A797-7E6C7C5AFC0D}"/>
+          </ac:spMkLst>
+        </pc:spChg>
+        <pc:spChg chg="add mod">
+          <ac:chgData name="Joshua Ngui" userId="a6167923-c110-409b-bad0-723368df3cb1" providerId="ADAL" clId="{9FCC207D-B9BD-4721-B143-34F9122DEF8F}" dt="2025-03-02T21:19:41.360" v="2411" actId="1076"/>
+          <ac:spMkLst>
+            <pc:docMk/>
+            <pc:sldMk cId="372002819" sldId="257"/>
+            <ac:spMk id="35" creationId="{6822C856-AB0C-9660-EFF5-4DF8ABBF7B87}"/>
+          </ac:spMkLst>
+        </pc:spChg>
+        <pc:spChg chg="add mod">
+          <ac:chgData name="Joshua Ngui" userId="a6167923-c110-409b-bad0-723368df3cb1" providerId="ADAL" clId="{9FCC207D-B9BD-4721-B143-34F9122DEF8F}" dt="2025-03-02T21:17:05.844" v="2370" actId="1076"/>
+          <ac:spMkLst>
+            <pc:docMk/>
+            <pc:sldMk cId="372002819" sldId="257"/>
+            <ac:spMk id="37" creationId="{AFC1F621-5365-FC7E-CA90-79CD08F6E60D}"/>
+          </ac:spMkLst>
+        </pc:spChg>
+        <pc:spChg chg="add mod">
+          <ac:chgData name="Joshua Ngui" userId="a6167923-c110-409b-bad0-723368df3cb1" providerId="ADAL" clId="{9FCC207D-B9BD-4721-B143-34F9122DEF8F}" dt="2025-03-02T21:17:13.821" v="2372" actId="1076"/>
+          <ac:spMkLst>
+            <pc:docMk/>
+            <pc:sldMk cId="372002819" sldId="257"/>
+            <ac:spMk id="38" creationId="{9E515C2E-FB95-1DF9-180A-A3CC4A72BDE6}"/>
+          </ac:spMkLst>
+        </pc:spChg>
+        <pc:spChg chg="add mod">
+          <ac:chgData name="Joshua Ngui" userId="a6167923-c110-409b-bad0-723368df3cb1" providerId="ADAL" clId="{9FCC207D-B9BD-4721-B143-34F9122DEF8F}" dt="2025-03-02T21:18:32.501" v="2389" actId="1076"/>
+          <ac:spMkLst>
+            <pc:docMk/>
+            <pc:sldMk cId="372002819" sldId="257"/>
+            <ac:spMk id="39" creationId="{275CF8E5-E3F1-2B8D-48BC-8176D30F80E5}"/>
+          </ac:spMkLst>
+        </pc:spChg>
+        <pc:spChg chg="add mod">
+          <ac:chgData name="Joshua Ngui" userId="a6167923-c110-409b-bad0-723368df3cb1" providerId="ADAL" clId="{9FCC207D-B9BD-4721-B143-34F9122DEF8F}" dt="2025-03-02T21:19:33.786" v="2408" actId="1076"/>
+          <ac:spMkLst>
+            <pc:docMk/>
+            <pc:sldMk cId="372002819" sldId="257"/>
+            <ac:spMk id="40" creationId="{E1C54767-DACD-EA0F-F870-0BF15229FB69}"/>
+          </ac:spMkLst>
+        </pc:spChg>
+        <pc:spChg chg="add mod">
+          <ac:chgData name="Joshua Ngui" userId="a6167923-c110-409b-bad0-723368df3cb1" providerId="ADAL" clId="{9FCC207D-B9BD-4721-B143-34F9122DEF8F}" dt="2025-03-02T21:19:38.474" v="2409" actId="1076"/>
+          <ac:spMkLst>
+            <pc:docMk/>
+            <pc:sldMk cId="372002819" sldId="257"/>
+            <ac:spMk id="41" creationId="{4579D640-81C9-298A-8472-73B01995A9C6}"/>
+          </ac:spMkLst>
+        </pc:spChg>
+        <pc:spChg chg="add del mod">
+          <ac:chgData name="Joshua Ngui" userId="a6167923-c110-409b-bad0-723368df3cb1" providerId="ADAL" clId="{9FCC207D-B9BD-4721-B143-34F9122DEF8F}" dt="2025-03-02T21:23:55.055" v="2440" actId="478"/>
+          <ac:spMkLst>
+            <pc:docMk/>
+            <pc:sldMk cId="372002819" sldId="257"/>
+            <ac:spMk id="42" creationId="{BEE26B28-269E-4790-2249-C220F5A52349}"/>
+          </ac:spMkLst>
+        </pc:spChg>
+        <pc:spChg chg="add del mod">
+          <ac:chgData name="Joshua Ngui" userId="a6167923-c110-409b-bad0-723368df3cb1" providerId="ADAL" clId="{9FCC207D-B9BD-4721-B143-34F9122DEF8F}" dt="2025-03-02T21:24:03.554" v="2443" actId="1076"/>
+          <ac:spMkLst>
+            <pc:docMk/>
+            <pc:sldMk cId="372002819" sldId="257"/>
+            <ac:spMk id="43" creationId="{72E19700-5C1C-3236-129C-7EF508C52152}"/>
+          </ac:spMkLst>
+        </pc:spChg>
+        <pc:spChg chg="add mod">
+          <ac:chgData name="Joshua Ngui" userId="a6167923-c110-409b-bad0-723368df3cb1" providerId="ADAL" clId="{9FCC207D-B9BD-4721-B143-34F9122DEF8F}" dt="2025-03-02T21:24:06.273" v="2444" actId="1076"/>
+          <ac:spMkLst>
+            <pc:docMk/>
+            <pc:sldMk cId="372002819" sldId="257"/>
+            <ac:spMk id="44" creationId="{CF610E95-94A3-7E4B-0E66-041BB411ABC4}"/>
+          </ac:spMkLst>
+        </pc:spChg>
+        <pc:spChg chg="add mod">
+          <ac:chgData name="Joshua Ngui" userId="a6167923-c110-409b-bad0-723368df3cb1" providerId="ADAL" clId="{9FCC207D-B9BD-4721-B143-34F9122DEF8F}" dt="2025-03-02T21:50:28.622" v="2536" actId="1076"/>
+          <ac:spMkLst>
+            <pc:docMk/>
+            <pc:sldMk cId="372002819" sldId="257"/>
+            <ac:spMk id="45" creationId="{038D777A-6F04-9726-6AC1-0D675205B0CA}"/>
+          </ac:spMkLst>
+        </pc:spChg>
+        <pc:spChg chg="add mod">
+          <ac:chgData name="Joshua Ngui" userId="a6167923-c110-409b-bad0-723368df3cb1" providerId="ADAL" clId="{9FCC207D-B9BD-4721-B143-34F9122DEF8F}" dt="2025-03-02T21:50:36.326" v="2543" actId="20577"/>
+          <ac:spMkLst>
+            <pc:docMk/>
+            <pc:sldMk cId="372002819" sldId="257"/>
+            <ac:spMk id="46" creationId="{25638F5F-1EB5-4463-761A-C26239522484}"/>
           </ac:spMkLst>
         </pc:spChg>
         <pc:picChg chg="add del mod">
@@ -728,7 +952,7 @@
         </pc:picChg>
       </pc:sldChg>
       <pc:sldChg chg="addSp delSp modSp new mod delAnim modAnim modNotesTx">
-        <pc:chgData name="Joshua Ngui" userId="a6167923-c110-409b-bad0-723368df3cb1" providerId="ADAL" clId="{9FCC207D-B9BD-4721-B143-34F9122DEF8F}" dt="2025-03-02T18:19:20.214" v="2196" actId="113"/>
+        <pc:chgData name="Joshua Ngui" userId="a6167923-c110-409b-bad0-723368df3cb1" providerId="ADAL" clId="{9FCC207D-B9BD-4721-B143-34F9122DEF8F}" dt="2025-03-02T21:51:33.350" v="2551"/>
         <pc:sldMkLst>
           <pc:docMk/>
           <pc:sldMk cId="26939119" sldId="258"/>
@@ -765,6 +989,14 @@
             <ac:spMk id="5" creationId="{CE128505-4CB1-5C4B-3A04-251B5675AE49}"/>
           </ac:spMkLst>
         </pc:spChg>
+        <pc:spChg chg="add mod">
+          <ac:chgData name="Joshua Ngui" userId="a6167923-c110-409b-bad0-723368df3cb1" providerId="ADAL" clId="{9FCC207D-B9BD-4721-B143-34F9122DEF8F}" dt="2025-03-02T20:59:13.953" v="2263"/>
+          <ac:spMkLst>
+            <pc:docMk/>
+            <pc:sldMk cId="26939119" sldId="258"/>
+            <ac:spMk id="6" creationId="{D201D895-44CA-FBD4-112A-EC69C691AD40}"/>
+          </ac:spMkLst>
+        </pc:spChg>
         <pc:spChg chg="add del mod">
           <ac:chgData name="Joshua Ngui" userId="a6167923-c110-409b-bad0-723368df3cb1" providerId="ADAL" clId="{9FCC207D-B9BD-4721-B143-34F9122DEF8F}" dt="2025-03-02T18:08:48.233" v="1956" actId="478"/>
           <ac:spMkLst>
@@ -774,7 +1006,7 @@
           </ac:spMkLst>
         </pc:spChg>
         <pc:spChg chg="add mod">
-          <ac:chgData name="Joshua Ngui" userId="a6167923-c110-409b-bad0-723368df3cb1" providerId="ADAL" clId="{9FCC207D-B9BD-4721-B143-34F9122DEF8F}" dt="2025-03-02T18:09:23.581" v="1980" actId="14100"/>
+          <ac:chgData name="Joshua Ngui" userId="a6167923-c110-409b-bad0-723368df3cb1" providerId="ADAL" clId="{9FCC207D-B9BD-4721-B143-34F9122DEF8F}" dt="2025-03-02T21:30:33.811" v="2479" actId="1076"/>
           <ac:spMkLst>
             <pc:docMk/>
             <pc:sldMk cId="26939119" sldId="258"/>
@@ -798,7 +1030,15 @@
           </ac:spMkLst>
         </pc:spChg>
         <pc:spChg chg="add mod">
-          <ac:chgData name="Joshua Ngui" userId="a6167923-c110-409b-bad0-723368df3cb1" providerId="ADAL" clId="{9FCC207D-B9BD-4721-B143-34F9122DEF8F}" dt="2025-03-02T18:12:41.478" v="2058" actId="20577"/>
+          <ac:chgData name="Joshua Ngui" userId="a6167923-c110-409b-bad0-723368df3cb1" providerId="ADAL" clId="{9FCC207D-B9BD-4721-B143-34F9122DEF8F}" dt="2025-03-02T20:59:13.953" v="2263"/>
+          <ac:spMkLst>
+            <pc:docMk/>
+            <pc:sldMk cId="26939119" sldId="258"/>
+            <ac:spMk id="9" creationId="{F1ECB534-9C9F-3E1A-7498-319DBCD4307C}"/>
+          </ac:spMkLst>
+        </pc:spChg>
+        <pc:spChg chg="add mod">
+          <ac:chgData name="Joshua Ngui" userId="a6167923-c110-409b-bad0-723368df3cb1" providerId="ADAL" clId="{9FCC207D-B9BD-4721-B143-34F9122DEF8F}" dt="2025-03-02T21:33:45.568" v="2514" actId="1076"/>
           <ac:spMkLst>
             <pc:docMk/>
             <pc:sldMk cId="26939119" sldId="258"/>
@@ -806,7 +1046,7 @@
           </ac:spMkLst>
         </pc:spChg>
         <pc:spChg chg="add mod">
-          <ac:chgData name="Joshua Ngui" userId="a6167923-c110-409b-bad0-723368df3cb1" providerId="ADAL" clId="{9FCC207D-B9BD-4721-B143-34F9122DEF8F}" dt="2025-03-01T09:20:29.233" v="1591" actId="20577"/>
+          <ac:chgData name="Joshua Ngui" userId="a6167923-c110-409b-bad0-723368df3cb1" providerId="ADAL" clId="{9FCC207D-B9BD-4721-B143-34F9122DEF8F}" dt="2025-03-02T21:30:30.298" v="2478" actId="1076"/>
           <ac:spMkLst>
             <pc:docMk/>
             <pc:sldMk cId="26939119" sldId="258"/>
@@ -814,6 +1054,38 @@
           </ac:spMkLst>
         </pc:spChg>
         <pc:spChg chg="add mod">
+          <ac:chgData name="Joshua Ngui" userId="a6167923-c110-409b-bad0-723368df3cb1" providerId="ADAL" clId="{9FCC207D-B9BD-4721-B143-34F9122DEF8F}" dt="2025-03-02T20:59:13.953" v="2263"/>
+          <ac:spMkLst>
+            <pc:docMk/>
+            <pc:sldMk cId="26939119" sldId="258"/>
+            <ac:spMk id="15" creationId="{40EF028D-6AE7-D4C7-7FFC-D5DCA85153E8}"/>
+          </ac:spMkLst>
+        </pc:spChg>
+        <pc:spChg chg="add mod">
+          <ac:chgData name="Joshua Ngui" userId="a6167923-c110-409b-bad0-723368df3cb1" providerId="ADAL" clId="{9FCC207D-B9BD-4721-B143-34F9122DEF8F}" dt="2025-03-02T20:59:13.953" v="2263"/>
+          <ac:spMkLst>
+            <pc:docMk/>
+            <pc:sldMk cId="26939119" sldId="258"/>
+            <ac:spMk id="16" creationId="{1EC39438-2B2B-0725-E309-09FA95705669}"/>
+          </ac:spMkLst>
+        </pc:spChg>
+        <pc:spChg chg="add mod">
+          <ac:chgData name="Joshua Ngui" userId="a6167923-c110-409b-bad0-723368df3cb1" providerId="ADAL" clId="{9FCC207D-B9BD-4721-B143-34F9122DEF8F}" dt="2025-03-02T20:59:13.953" v="2263"/>
+          <ac:spMkLst>
+            <pc:docMk/>
+            <pc:sldMk cId="26939119" sldId="258"/>
+            <ac:spMk id="27" creationId="{C627DEFE-9BC7-E3C9-BD05-620791810E6D}"/>
+          </ac:spMkLst>
+        </pc:spChg>
+        <pc:spChg chg="add mod">
+          <ac:chgData name="Joshua Ngui" userId="a6167923-c110-409b-bad0-723368df3cb1" providerId="ADAL" clId="{9FCC207D-B9BD-4721-B143-34F9122DEF8F}" dt="2025-03-02T21:29:53.748" v="2474" actId="207"/>
+          <ac:spMkLst>
+            <pc:docMk/>
+            <pc:sldMk cId="26939119" sldId="258"/>
+            <ac:spMk id="28" creationId="{39CFBDC4-FCE7-1CC8-C758-1D052B184668}"/>
+          </ac:spMkLst>
+        </pc:spChg>
+        <pc:spChg chg="add mod">
           <ac:chgData name="Joshua Ngui" userId="a6167923-c110-409b-bad0-723368df3cb1" providerId="ADAL" clId="{9FCC207D-B9BD-4721-B143-34F9122DEF8F}" dt="2025-03-02T18:13:42.059" v="2065" actId="20577"/>
           <ac:spMkLst>
             <pc:docMk/>
@@ -822,7 +1094,7 @@
           </ac:spMkLst>
         </pc:spChg>
         <pc:spChg chg="add mod">
-          <ac:chgData name="Joshua Ngui" userId="a6167923-c110-409b-bad0-723368df3cb1" providerId="ADAL" clId="{9FCC207D-B9BD-4721-B143-34F9122DEF8F}" dt="2025-03-02T18:14:54.262" v="2075" actId="20577"/>
+          <ac:chgData name="Joshua Ngui" userId="a6167923-c110-409b-bad0-723368df3cb1" providerId="ADAL" clId="{9FCC207D-B9BD-4721-B143-34F9122DEF8F}" dt="2025-03-02T21:27:15.301" v="2460" actId="1076"/>
           <ac:spMkLst>
             <pc:docMk/>
             <pc:sldMk cId="26939119" sldId="258"/>
@@ -830,7 +1102,7 @@
           </ac:spMkLst>
         </pc:spChg>
         <pc:spChg chg="add mod">
-          <ac:chgData name="Joshua Ngui" userId="a6167923-c110-409b-bad0-723368df3cb1" providerId="ADAL" clId="{9FCC207D-B9BD-4721-B143-34F9122DEF8F}" dt="2025-03-02T18:15:07.370" v="2094" actId="20577"/>
+          <ac:chgData name="Joshua Ngui" userId="a6167923-c110-409b-bad0-723368df3cb1" providerId="ADAL" clId="{9FCC207D-B9BD-4721-B143-34F9122DEF8F}" dt="2025-03-02T21:32:38.904" v="2488" actId="1076"/>
           <ac:spMkLst>
             <pc:docMk/>
             <pc:sldMk cId="26939119" sldId="258"/>
@@ -859,6 +1131,126 @@
             <pc:docMk/>
             <pc:sldMk cId="26939119" sldId="258"/>
             <ac:spMk id="40" creationId="{FE35E5D9-7E55-769A-35BF-11C016C61786}"/>
+          </ac:spMkLst>
+        </pc:spChg>
+        <pc:spChg chg="add mod">
+          <ac:chgData name="Joshua Ngui" userId="a6167923-c110-409b-bad0-723368df3cb1" providerId="ADAL" clId="{9FCC207D-B9BD-4721-B143-34F9122DEF8F}" dt="2025-03-02T21:03:13.605" v="2293" actId="20577"/>
+          <ac:spMkLst>
+            <pc:docMk/>
+            <pc:sldMk cId="26939119" sldId="258"/>
+            <ac:spMk id="41" creationId="{C93D7654-F1A3-1473-C014-6DB48BD55033}"/>
+          </ac:spMkLst>
+        </pc:spChg>
+        <pc:spChg chg="add mod">
+          <ac:chgData name="Joshua Ngui" userId="a6167923-c110-409b-bad0-723368df3cb1" providerId="ADAL" clId="{9FCC207D-B9BD-4721-B143-34F9122DEF8F}" dt="2025-03-02T21:27:20.305" v="2461" actId="1076"/>
+          <ac:spMkLst>
+            <pc:docMk/>
+            <pc:sldMk cId="26939119" sldId="258"/>
+            <ac:spMk id="42" creationId="{0328AE76-D42E-0AD7-84FB-FD5211EB332C}"/>
+          </ac:spMkLst>
+        </pc:spChg>
+        <pc:spChg chg="add del mod">
+          <ac:chgData name="Joshua Ngui" userId="a6167923-c110-409b-bad0-723368df3cb1" providerId="ADAL" clId="{9FCC207D-B9BD-4721-B143-34F9122DEF8F}" dt="2025-03-02T21:27:01.170" v="2458" actId="478"/>
+          <ac:spMkLst>
+            <pc:docMk/>
+            <pc:sldMk cId="26939119" sldId="258"/>
+            <ac:spMk id="43" creationId="{BB775C2D-56BA-52C2-98EA-B5017C05DC41}"/>
+          </ac:spMkLst>
+        </pc:spChg>
+        <pc:spChg chg="add mod">
+          <ac:chgData name="Joshua Ngui" userId="a6167923-c110-409b-bad0-723368df3cb1" providerId="ADAL" clId="{9FCC207D-B9BD-4721-B143-34F9122DEF8F}" dt="2025-03-02T21:27:08.503" v="2459"/>
+          <ac:spMkLst>
+            <pc:docMk/>
+            <pc:sldMk cId="26939119" sldId="258"/>
+            <ac:spMk id="44" creationId="{A867DE7B-E5E4-66AA-1A2A-E847B2D7C92E}"/>
+          </ac:spMkLst>
+        </pc:spChg>
+        <pc:spChg chg="add mod">
+          <ac:chgData name="Joshua Ngui" userId="a6167923-c110-409b-bad0-723368df3cb1" providerId="ADAL" clId="{9FCC207D-B9BD-4721-B143-34F9122DEF8F}" dt="2025-03-02T21:27:08.503" v="2459"/>
+          <ac:spMkLst>
+            <pc:docMk/>
+            <pc:sldMk cId="26939119" sldId="258"/>
+            <ac:spMk id="45" creationId="{820DD307-6AB0-A1D1-4BEA-C261EDC1F9B0}"/>
+          </ac:spMkLst>
+        </pc:spChg>
+        <pc:spChg chg="add mod">
+          <ac:chgData name="Joshua Ngui" userId="a6167923-c110-409b-bad0-723368df3cb1" providerId="ADAL" clId="{9FCC207D-B9BD-4721-B143-34F9122DEF8F}" dt="2025-03-02T21:29:23.867" v="2472" actId="20577"/>
+          <ac:spMkLst>
+            <pc:docMk/>
+            <pc:sldMk cId="26939119" sldId="258"/>
+            <ac:spMk id="46" creationId="{75179565-B93A-3F26-1EE1-D34ED9C79A9F}"/>
+          </ac:spMkLst>
+        </pc:spChg>
+        <pc:spChg chg="add mod">
+          <ac:chgData name="Joshua Ngui" userId="a6167923-c110-409b-bad0-723368df3cb1" providerId="ADAL" clId="{9FCC207D-B9BD-4721-B143-34F9122DEF8F}" dt="2025-03-02T21:30:18.633" v="2477" actId="20577"/>
+          <ac:spMkLst>
+            <pc:docMk/>
+            <pc:sldMk cId="26939119" sldId="258"/>
+            <ac:spMk id="47" creationId="{8210AB62-BF40-3B9E-BB8A-AF791AE92FBA}"/>
+          </ac:spMkLst>
+        </pc:spChg>
+        <pc:spChg chg="add mod">
+          <ac:chgData name="Joshua Ngui" userId="a6167923-c110-409b-bad0-723368df3cb1" providerId="ADAL" clId="{9FCC207D-B9BD-4721-B143-34F9122DEF8F}" dt="2025-03-02T21:33:24.810" v="2500" actId="1076"/>
+          <ac:spMkLst>
+            <pc:docMk/>
+            <pc:sldMk cId="26939119" sldId="258"/>
+            <ac:spMk id="48" creationId="{C513FA02-4ACA-C5FE-D5B2-13F962210139}"/>
+          </ac:spMkLst>
+        </pc:spChg>
+        <pc:spChg chg="add mod">
+          <ac:chgData name="Joshua Ngui" userId="a6167923-c110-409b-bad0-723368df3cb1" providerId="ADAL" clId="{9FCC207D-B9BD-4721-B143-34F9122DEF8F}" dt="2025-03-02T21:33:43.522" v="2513" actId="1076"/>
+          <ac:spMkLst>
+            <pc:docMk/>
+            <pc:sldMk cId="26939119" sldId="258"/>
+            <ac:spMk id="49" creationId="{B5939633-92E6-069A-778A-98174B9362AB}"/>
+          </ac:spMkLst>
+        </pc:spChg>
+        <pc:spChg chg="add mod">
+          <ac:chgData name="Joshua Ngui" userId="a6167923-c110-409b-bad0-723368df3cb1" providerId="ADAL" clId="{9FCC207D-B9BD-4721-B143-34F9122DEF8F}" dt="2025-03-02T21:33:39.589" v="2512" actId="1076"/>
+          <ac:spMkLst>
+            <pc:docMk/>
+            <pc:sldMk cId="26939119" sldId="258"/>
+            <ac:spMk id="50" creationId="{6B66B558-A761-5B1F-8567-8B7D26153673}"/>
+          </ac:spMkLst>
+        </pc:spChg>
+        <pc:spChg chg="add del mod">
+          <ac:chgData name="Joshua Ngui" userId="a6167923-c110-409b-bad0-723368df3cb1" providerId="ADAL" clId="{9FCC207D-B9BD-4721-B143-34F9122DEF8F}" dt="2025-03-02T21:51:22.834" v="2549" actId="478"/>
+          <ac:spMkLst>
+            <pc:docMk/>
+            <pc:sldMk cId="26939119" sldId="258"/>
+            <ac:spMk id="51" creationId="{CF122FE5-3391-043D-F160-373D5D80247B}"/>
+          </ac:spMkLst>
+        </pc:spChg>
+        <pc:spChg chg="add mod">
+          <ac:chgData name="Joshua Ngui" userId="a6167923-c110-409b-bad0-723368df3cb1" providerId="ADAL" clId="{9FCC207D-B9BD-4721-B143-34F9122DEF8F}" dt="2025-03-02T21:51:19.075" v="2547"/>
+          <ac:spMkLst>
+            <pc:docMk/>
+            <pc:sldMk cId="26939119" sldId="258"/>
+            <ac:spMk id="52" creationId="{78CBA5C2-B81B-D39E-D144-3A116BD92BC8}"/>
+          </ac:spMkLst>
+        </pc:spChg>
+        <pc:spChg chg="add mod">
+          <ac:chgData name="Joshua Ngui" userId="a6167923-c110-409b-bad0-723368df3cb1" providerId="ADAL" clId="{9FCC207D-B9BD-4721-B143-34F9122DEF8F}" dt="2025-03-02T21:51:19.075" v="2547"/>
+          <ac:spMkLst>
+            <pc:docMk/>
+            <pc:sldMk cId="26939119" sldId="258"/>
+            <ac:spMk id="53" creationId="{71639BEF-C30A-40E4-7DF6-9B172B6727E0}"/>
+          </ac:spMkLst>
+        </pc:spChg>
+        <pc:spChg chg="add mod">
+          <ac:chgData name="Joshua Ngui" userId="a6167923-c110-409b-bad0-723368df3cb1" providerId="ADAL" clId="{9FCC207D-B9BD-4721-B143-34F9122DEF8F}" dt="2025-03-02T21:51:23.501" v="2550"/>
+          <ac:spMkLst>
+            <pc:docMk/>
+            <pc:sldMk cId="26939119" sldId="258"/>
+            <ac:spMk id="54" creationId="{548BF645-FF26-E63A-E9A4-971E71E0BC0B}"/>
+          </ac:spMkLst>
+        </pc:spChg>
+        <pc:spChg chg="add mod">
+          <ac:chgData name="Joshua Ngui" userId="a6167923-c110-409b-bad0-723368df3cb1" providerId="ADAL" clId="{9FCC207D-B9BD-4721-B143-34F9122DEF8F}" dt="2025-03-02T21:51:23.501" v="2550"/>
+          <ac:spMkLst>
+            <pc:docMk/>
+            <pc:sldMk cId="26939119" sldId="258"/>
+            <ac:spMk id="55" creationId="{FC58A423-C652-5E90-AD68-48C409A5205E}"/>
           </ac:spMkLst>
         </pc:spChg>
         <pc:picChg chg="add mod">
@@ -1776,7 +2168,7 @@
           <a:p>
             <a:fld id="{90D54914-A042-434D-919E-547ECC47CF8D}" type="datetimeFigureOut">
               <a:rPr lang="en-US" smtClean="0"/>
-              <a:t>3/1/2025</a:t>
+              <a:t>3/2/2025</a:t>
             </a:fld>
             <a:endParaRPr lang="en-US"/>
           </a:p>
@@ -2968,7 +3360,7 @@
           <a:p>
             <a:fld id="{D75379F7-629D-4C8A-9128-C92781676F24}" type="datetimeFigureOut">
               <a:rPr lang="en-US" smtClean="0"/>
-              <a:t>3/1/2025</a:t>
+              <a:t>3/2/2025</a:t>
             </a:fld>
             <a:endParaRPr lang="en-US"/>
           </a:p>
@@ -3138,7 +3530,7 @@
           <a:p>
             <a:fld id="{D75379F7-629D-4C8A-9128-C92781676F24}" type="datetimeFigureOut">
               <a:rPr lang="en-US" smtClean="0"/>
-              <a:t>3/1/2025</a:t>
+              <a:t>3/2/2025</a:t>
             </a:fld>
             <a:endParaRPr lang="en-US"/>
           </a:p>
@@ -3318,7 +3710,7 @@
           <a:p>
             <a:fld id="{D75379F7-629D-4C8A-9128-C92781676F24}" type="datetimeFigureOut">
               <a:rPr lang="en-US" smtClean="0"/>
-              <a:t>3/1/2025</a:t>
+              <a:t>3/2/2025</a:t>
             </a:fld>
             <a:endParaRPr lang="en-US"/>
           </a:p>
@@ -3488,7 +3880,7 @@
           <a:p>
             <a:fld id="{D75379F7-629D-4C8A-9128-C92781676F24}" type="datetimeFigureOut">
               <a:rPr lang="en-US" smtClean="0"/>
-              <a:t>3/1/2025</a:t>
+              <a:t>3/2/2025</a:t>
             </a:fld>
             <a:endParaRPr lang="en-US"/>
           </a:p>
@@ -3734,7 +4126,7 @@
           <a:p>
             <a:fld id="{D75379F7-629D-4C8A-9128-C92781676F24}" type="datetimeFigureOut">
               <a:rPr lang="en-US" smtClean="0"/>
-              <a:t>3/1/2025</a:t>
+              <a:t>3/2/2025</a:t>
             </a:fld>
             <a:endParaRPr lang="en-US"/>
           </a:p>
@@ -3966,7 +4358,7 @@
           <a:p>
             <a:fld id="{D75379F7-629D-4C8A-9128-C92781676F24}" type="datetimeFigureOut">
               <a:rPr lang="en-US" smtClean="0"/>
-              <a:t>3/1/2025</a:t>
+              <a:t>3/2/2025</a:t>
             </a:fld>
             <a:endParaRPr lang="en-US"/>
           </a:p>
@@ -4333,7 +4725,7 @@
           <a:p>
             <a:fld id="{D75379F7-629D-4C8A-9128-C92781676F24}" type="datetimeFigureOut">
               <a:rPr lang="en-US" smtClean="0"/>
-              <a:t>3/1/2025</a:t>
+              <a:t>3/2/2025</a:t>
             </a:fld>
             <a:endParaRPr lang="en-US"/>
           </a:p>
@@ -4451,7 +4843,7 @@
           <a:p>
             <a:fld id="{D75379F7-629D-4C8A-9128-C92781676F24}" type="datetimeFigureOut">
               <a:rPr lang="en-US" smtClean="0"/>
-              <a:t>3/1/2025</a:t>
+              <a:t>3/2/2025</a:t>
             </a:fld>
             <a:endParaRPr lang="en-US"/>
           </a:p>
@@ -4546,7 +4938,7 @@
           <a:p>
             <a:fld id="{D75379F7-629D-4C8A-9128-C92781676F24}" type="datetimeFigureOut">
               <a:rPr lang="en-US" smtClean="0"/>
-              <a:t>3/1/2025</a:t>
+              <a:t>3/2/2025</a:t>
             </a:fld>
             <a:endParaRPr lang="en-US"/>
           </a:p>
@@ -4823,7 +5215,7 @@
           <a:p>
             <a:fld id="{D75379F7-629D-4C8A-9128-C92781676F24}" type="datetimeFigureOut">
               <a:rPr lang="en-US" smtClean="0"/>
-              <a:t>3/1/2025</a:t>
+              <a:t>3/2/2025</a:t>
             </a:fld>
             <a:endParaRPr lang="en-US"/>
           </a:p>
@@ -5080,7 +5472,7 @@
           <a:p>
             <a:fld id="{D75379F7-629D-4C8A-9128-C92781676F24}" type="datetimeFigureOut">
               <a:rPr lang="en-US" smtClean="0"/>
-              <a:t>3/1/2025</a:t>
+              <a:t>3/2/2025</a:t>
             </a:fld>
             <a:endParaRPr lang="en-US"/>
           </a:p>
@@ -5302,7 +5694,7 @@
           <a:p>
             <a:fld id="{D75379F7-629D-4C8A-9128-C92781676F24}" type="datetimeFigureOut">
               <a:rPr lang="en-US" smtClean="0"/>
-              <a:t>3/1/2025</a:t>
+              <a:t>3/2/2025</a:t>
             </a:fld>
             <a:endParaRPr lang="en-US"/>
           </a:p>
@@ -6058,7 +6450,7 @@
         </p:nvSpPr>
         <p:spPr>
           <a:xfrm>
-            <a:off x="250355" y="2995429"/>
+            <a:off x="79777" y="2682240"/>
             <a:ext cx="3645390" cy="923330"/>
           </a:xfrm>
           <a:prstGeom prst="rect">
@@ -6097,7 +6489,7 @@
         </p:nvSpPr>
         <p:spPr>
           <a:xfrm>
-            <a:off x="3720524" y="3176989"/>
+            <a:off x="4372968" y="2901538"/>
             <a:ext cx="3645390" cy="646331"/>
           </a:xfrm>
           <a:prstGeom prst="rect">
@@ -6136,7 +6528,7 @@
         </p:nvSpPr>
         <p:spPr>
           <a:xfrm>
-            <a:off x="7149344" y="3371644"/>
+            <a:off x="7754418" y="2933363"/>
             <a:ext cx="3645390" cy="646331"/>
           </a:xfrm>
           <a:prstGeom prst="rect">
@@ -6843,7 +7235,7 @@
         </p:nvSpPr>
         <p:spPr>
           <a:xfrm>
-            <a:off x="4734867" y="2530621"/>
+            <a:off x="4652302" y="2316349"/>
             <a:ext cx="5262094" cy="707886"/>
           </a:xfrm>
           <a:prstGeom prst="rect">
@@ -6899,6 +7291,486 @@
           </a:prstGeom>
         </p:spPr>
       </p:pic>
+      <p:sp>
+        <p:nvSpPr>
+          <p:cNvPr id="2" name="TextBox 1">
+            <a:extLst>
+              <a:ext uri="{FF2B5EF4-FFF2-40B4-BE49-F238E27FC236}">
+                <a16:creationId xmlns:a16="http://schemas.microsoft.com/office/drawing/2014/main" id="{FC868036-A6CE-EF22-2E90-B041CAE2C34B}"/>
+              </a:ext>
+            </a:extLst>
+          </p:cNvPr>
+          <p:cNvSpPr txBox="1"/>
+          <p:nvPr/>
+        </p:nvSpPr>
+        <p:spPr>
+          <a:xfrm>
+            <a:off x="6454542" y="1195204"/>
+            <a:ext cx="1625961" cy="646331"/>
+          </a:xfrm>
+          <a:prstGeom prst="rect">
+            <a:avLst/>
+          </a:prstGeom>
+          <a:noFill/>
+        </p:spPr>
+        <p:txBody>
+          <a:bodyPr wrap="square" rtlCol="0">
+            <a:spAutoFit/>
+          </a:bodyPr>
+          <a:lstStyle/>
+          <a:p>
+            <a:pPr algn="ctr"/>
+            <a:r>
+              <a:rPr lang="en-US" sz="3600" b="1" dirty="0">
+                <a:solidFill>
+                  <a:schemeClr val="bg1"/>
+                </a:solidFill>
+              </a:rPr>
+              <a:t>Dealer</a:t>
+            </a:r>
+          </a:p>
+        </p:txBody>
+      </p:sp>
+      <p:sp>
+        <p:nvSpPr>
+          <p:cNvPr id="4" name="TextBox 3">
+            <a:extLst>
+              <a:ext uri="{FF2B5EF4-FFF2-40B4-BE49-F238E27FC236}">
+                <a16:creationId xmlns:a16="http://schemas.microsoft.com/office/drawing/2014/main" id="{ECAF733F-64C1-48F2-5B13-AD19F712F4C3}"/>
+              </a:ext>
+            </a:extLst>
+          </p:cNvPr>
+          <p:cNvSpPr txBox="1"/>
+          <p:nvPr/>
+        </p:nvSpPr>
+        <p:spPr>
+          <a:xfrm rot="948362">
+            <a:off x="3139592" y="3467992"/>
+            <a:ext cx="1085850" cy="523220"/>
+          </a:xfrm>
+          <a:prstGeom prst="rect">
+            <a:avLst/>
+          </a:prstGeom>
+          <a:noFill/>
+        </p:spPr>
+        <p:txBody>
+          <a:bodyPr wrap="square" rtlCol="0">
+            <a:spAutoFit/>
+          </a:bodyPr>
+          <a:lstStyle/>
+          <a:p>
+            <a:pPr algn="ctr"/>
+            <a:r>
+              <a:rPr lang="en-US" sz="2800" b="1" dirty="0">
+                <a:solidFill>
+                  <a:schemeClr val="bg1"/>
+                </a:solidFill>
+              </a:rPr>
+              <a:t>13</a:t>
+            </a:r>
+          </a:p>
+        </p:txBody>
+      </p:sp>
+      <p:sp>
+        <p:nvSpPr>
+          <p:cNvPr id="23" name="TextBox 22">
+            <a:extLst>
+              <a:ext uri="{FF2B5EF4-FFF2-40B4-BE49-F238E27FC236}">
+                <a16:creationId xmlns:a16="http://schemas.microsoft.com/office/drawing/2014/main" id="{D0616CBB-F8A1-CB19-49B0-FE2B2D6B5420}"/>
+              </a:ext>
+            </a:extLst>
+          </p:cNvPr>
+          <p:cNvSpPr txBox="1"/>
+          <p:nvPr/>
+        </p:nvSpPr>
+        <p:spPr>
+          <a:xfrm rot="511053">
+            <a:off x="4970464" y="3745914"/>
+            <a:ext cx="1085850" cy="523220"/>
+          </a:xfrm>
+          <a:prstGeom prst="rect">
+            <a:avLst/>
+          </a:prstGeom>
+          <a:noFill/>
+        </p:spPr>
+        <p:txBody>
+          <a:bodyPr wrap="square" rtlCol="0">
+            <a:spAutoFit/>
+          </a:bodyPr>
+          <a:lstStyle/>
+          <a:p>
+            <a:pPr algn="ctr"/>
+            <a:r>
+              <a:rPr lang="en-US" sz="2800" b="1" dirty="0">
+                <a:solidFill>
+                  <a:schemeClr val="bg1"/>
+                </a:solidFill>
+              </a:rPr>
+              <a:t>16</a:t>
+            </a:r>
+          </a:p>
+        </p:txBody>
+      </p:sp>
+      <p:sp>
+        <p:nvSpPr>
+          <p:cNvPr id="25" name="TextBox 24">
+            <a:extLst>
+              <a:ext uri="{FF2B5EF4-FFF2-40B4-BE49-F238E27FC236}">
+                <a16:creationId xmlns:a16="http://schemas.microsoft.com/office/drawing/2014/main" id="{28921810-9EE7-0DA6-E4E1-16D8C393AE1F}"/>
+              </a:ext>
+            </a:extLst>
+          </p:cNvPr>
+          <p:cNvSpPr txBox="1"/>
+          <p:nvPr/>
+        </p:nvSpPr>
+        <p:spPr>
+          <a:xfrm>
+            <a:off x="6626680" y="3927593"/>
+            <a:ext cx="1085850" cy="523220"/>
+          </a:xfrm>
+          <a:prstGeom prst="rect">
+            <a:avLst/>
+          </a:prstGeom>
+          <a:noFill/>
+        </p:spPr>
+        <p:txBody>
+          <a:bodyPr wrap="square" rtlCol="0">
+            <a:spAutoFit/>
+          </a:bodyPr>
+          <a:lstStyle/>
+          <a:p>
+            <a:pPr algn="ctr"/>
+            <a:r>
+              <a:rPr lang="en-US" sz="2800" b="1" dirty="0">
+                <a:solidFill>
+                  <a:schemeClr val="bg1"/>
+                </a:solidFill>
+              </a:rPr>
+              <a:t>11</a:t>
+            </a:r>
+          </a:p>
+        </p:txBody>
+      </p:sp>
+      <p:sp>
+        <p:nvSpPr>
+          <p:cNvPr id="27" name="TextBox 26">
+            <a:extLst>
+              <a:ext uri="{FF2B5EF4-FFF2-40B4-BE49-F238E27FC236}">
+                <a16:creationId xmlns:a16="http://schemas.microsoft.com/office/drawing/2014/main" id="{6A48C1E2-202C-AF62-0AC3-4696B118B259}"/>
+              </a:ext>
+            </a:extLst>
+          </p:cNvPr>
+          <p:cNvSpPr txBox="1"/>
+          <p:nvPr/>
+        </p:nvSpPr>
+        <p:spPr>
+          <a:xfrm rot="21214720">
+            <a:off x="8363391" y="3741376"/>
+            <a:ext cx="1085850" cy="523220"/>
+          </a:xfrm>
+          <a:prstGeom prst="rect">
+            <a:avLst/>
+          </a:prstGeom>
+          <a:noFill/>
+        </p:spPr>
+        <p:txBody>
+          <a:bodyPr wrap="square" rtlCol="0">
+            <a:spAutoFit/>
+          </a:bodyPr>
+          <a:lstStyle/>
+          <a:p>
+            <a:pPr algn="ctr"/>
+            <a:r>
+              <a:rPr lang="en-US" sz="2800" b="1" dirty="0">
+                <a:solidFill>
+                  <a:schemeClr val="bg1"/>
+                </a:solidFill>
+              </a:rPr>
+              <a:t>12</a:t>
+            </a:r>
+          </a:p>
+        </p:txBody>
+      </p:sp>
+      <p:sp>
+        <p:nvSpPr>
+          <p:cNvPr id="29" name="TextBox 28">
+            <a:extLst>
+              <a:ext uri="{FF2B5EF4-FFF2-40B4-BE49-F238E27FC236}">
+                <a16:creationId xmlns:a16="http://schemas.microsoft.com/office/drawing/2014/main" id="{8BF7F90E-A695-6A33-3BEA-2949D6F3C608}"/>
+              </a:ext>
+            </a:extLst>
+          </p:cNvPr>
+          <p:cNvSpPr txBox="1"/>
+          <p:nvPr/>
+        </p:nvSpPr>
+        <p:spPr>
+          <a:xfrm rot="948362">
+            <a:off x="3635084" y="3640815"/>
+            <a:ext cx="1085850" cy="523220"/>
+          </a:xfrm>
+          <a:prstGeom prst="rect">
+            <a:avLst/>
+          </a:prstGeom>
+          <a:noFill/>
+        </p:spPr>
+        <p:txBody>
+          <a:bodyPr wrap="square" rtlCol="0">
+            <a:spAutoFit/>
+          </a:bodyPr>
+          <a:lstStyle/>
+          <a:p>
+            <a:pPr algn="ctr"/>
+            <a:r>
+              <a:rPr lang="en-US" sz="2800" b="1" dirty="0">
+                <a:solidFill>
+                  <a:schemeClr val="bg1"/>
+                </a:solidFill>
+              </a:rPr>
+              <a:t>22</a:t>
+            </a:r>
+          </a:p>
+        </p:txBody>
+      </p:sp>
+      <p:sp>
+        <p:nvSpPr>
+          <p:cNvPr id="31" name="TextBox 30">
+            <a:extLst>
+              <a:ext uri="{FF2B5EF4-FFF2-40B4-BE49-F238E27FC236}">
+                <a16:creationId xmlns:a16="http://schemas.microsoft.com/office/drawing/2014/main" id="{BB9592CA-25A5-F553-A2D9-4D9AD92FEF79}"/>
+              </a:ext>
+            </a:extLst>
+          </p:cNvPr>
+          <p:cNvSpPr txBox="1"/>
+          <p:nvPr/>
+        </p:nvSpPr>
+        <p:spPr>
+          <a:xfrm rot="511053">
+            <a:off x="5417578" y="3816490"/>
+            <a:ext cx="1085850" cy="523220"/>
+          </a:xfrm>
+          <a:prstGeom prst="rect">
+            <a:avLst/>
+          </a:prstGeom>
+          <a:noFill/>
+        </p:spPr>
+        <p:txBody>
+          <a:bodyPr wrap="square" rtlCol="0">
+            <a:spAutoFit/>
+          </a:bodyPr>
+          <a:lstStyle/>
+          <a:p>
+            <a:pPr algn="ctr"/>
+            <a:r>
+              <a:rPr lang="en-US" sz="2800" b="1" dirty="0">
+                <a:solidFill>
+                  <a:schemeClr val="bg1"/>
+                </a:solidFill>
+              </a:rPr>
+              <a:t>19</a:t>
+            </a:r>
+          </a:p>
+        </p:txBody>
+      </p:sp>
+      <p:sp>
+        <p:nvSpPr>
+          <p:cNvPr id="33" name="TextBox 32">
+            <a:extLst>
+              <a:ext uri="{FF2B5EF4-FFF2-40B4-BE49-F238E27FC236}">
+                <a16:creationId xmlns:a16="http://schemas.microsoft.com/office/drawing/2014/main" id="{9968AAF3-463A-E53F-A41D-2D5BFE44DA18}"/>
+              </a:ext>
+            </a:extLst>
+          </p:cNvPr>
+          <p:cNvSpPr txBox="1"/>
+          <p:nvPr/>
+        </p:nvSpPr>
+        <p:spPr>
+          <a:xfrm rot="948362">
+            <a:off x="3123115" y="3099090"/>
+            <a:ext cx="1085850" cy="523220"/>
+          </a:xfrm>
+          <a:prstGeom prst="rect">
+            <a:avLst/>
+          </a:prstGeom>
+          <a:noFill/>
+        </p:spPr>
+        <p:txBody>
+          <a:bodyPr wrap="square" rtlCol="0">
+            <a:spAutoFit/>
+          </a:bodyPr>
+          <a:lstStyle/>
+          <a:p>
+            <a:pPr algn="ctr"/>
+            <a:r>
+              <a:rPr lang="en-US" sz="2800" b="1" dirty="0">
+                <a:solidFill>
+                  <a:schemeClr val="bg1"/>
+                </a:solidFill>
+              </a:rPr>
+              <a:t>Hit!</a:t>
+            </a:r>
+          </a:p>
+        </p:txBody>
+      </p:sp>
+      <p:sp>
+        <p:nvSpPr>
+          <p:cNvPr id="34" name="TextBox 33">
+            <a:extLst>
+              <a:ext uri="{FF2B5EF4-FFF2-40B4-BE49-F238E27FC236}">
+                <a16:creationId xmlns:a16="http://schemas.microsoft.com/office/drawing/2014/main" id="{19BE7FD5-BB32-2B95-08B3-203F0CC82DCA}"/>
+              </a:ext>
+            </a:extLst>
+          </p:cNvPr>
+          <p:cNvSpPr txBox="1"/>
+          <p:nvPr/>
+        </p:nvSpPr>
+        <p:spPr>
+          <a:xfrm rot="948362">
+            <a:off x="3916709" y="3343960"/>
+            <a:ext cx="1085850" cy="523220"/>
+          </a:xfrm>
+          <a:prstGeom prst="rect">
+            <a:avLst/>
+          </a:prstGeom>
+          <a:noFill/>
+        </p:spPr>
+        <p:txBody>
+          <a:bodyPr wrap="square" rtlCol="0">
+            <a:spAutoFit/>
+          </a:bodyPr>
+          <a:lstStyle/>
+          <a:p>
+            <a:pPr algn="ctr"/>
+            <a:r>
+              <a:rPr lang="en-US" sz="2800" b="1" dirty="0">
+                <a:solidFill>
+                  <a:schemeClr val="bg1"/>
+                </a:solidFill>
+              </a:rPr>
+              <a:t>Bust!</a:t>
+            </a:r>
+          </a:p>
+        </p:txBody>
+      </p:sp>
+      <p:sp>
+        <p:nvSpPr>
+          <p:cNvPr id="35" name="TextBox 34">
+            <a:extLst>
+              <a:ext uri="{FF2B5EF4-FFF2-40B4-BE49-F238E27FC236}">
+                <a16:creationId xmlns:a16="http://schemas.microsoft.com/office/drawing/2014/main" id="{0FEB2DE5-8A4D-27AC-199A-7C1957C571FF}"/>
+              </a:ext>
+            </a:extLst>
+          </p:cNvPr>
+          <p:cNvSpPr txBox="1"/>
+          <p:nvPr/>
+        </p:nvSpPr>
+        <p:spPr>
+          <a:xfrm rot="668325">
+            <a:off x="4897941" y="3432470"/>
+            <a:ext cx="1085850" cy="523220"/>
+          </a:xfrm>
+          <a:prstGeom prst="rect">
+            <a:avLst/>
+          </a:prstGeom>
+          <a:noFill/>
+        </p:spPr>
+        <p:txBody>
+          <a:bodyPr wrap="square" rtlCol="0">
+            <a:spAutoFit/>
+          </a:bodyPr>
+          <a:lstStyle/>
+          <a:p>
+            <a:pPr algn="ctr"/>
+            <a:r>
+              <a:rPr lang="en-US" sz="2800" b="1" dirty="0">
+                <a:solidFill>
+                  <a:schemeClr val="bg1"/>
+                </a:solidFill>
+              </a:rPr>
+              <a:t>Hit!</a:t>
+            </a:r>
+          </a:p>
+        </p:txBody>
+      </p:sp>
+      <p:sp>
+        <p:nvSpPr>
+          <p:cNvPr id="37" name="TextBox 36">
+            <a:extLst>
+              <a:ext uri="{FF2B5EF4-FFF2-40B4-BE49-F238E27FC236}">
+                <a16:creationId xmlns:a16="http://schemas.microsoft.com/office/drawing/2014/main" id="{42BB8E5B-F165-05E8-AA22-3D845BEC8663}"/>
+              </a:ext>
+            </a:extLst>
+          </p:cNvPr>
+          <p:cNvSpPr txBox="1"/>
+          <p:nvPr/>
+        </p:nvSpPr>
+        <p:spPr>
+          <a:xfrm rot="558731">
+            <a:off x="5651954" y="3580161"/>
+            <a:ext cx="1296612" cy="523220"/>
+          </a:xfrm>
+          <a:prstGeom prst="rect">
+            <a:avLst/>
+          </a:prstGeom>
+          <a:noFill/>
+        </p:spPr>
+        <p:txBody>
+          <a:bodyPr wrap="square" rtlCol="0">
+            <a:spAutoFit/>
+          </a:bodyPr>
+          <a:lstStyle/>
+          <a:p>
+            <a:pPr algn="ctr"/>
+            <a:r>
+              <a:rPr lang="en-US" sz="2800" b="1" dirty="0">
+                <a:solidFill>
+                  <a:schemeClr val="bg1"/>
+                </a:solidFill>
+              </a:rPr>
+              <a:t>Stand!</a:t>
+            </a:r>
+          </a:p>
+        </p:txBody>
+      </p:sp>
+      <p:sp>
+        <p:nvSpPr>
+          <p:cNvPr id="39" name="TextBox 38">
+            <a:extLst>
+              <a:ext uri="{FF2B5EF4-FFF2-40B4-BE49-F238E27FC236}">
+                <a16:creationId xmlns:a16="http://schemas.microsoft.com/office/drawing/2014/main" id="{2C99B30C-A726-9BF8-AC77-24C9F908E3E5}"/>
+              </a:ext>
+            </a:extLst>
+          </p:cNvPr>
+          <p:cNvSpPr txBox="1"/>
+          <p:nvPr/>
+        </p:nvSpPr>
+        <p:spPr>
+          <a:xfrm>
+            <a:off x="6740424" y="1659379"/>
+            <a:ext cx="1085850" cy="523220"/>
+          </a:xfrm>
+          <a:prstGeom prst="rect">
+            <a:avLst/>
+          </a:prstGeom>
+          <a:noFill/>
+        </p:spPr>
+        <p:txBody>
+          <a:bodyPr wrap="square" rtlCol="0">
+            <a:spAutoFit/>
+          </a:bodyPr>
+          <a:lstStyle/>
+          <a:p>
+            <a:pPr algn="ctr"/>
+            <a:r>
+              <a:rPr lang="en-US" sz="2800" b="1" dirty="0">
+                <a:solidFill>
+                  <a:schemeClr val="bg1"/>
+                </a:solidFill>
+              </a:rPr>
+              <a:t>6</a:t>
+            </a:r>
+          </a:p>
+        </p:txBody>
+      </p:sp>
     </p:spTree>
     <p:extLst>
       <p:ext uri="{BB962C8B-B14F-4D97-AF65-F5344CB8AC3E}">
@@ -7559,6 +8431,114 @@
                                   </p:childTnLst>
                                 </p:cTn>
                               </p:par>
+                              <p:par>
+                                <p:cTn id="53" presetID="1" presetClass="entr" presetSubtype="0" fill="hold" grpId="0" nodeType="withEffect">
+                                  <p:stCondLst>
+                                    <p:cond delay="0"/>
+                                  </p:stCondLst>
+                                  <p:childTnLst>
+                                    <p:set>
+                                      <p:cBhvr>
+                                        <p:cTn id="54" dur="1" fill="hold">
+                                          <p:stCondLst>
+                                            <p:cond delay="0"/>
+                                          </p:stCondLst>
+                                        </p:cTn>
+                                        <p:tgtEl>
+                                          <p:spTgt spid="4"/>
+                                        </p:tgtEl>
+                                        <p:attrNameLst>
+                                          <p:attrName>style.visibility</p:attrName>
+                                        </p:attrNameLst>
+                                      </p:cBhvr>
+                                      <p:to>
+                                        <p:strVal val="visible"/>
+                                      </p:to>
+                                    </p:set>
+                                  </p:childTnLst>
+                                </p:cTn>
+                              </p:par>
+                              <p:par>
+                                <p:cTn id="55" presetID="1" presetClass="entr" presetSubtype="0" fill="hold" grpId="0" nodeType="withEffect">
+                                  <p:stCondLst>
+                                    <p:cond delay="0"/>
+                                  </p:stCondLst>
+                                  <p:childTnLst>
+                                    <p:set>
+                                      <p:cBhvr>
+                                        <p:cTn id="56" dur="1" fill="hold">
+                                          <p:stCondLst>
+                                            <p:cond delay="0"/>
+                                          </p:stCondLst>
+                                        </p:cTn>
+                                        <p:tgtEl>
+                                          <p:spTgt spid="23"/>
+                                        </p:tgtEl>
+                                        <p:attrNameLst>
+                                          <p:attrName>style.visibility</p:attrName>
+                                        </p:attrNameLst>
+                                      </p:cBhvr>
+                                      <p:to>
+                                        <p:strVal val="visible"/>
+                                      </p:to>
+                                    </p:set>
+                                  </p:childTnLst>
+                                </p:cTn>
+                              </p:par>
+                              <p:par>
+                                <p:cTn id="57" presetID="1" presetClass="entr" presetSubtype="0" fill="hold" grpId="0" nodeType="withEffect">
+                                  <p:stCondLst>
+                                    <p:cond delay="0"/>
+                                  </p:stCondLst>
+                                  <p:childTnLst>
+                                    <p:set>
+                                      <p:cBhvr>
+                                        <p:cTn id="58" dur="1" fill="hold">
+                                          <p:stCondLst>
+                                            <p:cond delay="0"/>
+                                          </p:stCondLst>
+                                        </p:cTn>
+                                        <p:tgtEl>
+                                          <p:spTgt spid="25"/>
+                                        </p:tgtEl>
+                                        <p:attrNameLst>
+                                          <p:attrName>style.visibility</p:attrName>
+                                        </p:attrNameLst>
+                                      </p:cBhvr>
+                                      <p:to>
+                                        <p:strVal val="visible"/>
+                                      </p:to>
+                                    </p:set>
+                                  </p:childTnLst>
+                                </p:cTn>
+                              </p:par>
+                              <p:par>
+                                <p:cTn id="59" presetID="1" presetClass="entr" presetSubtype="0" fill="hold" grpId="0" nodeType="withEffect">
+                                  <p:stCondLst>
+                                    <p:cond delay="0"/>
+                                  </p:stCondLst>
+                                  <p:childTnLst>
+                                    <p:set>
+                                      <p:cBhvr>
+                                        <p:cTn id="60" dur="1" fill="hold">
+                                          <p:stCondLst>
+                                            <p:cond delay="0"/>
+                                          </p:stCondLst>
+                                        </p:cTn>
+                                        <p:tgtEl>
+                                          <p:spTgt spid="27"/>
+                                        </p:tgtEl>
+                                        <p:attrNameLst>
+                                          <p:attrName>style.visibility</p:attrName>
+                                        </p:attrNameLst>
+                                      </p:cBhvr>
+                                      <p:to>
+                                        <p:strVal val="visible"/>
+                                      </p:to>
+                                    </p:set>
+                                  </p:childTnLst>
+                                </p:cTn>
+                              </p:par>
                             </p:childTnLst>
                           </p:cTn>
                         </p:par>
@@ -7566,26 +8546,26 @@
                     </p:cTn>
                   </p:par>
                   <p:par>
-                    <p:cTn id="53" fill="hold">
+                    <p:cTn id="61" fill="hold">
                       <p:stCondLst>
                         <p:cond delay="indefinite"/>
                       </p:stCondLst>
                       <p:childTnLst>
                         <p:par>
-                          <p:cTn id="54" fill="hold">
+                          <p:cTn id="62" fill="hold">
                             <p:stCondLst>
                               <p:cond delay="0"/>
                             </p:stCondLst>
                             <p:childTnLst>
                               <p:par>
-                                <p:cTn id="55" presetID="1" presetClass="exit" presetSubtype="0" fill="hold" grpId="1" nodeType="clickEffect">
+                                <p:cTn id="63" presetID="1" presetClass="exit" presetSubtype="0" fill="hold" grpId="1" nodeType="clickEffect">
                                   <p:stCondLst>
                                     <p:cond delay="0"/>
                                   </p:stCondLst>
                                   <p:childTnLst>
                                     <p:set>
                                       <p:cBhvr>
-                                        <p:cTn id="56" dur="1" fill="hold">
+                                        <p:cTn id="64" dur="1" fill="hold">
                                           <p:stCondLst>
                                             <p:cond delay="0"/>
                                           </p:stCondLst>
@@ -7605,14 +8585,14 @@
                                 </p:cTn>
                               </p:par>
                               <p:par>
-                                <p:cTn id="57" presetID="1" presetClass="entr" presetSubtype="0" fill="hold" grpId="0" nodeType="withEffect">
+                                <p:cTn id="65" presetID="1" presetClass="entr" presetSubtype="0" fill="hold" grpId="0" nodeType="withEffect">
                                   <p:stCondLst>
                                     <p:cond delay="0"/>
                                   </p:stCondLst>
                                   <p:childTnLst>
                                     <p:set>
                                       <p:cBhvr>
-                                        <p:cTn id="58" dur="1" fill="hold">
+                                        <p:cTn id="66" dur="1" fill="hold">
                                           <p:stCondLst>
                                             <p:cond delay="0"/>
                                           </p:stCondLst>
@@ -7632,106 +8612,7 @@
                                 </p:cTn>
                               </p:par>
                               <p:par>
-                                <p:cTn id="59" presetID="1" presetClass="entr" presetSubtype="0" fill="hold" nodeType="withEffect">
-                                  <p:stCondLst>
-                                    <p:cond delay="0"/>
-                                  </p:stCondLst>
-                                  <p:childTnLst>
-                                    <p:set>
-                                      <p:cBhvr>
-                                        <p:cTn id="60" dur="1" fill="hold">
-                                          <p:stCondLst>
-                                            <p:cond delay="0"/>
-                                          </p:stCondLst>
-                                        </p:cTn>
-                                        <p:tgtEl>
-                                          <p:spTgt spid="50"/>
-                                        </p:tgtEl>
-                                        <p:attrNameLst>
-                                          <p:attrName>style.visibility</p:attrName>
-                                        </p:attrNameLst>
-                                      </p:cBhvr>
-                                      <p:to>
-                                        <p:strVal val="visible"/>
-                                      </p:to>
-                                    </p:set>
-                                  </p:childTnLst>
-                                </p:cTn>
-                              </p:par>
-                              <p:par>
-                                <p:cTn id="61" presetID="1" presetClass="entr" presetSubtype="0" fill="hold" nodeType="withEffect">
-                                  <p:stCondLst>
-                                    <p:cond delay="0"/>
-                                  </p:stCondLst>
-                                  <p:childTnLst>
-                                    <p:set>
-                                      <p:cBhvr>
-                                        <p:cTn id="62" dur="1" fill="hold">
-                                          <p:stCondLst>
-                                            <p:cond delay="0"/>
-                                          </p:stCondLst>
-                                        </p:cTn>
-                                        <p:tgtEl>
-                                          <p:spTgt spid="43"/>
-                                        </p:tgtEl>
-                                        <p:attrNameLst>
-                                          <p:attrName>style.visibility</p:attrName>
-                                        </p:attrNameLst>
-                                      </p:cBhvr>
-                                      <p:to>
-                                        <p:strVal val="visible"/>
-                                      </p:to>
-                                    </p:set>
-                                  </p:childTnLst>
-                                </p:cTn>
-                              </p:par>
-                            </p:childTnLst>
-                          </p:cTn>
-                        </p:par>
-                      </p:childTnLst>
-                    </p:cTn>
-                  </p:par>
-                  <p:par>
-                    <p:cTn id="63" fill="hold">
-                      <p:stCondLst>
-                        <p:cond delay="indefinite"/>
-                      </p:stCondLst>
-                      <p:childTnLst>
-                        <p:par>
-                          <p:cTn id="64" fill="hold">
-                            <p:stCondLst>
-                              <p:cond delay="0"/>
-                            </p:stCondLst>
-                            <p:childTnLst>
-                              <p:par>
-                                <p:cTn id="65" presetID="1" presetClass="exit" presetSubtype="0" fill="hold" grpId="1" nodeType="clickEffect">
-                                  <p:stCondLst>
-                                    <p:cond delay="0"/>
-                                  </p:stCondLst>
-                                  <p:childTnLst>
-                                    <p:set>
-                                      <p:cBhvr>
-                                        <p:cTn id="66" dur="1" fill="hold">
-                                          <p:stCondLst>
-                                            <p:cond delay="0"/>
-                                          </p:stCondLst>
-                                        </p:cTn>
-                                        <p:tgtEl>
-                                          <p:spTgt spid="13"/>
-                                        </p:tgtEl>
-                                        <p:attrNameLst>
-                                          <p:attrName>style.visibility</p:attrName>
-                                        </p:attrNameLst>
-                                      </p:cBhvr>
-                                      <p:to>
-                                        <p:strVal val="hidden"/>
-                                      </p:to>
-                                    </p:set>
-                                  </p:childTnLst>
-                                </p:cTn>
-                              </p:par>
-                              <p:par>
-                                <p:cTn id="67" presetID="1" presetClass="entr" presetSubtype="0" fill="hold" grpId="0" nodeType="withEffect">
+                                <p:cTn id="67" presetID="1" presetClass="entr" presetSubtype="0" fill="hold" nodeType="withEffect">
                                   <p:stCondLst>
                                     <p:cond delay="0"/>
                                   </p:stCondLst>
@@ -7744,7 +8625,7 @@
                                           </p:stCondLst>
                                         </p:cTn>
                                         <p:tgtEl>
-                                          <p:spTgt spid="14"/>
+                                          <p:spTgt spid="50"/>
                                         </p:tgtEl>
                                         <p:attrNameLst>
                                           <p:attrName>style.visibility</p:attrName>
@@ -7771,7 +8652,7 @@
                                           </p:stCondLst>
                                         </p:cTn>
                                         <p:tgtEl>
-                                          <p:spTgt spid="45"/>
+                                          <p:spTgt spid="43"/>
                                         </p:tgtEl>
                                         <p:attrNameLst>
                                           <p:attrName>style.visibility</p:attrName>
@@ -7785,7 +8666,7 @@
                                 </p:cTn>
                               </p:par>
                               <p:par>
-                                <p:cTn id="71" presetID="1" presetClass="exit" presetSubtype="0" fill="hold" nodeType="withEffect">
+                                <p:cTn id="71" presetID="1" presetClass="entr" presetSubtype="0" fill="hold" grpId="0" nodeType="withEffect">
                                   <p:stCondLst>
                                     <p:cond delay="0"/>
                                   </p:stCondLst>
@@ -7798,14 +8679,14 @@
                                           </p:stCondLst>
                                         </p:cTn>
                                         <p:tgtEl>
-                                          <p:spTgt spid="18"/>
+                                          <p:spTgt spid="39"/>
                                         </p:tgtEl>
                                         <p:attrNameLst>
                                           <p:attrName>style.visibility</p:attrName>
                                         </p:attrNameLst>
                                       </p:cBhvr>
                                       <p:to>
-                                        <p:strVal val="hidden"/>
+                                        <p:strVal val="visible"/>
                                       </p:to>
                                     </p:set>
                                   </p:childTnLst>
@@ -7843,7 +8724,7 @@
                                           </p:stCondLst>
                                         </p:cTn>
                                         <p:tgtEl>
-                                          <p:spTgt spid="14"/>
+                                          <p:spTgt spid="13"/>
                                         </p:tgtEl>
                                         <p:attrNameLst>
                                           <p:attrName>style.visibility</p:attrName>
@@ -7870,7 +8751,7 @@
                                           </p:stCondLst>
                                         </p:cTn>
                                         <p:tgtEl>
-                                          <p:spTgt spid="15"/>
+                                          <p:spTgt spid="14"/>
                                         </p:tgtEl>
                                         <p:attrNameLst>
                                           <p:attrName>style.visibility</p:attrName>
@@ -7897,6 +8778,285 @@
                                           </p:stCondLst>
                                         </p:cTn>
                                         <p:tgtEl>
+                                          <p:spTgt spid="45"/>
+                                        </p:tgtEl>
+                                        <p:attrNameLst>
+                                          <p:attrName>style.visibility</p:attrName>
+                                        </p:attrNameLst>
+                                      </p:cBhvr>
+                                      <p:to>
+                                        <p:strVal val="visible"/>
+                                      </p:to>
+                                    </p:set>
+                                  </p:childTnLst>
+                                </p:cTn>
+                              </p:par>
+                              <p:par>
+                                <p:cTn id="81" presetID="1" presetClass="entr" presetSubtype="0" fill="hold" grpId="0" nodeType="withEffect">
+                                  <p:stCondLst>
+                                    <p:cond delay="0"/>
+                                  </p:stCondLst>
+                                  <p:childTnLst>
+                                    <p:set>
+                                      <p:cBhvr>
+                                        <p:cTn id="82" dur="1" fill="hold">
+                                          <p:stCondLst>
+                                            <p:cond delay="0"/>
+                                          </p:stCondLst>
+                                        </p:cTn>
+                                        <p:tgtEl>
+                                          <p:spTgt spid="29"/>
+                                        </p:tgtEl>
+                                        <p:attrNameLst>
+                                          <p:attrName>style.visibility</p:attrName>
+                                        </p:attrNameLst>
+                                      </p:cBhvr>
+                                      <p:to>
+                                        <p:strVal val="visible"/>
+                                      </p:to>
+                                    </p:set>
+                                  </p:childTnLst>
+                                </p:cTn>
+                              </p:par>
+                              <p:par>
+                                <p:cTn id="83" presetID="1" presetClass="entr" presetSubtype="0" fill="hold" grpId="0" nodeType="withEffect">
+                                  <p:stCondLst>
+                                    <p:cond delay="0"/>
+                                  </p:stCondLst>
+                                  <p:childTnLst>
+                                    <p:set>
+                                      <p:cBhvr>
+                                        <p:cTn id="84" dur="1" fill="hold">
+                                          <p:stCondLst>
+                                            <p:cond delay="0"/>
+                                          </p:stCondLst>
+                                        </p:cTn>
+                                        <p:tgtEl>
+                                          <p:spTgt spid="33"/>
+                                        </p:tgtEl>
+                                        <p:attrNameLst>
+                                          <p:attrName>style.visibility</p:attrName>
+                                        </p:attrNameLst>
+                                      </p:cBhvr>
+                                      <p:to>
+                                        <p:strVal val="visible"/>
+                                      </p:to>
+                                    </p:set>
+                                  </p:childTnLst>
+                                </p:cTn>
+                              </p:par>
+                              <p:par>
+                                <p:cTn id="85" presetID="1" presetClass="exit" presetSubtype="0" fill="hold" grpId="1" nodeType="withEffect">
+                                  <p:stCondLst>
+                                    <p:cond delay="0"/>
+                                  </p:stCondLst>
+                                  <p:childTnLst>
+                                    <p:set>
+                                      <p:cBhvr>
+                                        <p:cTn id="86" dur="1" fill="hold">
+                                          <p:stCondLst>
+                                            <p:cond delay="0"/>
+                                          </p:stCondLst>
+                                        </p:cTn>
+                                        <p:tgtEl>
+                                          <p:spTgt spid="4"/>
+                                        </p:tgtEl>
+                                        <p:attrNameLst>
+                                          <p:attrName>style.visibility</p:attrName>
+                                        </p:attrNameLst>
+                                      </p:cBhvr>
+                                      <p:to>
+                                        <p:strVal val="hidden"/>
+                                      </p:to>
+                                    </p:set>
+                                  </p:childTnLst>
+                                </p:cTn>
+                              </p:par>
+                            </p:childTnLst>
+                          </p:cTn>
+                        </p:par>
+                      </p:childTnLst>
+                    </p:cTn>
+                  </p:par>
+                  <p:par>
+                    <p:cTn id="87" fill="hold">
+                      <p:stCondLst>
+                        <p:cond delay="indefinite"/>
+                      </p:stCondLst>
+                      <p:childTnLst>
+                        <p:par>
+                          <p:cTn id="88" fill="hold">
+                            <p:stCondLst>
+                              <p:cond delay="0"/>
+                            </p:stCondLst>
+                            <p:childTnLst>
+                              <p:par>
+                                <p:cTn id="89" presetID="1" presetClass="entr" presetSubtype="0" fill="hold" grpId="0" nodeType="clickEffect">
+                                  <p:stCondLst>
+                                    <p:cond delay="0"/>
+                                  </p:stCondLst>
+                                  <p:childTnLst>
+                                    <p:set>
+                                      <p:cBhvr>
+                                        <p:cTn id="90" dur="1" fill="hold">
+                                          <p:stCondLst>
+                                            <p:cond delay="0"/>
+                                          </p:stCondLst>
+                                        </p:cTn>
+                                        <p:tgtEl>
+                                          <p:spTgt spid="34"/>
+                                        </p:tgtEl>
+                                        <p:attrNameLst>
+                                          <p:attrName>style.visibility</p:attrName>
+                                        </p:attrNameLst>
+                                      </p:cBhvr>
+                                      <p:to>
+                                        <p:strVal val="visible"/>
+                                      </p:to>
+                                    </p:set>
+                                  </p:childTnLst>
+                                </p:cTn>
+                              </p:par>
+                              <p:par>
+                                <p:cTn id="91" presetID="1" presetClass="exit" presetSubtype="0" fill="hold" grpId="1" nodeType="withEffect">
+                                  <p:stCondLst>
+                                    <p:cond delay="0"/>
+                                  </p:stCondLst>
+                                  <p:childTnLst>
+                                    <p:set>
+                                      <p:cBhvr>
+                                        <p:cTn id="92" dur="1" fill="hold">
+                                          <p:stCondLst>
+                                            <p:cond delay="0"/>
+                                          </p:stCondLst>
+                                        </p:cTn>
+                                        <p:tgtEl>
+                                          <p:spTgt spid="33"/>
+                                        </p:tgtEl>
+                                        <p:attrNameLst>
+                                          <p:attrName>style.visibility</p:attrName>
+                                        </p:attrNameLst>
+                                      </p:cBhvr>
+                                      <p:to>
+                                        <p:strVal val="hidden"/>
+                                      </p:to>
+                                    </p:set>
+                                  </p:childTnLst>
+                                </p:cTn>
+                              </p:par>
+                              <p:par>
+                                <p:cTn id="93" presetID="1" presetClass="exit" presetSubtype="0" fill="hold" nodeType="withEffect">
+                                  <p:stCondLst>
+                                    <p:cond delay="0"/>
+                                  </p:stCondLst>
+                                  <p:childTnLst>
+                                    <p:set>
+                                      <p:cBhvr>
+                                        <p:cTn id="94" dur="1" fill="hold">
+                                          <p:stCondLst>
+                                            <p:cond delay="0"/>
+                                          </p:stCondLst>
+                                        </p:cTn>
+                                        <p:tgtEl>
+                                          <p:spTgt spid="18"/>
+                                        </p:tgtEl>
+                                        <p:attrNameLst>
+                                          <p:attrName>style.visibility</p:attrName>
+                                        </p:attrNameLst>
+                                      </p:cBhvr>
+                                      <p:to>
+                                        <p:strVal val="hidden"/>
+                                      </p:to>
+                                    </p:set>
+                                  </p:childTnLst>
+                                </p:cTn>
+                              </p:par>
+                            </p:childTnLst>
+                          </p:cTn>
+                        </p:par>
+                      </p:childTnLst>
+                    </p:cTn>
+                  </p:par>
+                  <p:par>
+                    <p:cTn id="95" fill="hold">
+                      <p:stCondLst>
+                        <p:cond delay="indefinite"/>
+                      </p:stCondLst>
+                      <p:childTnLst>
+                        <p:par>
+                          <p:cTn id="96" fill="hold">
+                            <p:stCondLst>
+                              <p:cond delay="0"/>
+                            </p:stCondLst>
+                            <p:childTnLst>
+                              <p:par>
+                                <p:cTn id="97" presetID="1" presetClass="exit" presetSubtype="0" fill="hold" grpId="1" nodeType="clickEffect">
+                                  <p:stCondLst>
+                                    <p:cond delay="0"/>
+                                  </p:stCondLst>
+                                  <p:childTnLst>
+                                    <p:set>
+                                      <p:cBhvr>
+                                        <p:cTn id="98" dur="1" fill="hold">
+                                          <p:stCondLst>
+                                            <p:cond delay="0"/>
+                                          </p:stCondLst>
+                                        </p:cTn>
+                                        <p:tgtEl>
+                                          <p:spTgt spid="14"/>
+                                        </p:tgtEl>
+                                        <p:attrNameLst>
+                                          <p:attrName>style.visibility</p:attrName>
+                                        </p:attrNameLst>
+                                      </p:cBhvr>
+                                      <p:to>
+                                        <p:strVal val="hidden"/>
+                                      </p:to>
+                                    </p:set>
+                                  </p:childTnLst>
+                                </p:cTn>
+                              </p:par>
+                              <p:par>
+                                <p:cTn id="99" presetID="1" presetClass="entr" presetSubtype="0" fill="hold" grpId="0" nodeType="withEffect">
+                                  <p:stCondLst>
+                                    <p:cond delay="0"/>
+                                  </p:stCondLst>
+                                  <p:childTnLst>
+                                    <p:set>
+                                      <p:cBhvr>
+                                        <p:cTn id="100" dur="1" fill="hold">
+                                          <p:stCondLst>
+                                            <p:cond delay="0"/>
+                                          </p:stCondLst>
+                                        </p:cTn>
+                                        <p:tgtEl>
+                                          <p:spTgt spid="15"/>
+                                        </p:tgtEl>
+                                        <p:attrNameLst>
+                                          <p:attrName>style.visibility</p:attrName>
+                                        </p:attrNameLst>
+                                      </p:cBhvr>
+                                      <p:to>
+                                        <p:strVal val="visible"/>
+                                      </p:to>
+                                    </p:set>
+                                  </p:childTnLst>
+                                </p:cTn>
+                              </p:par>
+                              <p:par>
+                                <p:cTn id="101" presetID="1" presetClass="entr" presetSubtype="0" fill="hold" nodeType="withEffect">
+                                  <p:stCondLst>
+                                    <p:cond delay="0"/>
+                                  </p:stCondLst>
+                                  <p:childTnLst>
+                                    <p:set>
+                                      <p:cBhvr>
+                                        <p:cTn id="102" dur="1" fill="hold">
+                                          <p:stCondLst>
+                                            <p:cond delay="0"/>
+                                          </p:stCondLst>
+                                        </p:cTn>
+                                        <p:tgtEl>
                                           <p:spTgt spid="47"/>
                                         </p:tgtEl>
                                         <p:attrNameLst>
@@ -7910,6 +9070,87 @@
                                   </p:childTnLst>
                                 </p:cTn>
                               </p:par>
+                              <p:par>
+                                <p:cTn id="103" presetID="1" presetClass="entr" presetSubtype="0" fill="hold" grpId="0" nodeType="withEffect">
+                                  <p:stCondLst>
+                                    <p:cond delay="0"/>
+                                  </p:stCondLst>
+                                  <p:childTnLst>
+                                    <p:set>
+                                      <p:cBhvr>
+                                        <p:cTn id="104" dur="1" fill="hold">
+                                          <p:stCondLst>
+                                            <p:cond delay="0"/>
+                                          </p:stCondLst>
+                                        </p:cTn>
+                                        <p:tgtEl>
+                                          <p:spTgt spid="31"/>
+                                        </p:tgtEl>
+                                        <p:attrNameLst>
+                                          <p:attrName>style.visibility</p:attrName>
+                                        </p:attrNameLst>
+                                      </p:cBhvr>
+                                      <p:to>
+                                        <p:strVal val="visible"/>
+                                      </p:to>
+                                    </p:set>
+                                  </p:childTnLst>
+                                </p:cTn>
+                              </p:par>
+                              <p:par>
+                                <p:cTn id="105" presetID="1" presetClass="entr" presetSubtype="0" fill="hold" grpId="0" nodeType="withEffect">
+                                  <p:stCondLst>
+                                    <p:cond delay="0"/>
+                                  </p:stCondLst>
+                                  <p:childTnLst>
+                                    <p:set>
+                                      <p:cBhvr>
+                                        <p:cTn id="106" dur="1" fill="hold">
+                                          <p:stCondLst>
+                                            <p:cond delay="0"/>
+                                          </p:stCondLst>
+                                        </p:cTn>
+                                        <p:tgtEl>
+                                          <p:spTgt spid="35"/>
+                                        </p:tgtEl>
+                                        <p:attrNameLst>
+                                          <p:attrName>style.visibility</p:attrName>
+                                        </p:attrNameLst>
+                                      </p:cBhvr>
+                                      <p:to>
+                                        <p:strVal val="visible"/>
+                                      </p:to>
+                                    </p:set>
+                                  </p:childTnLst>
+                                </p:cTn>
+                              </p:par>
+                              <p:par>
+                                <p:cTn id="107" presetID="1" presetClass="exit" presetSubtype="0" fill="hold" grpId="1" nodeType="withEffect">
+                                  <p:stCondLst>
+                                    <p:cond delay="0"/>
+                                  </p:stCondLst>
+                                  <p:childTnLst>
+                                    <p:set>
+                                      <p:cBhvr>
+                                        <p:cTn id="108" dur="1" fill="hold">
+                                          <p:stCondLst>
+                                            <p:cond delay="0"/>
+                                          </p:stCondLst>
+                                        </p:cTn>
+                                        <p:tgtEl>
+                                          <p:spTgt spid="23"/>
+                                        </p:tgtEl>
+                                        <p:attrNameLst>
+                                          <p:attrName>style.visibility</p:attrName>
+                                        </p:attrNameLst>
+                                      </p:cBhvr>
+                                      <p:to>
+                                        <p:strVal val="hidden"/>
+                                      </p:to>
+                                    </p:set>
+                                  </p:childTnLst>
+                                </p:cTn>
+                              </p:par>
                             </p:childTnLst>
                           </p:cTn>
                         </p:par>
@@ -7917,26 +9158,98 @@
                     </p:cTn>
                   </p:par>
                   <p:par>
-                    <p:cTn id="81" fill="hold">
+                    <p:cTn id="109" fill="hold">
                       <p:stCondLst>
                         <p:cond delay="indefinite"/>
                       </p:stCondLst>
                       <p:childTnLst>
                         <p:par>
-                          <p:cTn id="82" fill="hold">
+                          <p:cTn id="110" fill="hold">
                             <p:stCondLst>
                               <p:cond delay="0"/>
                             </p:stCondLst>
                             <p:childTnLst>
                               <p:par>
-                                <p:cTn id="83" presetID="1" presetClass="exit" presetSubtype="0" fill="hold" grpId="1" nodeType="clickEffect">
+                                <p:cTn id="111" presetID="1" presetClass="entr" presetSubtype="0" fill="hold" grpId="0" nodeType="clickEffect">
                                   <p:stCondLst>
                                     <p:cond delay="0"/>
                                   </p:stCondLst>
                                   <p:childTnLst>
                                     <p:set>
                                       <p:cBhvr>
-                                        <p:cTn id="84" dur="1" fill="hold">
+                                        <p:cTn id="112" dur="1" fill="hold">
+                                          <p:stCondLst>
+                                            <p:cond delay="0"/>
+                                          </p:stCondLst>
+                                        </p:cTn>
+                                        <p:tgtEl>
+                                          <p:spTgt spid="37"/>
+                                        </p:tgtEl>
+                                        <p:attrNameLst>
+                                          <p:attrName>style.visibility</p:attrName>
+                                        </p:attrNameLst>
+                                      </p:cBhvr>
+                                      <p:to>
+                                        <p:strVal val="visible"/>
+                                      </p:to>
+                                    </p:set>
+                                  </p:childTnLst>
+                                </p:cTn>
+                              </p:par>
+                              <p:par>
+                                <p:cTn id="113" presetID="1" presetClass="exit" presetSubtype="0" fill="hold" grpId="1" nodeType="withEffect">
+                                  <p:stCondLst>
+                                    <p:cond delay="0"/>
+                                  </p:stCondLst>
+                                  <p:childTnLst>
+                                    <p:set>
+                                      <p:cBhvr>
+                                        <p:cTn id="114" dur="1" fill="hold">
+                                          <p:stCondLst>
+                                            <p:cond delay="0"/>
+                                          </p:stCondLst>
+                                        </p:cTn>
+                                        <p:tgtEl>
+                                          <p:spTgt spid="35"/>
+                                        </p:tgtEl>
+                                        <p:attrNameLst>
+                                          <p:attrName>style.visibility</p:attrName>
+                                        </p:attrNameLst>
+                                      </p:cBhvr>
+                                      <p:to>
+                                        <p:strVal val="hidden"/>
+                                      </p:to>
+                                    </p:set>
+                                  </p:childTnLst>
+                                </p:cTn>
+                              </p:par>
+                            </p:childTnLst>
+                          </p:cTn>
+                        </p:par>
+                      </p:childTnLst>
+                    </p:cTn>
+                  </p:par>
+                  <p:par>
+                    <p:cTn id="115" fill="hold">
+                      <p:stCondLst>
+                        <p:cond delay="indefinite"/>
+                      </p:stCondLst>
+                      <p:childTnLst>
+                        <p:par>
+                          <p:cTn id="116" fill="hold">
+                            <p:stCondLst>
+                              <p:cond delay="0"/>
+                            </p:stCondLst>
+                            <p:childTnLst>
+                              <p:par>
+                                <p:cTn id="117" presetID="1" presetClass="exit" presetSubtype="0" fill="hold" grpId="1" nodeType="clickEffect">
+                                  <p:stCondLst>
+                                    <p:cond delay="0"/>
+                                  </p:stCondLst>
+                                  <p:childTnLst>
+                                    <p:set>
+                                      <p:cBhvr>
+                                        <p:cTn id="118" dur="1" fill="hold">
                                           <p:stCondLst>
                                             <p:cond delay="0"/>
                                           </p:stCondLst>
@@ -7956,14 +9269,14 @@
                                 </p:cTn>
                               </p:par>
                               <p:par>
-                                <p:cTn id="85" presetID="1" presetClass="entr" presetSubtype="0" fill="hold" grpId="0" nodeType="withEffect">
+                                <p:cTn id="119" presetID="1" presetClass="entr" presetSubtype="0" fill="hold" grpId="0" nodeType="withEffect">
                                   <p:stCondLst>
                                     <p:cond delay="0"/>
                                   </p:stCondLst>
                                   <p:childTnLst>
                                     <p:set>
                                       <p:cBhvr>
-                                        <p:cTn id="86" dur="1" fill="hold">
+                                        <p:cTn id="120" dur="1" fill="hold">
                                           <p:stCondLst>
                                             <p:cond delay="0"/>
                                           </p:stCondLst>
@@ -7983,14 +9296,14 @@
                                 </p:cTn>
                               </p:par>
                               <p:par>
-                                <p:cTn id="87" presetID="1" presetClass="entr" presetSubtype="0" fill="hold" grpId="0" nodeType="withEffect">
+                                <p:cTn id="121" presetID="1" presetClass="entr" presetSubtype="0" fill="hold" grpId="0" nodeType="withEffect">
                                   <p:stCondLst>
                                     <p:cond delay="0"/>
                                   </p:stCondLst>
                                   <p:childTnLst>
                                     <p:set>
                                       <p:cBhvr>
-                                        <p:cTn id="88" dur="1" fill="hold">
+                                        <p:cTn id="122" dur="1" fill="hold">
                                           <p:stCondLst>
                                             <p:cond delay="0"/>
                                           </p:stCondLst>
@@ -8010,14 +9323,14 @@
                                 </p:cTn>
                               </p:par>
                               <p:par>
-                                <p:cTn id="89" presetID="1" presetClass="entr" presetSubtype="0" fill="hold" grpId="0" nodeType="withEffect">
+                                <p:cTn id="123" presetID="1" presetClass="entr" presetSubtype="0" fill="hold" grpId="0" nodeType="withEffect">
                                   <p:stCondLst>
                                     <p:cond delay="0"/>
                                   </p:stCondLst>
                                   <p:childTnLst>
                                     <p:set>
                                       <p:cBhvr>
-                                        <p:cTn id="90" dur="1" fill="hold">
+                                        <p:cTn id="124" dur="1" fill="hold">
                                           <p:stCondLst>
                                             <p:cond delay="0"/>
                                           </p:stCondLst>
@@ -8080,6 +9393,21 @@
       <p:bldP spid="17" grpId="0" animBg="1"/>
       <p:bldP spid="19" grpId="0" animBg="1"/>
       <p:bldP spid="48" grpId="0"/>
+      <p:bldP spid="4" grpId="0"/>
+      <p:bldP spid="4" grpId="1"/>
+      <p:bldP spid="23" grpId="0"/>
+      <p:bldP spid="23" grpId="1"/>
+      <p:bldP spid="25" grpId="0"/>
+      <p:bldP spid="27" grpId="0"/>
+      <p:bldP spid="29" grpId="0"/>
+      <p:bldP spid="31" grpId="0"/>
+      <p:bldP spid="33" grpId="0"/>
+      <p:bldP spid="33" grpId="1"/>
+      <p:bldP spid="34" grpId="0"/>
+      <p:bldP spid="35" grpId="0"/>
+      <p:bldP spid="35" grpId="1"/>
+      <p:bldP spid="37" grpId="0"/>
+      <p:bldP spid="39" grpId="0"/>
     </p:bldLst>
   </p:timing>
 </p:sld>
@@ -8365,7 +9693,7 @@
         </p:nvSpPr>
         <p:spPr>
           <a:xfrm>
-            <a:off x="2198233" y="3046649"/>
+            <a:off x="617327" y="2563103"/>
             <a:ext cx="4096364" cy="646331"/>
           </a:xfrm>
           <a:prstGeom prst="rect">
@@ -8404,7 +9732,7 @@
         </p:nvSpPr>
         <p:spPr>
           <a:xfrm>
-            <a:off x="6569391" y="3328229"/>
+            <a:off x="10417902" y="2899262"/>
             <a:ext cx="2970849" cy="646331"/>
           </a:xfrm>
           <a:prstGeom prst="rect">
@@ -9130,6 +10458,606 @@
                 </a:solidFill>
               </a:rPr>
               <a:t>5. A button appears, returning the user to the landing page</a:t>
+            </a:r>
+          </a:p>
+        </p:txBody>
+      </p:sp>
+      <p:sp>
+        <p:nvSpPr>
+          <p:cNvPr id="10" name="TextBox 9">
+            <a:extLst>
+              <a:ext uri="{FF2B5EF4-FFF2-40B4-BE49-F238E27FC236}">
+                <a16:creationId xmlns:a16="http://schemas.microsoft.com/office/drawing/2014/main" id="{0201076E-D80F-D17C-BE37-5F8928F518EA}"/>
+              </a:ext>
+            </a:extLst>
+          </p:cNvPr>
+          <p:cNvSpPr txBox="1"/>
+          <p:nvPr/>
+        </p:nvSpPr>
+        <p:spPr>
+          <a:xfrm>
+            <a:off x="6454542" y="1195204"/>
+            <a:ext cx="1625961" cy="646331"/>
+          </a:xfrm>
+          <a:prstGeom prst="rect">
+            <a:avLst/>
+          </a:prstGeom>
+          <a:noFill/>
+        </p:spPr>
+        <p:txBody>
+          <a:bodyPr wrap="square" rtlCol="0">
+            <a:spAutoFit/>
+          </a:bodyPr>
+          <a:lstStyle/>
+          <a:p>
+            <a:pPr algn="ctr"/>
+            <a:r>
+              <a:rPr lang="en-US" sz="3600" b="1" dirty="0">
+                <a:solidFill>
+                  <a:schemeClr val="bg1"/>
+                </a:solidFill>
+              </a:rPr>
+              <a:t>Dealer</a:t>
+            </a:r>
+          </a:p>
+        </p:txBody>
+      </p:sp>
+      <p:sp>
+        <p:nvSpPr>
+          <p:cNvPr id="11" name="TextBox 10">
+            <a:extLst>
+              <a:ext uri="{FF2B5EF4-FFF2-40B4-BE49-F238E27FC236}">
+                <a16:creationId xmlns:a16="http://schemas.microsoft.com/office/drawing/2014/main" id="{7246E368-145B-5498-BD29-D637C5AEB2A7}"/>
+              </a:ext>
+            </a:extLst>
+          </p:cNvPr>
+          <p:cNvSpPr txBox="1"/>
+          <p:nvPr/>
+        </p:nvSpPr>
+        <p:spPr>
+          <a:xfrm>
+            <a:off x="6626680" y="3927593"/>
+            <a:ext cx="1085850" cy="523220"/>
+          </a:xfrm>
+          <a:prstGeom prst="rect">
+            <a:avLst/>
+          </a:prstGeom>
+          <a:noFill/>
+        </p:spPr>
+        <p:txBody>
+          <a:bodyPr wrap="square" rtlCol="0">
+            <a:spAutoFit/>
+          </a:bodyPr>
+          <a:lstStyle/>
+          <a:p>
+            <a:pPr algn="ctr"/>
+            <a:r>
+              <a:rPr lang="en-US" sz="2800" b="1" dirty="0">
+                <a:solidFill>
+                  <a:schemeClr val="bg1"/>
+                </a:solidFill>
+              </a:rPr>
+              <a:t>11</a:t>
+            </a:r>
+          </a:p>
+        </p:txBody>
+      </p:sp>
+      <p:sp>
+        <p:nvSpPr>
+          <p:cNvPr id="29" name="TextBox 28">
+            <a:extLst>
+              <a:ext uri="{FF2B5EF4-FFF2-40B4-BE49-F238E27FC236}">
+                <a16:creationId xmlns:a16="http://schemas.microsoft.com/office/drawing/2014/main" id="{05C131C7-1514-318F-F3BD-DDCDED6ED4EE}"/>
+              </a:ext>
+            </a:extLst>
+          </p:cNvPr>
+          <p:cNvSpPr txBox="1"/>
+          <p:nvPr/>
+        </p:nvSpPr>
+        <p:spPr>
+          <a:xfrm rot="21214720">
+            <a:off x="8363391" y="3741376"/>
+            <a:ext cx="1085850" cy="523220"/>
+          </a:xfrm>
+          <a:prstGeom prst="rect">
+            <a:avLst/>
+          </a:prstGeom>
+          <a:noFill/>
+        </p:spPr>
+        <p:txBody>
+          <a:bodyPr wrap="square" rtlCol="0">
+            <a:spAutoFit/>
+          </a:bodyPr>
+          <a:lstStyle/>
+          <a:p>
+            <a:pPr algn="ctr"/>
+            <a:r>
+              <a:rPr lang="en-US" sz="2800" b="1" dirty="0">
+                <a:solidFill>
+                  <a:schemeClr val="bg1"/>
+                </a:solidFill>
+              </a:rPr>
+              <a:t>12</a:t>
+            </a:r>
+          </a:p>
+        </p:txBody>
+      </p:sp>
+      <p:sp>
+        <p:nvSpPr>
+          <p:cNvPr id="32" name="TextBox 31">
+            <a:extLst>
+              <a:ext uri="{FF2B5EF4-FFF2-40B4-BE49-F238E27FC236}">
+                <a16:creationId xmlns:a16="http://schemas.microsoft.com/office/drawing/2014/main" id="{CFFBAD34-DEC0-3B5D-D0D2-E8B832772B11}"/>
+              </a:ext>
+            </a:extLst>
+          </p:cNvPr>
+          <p:cNvSpPr txBox="1"/>
+          <p:nvPr/>
+        </p:nvSpPr>
+        <p:spPr>
+          <a:xfrm rot="948362">
+            <a:off x="3420739" y="3600272"/>
+            <a:ext cx="1085850" cy="523220"/>
+          </a:xfrm>
+          <a:prstGeom prst="rect">
+            <a:avLst/>
+          </a:prstGeom>
+          <a:noFill/>
+        </p:spPr>
+        <p:txBody>
+          <a:bodyPr wrap="square" rtlCol="0">
+            <a:spAutoFit/>
+          </a:bodyPr>
+          <a:lstStyle/>
+          <a:p>
+            <a:pPr algn="ctr"/>
+            <a:r>
+              <a:rPr lang="en-US" sz="2800" b="1" dirty="0">
+                <a:solidFill>
+                  <a:schemeClr val="bg1"/>
+                </a:solidFill>
+              </a:rPr>
+              <a:t>22</a:t>
+            </a:r>
+          </a:p>
+        </p:txBody>
+      </p:sp>
+      <p:sp>
+        <p:nvSpPr>
+          <p:cNvPr id="34" name="TextBox 33">
+            <a:extLst>
+              <a:ext uri="{FF2B5EF4-FFF2-40B4-BE49-F238E27FC236}">
+                <a16:creationId xmlns:a16="http://schemas.microsoft.com/office/drawing/2014/main" id="{ED168C08-22DB-A36C-A797-7E6C7C5AFC0D}"/>
+              </a:ext>
+            </a:extLst>
+          </p:cNvPr>
+          <p:cNvSpPr txBox="1"/>
+          <p:nvPr/>
+        </p:nvSpPr>
+        <p:spPr>
+          <a:xfrm rot="511053">
+            <a:off x="5165423" y="3815363"/>
+            <a:ext cx="1085850" cy="523220"/>
+          </a:xfrm>
+          <a:prstGeom prst="rect">
+            <a:avLst/>
+          </a:prstGeom>
+          <a:noFill/>
+        </p:spPr>
+        <p:txBody>
+          <a:bodyPr wrap="square" rtlCol="0">
+            <a:spAutoFit/>
+          </a:bodyPr>
+          <a:lstStyle/>
+          <a:p>
+            <a:pPr algn="ctr"/>
+            <a:r>
+              <a:rPr lang="en-US" sz="2800" b="1" dirty="0">
+                <a:solidFill>
+                  <a:schemeClr val="bg1"/>
+                </a:solidFill>
+              </a:rPr>
+              <a:t>19</a:t>
+            </a:r>
+          </a:p>
+        </p:txBody>
+      </p:sp>
+      <p:sp>
+        <p:nvSpPr>
+          <p:cNvPr id="35" name="TextBox 34">
+            <a:extLst>
+              <a:ext uri="{FF2B5EF4-FFF2-40B4-BE49-F238E27FC236}">
+                <a16:creationId xmlns:a16="http://schemas.microsoft.com/office/drawing/2014/main" id="{6822C856-AB0C-9660-EFF5-4DF8ABBF7B87}"/>
+              </a:ext>
+            </a:extLst>
+          </p:cNvPr>
+          <p:cNvSpPr txBox="1"/>
+          <p:nvPr/>
+        </p:nvSpPr>
+        <p:spPr>
+          <a:xfrm rot="21214720">
+            <a:off x="8789395" y="3693115"/>
+            <a:ext cx="1085850" cy="523220"/>
+          </a:xfrm>
+          <a:prstGeom prst="rect">
+            <a:avLst/>
+          </a:prstGeom>
+          <a:noFill/>
+        </p:spPr>
+        <p:txBody>
+          <a:bodyPr wrap="square" rtlCol="0">
+            <a:spAutoFit/>
+          </a:bodyPr>
+          <a:lstStyle/>
+          <a:p>
+            <a:pPr algn="ctr"/>
+            <a:r>
+              <a:rPr lang="en-US" sz="2800" b="1" dirty="0">
+                <a:solidFill>
+                  <a:schemeClr val="bg1"/>
+                </a:solidFill>
+              </a:rPr>
+              <a:t>22</a:t>
+            </a:r>
+          </a:p>
+        </p:txBody>
+      </p:sp>
+      <p:sp>
+        <p:nvSpPr>
+          <p:cNvPr id="37" name="TextBox 36">
+            <a:extLst>
+              <a:ext uri="{FF2B5EF4-FFF2-40B4-BE49-F238E27FC236}">
+                <a16:creationId xmlns:a16="http://schemas.microsoft.com/office/drawing/2014/main" id="{AFC1F621-5365-FC7E-CA90-79CD08F6E60D}"/>
+              </a:ext>
+            </a:extLst>
+          </p:cNvPr>
+          <p:cNvSpPr txBox="1"/>
+          <p:nvPr/>
+        </p:nvSpPr>
+        <p:spPr>
+          <a:xfrm rot="948362">
+            <a:off x="3490531" y="3241214"/>
+            <a:ext cx="1085850" cy="523220"/>
+          </a:xfrm>
+          <a:prstGeom prst="rect">
+            <a:avLst/>
+          </a:prstGeom>
+          <a:noFill/>
+        </p:spPr>
+        <p:txBody>
+          <a:bodyPr wrap="square" rtlCol="0">
+            <a:spAutoFit/>
+          </a:bodyPr>
+          <a:lstStyle/>
+          <a:p>
+            <a:pPr algn="ctr"/>
+            <a:r>
+              <a:rPr lang="en-US" sz="2800" b="1" dirty="0">
+                <a:solidFill>
+                  <a:schemeClr val="bg1"/>
+                </a:solidFill>
+              </a:rPr>
+              <a:t>Bust!</a:t>
+            </a:r>
+          </a:p>
+        </p:txBody>
+      </p:sp>
+      <p:sp>
+        <p:nvSpPr>
+          <p:cNvPr id="38" name="TextBox 37">
+            <a:extLst>
+              <a:ext uri="{FF2B5EF4-FFF2-40B4-BE49-F238E27FC236}">
+                <a16:creationId xmlns:a16="http://schemas.microsoft.com/office/drawing/2014/main" id="{9E515C2E-FB95-1DF9-180A-A3CC4A72BDE6}"/>
+              </a:ext>
+            </a:extLst>
+          </p:cNvPr>
+          <p:cNvSpPr txBox="1"/>
+          <p:nvPr/>
+        </p:nvSpPr>
+        <p:spPr>
+          <a:xfrm rot="558731">
+            <a:off x="4861467" y="3457363"/>
+            <a:ext cx="1296612" cy="523220"/>
+          </a:xfrm>
+          <a:prstGeom prst="rect">
+            <a:avLst/>
+          </a:prstGeom>
+          <a:noFill/>
+        </p:spPr>
+        <p:txBody>
+          <a:bodyPr wrap="square" rtlCol="0">
+            <a:spAutoFit/>
+          </a:bodyPr>
+          <a:lstStyle/>
+          <a:p>
+            <a:pPr algn="ctr"/>
+            <a:r>
+              <a:rPr lang="en-US" sz="2800" b="1" dirty="0">
+                <a:solidFill>
+                  <a:schemeClr val="bg1"/>
+                </a:solidFill>
+              </a:rPr>
+              <a:t>Stand!</a:t>
+            </a:r>
+          </a:p>
+        </p:txBody>
+      </p:sp>
+      <p:sp>
+        <p:nvSpPr>
+          <p:cNvPr id="39" name="TextBox 38">
+            <a:extLst>
+              <a:ext uri="{FF2B5EF4-FFF2-40B4-BE49-F238E27FC236}">
+                <a16:creationId xmlns:a16="http://schemas.microsoft.com/office/drawing/2014/main" id="{275CF8E5-E3F1-2B8D-48BC-8176D30F80E5}"/>
+              </a:ext>
+            </a:extLst>
+          </p:cNvPr>
+          <p:cNvSpPr txBox="1"/>
+          <p:nvPr/>
+        </p:nvSpPr>
+        <p:spPr>
+          <a:xfrm rot="558731">
+            <a:off x="5778026" y="3650738"/>
+            <a:ext cx="1296612" cy="523220"/>
+          </a:xfrm>
+          <a:prstGeom prst="rect">
+            <a:avLst/>
+          </a:prstGeom>
+          <a:noFill/>
+        </p:spPr>
+        <p:txBody>
+          <a:bodyPr wrap="square" rtlCol="0">
+            <a:spAutoFit/>
+          </a:bodyPr>
+          <a:lstStyle/>
+          <a:p>
+            <a:pPr algn="ctr"/>
+            <a:r>
+              <a:rPr lang="en-US" sz="2800" b="1" dirty="0">
+                <a:solidFill>
+                  <a:schemeClr val="bg1"/>
+                </a:solidFill>
+              </a:rPr>
+              <a:t>Win!</a:t>
+            </a:r>
+          </a:p>
+        </p:txBody>
+      </p:sp>
+      <p:sp>
+        <p:nvSpPr>
+          <p:cNvPr id="40" name="TextBox 39">
+            <a:extLst>
+              <a:ext uri="{FF2B5EF4-FFF2-40B4-BE49-F238E27FC236}">
+                <a16:creationId xmlns:a16="http://schemas.microsoft.com/office/drawing/2014/main" id="{E1C54767-DACD-EA0F-F870-0BF15229FB69}"/>
+              </a:ext>
+            </a:extLst>
+          </p:cNvPr>
+          <p:cNvSpPr txBox="1"/>
+          <p:nvPr/>
+        </p:nvSpPr>
+        <p:spPr>
+          <a:xfrm>
+            <a:off x="6104525" y="3302916"/>
+            <a:ext cx="1296612" cy="523220"/>
+          </a:xfrm>
+          <a:prstGeom prst="rect">
+            <a:avLst/>
+          </a:prstGeom>
+          <a:noFill/>
+        </p:spPr>
+        <p:txBody>
+          <a:bodyPr wrap="square" rtlCol="0">
+            <a:spAutoFit/>
+          </a:bodyPr>
+          <a:lstStyle/>
+          <a:p>
+            <a:pPr algn="ctr"/>
+            <a:r>
+              <a:rPr lang="en-US" sz="2800" b="1" dirty="0">
+                <a:solidFill>
+                  <a:schemeClr val="bg1"/>
+                </a:solidFill>
+              </a:rPr>
+              <a:t>Stand!</a:t>
+            </a:r>
+          </a:p>
+        </p:txBody>
+      </p:sp>
+      <p:sp>
+        <p:nvSpPr>
+          <p:cNvPr id="41" name="TextBox 40">
+            <a:extLst>
+              <a:ext uri="{FF2B5EF4-FFF2-40B4-BE49-F238E27FC236}">
+                <a16:creationId xmlns:a16="http://schemas.microsoft.com/office/drawing/2014/main" id="{4579D640-81C9-298A-8472-73B01995A9C6}"/>
+              </a:ext>
+            </a:extLst>
+          </p:cNvPr>
+          <p:cNvSpPr txBox="1"/>
+          <p:nvPr/>
+        </p:nvSpPr>
+        <p:spPr>
+          <a:xfrm>
+            <a:off x="6886125" y="3612284"/>
+            <a:ext cx="1296612" cy="523220"/>
+          </a:xfrm>
+          <a:prstGeom prst="rect">
+            <a:avLst/>
+          </a:prstGeom>
+          <a:noFill/>
+        </p:spPr>
+        <p:txBody>
+          <a:bodyPr wrap="square" rtlCol="0">
+            <a:spAutoFit/>
+          </a:bodyPr>
+          <a:lstStyle/>
+          <a:p>
+            <a:pPr algn="ctr"/>
+            <a:r>
+              <a:rPr lang="en-US" sz="2800" b="1" dirty="0">
+                <a:solidFill>
+                  <a:schemeClr val="bg1"/>
+                </a:solidFill>
+              </a:rPr>
+              <a:t>Lose!</a:t>
+            </a:r>
+          </a:p>
+        </p:txBody>
+      </p:sp>
+      <p:sp>
+        <p:nvSpPr>
+          <p:cNvPr id="43" name="TextBox 42">
+            <a:extLst>
+              <a:ext uri="{FF2B5EF4-FFF2-40B4-BE49-F238E27FC236}">
+                <a16:creationId xmlns:a16="http://schemas.microsoft.com/office/drawing/2014/main" id="{72E19700-5C1C-3236-129C-7EF508C52152}"/>
+              </a:ext>
+            </a:extLst>
+          </p:cNvPr>
+          <p:cNvSpPr txBox="1"/>
+          <p:nvPr/>
+        </p:nvSpPr>
+        <p:spPr>
+          <a:xfrm rot="21128613">
+            <a:off x="8164269" y="3443206"/>
+            <a:ext cx="1085850" cy="523220"/>
+          </a:xfrm>
+          <a:prstGeom prst="rect">
+            <a:avLst/>
+          </a:prstGeom>
+          <a:noFill/>
+        </p:spPr>
+        <p:txBody>
+          <a:bodyPr wrap="square" rtlCol="0">
+            <a:spAutoFit/>
+          </a:bodyPr>
+          <a:lstStyle/>
+          <a:p>
+            <a:pPr algn="ctr"/>
+            <a:r>
+              <a:rPr lang="en-US" sz="2800" b="1" dirty="0">
+                <a:solidFill>
+                  <a:schemeClr val="bg1"/>
+                </a:solidFill>
+              </a:rPr>
+              <a:t>Hit!</a:t>
+            </a:r>
+          </a:p>
+        </p:txBody>
+      </p:sp>
+      <p:sp>
+        <p:nvSpPr>
+          <p:cNvPr id="44" name="TextBox 43">
+            <a:extLst>
+              <a:ext uri="{FF2B5EF4-FFF2-40B4-BE49-F238E27FC236}">
+                <a16:creationId xmlns:a16="http://schemas.microsoft.com/office/drawing/2014/main" id="{CF610E95-94A3-7E4B-0E66-041BB411ABC4}"/>
+              </a:ext>
+            </a:extLst>
+          </p:cNvPr>
+          <p:cNvSpPr txBox="1"/>
+          <p:nvPr/>
+        </p:nvSpPr>
+        <p:spPr>
+          <a:xfrm rot="21031053">
+            <a:off x="8978772" y="3318503"/>
+            <a:ext cx="1085850" cy="523220"/>
+          </a:xfrm>
+          <a:prstGeom prst="rect">
+            <a:avLst/>
+          </a:prstGeom>
+          <a:noFill/>
+        </p:spPr>
+        <p:txBody>
+          <a:bodyPr wrap="square" rtlCol="0">
+            <a:spAutoFit/>
+          </a:bodyPr>
+          <a:lstStyle/>
+          <a:p>
+            <a:pPr algn="ctr"/>
+            <a:r>
+              <a:rPr lang="en-US" sz="2800" b="1" dirty="0">
+                <a:solidFill>
+                  <a:schemeClr val="bg1"/>
+                </a:solidFill>
+              </a:rPr>
+              <a:t>Bust!</a:t>
+            </a:r>
+          </a:p>
+        </p:txBody>
+      </p:sp>
+      <p:sp>
+        <p:nvSpPr>
+          <p:cNvPr id="45" name="TextBox 44">
+            <a:extLst>
+              <a:ext uri="{FF2B5EF4-FFF2-40B4-BE49-F238E27FC236}">
+                <a16:creationId xmlns:a16="http://schemas.microsoft.com/office/drawing/2014/main" id="{038D777A-6F04-9726-6AC1-0D675205B0CA}"/>
+              </a:ext>
+            </a:extLst>
+          </p:cNvPr>
+          <p:cNvSpPr txBox="1"/>
+          <p:nvPr/>
+        </p:nvSpPr>
+        <p:spPr>
+          <a:xfrm>
+            <a:off x="6284033" y="1630654"/>
+            <a:ext cx="1085850" cy="523220"/>
+          </a:xfrm>
+          <a:prstGeom prst="rect">
+            <a:avLst/>
+          </a:prstGeom>
+          <a:noFill/>
+        </p:spPr>
+        <p:txBody>
+          <a:bodyPr wrap="square" rtlCol="0">
+            <a:spAutoFit/>
+          </a:bodyPr>
+          <a:lstStyle/>
+          <a:p>
+            <a:pPr algn="ctr"/>
+            <a:r>
+              <a:rPr lang="en-US" sz="2800" b="1" dirty="0">
+                <a:solidFill>
+                  <a:schemeClr val="bg1"/>
+                </a:solidFill>
+              </a:rPr>
+              <a:t>6</a:t>
+            </a:r>
+          </a:p>
+        </p:txBody>
+      </p:sp>
+      <p:sp>
+        <p:nvSpPr>
+          <p:cNvPr id="46" name="TextBox 45">
+            <a:extLst>
+              <a:ext uri="{FF2B5EF4-FFF2-40B4-BE49-F238E27FC236}">
+                <a16:creationId xmlns:a16="http://schemas.microsoft.com/office/drawing/2014/main" id="{25638F5F-1EB5-4463-761A-C26239522484}"/>
+              </a:ext>
+            </a:extLst>
+          </p:cNvPr>
+          <p:cNvSpPr txBox="1"/>
+          <p:nvPr/>
+        </p:nvSpPr>
+        <p:spPr>
+          <a:xfrm>
+            <a:off x="7005895" y="1653059"/>
+            <a:ext cx="1085850" cy="523220"/>
+          </a:xfrm>
+          <a:prstGeom prst="rect">
+            <a:avLst/>
+          </a:prstGeom>
+          <a:noFill/>
+        </p:spPr>
+        <p:txBody>
+          <a:bodyPr wrap="square" rtlCol="0">
+            <a:spAutoFit/>
+          </a:bodyPr>
+          <a:lstStyle/>
+          <a:p>
+            <a:pPr algn="ctr"/>
+            <a:r>
+              <a:rPr lang="en-US" sz="2800" b="1" dirty="0">
+                <a:solidFill>
+                  <a:schemeClr val="bg1"/>
+                </a:solidFill>
+              </a:rPr>
+              <a:t>17</a:t>
             </a:r>
           </a:p>
         </p:txBody>
@@ -9246,7 +11174,7 @@
                                 </p:cTn>
                               </p:par>
                               <p:par>
-                                <p:cTn id="11" presetID="1" presetClass="exit" presetSubtype="0" fill="hold" nodeType="withEffect">
+                                <p:cTn id="11" presetID="1" presetClass="entr" presetSubtype="0" fill="hold" grpId="0" nodeType="withEffect">
                                   <p:stCondLst>
                                     <p:cond delay="0"/>
                                   </p:stCondLst>
@@ -9254,6 +11182,159 @@
                                     <p:set>
                                       <p:cBhvr>
                                         <p:cTn id="12" dur="1" fill="hold">
+                                          <p:stCondLst>
+                                            <p:cond delay="0"/>
+                                          </p:stCondLst>
+                                        </p:cTn>
+                                        <p:tgtEl>
+                                          <p:spTgt spid="35"/>
+                                        </p:tgtEl>
+                                        <p:attrNameLst>
+                                          <p:attrName>style.visibility</p:attrName>
+                                        </p:attrNameLst>
+                                      </p:cBhvr>
+                                      <p:to>
+                                        <p:strVal val="visible"/>
+                                      </p:to>
+                                    </p:set>
+                                  </p:childTnLst>
+                                </p:cTn>
+                              </p:par>
+                              <p:par>
+                                <p:cTn id="13" presetID="1" presetClass="entr" presetSubtype="0" fill="hold" grpId="0" nodeType="withEffect">
+                                  <p:stCondLst>
+                                    <p:cond delay="0"/>
+                                  </p:stCondLst>
+                                  <p:childTnLst>
+                                    <p:set>
+                                      <p:cBhvr>
+                                        <p:cTn id="14" dur="1" fill="hold">
+                                          <p:stCondLst>
+                                            <p:cond delay="0"/>
+                                          </p:stCondLst>
+                                        </p:cTn>
+                                        <p:tgtEl>
+                                          <p:spTgt spid="43"/>
+                                        </p:tgtEl>
+                                        <p:attrNameLst>
+                                          <p:attrName>style.visibility</p:attrName>
+                                        </p:attrNameLst>
+                                      </p:cBhvr>
+                                      <p:to>
+                                        <p:strVal val="visible"/>
+                                      </p:to>
+                                    </p:set>
+                                  </p:childTnLst>
+                                </p:cTn>
+                              </p:par>
+                              <p:par>
+                                <p:cTn id="15" presetID="1" presetClass="exit" presetSubtype="0" fill="hold" grpId="0" nodeType="withEffect">
+                                  <p:stCondLst>
+                                    <p:cond delay="0"/>
+                                  </p:stCondLst>
+                                  <p:childTnLst>
+                                    <p:set>
+                                      <p:cBhvr>
+                                        <p:cTn id="16" dur="1" fill="hold">
+                                          <p:stCondLst>
+                                            <p:cond delay="0"/>
+                                          </p:stCondLst>
+                                        </p:cTn>
+                                        <p:tgtEl>
+                                          <p:spTgt spid="29"/>
+                                        </p:tgtEl>
+                                        <p:attrNameLst>
+                                          <p:attrName>style.visibility</p:attrName>
+                                        </p:attrNameLst>
+                                      </p:cBhvr>
+                                      <p:to>
+                                        <p:strVal val="hidden"/>
+                                      </p:to>
+                                    </p:set>
+                                  </p:childTnLst>
+                                </p:cTn>
+                              </p:par>
+                            </p:childTnLst>
+                          </p:cTn>
+                        </p:par>
+                      </p:childTnLst>
+                    </p:cTn>
+                  </p:par>
+                  <p:par>
+                    <p:cTn id="17" fill="hold">
+                      <p:stCondLst>
+                        <p:cond delay="indefinite"/>
+                      </p:stCondLst>
+                      <p:childTnLst>
+                        <p:par>
+                          <p:cTn id="18" fill="hold">
+                            <p:stCondLst>
+                              <p:cond delay="0"/>
+                            </p:stCondLst>
+                            <p:childTnLst>
+                              <p:par>
+                                <p:cTn id="19" presetID="1" presetClass="entr" presetSubtype="0" fill="hold" grpId="0" nodeType="clickEffect">
+                                  <p:stCondLst>
+                                    <p:cond delay="0"/>
+                                  </p:stCondLst>
+                                  <p:childTnLst>
+                                    <p:set>
+                                      <p:cBhvr>
+                                        <p:cTn id="20" dur="1" fill="hold">
+                                          <p:stCondLst>
+                                            <p:cond delay="0"/>
+                                          </p:stCondLst>
+                                        </p:cTn>
+                                        <p:tgtEl>
+                                          <p:spTgt spid="44"/>
+                                        </p:tgtEl>
+                                        <p:attrNameLst>
+                                          <p:attrName>style.visibility</p:attrName>
+                                        </p:attrNameLst>
+                                      </p:cBhvr>
+                                      <p:to>
+                                        <p:strVal val="visible"/>
+                                      </p:to>
+                                    </p:set>
+                                  </p:childTnLst>
+                                </p:cTn>
+                              </p:par>
+                              <p:par>
+                                <p:cTn id="21" presetID="1" presetClass="exit" presetSubtype="0" fill="hold" grpId="1" nodeType="withEffect">
+                                  <p:stCondLst>
+                                    <p:cond delay="0"/>
+                                  </p:stCondLst>
+                                  <p:childTnLst>
+                                    <p:set>
+                                      <p:cBhvr>
+                                        <p:cTn id="22" dur="1" fill="hold">
+                                          <p:stCondLst>
+                                            <p:cond delay="0"/>
+                                          </p:stCondLst>
+                                        </p:cTn>
+                                        <p:tgtEl>
+                                          <p:spTgt spid="43"/>
+                                        </p:tgtEl>
+                                        <p:attrNameLst>
+                                          <p:attrName>style.visibility</p:attrName>
+                                        </p:attrNameLst>
+                                      </p:cBhvr>
+                                      <p:to>
+                                        <p:strVal val="hidden"/>
+                                      </p:to>
+                                    </p:set>
+                                  </p:childTnLst>
+                                </p:cTn>
+                              </p:par>
+                              <p:par>
+                                <p:cTn id="23" presetID="1" presetClass="exit" presetSubtype="0" fill="hold" nodeType="withEffect">
+                                  <p:stCondLst>
+                                    <p:cond delay="0"/>
+                                  </p:stCondLst>
+                                  <p:childTnLst>
+                                    <p:set>
+                                      <p:cBhvr>
+                                        <p:cTn id="24" dur="1" fill="hold">
                                           <p:stCondLst>
                                             <p:cond delay="0"/>
                                           </p:stCondLst>
@@ -9279,26 +11360,26 @@
                     </p:cTn>
                   </p:par>
                   <p:par>
-                    <p:cTn id="13" fill="hold">
+                    <p:cTn id="25" fill="hold">
                       <p:stCondLst>
                         <p:cond delay="indefinite"/>
                       </p:stCondLst>
                       <p:childTnLst>
                         <p:par>
-                          <p:cTn id="14" fill="hold">
+                          <p:cTn id="26" fill="hold">
                             <p:stCondLst>
                               <p:cond delay="0"/>
                             </p:stCondLst>
                             <p:childTnLst>
                               <p:par>
-                                <p:cTn id="15" presetID="1" presetClass="exit" presetSubtype="0" fill="hold" grpId="0" nodeType="clickEffect">
+                                <p:cTn id="27" presetID="1" presetClass="exit" presetSubtype="0" fill="hold" grpId="0" nodeType="clickEffect">
                                   <p:stCondLst>
                                     <p:cond delay="0"/>
                                   </p:stCondLst>
                                   <p:childTnLst>
                                     <p:set>
                                       <p:cBhvr>
-                                        <p:cTn id="16" dur="1" fill="hold">
+                                        <p:cTn id="28" dur="1" fill="hold">
                                           <p:stCondLst>
                                             <p:cond delay="0"/>
                                           </p:stCondLst>
@@ -9318,14 +11399,14 @@
                                 </p:cTn>
                               </p:par>
                               <p:par>
-                                <p:cTn id="17" presetID="1" presetClass="entr" presetSubtype="0" fill="hold" grpId="1" nodeType="withEffect">
+                                <p:cTn id="29" presetID="1" presetClass="entr" presetSubtype="0" fill="hold" grpId="1" nodeType="withEffect">
                                   <p:stCondLst>
                                     <p:cond delay="0"/>
                                   </p:stCondLst>
                                   <p:childTnLst>
                                     <p:set>
                                       <p:cBhvr>
-                                        <p:cTn id="18" dur="1" fill="hold">
+                                        <p:cTn id="30" dur="1" fill="hold">
                                           <p:stCondLst>
                                             <p:cond delay="0"/>
                                           </p:stCondLst>
@@ -9345,14 +11426,14 @@
                                 </p:cTn>
                               </p:par>
                               <p:par>
-                                <p:cTn id="19" presetID="1" presetClass="exit" presetSubtype="0" fill="hold" nodeType="withEffect">
+                                <p:cTn id="31" presetID="1" presetClass="exit" presetSubtype="0" fill="hold" nodeType="withEffect">
                                   <p:stCondLst>
                                     <p:cond delay="0"/>
                                   </p:stCondLst>
                                   <p:childTnLst>
                                     <p:set>
                                       <p:cBhvr>
-                                        <p:cTn id="20" dur="1" fill="hold">
+                                        <p:cTn id="32" dur="1" fill="hold">
                                           <p:stCondLst>
                                             <p:cond delay="0"/>
                                           </p:stCondLst>
@@ -9372,14 +11453,14 @@
                                 </p:cTn>
                               </p:par>
                               <p:par>
-                                <p:cTn id="21" presetID="1" presetClass="entr" presetSubtype="0" fill="hold" nodeType="withEffect">
+                                <p:cTn id="33" presetID="1" presetClass="entr" presetSubtype="0" fill="hold" nodeType="withEffect">
                                   <p:stCondLst>
                                     <p:cond delay="0"/>
                                   </p:stCondLst>
                                   <p:childTnLst>
                                     <p:set>
                                       <p:cBhvr>
-                                        <p:cTn id="22" dur="1" fill="hold">
+                                        <p:cTn id="34" dur="1" fill="hold">
                                           <p:stCondLst>
                                             <p:cond delay="0"/>
                                           </p:stCondLst>
@@ -9398,39 +11479,21 @@
                                   </p:childTnLst>
                                 </p:cTn>
                               </p:par>
-                            </p:childTnLst>
-                          </p:cTn>
-                        </p:par>
-                      </p:childTnLst>
-                    </p:cTn>
-                  </p:par>
-                  <p:par>
-                    <p:cTn id="23" fill="hold">
-                      <p:stCondLst>
-                        <p:cond delay="indefinite"/>
-                      </p:stCondLst>
-                      <p:childTnLst>
-                        <p:par>
-                          <p:cTn id="24" fill="hold">
-                            <p:stCondLst>
-                              <p:cond delay="0"/>
-                            </p:stCondLst>
-                            <p:childTnLst>
                               <p:par>
-                                <p:cTn id="25" presetID="1" presetClass="exit" presetSubtype="0" fill="hold" grpId="0" nodeType="clickEffect">
+                                <p:cTn id="35" presetID="1" presetClass="exit" presetSubtype="0" fill="hold" grpId="0" nodeType="withEffect">
                                   <p:stCondLst>
                                     <p:cond delay="0"/>
                                   </p:stCondLst>
                                   <p:childTnLst>
                                     <p:set>
                                       <p:cBhvr>
-                                        <p:cTn id="26" dur="1" fill="hold">
+                                        <p:cTn id="36" dur="1" fill="hold">
                                           <p:stCondLst>
                                             <p:cond delay="0"/>
                                           </p:stCondLst>
                                         </p:cTn>
                                         <p:tgtEl>
-                                          <p:spTgt spid="7"/>
+                                          <p:spTgt spid="45"/>
                                         </p:tgtEl>
                                         <p:attrNameLst>
                                           <p:attrName>style.visibility</p:attrName>
@@ -9444,133 +11507,7 @@
                                 </p:cTn>
                               </p:par>
                               <p:par>
-                                <p:cTn id="27" presetID="1" presetClass="entr" presetSubtype="0" fill="hold" grpId="0" nodeType="withEffect">
-                                  <p:stCondLst>
-                                    <p:cond delay="0"/>
-                                  </p:stCondLst>
-                                  <p:childTnLst>
-                                    <p:set>
-                                      <p:cBhvr>
-                                        <p:cTn id="28" dur="1" fill="hold">
-                                          <p:stCondLst>
-                                            <p:cond delay="0"/>
-                                          </p:stCondLst>
-                                        </p:cTn>
-                                        <p:tgtEl>
-                                          <p:spTgt spid="8"/>
-                                        </p:tgtEl>
-                                        <p:attrNameLst>
-                                          <p:attrName>style.visibility</p:attrName>
-                                        </p:attrNameLst>
-                                      </p:cBhvr>
-                                      <p:to>
-                                        <p:strVal val="visible"/>
-                                      </p:to>
-                                    </p:set>
-                                  </p:childTnLst>
-                                </p:cTn>
-                              </p:par>
-                              <p:par>
-                                <p:cTn id="29" presetID="1" presetClass="entr" presetSubtype="0" fill="hold" nodeType="withEffect">
-                                  <p:stCondLst>
-                                    <p:cond delay="0"/>
-                                  </p:stCondLst>
-                                  <p:childTnLst>
-                                    <p:set>
-                                      <p:cBhvr>
-                                        <p:cTn id="30" dur="1" fill="hold">
-                                          <p:stCondLst>
-                                            <p:cond delay="0"/>
-                                          </p:stCondLst>
-                                        </p:cTn>
-                                        <p:tgtEl>
-                                          <p:spTgt spid="31"/>
-                                        </p:tgtEl>
-                                        <p:attrNameLst>
-                                          <p:attrName>style.visibility</p:attrName>
-                                        </p:attrNameLst>
-                                      </p:cBhvr>
-                                      <p:to>
-                                        <p:strVal val="visible"/>
-                                      </p:to>
-                                    </p:set>
-                                  </p:childTnLst>
-                                </p:cTn>
-                              </p:par>
-                            </p:childTnLst>
-                          </p:cTn>
-                        </p:par>
-                      </p:childTnLst>
-                    </p:cTn>
-                  </p:par>
-                  <p:par>
-                    <p:cTn id="31" fill="hold">
-                      <p:stCondLst>
-                        <p:cond delay="indefinite"/>
-                      </p:stCondLst>
-                      <p:childTnLst>
-                        <p:par>
-                          <p:cTn id="32" fill="hold">
-                            <p:stCondLst>
-                              <p:cond delay="0"/>
-                            </p:stCondLst>
-                            <p:childTnLst>
-                              <p:par>
-                                <p:cTn id="33" presetID="1" presetClass="exit" presetSubtype="0" fill="hold" grpId="1" nodeType="clickEffect">
-                                  <p:stCondLst>
-                                    <p:cond delay="0"/>
-                                  </p:stCondLst>
-                                  <p:childTnLst>
-                                    <p:set>
-                                      <p:cBhvr>
-                                        <p:cTn id="34" dur="1" fill="hold">
-                                          <p:stCondLst>
-                                            <p:cond delay="0"/>
-                                          </p:stCondLst>
-                                        </p:cTn>
-                                        <p:tgtEl>
-                                          <p:spTgt spid="8"/>
-                                        </p:tgtEl>
-                                        <p:attrNameLst>
-                                          <p:attrName>style.visibility</p:attrName>
-                                        </p:attrNameLst>
-                                      </p:cBhvr>
-                                      <p:to>
-                                        <p:strVal val="hidden"/>
-                                      </p:to>
-                                    </p:set>
-                                  </p:childTnLst>
-                                </p:cTn>
-                              </p:par>
-                              <p:par>
-                                <p:cTn id="35" presetID="1" presetClass="entr" presetSubtype="0" fill="hold" grpId="0" nodeType="withEffect">
-                                  <p:stCondLst>
-                                    <p:cond delay="0"/>
-                                  </p:stCondLst>
-                                  <p:childTnLst>
-                                    <p:set>
-                                      <p:cBhvr>
-                                        <p:cTn id="36" dur="1" fill="hold">
-                                          <p:stCondLst>
-                                            <p:cond delay="0"/>
-                                          </p:stCondLst>
-                                        </p:cTn>
-                                        <p:tgtEl>
-                                          <p:spTgt spid="9"/>
-                                        </p:tgtEl>
-                                        <p:attrNameLst>
-                                          <p:attrName>style.visibility</p:attrName>
-                                        </p:attrNameLst>
-                                      </p:cBhvr>
-                                      <p:to>
-                                        <p:strVal val="visible"/>
-                                      </p:to>
-                                    </p:set>
-                                  </p:childTnLst>
-                                </p:cTn>
-                              </p:par>
-                              <p:par>
-                                <p:cTn id="37" presetID="1" presetClass="exit" presetSubtype="0" fill="hold" nodeType="withEffect">
+                                <p:cTn id="37" presetID="1" presetClass="entr" presetSubtype="0" fill="hold" grpId="0" nodeType="withEffect">
                                   <p:stCondLst>
                                     <p:cond delay="0"/>
                                   </p:stCondLst>
@@ -9583,14 +11520,14 @@
                                           </p:stCondLst>
                                         </p:cTn>
                                         <p:tgtEl>
-                                          <p:spTgt spid="13"/>
+                                          <p:spTgt spid="46"/>
                                         </p:tgtEl>
                                         <p:attrNameLst>
                                           <p:attrName>style.visibility</p:attrName>
                                         </p:attrNameLst>
                                       </p:cBhvr>
                                       <p:to>
-                                        <p:strVal val="hidden"/>
+                                        <p:strVal val="visible"/>
                                       </p:to>
                                     </p:set>
                                   </p:childTnLst>
@@ -9615,7 +11552,7 @@
                             </p:stCondLst>
                             <p:childTnLst>
                               <p:par>
-                                <p:cTn id="41" presetID="1" presetClass="exit" presetSubtype="0" fill="hold" grpId="1" nodeType="clickEffect">
+                                <p:cTn id="41" presetID="1" presetClass="exit" presetSubtype="0" fill="hold" grpId="0" nodeType="clickEffect">
                                   <p:stCondLst>
                                     <p:cond delay="0"/>
                                   </p:stCondLst>
@@ -9628,7 +11565,7 @@
                                           </p:stCondLst>
                                         </p:cTn>
                                         <p:tgtEl>
-                                          <p:spTgt spid="9"/>
+                                          <p:spTgt spid="7"/>
                                         </p:tgtEl>
                                         <p:attrNameLst>
                                           <p:attrName>style.visibility</p:attrName>
@@ -9655,6 +11592,312 @@
                                           </p:stCondLst>
                                         </p:cTn>
                                         <p:tgtEl>
+                                          <p:spTgt spid="8"/>
+                                        </p:tgtEl>
+                                        <p:attrNameLst>
+                                          <p:attrName>style.visibility</p:attrName>
+                                        </p:attrNameLst>
+                                      </p:cBhvr>
+                                      <p:to>
+                                        <p:strVal val="visible"/>
+                                      </p:to>
+                                    </p:set>
+                                  </p:childTnLst>
+                                </p:cTn>
+                              </p:par>
+                              <p:par>
+                                <p:cTn id="45" presetID="1" presetClass="entr" presetSubtype="0" fill="hold" nodeType="withEffect">
+                                  <p:stCondLst>
+                                    <p:cond delay="0"/>
+                                  </p:stCondLst>
+                                  <p:childTnLst>
+                                    <p:set>
+                                      <p:cBhvr>
+                                        <p:cTn id="46" dur="1" fill="hold">
+                                          <p:stCondLst>
+                                            <p:cond delay="0"/>
+                                          </p:stCondLst>
+                                        </p:cTn>
+                                        <p:tgtEl>
+                                          <p:spTgt spid="31"/>
+                                        </p:tgtEl>
+                                        <p:attrNameLst>
+                                          <p:attrName>style.visibility</p:attrName>
+                                        </p:attrNameLst>
+                                      </p:cBhvr>
+                                      <p:to>
+                                        <p:strVal val="visible"/>
+                                      </p:to>
+                                    </p:set>
+                                  </p:childTnLst>
+                                </p:cTn>
+                              </p:par>
+                              <p:par>
+                                <p:cTn id="47" presetID="1" presetClass="entr" presetSubtype="0" fill="hold" grpId="0" nodeType="withEffect">
+                                  <p:stCondLst>
+                                    <p:cond delay="0"/>
+                                  </p:stCondLst>
+                                  <p:childTnLst>
+                                    <p:set>
+                                      <p:cBhvr>
+                                        <p:cTn id="48" dur="1" fill="hold">
+                                          <p:stCondLst>
+                                            <p:cond delay="0"/>
+                                          </p:stCondLst>
+                                        </p:cTn>
+                                        <p:tgtEl>
+                                          <p:spTgt spid="39"/>
+                                        </p:tgtEl>
+                                        <p:attrNameLst>
+                                          <p:attrName>style.visibility</p:attrName>
+                                        </p:attrNameLst>
+                                      </p:cBhvr>
+                                      <p:to>
+                                        <p:strVal val="visible"/>
+                                      </p:to>
+                                    </p:set>
+                                  </p:childTnLst>
+                                </p:cTn>
+                              </p:par>
+                              <p:par>
+                                <p:cTn id="49" presetID="1" presetClass="exit" presetSubtype="0" fill="hold" grpId="0" nodeType="withEffect">
+                                  <p:stCondLst>
+                                    <p:cond delay="0"/>
+                                  </p:stCondLst>
+                                  <p:childTnLst>
+                                    <p:set>
+                                      <p:cBhvr>
+                                        <p:cTn id="50" dur="1" fill="hold">
+                                          <p:stCondLst>
+                                            <p:cond delay="0"/>
+                                          </p:stCondLst>
+                                        </p:cTn>
+                                        <p:tgtEl>
+                                          <p:spTgt spid="38"/>
+                                        </p:tgtEl>
+                                        <p:attrNameLst>
+                                          <p:attrName>style.visibility</p:attrName>
+                                        </p:attrNameLst>
+                                      </p:cBhvr>
+                                      <p:to>
+                                        <p:strVal val="hidden"/>
+                                      </p:to>
+                                    </p:set>
+                                  </p:childTnLst>
+                                </p:cTn>
+                              </p:par>
+                            </p:childTnLst>
+                          </p:cTn>
+                        </p:par>
+                      </p:childTnLst>
+                    </p:cTn>
+                  </p:par>
+                  <p:par>
+                    <p:cTn id="51" fill="hold">
+                      <p:stCondLst>
+                        <p:cond delay="indefinite"/>
+                      </p:stCondLst>
+                      <p:childTnLst>
+                        <p:par>
+                          <p:cTn id="52" fill="hold">
+                            <p:stCondLst>
+                              <p:cond delay="0"/>
+                            </p:stCondLst>
+                            <p:childTnLst>
+                              <p:par>
+                                <p:cTn id="53" presetID="1" presetClass="exit" presetSubtype="0" fill="hold" grpId="1" nodeType="clickEffect">
+                                  <p:stCondLst>
+                                    <p:cond delay="0"/>
+                                  </p:stCondLst>
+                                  <p:childTnLst>
+                                    <p:set>
+                                      <p:cBhvr>
+                                        <p:cTn id="54" dur="1" fill="hold">
+                                          <p:stCondLst>
+                                            <p:cond delay="0"/>
+                                          </p:stCondLst>
+                                        </p:cTn>
+                                        <p:tgtEl>
+                                          <p:spTgt spid="8"/>
+                                        </p:tgtEl>
+                                        <p:attrNameLst>
+                                          <p:attrName>style.visibility</p:attrName>
+                                        </p:attrNameLst>
+                                      </p:cBhvr>
+                                      <p:to>
+                                        <p:strVal val="hidden"/>
+                                      </p:to>
+                                    </p:set>
+                                  </p:childTnLst>
+                                </p:cTn>
+                              </p:par>
+                              <p:par>
+                                <p:cTn id="55" presetID="1" presetClass="entr" presetSubtype="0" fill="hold" grpId="0" nodeType="withEffect">
+                                  <p:stCondLst>
+                                    <p:cond delay="0"/>
+                                  </p:stCondLst>
+                                  <p:childTnLst>
+                                    <p:set>
+                                      <p:cBhvr>
+                                        <p:cTn id="56" dur="1" fill="hold">
+                                          <p:stCondLst>
+                                            <p:cond delay="0"/>
+                                          </p:stCondLst>
+                                        </p:cTn>
+                                        <p:tgtEl>
+                                          <p:spTgt spid="9"/>
+                                        </p:tgtEl>
+                                        <p:attrNameLst>
+                                          <p:attrName>style.visibility</p:attrName>
+                                        </p:attrNameLst>
+                                      </p:cBhvr>
+                                      <p:to>
+                                        <p:strVal val="visible"/>
+                                      </p:to>
+                                    </p:set>
+                                  </p:childTnLst>
+                                </p:cTn>
+                              </p:par>
+                              <p:par>
+                                <p:cTn id="57" presetID="1" presetClass="entr" presetSubtype="0" fill="hold" grpId="0" nodeType="withEffect">
+                                  <p:stCondLst>
+                                    <p:cond delay="0"/>
+                                  </p:stCondLst>
+                                  <p:childTnLst>
+                                    <p:set>
+                                      <p:cBhvr>
+                                        <p:cTn id="58" dur="1" fill="hold">
+                                          <p:stCondLst>
+                                            <p:cond delay="0"/>
+                                          </p:stCondLst>
+                                        </p:cTn>
+                                        <p:tgtEl>
+                                          <p:spTgt spid="41"/>
+                                        </p:tgtEl>
+                                        <p:attrNameLst>
+                                          <p:attrName>style.visibility</p:attrName>
+                                        </p:attrNameLst>
+                                      </p:cBhvr>
+                                      <p:to>
+                                        <p:strVal val="visible"/>
+                                      </p:to>
+                                    </p:set>
+                                  </p:childTnLst>
+                                </p:cTn>
+                              </p:par>
+                              <p:par>
+                                <p:cTn id="59" presetID="1" presetClass="exit" presetSubtype="0" fill="hold" nodeType="withEffect">
+                                  <p:stCondLst>
+                                    <p:cond delay="0"/>
+                                  </p:stCondLst>
+                                  <p:childTnLst>
+                                    <p:set>
+                                      <p:cBhvr>
+                                        <p:cTn id="60" dur="1" fill="hold">
+                                          <p:stCondLst>
+                                            <p:cond delay="0"/>
+                                          </p:stCondLst>
+                                        </p:cTn>
+                                        <p:tgtEl>
+                                          <p:spTgt spid="13"/>
+                                        </p:tgtEl>
+                                        <p:attrNameLst>
+                                          <p:attrName>style.visibility</p:attrName>
+                                        </p:attrNameLst>
+                                      </p:cBhvr>
+                                      <p:to>
+                                        <p:strVal val="hidden"/>
+                                      </p:to>
+                                    </p:set>
+                                  </p:childTnLst>
+                                </p:cTn>
+                              </p:par>
+                              <p:par>
+                                <p:cTn id="61" presetID="1" presetClass="exit" presetSubtype="0" fill="hold" grpId="0" nodeType="withEffect">
+                                  <p:stCondLst>
+                                    <p:cond delay="0"/>
+                                  </p:stCondLst>
+                                  <p:childTnLst>
+                                    <p:set>
+                                      <p:cBhvr>
+                                        <p:cTn id="62" dur="1" fill="hold">
+                                          <p:stCondLst>
+                                            <p:cond delay="0"/>
+                                          </p:stCondLst>
+                                        </p:cTn>
+                                        <p:tgtEl>
+                                          <p:spTgt spid="40"/>
+                                        </p:tgtEl>
+                                        <p:attrNameLst>
+                                          <p:attrName>style.visibility</p:attrName>
+                                        </p:attrNameLst>
+                                      </p:cBhvr>
+                                      <p:to>
+                                        <p:strVal val="hidden"/>
+                                      </p:to>
+                                    </p:set>
+                                  </p:childTnLst>
+                                </p:cTn>
+                              </p:par>
+                            </p:childTnLst>
+                          </p:cTn>
+                        </p:par>
+                      </p:childTnLst>
+                    </p:cTn>
+                  </p:par>
+                  <p:par>
+                    <p:cTn id="63" fill="hold">
+                      <p:stCondLst>
+                        <p:cond delay="indefinite"/>
+                      </p:stCondLst>
+                      <p:childTnLst>
+                        <p:par>
+                          <p:cTn id="64" fill="hold">
+                            <p:stCondLst>
+                              <p:cond delay="0"/>
+                            </p:stCondLst>
+                            <p:childTnLst>
+                              <p:par>
+                                <p:cTn id="65" presetID="1" presetClass="exit" presetSubtype="0" fill="hold" grpId="1" nodeType="clickEffect">
+                                  <p:stCondLst>
+                                    <p:cond delay="0"/>
+                                  </p:stCondLst>
+                                  <p:childTnLst>
+                                    <p:set>
+                                      <p:cBhvr>
+                                        <p:cTn id="66" dur="1" fill="hold">
+                                          <p:stCondLst>
+                                            <p:cond delay="0"/>
+                                          </p:stCondLst>
+                                        </p:cTn>
+                                        <p:tgtEl>
+                                          <p:spTgt spid="9"/>
+                                        </p:tgtEl>
+                                        <p:attrNameLst>
+                                          <p:attrName>style.visibility</p:attrName>
+                                        </p:attrNameLst>
+                                      </p:cBhvr>
+                                      <p:to>
+                                        <p:strVal val="hidden"/>
+                                      </p:to>
+                                    </p:set>
+                                  </p:childTnLst>
+                                </p:cTn>
+                              </p:par>
+                              <p:par>
+                                <p:cTn id="67" presetID="1" presetClass="entr" presetSubtype="0" fill="hold" grpId="0" nodeType="withEffect">
+                                  <p:stCondLst>
+                                    <p:cond delay="0"/>
+                                  </p:stCondLst>
+                                  <p:childTnLst>
+                                    <p:set>
+                                      <p:cBhvr>
+                                        <p:cTn id="68" dur="1" fill="hold">
+                                          <p:stCondLst>
+                                            <p:cond delay="0"/>
+                                          </p:stCondLst>
+                                        </p:cTn>
+                                        <p:tgtEl>
                                           <p:spTgt spid="28"/>
                                         </p:tgtEl>
                                         <p:attrNameLst>
@@ -9669,14 +11912,14 @@
                                 </p:cTn>
                               </p:par>
                               <p:par>
-                                <p:cTn id="45" presetID="1" presetClass="entr" presetSubtype="0" fill="hold" grpId="0" nodeType="withEffect">
+                                <p:cTn id="69" presetID="1" presetClass="entr" presetSubtype="0" fill="hold" grpId="0" nodeType="withEffect">
                                   <p:stCondLst>
                                     <p:cond delay="0"/>
                                   </p:stCondLst>
                                   <p:childTnLst>
                                     <p:set>
                                       <p:cBhvr>
-                                        <p:cTn id="46" dur="1" fill="hold">
+                                        <p:cTn id="70" dur="1" fill="hold">
                                           <p:stCondLst>
                                             <p:cond delay="0"/>
                                           </p:stCondLst>
@@ -9734,6 +11977,17 @@
       <p:bldP spid="33" grpId="0"/>
       <p:bldP spid="27" grpId="0" animBg="1"/>
       <p:bldP spid="28" grpId="0"/>
+      <p:bldP spid="29" grpId="0"/>
+      <p:bldP spid="35" grpId="0"/>
+      <p:bldP spid="38" grpId="0"/>
+      <p:bldP spid="39" grpId="0"/>
+      <p:bldP spid="40" grpId="0"/>
+      <p:bldP spid="41" grpId="0"/>
+      <p:bldP spid="43" grpId="0"/>
+      <p:bldP spid="43" grpId="1"/>
+      <p:bldP spid="44" grpId="0"/>
+      <p:bldP spid="45" grpId="0"/>
+      <p:bldP spid="46" grpId="0"/>
     </p:bldLst>
   </p:timing>
 </p:sld>
@@ -9941,7 +12195,7 @@
         </p:nvSpPr>
         <p:spPr>
           <a:xfrm>
-            <a:off x="5856977" y="3396959"/>
+            <a:off x="5765095" y="2639246"/>
             <a:ext cx="3228348" cy="646331"/>
           </a:xfrm>
           <a:prstGeom prst="rect">
@@ -9980,7 +12234,7 @@
         </p:nvSpPr>
         <p:spPr>
           <a:xfrm>
-            <a:off x="10014894" y="3861285"/>
+            <a:off x="10112531" y="3955574"/>
             <a:ext cx="2552701" cy="923330"/>
           </a:xfrm>
           <a:prstGeom prst="rect">
@@ -10019,7 +12273,7 @@
         </p:nvSpPr>
         <p:spPr>
           <a:xfrm>
-            <a:off x="4795520" y="2578060"/>
+            <a:off x="4682542" y="1878694"/>
             <a:ext cx="5262094" cy="707886"/>
           </a:xfrm>
           <a:prstGeom prst="rect">
@@ -10659,7 +12913,7 @@
         </p:nvSpPr>
         <p:spPr>
           <a:xfrm>
-            <a:off x="1835181" y="3166300"/>
+            <a:off x="1232553" y="2494342"/>
             <a:ext cx="4096364" cy="646331"/>
           </a:xfrm>
           <a:prstGeom prst="rect">
@@ -10733,7 +12987,7 @@
         </p:nvSpPr>
         <p:spPr>
           <a:xfrm>
-            <a:off x="9218002" y="3166300"/>
+            <a:off x="9701068" y="2610049"/>
             <a:ext cx="4096364" cy="646331"/>
           </a:xfrm>
           <a:prstGeom prst="rect">
@@ -10927,6 +13181,686 @@
                 </a:solidFill>
               </a:rPr>
               <a:t>7. A button appears, returning the user to the landing page</a:t>
+            </a:r>
+          </a:p>
+        </p:txBody>
+      </p:sp>
+      <p:sp>
+        <p:nvSpPr>
+          <p:cNvPr id="6" name="TextBox 5">
+            <a:extLst>
+              <a:ext uri="{FF2B5EF4-FFF2-40B4-BE49-F238E27FC236}">
+                <a16:creationId xmlns:a16="http://schemas.microsoft.com/office/drawing/2014/main" id="{D201D895-44CA-FBD4-112A-EC69C691AD40}"/>
+              </a:ext>
+            </a:extLst>
+          </p:cNvPr>
+          <p:cNvSpPr txBox="1"/>
+          <p:nvPr/>
+        </p:nvSpPr>
+        <p:spPr>
+          <a:xfrm>
+            <a:off x="6454542" y="1195204"/>
+            <a:ext cx="1625961" cy="646331"/>
+          </a:xfrm>
+          <a:prstGeom prst="rect">
+            <a:avLst/>
+          </a:prstGeom>
+          <a:noFill/>
+        </p:spPr>
+        <p:txBody>
+          <a:bodyPr wrap="square" rtlCol="0">
+            <a:spAutoFit/>
+          </a:bodyPr>
+          <a:lstStyle/>
+          <a:p>
+            <a:pPr algn="ctr"/>
+            <a:r>
+              <a:rPr lang="en-US" sz="3600" b="1" dirty="0">
+                <a:solidFill>
+                  <a:schemeClr val="bg1"/>
+                </a:solidFill>
+              </a:rPr>
+              <a:t>Dealer</a:t>
+            </a:r>
+          </a:p>
+        </p:txBody>
+      </p:sp>
+      <p:sp>
+        <p:nvSpPr>
+          <p:cNvPr id="9" name="TextBox 8">
+            <a:extLst>
+              <a:ext uri="{FF2B5EF4-FFF2-40B4-BE49-F238E27FC236}">
+                <a16:creationId xmlns:a16="http://schemas.microsoft.com/office/drawing/2014/main" id="{F1ECB534-9C9F-3E1A-7498-319DBCD4307C}"/>
+              </a:ext>
+            </a:extLst>
+          </p:cNvPr>
+          <p:cNvSpPr txBox="1"/>
+          <p:nvPr/>
+        </p:nvSpPr>
+        <p:spPr>
+          <a:xfrm>
+            <a:off x="6626680" y="3927593"/>
+            <a:ext cx="1085850" cy="523220"/>
+          </a:xfrm>
+          <a:prstGeom prst="rect">
+            <a:avLst/>
+          </a:prstGeom>
+          <a:noFill/>
+        </p:spPr>
+        <p:txBody>
+          <a:bodyPr wrap="square" rtlCol="0">
+            <a:spAutoFit/>
+          </a:bodyPr>
+          <a:lstStyle/>
+          <a:p>
+            <a:pPr algn="ctr"/>
+            <a:r>
+              <a:rPr lang="en-US" sz="2800" b="1" dirty="0">
+                <a:solidFill>
+                  <a:schemeClr val="bg1"/>
+                </a:solidFill>
+              </a:rPr>
+              <a:t>11</a:t>
+            </a:r>
+          </a:p>
+        </p:txBody>
+      </p:sp>
+      <p:sp>
+        <p:nvSpPr>
+          <p:cNvPr id="15" name="TextBox 14">
+            <a:extLst>
+              <a:ext uri="{FF2B5EF4-FFF2-40B4-BE49-F238E27FC236}">
+                <a16:creationId xmlns:a16="http://schemas.microsoft.com/office/drawing/2014/main" id="{40EF028D-6AE7-D4C7-7FFC-D5DCA85153E8}"/>
+              </a:ext>
+            </a:extLst>
+          </p:cNvPr>
+          <p:cNvSpPr txBox="1"/>
+          <p:nvPr/>
+        </p:nvSpPr>
+        <p:spPr>
+          <a:xfrm rot="21214720">
+            <a:off x="8363391" y="3741376"/>
+            <a:ext cx="1085850" cy="523220"/>
+          </a:xfrm>
+          <a:prstGeom prst="rect">
+            <a:avLst/>
+          </a:prstGeom>
+          <a:noFill/>
+        </p:spPr>
+        <p:txBody>
+          <a:bodyPr wrap="square" rtlCol="0">
+            <a:spAutoFit/>
+          </a:bodyPr>
+          <a:lstStyle/>
+          <a:p>
+            <a:pPr algn="ctr"/>
+            <a:r>
+              <a:rPr lang="en-US" sz="2800" b="1" dirty="0">
+                <a:solidFill>
+                  <a:schemeClr val="bg1"/>
+                </a:solidFill>
+              </a:rPr>
+              <a:t>12</a:t>
+            </a:r>
+          </a:p>
+        </p:txBody>
+      </p:sp>
+      <p:sp>
+        <p:nvSpPr>
+          <p:cNvPr id="16" name="TextBox 15">
+            <a:extLst>
+              <a:ext uri="{FF2B5EF4-FFF2-40B4-BE49-F238E27FC236}">
+                <a16:creationId xmlns:a16="http://schemas.microsoft.com/office/drawing/2014/main" id="{1EC39438-2B2B-0725-E309-09FA95705669}"/>
+              </a:ext>
+            </a:extLst>
+          </p:cNvPr>
+          <p:cNvSpPr txBox="1"/>
+          <p:nvPr/>
+        </p:nvSpPr>
+        <p:spPr>
+          <a:xfrm rot="948362">
+            <a:off x="3635084" y="3640815"/>
+            <a:ext cx="1085850" cy="523220"/>
+          </a:xfrm>
+          <a:prstGeom prst="rect">
+            <a:avLst/>
+          </a:prstGeom>
+          <a:noFill/>
+        </p:spPr>
+        <p:txBody>
+          <a:bodyPr wrap="square" rtlCol="0">
+            <a:spAutoFit/>
+          </a:bodyPr>
+          <a:lstStyle/>
+          <a:p>
+            <a:pPr algn="ctr"/>
+            <a:r>
+              <a:rPr lang="en-US" sz="2800" b="1" dirty="0">
+                <a:solidFill>
+                  <a:schemeClr val="bg1"/>
+                </a:solidFill>
+              </a:rPr>
+              <a:t>22</a:t>
+            </a:r>
+          </a:p>
+        </p:txBody>
+      </p:sp>
+      <p:sp>
+        <p:nvSpPr>
+          <p:cNvPr id="27" name="TextBox 26">
+            <a:extLst>
+              <a:ext uri="{FF2B5EF4-FFF2-40B4-BE49-F238E27FC236}">
+                <a16:creationId xmlns:a16="http://schemas.microsoft.com/office/drawing/2014/main" id="{C627DEFE-9BC7-E3C9-BD05-620791810E6D}"/>
+              </a:ext>
+            </a:extLst>
+          </p:cNvPr>
+          <p:cNvSpPr txBox="1"/>
+          <p:nvPr/>
+        </p:nvSpPr>
+        <p:spPr>
+          <a:xfrm rot="511053">
+            <a:off x="5417578" y="3816490"/>
+            <a:ext cx="1085850" cy="523220"/>
+          </a:xfrm>
+          <a:prstGeom prst="rect">
+            <a:avLst/>
+          </a:prstGeom>
+          <a:noFill/>
+        </p:spPr>
+        <p:txBody>
+          <a:bodyPr wrap="square" rtlCol="0">
+            <a:spAutoFit/>
+          </a:bodyPr>
+          <a:lstStyle/>
+          <a:p>
+            <a:pPr algn="ctr"/>
+            <a:r>
+              <a:rPr lang="en-US" sz="2800" b="1" dirty="0">
+                <a:solidFill>
+                  <a:schemeClr val="bg1"/>
+                </a:solidFill>
+              </a:rPr>
+              <a:t>19</a:t>
+            </a:r>
+          </a:p>
+        </p:txBody>
+      </p:sp>
+      <p:sp>
+        <p:nvSpPr>
+          <p:cNvPr id="28" name="TextBox 27">
+            <a:extLst>
+              <a:ext uri="{FF2B5EF4-FFF2-40B4-BE49-F238E27FC236}">
+                <a16:creationId xmlns:a16="http://schemas.microsoft.com/office/drawing/2014/main" id="{39CFBDC4-FCE7-1CC8-C758-1D052B184668}"/>
+              </a:ext>
+            </a:extLst>
+          </p:cNvPr>
+          <p:cNvSpPr txBox="1"/>
+          <p:nvPr/>
+        </p:nvSpPr>
+        <p:spPr>
+          <a:xfrm>
+            <a:off x="7101502" y="3919710"/>
+            <a:ext cx="1085850" cy="523220"/>
+          </a:xfrm>
+          <a:prstGeom prst="rect">
+            <a:avLst/>
+          </a:prstGeom>
+          <a:noFill/>
+        </p:spPr>
+        <p:txBody>
+          <a:bodyPr wrap="square" rtlCol="0">
+            <a:spAutoFit/>
+          </a:bodyPr>
+          <a:lstStyle/>
+          <a:p>
+            <a:pPr algn="ctr"/>
+            <a:r>
+              <a:rPr lang="en-US" sz="2800" b="1" dirty="0">
+                <a:solidFill>
+                  <a:srgbClr val="FFFF00"/>
+                </a:solidFill>
+              </a:rPr>
+              <a:t>21</a:t>
+            </a:r>
+          </a:p>
+        </p:txBody>
+      </p:sp>
+      <p:sp>
+        <p:nvSpPr>
+          <p:cNvPr id="41" name="TextBox 40">
+            <a:extLst>
+              <a:ext uri="{FF2B5EF4-FFF2-40B4-BE49-F238E27FC236}">
+                <a16:creationId xmlns:a16="http://schemas.microsoft.com/office/drawing/2014/main" id="{C93D7654-F1A3-1473-C014-6DB48BD55033}"/>
+              </a:ext>
+            </a:extLst>
+          </p:cNvPr>
+          <p:cNvSpPr txBox="1"/>
+          <p:nvPr/>
+        </p:nvSpPr>
+        <p:spPr>
+          <a:xfrm rot="21214720">
+            <a:off x="8752937" y="3690979"/>
+            <a:ext cx="1085850" cy="523220"/>
+          </a:xfrm>
+          <a:prstGeom prst="rect">
+            <a:avLst/>
+          </a:prstGeom>
+          <a:noFill/>
+        </p:spPr>
+        <p:txBody>
+          <a:bodyPr wrap="square" rtlCol="0">
+            <a:spAutoFit/>
+          </a:bodyPr>
+          <a:lstStyle/>
+          <a:p>
+            <a:pPr algn="ctr"/>
+            <a:r>
+              <a:rPr lang="en-US" sz="2800" b="1" dirty="0">
+                <a:solidFill>
+                  <a:schemeClr val="bg1"/>
+                </a:solidFill>
+              </a:rPr>
+              <a:t>17</a:t>
+            </a:r>
+          </a:p>
+        </p:txBody>
+      </p:sp>
+      <p:sp>
+        <p:nvSpPr>
+          <p:cNvPr id="42" name="TextBox 41">
+            <a:extLst>
+              <a:ext uri="{FF2B5EF4-FFF2-40B4-BE49-F238E27FC236}">
+                <a16:creationId xmlns:a16="http://schemas.microsoft.com/office/drawing/2014/main" id="{0328AE76-D42E-0AD7-84FB-FD5211EB332C}"/>
+              </a:ext>
+            </a:extLst>
+          </p:cNvPr>
+          <p:cNvSpPr txBox="1"/>
+          <p:nvPr/>
+        </p:nvSpPr>
+        <p:spPr>
+          <a:xfrm rot="948362">
+            <a:off x="3511054" y="3200074"/>
+            <a:ext cx="1085850" cy="523220"/>
+          </a:xfrm>
+          <a:prstGeom prst="rect">
+            <a:avLst/>
+          </a:prstGeom>
+          <a:noFill/>
+        </p:spPr>
+        <p:txBody>
+          <a:bodyPr wrap="square" rtlCol="0">
+            <a:spAutoFit/>
+          </a:bodyPr>
+          <a:lstStyle/>
+          <a:p>
+            <a:pPr algn="ctr"/>
+            <a:r>
+              <a:rPr lang="en-US" sz="2800" b="1" dirty="0">
+                <a:solidFill>
+                  <a:schemeClr val="bg1"/>
+                </a:solidFill>
+              </a:rPr>
+              <a:t>Bust!</a:t>
+            </a:r>
+          </a:p>
+        </p:txBody>
+      </p:sp>
+      <p:sp>
+        <p:nvSpPr>
+          <p:cNvPr id="44" name="TextBox 43">
+            <a:extLst>
+              <a:ext uri="{FF2B5EF4-FFF2-40B4-BE49-F238E27FC236}">
+                <a16:creationId xmlns:a16="http://schemas.microsoft.com/office/drawing/2014/main" id="{A867DE7B-E5E4-66AA-1A2A-E847B2D7C92E}"/>
+              </a:ext>
+            </a:extLst>
+          </p:cNvPr>
+          <p:cNvSpPr txBox="1"/>
+          <p:nvPr/>
+        </p:nvSpPr>
+        <p:spPr>
+          <a:xfrm rot="558731">
+            <a:off x="4861467" y="3457363"/>
+            <a:ext cx="1296612" cy="523220"/>
+          </a:xfrm>
+          <a:prstGeom prst="rect">
+            <a:avLst/>
+          </a:prstGeom>
+          <a:noFill/>
+        </p:spPr>
+        <p:txBody>
+          <a:bodyPr wrap="square" rtlCol="0">
+            <a:spAutoFit/>
+          </a:bodyPr>
+          <a:lstStyle/>
+          <a:p>
+            <a:pPr algn="ctr"/>
+            <a:r>
+              <a:rPr lang="en-US" sz="2800" b="1" dirty="0">
+                <a:solidFill>
+                  <a:schemeClr val="bg1"/>
+                </a:solidFill>
+              </a:rPr>
+              <a:t>Stand!</a:t>
+            </a:r>
+          </a:p>
+        </p:txBody>
+      </p:sp>
+      <p:sp>
+        <p:nvSpPr>
+          <p:cNvPr id="45" name="TextBox 44">
+            <a:extLst>
+              <a:ext uri="{FF2B5EF4-FFF2-40B4-BE49-F238E27FC236}">
+                <a16:creationId xmlns:a16="http://schemas.microsoft.com/office/drawing/2014/main" id="{820DD307-6AB0-A1D1-4BEA-C261EDC1F9B0}"/>
+              </a:ext>
+            </a:extLst>
+          </p:cNvPr>
+          <p:cNvSpPr txBox="1"/>
+          <p:nvPr/>
+        </p:nvSpPr>
+        <p:spPr>
+          <a:xfrm rot="558731">
+            <a:off x="5778026" y="3650738"/>
+            <a:ext cx="1296612" cy="523220"/>
+          </a:xfrm>
+          <a:prstGeom prst="rect">
+            <a:avLst/>
+          </a:prstGeom>
+          <a:noFill/>
+        </p:spPr>
+        <p:txBody>
+          <a:bodyPr wrap="square" rtlCol="0">
+            <a:spAutoFit/>
+          </a:bodyPr>
+          <a:lstStyle/>
+          <a:p>
+            <a:pPr algn="ctr"/>
+            <a:r>
+              <a:rPr lang="en-US" sz="2800" b="1" dirty="0">
+                <a:solidFill>
+                  <a:schemeClr val="bg1"/>
+                </a:solidFill>
+              </a:rPr>
+              <a:t>Win!</a:t>
+            </a:r>
+          </a:p>
+        </p:txBody>
+      </p:sp>
+      <p:sp>
+        <p:nvSpPr>
+          <p:cNvPr id="46" name="TextBox 45">
+            <a:extLst>
+              <a:ext uri="{FF2B5EF4-FFF2-40B4-BE49-F238E27FC236}">
+                <a16:creationId xmlns:a16="http://schemas.microsoft.com/office/drawing/2014/main" id="{75179565-B93A-3F26-1EE1-D34ED9C79A9F}"/>
+              </a:ext>
+            </a:extLst>
+          </p:cNvPr>
+          <p:cNvSpPr txBox="1"/>
+          <p:nvPr/>
+        </p:nvSpPr>
+        <p:spPr>
+          <a:xfrm>
+            <a:off x="6104525" y="3302916"/>
+            <a:ext cx="1296612" cy="523220"/>
+          </a:xfrm>
+          <a:prstGeom prst="rect">
+            <a:avLst/>
+          </a:prstGeom>
+          <a:noFill/>
+        </p:spPr>
+        <p:txBody>
+          <a:bodyPr wrap="square" rtlCol="0">
+            <a:spAutoFit/>
+          </a:bodyPr>
+          <a:lstStyle/>
+          <a:p>
+            <a:pPr algn="ctr"/>
+            <a:r>
+              <a:rPr lang="en-US" sz="2800" b="1" dirty="0">
+                <a:solidFill>
+                  <a:schemeClr val="bg1"/>
+                </a:solidFill>
+              </a:rPr>
+              <a:t>Hit!</a:t>
+            </a:r>
+          </a:p>
+        </p:txBody>
+      </p:sp>
+      <p:sp>
+        <p:nvSpPr>
+          <p:cNvPr id="47" name="TextBox 46">
+            <a:extLst>
+              <a:ext uri="{FF2B5EF4-FFF2-40B4-BE49-F238E27FC236}">
+                <a16:creationId xmlns:a16="http://schemas.microsoft.com/office/drawing/2014/main" id="{8210AB62-BF40-3B9E-BB8A-AF791AE92FBA}"/>
+              </a:ext>
+            </a:extLst>
+          </p:cNvPr>
+          <p:cNvSpPr txBox="1"/>
+          <p:nvPr/>
+        </p:nvSpPr>
+        <p:spPr>
+          <a:xfrm>
+            <a:off x="6886125" y="3612284"/>
+            <a:ext cx="1296612" cy="523220"/>
+          </a:xfrm>
+          <a:prstGeom prst="rect">
+            <a:avLst/>
+          </a:prstGeom>
+          <a:noFill/>
+        </p:spPr>
+        <p:txBody>
+          <a:bodyPr wrap="square" rtlCol="0">
+            <a:spAutoFit/>
+          </a:bodyPr>
+          <a:lstStyle/>
+          <a:p>
+            <a:pPr algn="ctr"/>
+            <a:r>
+              <a:rPr lang="en-US" sz="2800" b="1" dirty="0">
+                <a:solidFill>
+                  <a:schemeClr val="bg1"/>
+                </a:solidFill>
+              </a:rPr>
+              <a:t>Win!</a:t>
+            </a:r>
+          </a:p>
+        </p:txBody>
+      </p:sp>
+      <p:sp>
+        <p:nvSpPr>
+          <p:cNvPr id="48" name="TextBox 47">
+            <a:extLst>
+              <a:ext uri="{FF2B5EF4-FFF2-40B4-BE49-F238E27FC236}">
+                <a16:creationId xmlns:a16="http://schemas.microsoft.com/office/drawing/2014/main" id="{C513FA02-4ACA-C5FE-D5B2-13F962210139}"/>
+              </a:ext>
+            </a:extLst>
+          </p:cNvPr>
+          <p:cNvSpPr txBox="1"/>
+          <p:nvPr/>
+        </p:nvSpPr>
+        <p:spPr>
+          <a:xfrm rot="21128613">
+            <a:off x="8164269" y="3443206"/>
+            <a:ext cx="1085850" cy="523220"/>
+          </a:xfrm>
+          <a:prstGeom prst="rect">
+            <a:avLst/>
+          </a:prstGeom>
+          <a:noFill/>
+        </p:spPr>
+        <p:txBody>
+          <a:bodyPr wrap="square" rtlCol="0">
+            <a:spAutoFit/>
+          </a:bodyPr>
+          <a:lstStyle/>
+          <a:p>
+            <a:pPr algn="ctr"/>
+            <a:r>
+              <a:rPr lang="en-US" sz="2800" b="1" dirty="0">
+                <a:solidFill>
+                  <a:schemeClr val="bg1"/>
+                </a:solidFill>
+              </a:rPr>
+              <a:t>Hit!</a:t>
+            </a:r>
+          </a:p>
+        </p:txBody>
+      </p:sp>
+      <p:sp>
+        <p:nvSpPr>
+          <p:cNvPr id="49" name="TextBox 48">
+            <a:extLst>
+              <a:ext uri="{FF2B5EF4-FFF2-40B4-BE49-F238E27FC236}">
+                <a16:creationId xmlns:a16="http://schemas.microsoft.com/office/drawing/2014/main" id="{B5939633-92E6-069A-778A-98174B9362AB}"/>
+              </a:ext>
+            </a:extLst>
+          </p:cNvPr>
+          <p:cNvSpPr txBox="1"/>
+          <p:nvPr/>
+        </p:nvSpPr>
+        <p:spPr>
+          <a:xfrm rot="21031053">
+            <a:off x="9548922" y="3603541"/>
+            <a:ext cx="1085850" cy="523220"/>
+          </a:xfrm>
+          <a:prstGeom prst="rect">
+            <a:avLst/>
+          </a:prstGeom>
+          <a:noFill/>
+        </p:spPr>
+        <p:txBody>
+          <a:bodyPr wrap="square" rtlCol="0">
+            <a:spAutoFit/>
+          </a:bodyPr>
+          <a:lstStyle/>
+          <a:p>
+            <a:pPr algn="ctr"/>
+            <a:r>
+              <a:rPr lang="en-US" sz="2800" b="1" dirty="0">
+                <a:solidFill>
+                  <a:schemeClr val="bg1"/>
+                </a:solidFill>
+              </a:rPr>
+              <a:t>Tie!</a:t>
+            </a:r>
+          </a:p>
+        </p:txBody>
+      </p:sp>
+      <p:sp>
+        <p:nvSpPr>
+          <p:cNvPr id="50" name="TextBox 49">
+            <a:extLst>
+              <a:ext uri="{FF2B5EF4-FFF2-40B4-BE49-F238E27FC236}">
+                <a16:creationId xmlns:a16="http://schemas.microsoft.com/office/drawing/2014/main" id="{6B66B558-A761-5B1F-8567-8B7D26153673}"/>
+              </a:ext>
+            </a:extLst>
+          </p:cNvPr>
+          <p:cNvSpPr txBox="1"/>
+          <p:nvPr/>
+        </p:nvSpPr>
+        <p:spPr>
+          <a:xfrm rot="21128613">
+            <a:off x="8870031" y="3325083"/>
+            <a:ext cx="1295576" cy="523220"/>
+          </a:xfrm>
+          <a:prstGeom prst="rect">
+            <a:avLst/>
+          </a:prstGeom>
+          <a:noFill/>
+        </p:spPr>
+        <p:txBody>
+          <a:bodyPr wrap="square" rtlCol="0">
+            <a:spAutoFit/>
+          </a:bodyPr>
+          <a:lstStyle/>
+          <a:p>
+            <a:pPr algn="ctr"/>
+            <a:r>
+              <a:rPr lang="en-US" sz="2800" b="1" dirty="0">
+                <a:solidFill>
+                  <a:schemeClr val="bg1"/>
+                </a:solidFill>
+              </a:rPr>
+              <a:t>Stand!</a:t>
+            </a:r>
+          </a:p>
+        </p:txBody>
+      </p:sp>
+      <p:sp>
+        <p:nvSpPr>
+          <p:cNvPr id="54" name="TextBox 53">
+            <a:extLst>
+              <a:ext uri="{FF2B5EF4-FFF2-40B4-BE49-F238E27FC236}">
+                <a16:creationId xmlns:a16="http://schemas.microsoft.com/office/drawing/2014/main" id="{548BF645-FF26-E63A-E9A4-971E71E0BC0B}"/>
+              </a:ext>
+            </a:extLst>
+          </p:cNvPr>
+          <p:cNvSpPr txBox="1"/>
+          <p:nvPr/>
+        </p:nvSpPr>
+        <p:spPr>
+          <a:xfrm>
+            <a:off x="6284033" y="1630654"/>
+            <a:ext cx="1085850" cy="523220"/>
+          </a:xfrm>
+          <a:prstGeom prst="rect">
+            <a:avLst/>
+          </a:prstGeom>
+          <a:noFill/>
+        </p:spPr>
+        <p:txBody>
+          <a:bodyPr wrap="square" rtlCol="0">
+            <a:spAutoFit/>
+          </a:bodyPr>
+          <a:lstStyle/>
+          <a:p>
+            <a:pPr algn="ctr"/>
+            <a:r>
+              <a:rPr lang="en-US" sz="2800" b="1" dirty="0">
+                <a:solidFill>
+                  <a:schemeClr val="bg1"/>
+                </a:solidFill>
+              </a:rPr>
+              <a:t>6</a:t>
+            </a:r>
+          </a:p>
+        </p:txBody>
+      </p:sp>
+      <p:sp>
+        <p:nvSpPr>
+          <p:cNvPr id="55" name="TextBox 54">
+            <a:extLst>
+              <a:ext uri="{FF2B5EF4-FFF2-40B4-BE49-F238E27FC236}">
+                <a16:creationId xmlns:a16="http://schemas.microsoft.com/office/drawing/2014/main" id="{FC58A423-C652-5E90-AD68-48C409A5205E}"/>
+              </a:ext>
+            </a:extLst>
+          </p:cNvPr>
+          <p:cNvSpPr txBox="1"/>
+          <p:nvPr/>
+        </p:nvSpPr>
+        <p:spPr>
+          <a:xfrm>
+            <a:off x="7005895" y="1653059"/>
+            <a:ext cx="1085850" cy="523220"/>
+          </a:xfrm>
+          <a:prstGeom prst="rect">
+            <a:avLst/>
+          </a:prstGeom>
+          <a:noFill/>
+        </p:spPr>
+        <p:txBody>
+          <a:bodyPr wrap="square" rtlCol="0">
+            <a:spAutoFit/>
+          </a:bodyPr>
+          <a:lstStyle/>
+          <a:p>
+            <a:pPr algn="ctr"/>
+            <a:r>
+              <a:rPr lang="en-US" sz="2800" b="1" dirty="0">
+                <a:solidFill>
+                  <a:schemeClr val="bg1"/>
+                </a:solidFill>
+              </a:rPr>
+              <a:t>17</a:t>
             </a:r>
           </a:p>
         </p:txBody>
@@ -11042,6 +13976,60 @@
                                   </p:childTnLst>
                                 </p:cTn>
                               </p:par>
+                              <p:par>
+                                <p:cTn id="11" presetID="1" presetClass="entr" presetSubtype="0" fill="hold" grpId="0" nodeType="withEffect">
+                                  <p:stCondLst>
+                                    <p:cond delay="0"/>
+                                  </p:stCondLst>
+                                  <p:childTnLst>
+                                    <p:set>
+                                      <p:cBhvr>
+                                        <p:cTn id="12" dur="1" fill="hold">
+                                          <p:stCondLst>
+                                            <p:cond delay="0"/>
+                                          </p:stCondLst>
+                                        </p:cTn>
+                                        <p:tgtEl>
+                                          <p:spTgt spid="28"/>
+                                        </p:tgtEl>
+                                        <p:attrNameLst>
+                                          <p:attrName>style.visibility</p:attrName>
+                                        </p:attrNameLst>
+                                      </p:cBhvr>
+                                      <p:to>
+                                        <p:strVal val="visible"/>
+                                      </p:to>
+                                    </p:set>
+                                  </p:childTnLst>
+                                </p:cTn>
+                              </p:par>
+                              <p:par>
+                                <p:cTn id="13" presetID="1" presetClass="exit" presetSubtype="0" fill="hold" grpId="0" nodeType="withEffect">
+                                  <p:stCondLst>
+                                    <p:cond delay="0"/>
+                                  </p:stCondLst>
+                                  <p:childTnLst>
+                                    <p:set>
+                                      <p:cBhvr>
+                                        <p:cTn id="14" dur="1" fill="hold">
+                                          <p:stCondLst>
+                                            <p:cond delay="0"/>
+                                          </p:stCondLst>
+                                        </p:cTn>
+                                        <p:tgtEl>
+                                          <p:spTgt spid="9"/>
+                                        </p:tgtEl>
+                                        <p:attrNameLst>
+                                          <p:attrName>style.visibility</p:attrName>
+                                        </p:attrNameLst>
+                                      </p:cBhvr>
+                                      <p:to>
+                                        <p:strVal val="hidden"/>
+                                      </p:to>
+                                    </p:set>
+                                  </p:childTnLst>
+                                </p:cTn>
+                              </p:par>
                             </p:childTnLst>
                           </p:cTn>
                         </p:par>
@@ -11049,26 +14037,26 @@
                     </p:cTn>
                   </p:par>
                   <p:par>
-                    <p:cTn id="11" fill="hold">
+                    <p:cTn id="15" fill="hold">
                       <p:stCondLst>
                         <p:cond delay="indefinite"/>
                       </p:stCondLst>
                       <p:childTnLst>
                         <p:par>
-                          <p:cTn id="12" fill="hold">
+                          <p:cTn id="16" fill="hold">
                             <p:stCondLst>
                               <p:cond delay="0"/>
                             </p:stCondLst>
                             <p:childTnLst>
                               <p:par>
-                                <p:cTn id="13" presetID="1" presetClass="exit" presetSubtype="0" fill="hold" grpId="0" nodeType="clickEffect">
+                                <p:cTn id="17" presetID="1" presetClass="exit" presetSubtype="0" fill="hold" grpId="0" nodeType="clickEffect">
                                   <p:stCondLst>
                                     <p:cond delay="0"/>
                                   </p:stCondLst>
                                   <p:childTnLst>
                                     <p:set>
                                       <p:cBhvr>
-                                        <p:cTn id="14" dur="1" fill="hold">
+                                        <p:cTn id="18" dur="1" fill="hold">
                                           <p:stCondLst>
                                             <p:cond delay="0"/>
                                           </p:stCondLst>
@@ -11088,14 +14076,14 @@
                                 </p:cTn>
                               </p:par>
                               <p:par>
-                                <p:cTn id="15" presetID="1" presetClass="entr" presetSubtype="0" fill="hold" grpId="0" nodeType="withEffect">
+                                <p:cTn id="19" presetID="1" presetClass="entr" presetSubtype="0" fill="hold" grpId="0" nodeType="withEffect">
                                   <p:stCondLst>
                                     <p:cond delay="0"/>
                                   </p:stCondLst>
                                   <p:childTnLst>
                                     <p:set>
                                       <p:cBhvr>
-                                        <p:cTn id="16" dur="1" fill="hold">
+                                        <p:cTn id="20" dur="1" fill="hold">
                                           <p:stCondLst>
                                             <p:cond delay="0"/>
                                           </p:stCondLst>
@@ -11115,14 +14103,14 @@
                                 </p:cTn>
                               </p:par>
                               <p:par>
-                                <p:cTn id="17" presetID="1" presetClass="entr" presetSubtype="0" fill="hold" nodeType="withEffect">
+                                <p:cTn id="21" presetID="1" presetClass="entr" presetSubtype="0" fill="hold" nodeType="withEffect">
                                   <p:stCondLst>
                                     <p:cond delay="0"/>
                                   </p:stCondLst>
                                   <p:childTnLst>
                                     <p:set>
                                       <p:cBhvr>
-                                        <p:cTn id="18" dur="1" fill="hold">
+                                        <p:cTn id="22" dur="1" fill="hold">
                                           <p:stCondLst>
                                             <p:cond delay="0"/>
                                           </p:stCondLst>
@@ -11141,53 +14129,8 @@
                                   </p:childTnLst>
                                 </p:cTn>
                               </p:par>
-                            </p:childTnLst>
-                          </p:cTn>
-                        </p:par>
-                      </p:childTnLst>
-                    </p:cTn>
-                  </p:par>
-                  <p:par>
-                    <p:cTn id="19" fill="hold">
-                      <p:stCondLst>
-                        <p:cond delay="indefinite"/>
-                      </p:stCondLst>
-                      <p:childTnLst>
-                        <p:par>
-                          <p:cTn id="20" fill="hold">
-                            <p:stCondLst>
-                              <p:cond delay="0"/>
-                            </p:stCondLst>
-                            <p:childTnLst>
                               <p:par>
-                                <p:cTn id="21" presetID="1" presetClass="exit" presetSubtype="0" fill="hold" grpId="1" nodeType="clickEffect">
-                                  <p:stCondLst>
-                                    <p:cond delay="0"/>
-                                  </p:stCondLst>
-                                  <p:childTnLst>
-                                    <p:set>
-                                      <p:cBhvr>
-                                        <p:cTn id="22" dur="1" fill="hold">
-                                          <p:stCondLst>
-                                            <p:cond delay="0"/>
-                                          </p:stCondLst>
-                                        </p:cTn>
-                                        <p:tgtEl>
-                                          <p:spTgt spid="10"/>
-                                        </p:tgtEl>
-                                        <p:attrNameLst>
-                                          <p:attrName>style.visibility</p:attrName>
-                                        </p:attrNameLst>
-                                      </p:cBhvr>
-                                      <p:to>
-                                        <p:strVal val="hidden"/>
-                                      </p:to>
-                                    </p:set>
-                                  </p:childTnLst>
-                                </p:cTn>
-                              </p:par>
-                              <p:par>
-                                <p:cTn id="23" presetID="1" presetClass="entr" presetSubtype="0" fill="hold" grpId="1" nodeType="withEffect">
+                                <p:cTn id="23" presetID="1" presetClass="entr" presetSubtype="0" fill="hold" grpId="0" nodeType="withEffect">
                                   <p:stCondLst>
                                     <p:cond delay="0"/>
                                   </p:stCondLst>
@@ -11200,7 +14143,7 @@
                                           </p:stCondLst>
                                         </p:cTn>
                                         <p:tgtEl>
-                                          <p:spTgt spid="32"/>
+                                          <p:spTgt spid="41"/>
                                         </p:tgtEl>
                                         <p:attrNameLst>
                                           <p:attrName>style.visibility</p:attrName>
@@ -11214,7 +14157,7 @@
                                 </p:cTn>
                               </p:par>
                               <p:par>
-                                <p:cTn id="25" presetID="1" presetClass="entr" presetSubtype="0" fill="hold" nodeType="withEffect">
+                                <p:cTn id="25" presetID="1" presetClass="entr" presetSubtype="0" fill="hold" grpId="0" nodeType="withEffect">
                                   <p:stCondLst>
                                     <p:cond delay="0"/>
                                   </p:stCondLst>
@@ -11227,79 +14170,7 @@
                                           </p:stCondLst>
                                         </p:cTn>
                                         <p:tgtEl>
-                                          <p:spTgt spid="33"/>
-                                        </p:tgtEl>
-                                        <p:attrNameLst>
-                                          <p:attrName>style.visibility</p:attrName>
-                                        </p:attrNameLst>
-                                      </p:cBhvr>
-                                      <p:to>
-                                        <p:strVal val="visible"/>
-                                      </p:to>
-                                    </p:set>
-                                  </p:childTnLst>
-                                </p:cTn>
-                              </p:par>
-                            </p:childTnLst>
-                          </p:cTn>
-                        </p:par>
-                      </p:childTnLst>
-                    </p:cTn>
-                  </p:par>
-                  <p:par>
-                    <p:cTn id="27" fill="hold">
-                      <p:stCondLst>
-                        <p:cond delay="indefinite"/>
-                      </p:stCondLst>
-                      <p:childTnLst>
-                        <p:par>
-                          <p:cTn id="28" fill="hold">
-                            <p:stCondLst>
-                              <p:cond delay="0"/>
-                            </p:stCondLst>
-                            <p:childTnLst>
-                              <p:par>
-                                <p:cTn id="29" presetID="1" presetClass="exit" presetSubtype="0" fill="hold" grpId="0" nodeType="clickEffect">
-                                  <p:stCondLst>
-                                    <p:cond delay="0"/>
-                                  </p:stCondLst>
-                                  <p:childTnLst>
-                                    <p:set>
-                                      <p:cBhvr>
-                                        <p:cTn id="30" dur="1" fill="hold">
-                                          <p:stCondLst>
-                                            <p:cond delay="0"/>
-                                          </p:stCondLst>
-                                        </p:cTn>
-                                        <p:tgtEl>
-                                          <p:spTgt spid="32"/>
-                                        </p:tgtEl>
-                                        <p:attrNameLst>
-                                          <p:attrName>style.visibility</p:attrName>
-                                        </p:attrNameLst>
-                                      </p:cBhvr>
-                                      <p:to>
-                                        <p:strVal val="hidden"/>
-                                      </p:to>
-                                    </p:set>
-                                  </p:childTnLst>
-                                </p:cTn>
-                              </p:par>
-                              <p:par>
-                                <p:cTn id="31" presetID="1" presetClass="entr" presetSubtype="0" fill="hold" grpId="0" nodeType="withEffect">
-                                  <p:stCondLst>
-                                    <p:cond delay="0"/>
-                                  </p:stCondLst>
-                                  <p:childTnLst>
-                                    <p:set>
-                                      <p:cBhvr>
-                                        <p:cTn id="32" dur="1" fill="hold">
-                                          <p:stCondLst>
-                                            <p:cond delay="0"/>
-                                          </p:stCondLst>
-                                        </p:cTn>
-                                        <p:tgtEl>
-                                          <p:spTgt spid="34"/>
+                                          <p:spTgt spid="48"/>
                                         </p:tgtEl>
                                         <p:attrNameLst>
                                           <p:attrName>style.visibility</p:attrName>
@@ -11313,7 +14184,79 @@
                                 </p:cTn>
                               </p:par>
                               <p:par>
-                                <p:cTn id="33" presetID="1" presetClass="entr" presetSubtype="0" fill="hold" nodeType="withEffect">
+                                <p:cTn id="27" presetID="1" presetClass="exit" presetSubtype="0" fill="hold" grpId="0" nodeType="withEffect">
+                                  <p:stCondLst>
+                                    <p:cond delay="0"/>
+                                  </p:stCondLst>
+                                  <p:childTnLst>
+                                    <p:set>
+                                      <p:cBhvr>
+                                        <p:cTn id="28" dur="1" fill="hold">
+                                          <p:stCondLst>
+                                            <p:cond delay="0"/>
+                                          </p:stCondLst>
+                                        </p:cTn>
+                                        <p:tgtEl>
+                                          <p:spTgt spid="15"/>
+                                        </p:tgtEl>
+                                        <p:attrNameLst>
+                                          <p:attrName>style.visibility</p:attrName>
+                                        </p:attrNameLst>
+                                      </p:cBhvr>
+                                      <p:to>
+                                        <p:strVal val="hidden"/>
+                                      </p:to>
+                                    </p:set>
+                                  </p:childTnLst>
+                                </p:cTn>
+                              </p:par>
+                            </p:childTnLst>
+                          </p:cTn>
+                        </p:par>
+                      </p:childTnLst>
+                    </p:cTn>
+                  </p:par>
+                  <p:par>
+                    <p:cTn id="29" fill="hold">
+                      <p:stCondLst>
+                        <p:cond delay="indefinite"/>
+                      </p:stCondLst>
+                      <p:childTnLst>
+                        <p:par>
+                          <p:cTn id="30" fill="hold">
+                            <p:stCondLst>
+                              <p:cond delay="0"/>
+                            </p:stCondLst>
+                            <p:childTnLst>
+                              <p:par>
+                                <p:cTn id="31" presetID="1" presetClass="entr" presetSubtype="0" fill="hold" grpId="0" nodeType="clickEffect">
+                                  <p:stCondLst>
+                                    <p:cond delay="0"/>
+                                  </p:stCondLst>
+                                  <p:childTnLst>
+                                    <p:set>
+                                      <p:cBhvr>
+                                        <p:cTn id="32" dur="1" fill="hold">
+                                          <p:stCondLst>
+                                            <p:cond delay="0"/>
+                                          </p:stCondLst>
+                                        </p:cTn>
+                                        <p:tgtEl>
+                                          <p:spTgt spid="50"/>
+                                        </p:tgtEl>
+                                        <p:attrNameLst>
+                                          <p:attrName>style.visibility</p:attrName>
+                                        </p:attrNameLst>
+                                      </p:cBhvr>
+                                      <p:to>
+                                        <p:strVal val="visible"/>
+                                      </p:to>
+                                    </p:set>
+                                  </p:childTnLst>
+                                </p:cTn>
+                              </p:par>
+                              <p:par>
+                                <p:cTn id="33" presetID="1" presetClass="exit" presetSubtype="0" fill="hold" grpId="1" nodeType="withEffect">
                                   <p:stCondLst>
                                     <p:cond delay="0"/>
                                   </p:stCondLst>
@@ -11326,14 +14269,14 @@
                                           </p:stCondLst>
                                         </p:cTn>
                                         <p:tgtEl>
-                                          <p:spTgt spid="35"/>
+                                          <p:spTgt spid="48"/>
                                         </p:tgtEl>
                                         <p:attrNameLst>
                                           <p:attrName>style.visibility</p:attrName>
                                         </p:attrNameLst>
                                       </p:cBhvr>
                                       <p:to>
-                                        <p:strVal val="visible"/>
+                                        <p:strVal val="hidden"/>
                                       </p:to>
                                     </p:set>
                                   </p:childTnLst>
@@ -11371,7 +14314,7 @@
                                           </p:stCondLst>
                                         </p:cTn>
                                         <p:tgtEl>
-                                          <p:spTgt spid="34"/>
+                                          <p:spTgt spid="10"/>
                                         </p:tgtEl>
                                         <p:attrNameLst>
                                           <p:attrName>style.visibility</p:attrName>
@@ -11385,7 +14328,7 @@
                                 </p:cTn>
                               </p:par>
                               <p:par>
-                                <p:cTn id="39" presetID="1" presetClass="entr" presetSubtype="0" fill="hold" grpId="0" nodeType="withEffect">
+                                <p:cTn id="39" presetID="1" presetClass="entr" presetSubtype="0" fill="hold" grpId="1" nodeType="withEffect">
                                   <p:stCondLst>
                                     <p:cond delay="0"/>
                                   </p:stCondLst>
@@ -11398,7 +14341,7 @@
                                           </p:stCondLst>
                                         </p:cTn>
                                         <p:tgtEl>
-                                          <p:spTgt spid="36"/>
+                                          <p:spTgt spid="32"/>
                                         </p:tgtEl>
                                         <p:attrNameLst>
                                           <p:attrName>style.visibility</p:attrName>
@@ -11425,7 +14368,7 @@
                                           </p:stCondLst>
                                         </p:cTn>
                                         <p:tgtEl>
-                                          <p:spTgt spid="37"/>
+                                          <p:spTgt spid="33"/>
                                         </p:tgtEl>
                                         <p:attrNameLst>
                                           <p:attrName>style.visibility</p:attrName>
@@ -11438,26 +14381,35 @@
                                   </p:childTnLst>
                                 </p:cTn>
                               </p:par>
-                            </p:childTnLst>
-                          </p:cTn>
-                        </p:par>
-                      </p:childTnLst>
-                    </p:cTn>
-                  </p:par>
-                  <p:par>
-                    <p:cTn id="43" fill="hold">
-                      <p:stCondLst>
-                        <p:cond delay="indefinite"/>
-                      </p:stCondLst>
-                      <p:childTnLst>
-                        <p:par>
-                          <p:cTn id="44" fill="hold">
-                            <p:stCondLst>
-                              <p:cond delay="0"/>
-                            </p:stCondLst>
-                            <p:childTnLst>
                               <p:par>
-                                <p:cTn id="45" presetID="1" presetClass="exit" presetSubtype="0" fill="hold" grpId="1" nodeType="clickEffect">
+                                <p:cTn id="43" presetID="1" presetClass="exit" presetSubtype="0" fill="hold" nodeType="withEffect">
+                                  <p:stCondLst>
+                                    <p:cond delay="0"/>
+                                  </p:stCondLst>
+                                  <p:childTnLst>
+                                    <p:set>
+                                      <p:cBhvr>
+                                        <p:cTn id="44" dur="1" fill="hold">
+                                          <p:stCondLst>
+                                            <p:cond delay="0"/>
+                                          </p:stCondLst>
+                                        </p:cTn>
+                                        <p:tgtEl>
+                                          <p:spTgt spid="29"/>
+                                        </p:tgtEl>
+                                        <p:attrNameLst>
+                                          <p:attrName>style.visibility</p:attrName>
+                                        </p:attrNameLst>
+                                      </p:cBhvr>
+                                      <p:to>
+                                        <p:strVal val="hidden"/>
+                                      </p:to>
+                                    </p:set>
+                                  </p:childTnLst>
+                                </p:cTn>
+                              </p:par>
+                              <p:par>
+                                <p:cTn id="45" presetID="1" presetClass="exit" presetSubtype="0" fill="hold" grpId="0" nodeType="withEffect">
                                   <p:stCondLst>
                                     <p:cond delay="0"/>
                                   </p:stCondLst>
@@ -11470,7 +14422,7 @@
                                           </p:stCondLst>
                                         </p:cTn>
                                         <p:tgtEl>
-                                          <p:spTgt spid="36"/>
+                                          <p:spTgt spid="54"/>
                                         </p:tgtEl>
                                         <p:attrNameLst>
                                           <p:attrName>style.visibility</p:attrName>
@@ -11497,7 +14449,7 @@
                                           </p:stCondLst>
                                         </p:cTn>
                                         <p:tgtEl>
-                                          <p:spTgt spid="38"/>
+                                          <p:spTgt spid="55"/>
                                         </p:tgtEl>
                                         <p:attrNameLst>
                                           <p:attrName>style.visibility</p:attrName>
@@ -11529,7 +14481,7 @@
                             </p:stCondLst>
                             <p:childTnLst>
                               <p:par>
-                                <p:cTn id="51" presetID="1" presetClass="exit" presetSubtype="0" fill="hold" grpId="1" nodeType="clickEffect">
+                                <p:cTn id="51" presetID="1" presetClass="exit" presetSubtype="0" fill="hold" grpId="0" nodeType="clickEffect">
                                   <p:stCondLst>
                                     <p:cond delay="0"/>
                                   </p:stCondLst>
@@ -11542,7 +14494,7 @@
                                           </p:stCondLst>
                                         </p:cTn>
                                         <p:tgtEl>
-                                          <p:spTgt spid="38"/>
+                                          <p:spTgt spid="32"/>
                                         </p:tgtEl>
                                         <p:attrNameLst>
                                           <p:attrName>style.visibility</p:attrName>
@@ -11569,6 +14521,438 @@
                                           </p:stCondLst>
                                         </p:cTn>
                                         <p:tgtEl>
+                                          <p:spTgt spid="34"/>
+                                        </p:tgtEl>
+                                        <p:attrNameLst>
+                                          <p:attrName>style.visibility</p:attrName>
+                                        </p:attrNameLst>
+                                      </p:cBhvr>
+                                      <p:to>
+                                        <p:strVal val="visible"/>
+                                      </p:to>
+                                    </p:set>
+                                  </p:childTnLst>
+                                </p:cTn>
+                              </p:par>
+                              <p:par>
+                                <p:cTn id="55" presetID="1" presetClass="entr" presetSubtype="0" fill="hold" nodeType="withEffect">
+                                  <p:stCondLst>
+                                    <p:cond delay="0"/>
+                                  </p:stCondLst>
+                                  <p:childTnLst>
+                                    <p:set>
+                                      <p:cBhvr>
+                                        <p:cTn id="56" dur="1" fill="hold">
+                                          <p:stCondLst>
+                                            <p:cond delay="0"/>
+                                          </p:stCondLst>
+                                        </p:cTn>
+                                        <p:tgtEl>
+                                          <p:spTgt spid="35"/>
+                                        </p:tgtEl>
+                                        <p:attrNameLst>
+                                          <p:attrName>style.visibility</p:attrName>
+                                        </p:attrNameLst>
+                                      </p:cBhvr>
+                                      <p:to>
+                                        <p:strVal val="visible"/>
+                                      </p:to>
+                                    </p:set>
+                                  </p:childTnLst>
+                                </p:cTn>
+                              </p:par>
+                              <p:par>
+                                <p:cTn id="57" presetID="1" presetClass="entr" presetSubtype="0" fill="hold" grpId="0" nodeType="withEffect">
+                                  <p:stCondLst>
+                                    <p:cond delay="0"/>
+                                  </p:stCondLst>
+                                  <p:childTnLst>
+                                    <p:set>
+                                      <p:cBhvr>
+                                        <p:cTn id="58" dur="1" fill="hold">
+                                          <p:stCondLst>
+                                            <p:cond delay="0"/>
+                                          </p:stCondLst>
+                                        </p:cTn>
+                                        <p:tgtEl>
+                                          <p:spTgt spid="45"/>
+                                        </p:tgtEl>
+                                        <p:attrNameLst>
+                                          <p:attrName>style.visibility</p:attrName>
+                                        </p:attrNameLst>
+                                      </p:cBhvr>
+                                      <p:to>
+                                        <p:strVal val="visible"/>
+                                      </p:to>
+                                    </p:set>
+                                  </p:childTnLst>
+                                </p:cTn>
+                              </p:par>
+                              <p:par>
+                                <p:cTn id="59" presetID="1" presetClass="exit" presetSubtype="0" fill="hold" grpId="0" nodeType="withEffect">
+                                  <p:stCondLst>
+                                    <p:cond delay="0"/>
+                                  </p:stCondLst>
+                                  <p:childTnLst>
+                                    <p:set>
+                                      <p:cBhvr>
+                                        <p:cTn id="60" dur="1" fill="hold">
+                                          <p:stCondLst>
+                                            <p:cond delay="0"/>
+                                          </p:stCondLst>
+                                        </p:cTn>
+                                        <p:tgtEl>
+                                          <p:spTgt spid="44"/>
+                                        </p:tgtEl>
+                                        <p:attrNameLst>
+                                          <p:attrName>style.visibility</p:attrName>
+                                        </p:attrNameLst>
+                                      </p:cBhvr>
+                                      <p:to>
+                                        <p:strVal val="hidden"/>
+                                      </p:to>
+                                    </p:set>
+                                  </p:childTnLst>
+                                </p:cTn>
+                              </p:par>
+                            </p:childTnLst>
+                          </p:cTn>
+                        </p:par>
+                      </p:childTnLst>
+                    </p:cTn>
+                  </p:par>
+                  <p:par>
+                    <p:cTn id="61" fill="hold">
+                      <p:stCondLst>
+                        <p:cond delay="indefinite"/>
+                      </p:stCondLst>
+                      <p:childTnLst>
+                        <p:par>
+                          <p:cTn id="62" fill="hold">
+                            <p:stCondLst>
+                              <p:cond delay="0"/>
+                            </p:stCondLst>
+                            <p:childTnLst>
+                              <p:par>
+                                <p:cTn id="63" presetID="1" presetClass="exit" presetSubtype="0" fill="hold" grpId="1" nodeType="clickEffect">
+                                  <p:stCondLst>
+                                    <p:cond delay="0"/>
+                                  </p:stCondLst>
+                                  <p:childTnLst>
+                                    <p:set>
+                                      <p:cBhvr>
+                                        <p:cTn id="64" dur="1" fill="hold">
+                                          <p:stCondLst>
+                                            <p:cond delay="0"/>
+                                          </p:stCondLst>
+                                        </p:cTn>
+                                        <p:tgtEl>
+                                          <p:spTgt spid="34"/>
+                                        </p:tgtEl>
+                                        <p:attrNameLst>
+                                          <p:attrName>style.visibility</p:attrName>
+                                        </p:attrNameLst>
+                                      </p:cBhvr>
+                                      <p:to>
+                                        <p:strVal val="hidden"/>
+                                      </p:to>
+                                    </p:set>
+                                  </p:childTnLst>
+                                </p:cTn>
+                              </p:par>
+                              <p:par>
+                                <p:cTn id="65" presetID="1" presetClass="entr" presetSubtype="0" fill="hold" grpId="0" nodeType="withEffect">
+                                  <p:stCondLst>
+                                    <p:cond delay="0"/>
+                                  </p:stCondLst>
+                                  <p:childTnLst>
+                                    <p:set>
+                                      <p:cBhvr>
+                                        <p:cTn id="66" dur="1" fill="hold">
+                                          <p:stCondLst>
+                                            <p:cond delay="0"/>
+                                          </p:stCondLst>
+                                        </p:cTn>
+                                        <p:tgtEl>
+                                          <p:spTgt spid="36"/>
+                                        </p:tgtEl>
+                                        <p:attrNameLst>
+                                          <p:attrName>style.visibility</p:attrName>
+                                        </p:attrNameLst>
+                                      </p:cBhvr>
+                                      <p:to>
+                                        <p:strVal val="visible"/>
+                                      </p:to>
+                                    </p:set>
+                                  </p:childTnLst>
+                                </p:cTn>
+                              </p:par>
+                              <p:par>
+                                <p:cTn id="67" presetID="1" presetClass="entr" presetSubtype="0" fill="hold" nodeType="withEffect">
+                                  <p:stCondLst>
+                                    <p:cond delay="0"/>
+                                  </p:stCondLst>
+                                  <p:childTnLst>
+                                    <p:set>
+                                      <p:cBhvr>
+                                        <p:cTn id="68" dur="1" fill="hold">
+                                          <p:stCondLst>
+                                            <p:cond delay="0"/>
+                                          </p:stCondLst>
+                                        </p:cTn>
+                                        <p:tgtEl>
+                                          <p:spTgt spid="37"/>
+                                        </p:tgtEl>
+                                        <p:attrNameLst>
+                                          <p:attrName>style.visibility</p:attrName>
+                                        </p:attrNameLst>
+                                      </p:cBhvr>
+                                      <p:to>
+                                        <p:strVal val="visible"/>
+                                      </p:to>
+                                    </p:set>
+                                  </p:childTnLst>
+                                </p:cTn>
+                              </p:par>
+                              <p:par>
+                                <p:cTn id="69" presetID="1" presetClass="entr" presetSubtype="0" fill="hold" grpId="0" nodeType="withEffect">
+                                  <p:stCondLst>
+                                    <p:cond delay="0"/>
+                                  </p:stCondLst>
+                                  <p:childTnLst>
+                                    <p:set>
+                                      <p:cBhvr>
+                                        <p:cTn id="70" dur="1" fill="hold">
+                                          <p:stCondLst>
+                                            <p:cond delay="0"/>
+                                          </p:stCondLst>
+                                        </p:cTn>
+                                        <p:tgtEl>
+                                          <p:spTgt spid="47"/>
+                                        </p:tgtEl>
+                                        <p:attrNameLst>
+                                          <p:attrName>style.visibility</p:attrName>
+                                        </p:attrNameLst>
+                                      </p:cBhvr>
+                                      <p:to>
+                                        <p:strVal val="visible"/>
+                                      </p:to>
+                                    </p:set>
+                                  </p:childTnLst>
+                                </p:cTn>
+                              </p:par>
+                              <p:par>
+                                <p:cTn id="71" presetID="1" presetClass="exit" presetSubtype="0" fill="hold" grpId="0" nodeType="withEffect">
+                                  <p:stCondLst>
+                                    <p:cond delay="0"/>
+                                  </p:stCondLst>
+                                  <p:childTnLst>
+                                    <p:set>
+                                      <p:cBhvr>
+                                        <p:cTn id="72" dur="1" fill="hold">
+                                          <p:stCondLst>
+                                            <p:cond delay="0"/>
+                                          </p:stCondLst>
+                                        </p:cTn>
+                                        <p:tgtEl>
+                                          <p:spTgt spid="46"/>
+                                        </p:tgtEl>
+                                        <p:attrNameLst>
+                                          <p:attrName>style.visibility</p:attrName>
+                                        </p:attrNameLst>
+                                      </p:cBhvr>
+                                      <p:to>
+                                        <p:strVal val="hidden"/>
+                                      </p:to>
+                                    </p:set>
+                                  </p:childTnLst>
+                                </p:cTn>
+                              </p:par>
+                            </p:childTnLst>
+                          </p:cTn>
+                        </p:par>
+                      </p:childTnLst>
+                    </p:cTn>
+                  </p:par>
+                  <p:par>
+                    <p:cTn id="73" fill="hold">
+                      <p:stCondLst>
+                        <p:cond delay="indefinite"/>
+                      </p:stCondLst>
+                      <p:childTnLst>
+                        <p:par>
+                          <p:cTn id="74" fill="hold">
+                            <p:stCondLst>
+                              <p:cond delay="0"/>
+                            </p:stCondLst>
+                            <p:childTnLst>
+                              <p:par>
+                                <p:cTn id="75" presetID="1" presetClass="exit" presetSubtype="0" fill="hold" grpId="1" nodeType="clickEffect">
+                                  <p:stCondLst>
+                                    <p:cond delay="0"/>
+                                  </p:stCondLst>
+                                  <p:childTnLst>
+                                    <p:set>
+                                      <p:cBhvr>
+                                        <p:cTn id="76" dur="1" fill="hold">
+                                          <p:stCondLst>
+                                            <p:cond delay="0"/>
+                                          </p:stCondLst>
+                                        </p:cTn>
+                                        <p:tgtEl>
+                                          <p:spTgt spid="36"/>
+                                        </p:tgtEl>
+                                        <p:attrNameLst>
+                                          <p:attrName>style.visibility</p:attrName>
+                                        </p:attrNameLst>
+                                      </p:cBhvr>
+                                      <p:to>
+                                        <p:strVal val="hidden"/>
+                                      </p:to>
+                                    </p:set>
+                                  </p:childTnLst>
+                                </p:cTn>
+                              </p:par>
+                              <p:par>
+                                <p:cTn id="77" presetID="1" presetClass="entr" presetSubtype="0" fill="hold" grpId="0" nodeType="withEffect">
+                                  <p:stCondLst>
+                                    <p:cond delay="0"/>
+                                  </p:stCondLst>
+                                  <p:childTnLst>
+                                    <p:set>
+                                      <p:cBhvr>
+                                        <p:cTn id="78" dur="1" fill="hold">
+                                          <p:stCondLst>
+                                            <p:cond delay="0"/>
+                                          </p:stCondLst>
+                                        </p:cTn>
+                                        <p:tgtEl>
+                                          <p:spTgt spid="38"/>
+                                        </p:tgtEl>
+                                        <p:attrNameLst>
+                                          <p:attrName>style.visibility</p:attrName>
+                                        </p:attrNameLst>
+                                      </p:cBhvr>
+                                      <p:to>
+                                        <p:strVal val="visible"/>
+                                      </p:to>
+                                    </p:set>
+                                  </p:childTnLst>
+                                </p:cTn>
+                              </p:par>
+                              <p:par>
+                                <p:cTn id="79" presetID="1" presetClass="entr" presetSubtype="0" fill="hold" grpId="0" nodeType="withEffect">
+                                  <p:stCondLst>
+                                    <p:cond delay="0"/>
+                                  </p:stCondLst>
+                                  <p:childTnLst>
+                                    <p:set>
+                                      <p:cBhvr>
+                                        <p:cTn id="80" dur="1" fill="hold">
+                                          <p:stCondLst>
+                                            <p:cond delay="0"/>
+                                          </p:stCondLst>
+                                        </p:cTn>
+                                        <p:tgtEl>
+                                          <p:spTgt spid="49"/>
+                                        </p:tgtEl>
+                                        <p:attrNameLst>
+                                          <p:attrName>style.visibility</p:attrName>
+                                        </p:attrNameLst>
+                                      </p:cBhvr>
+                                      <p:to>
+                                        <p:strVal val="visible"/>
+                                      </p:to>
+                                    </p:set>
+                                  </p:childTnLst>
+                                </p:cTn>
+                              </p:par>
+                              <p:par>
+                                <p:cTn id="81" presetID="1" presetClass="exit" presetSubtype="0" fill="hold" grpId="1" nodeType="withEffect">
+                                  <p:stCondLst>
+                                    <p:cond delay="0"/>
+                                  </p:stCondLst>
+                                  <p:childTnLst>
+                                    <p:set>
+                                      <p:cBhvr>
+                                        <p:cTn id="82" dur="1" fill="hold">
+                                          <p:stCondLst>
+                                            <p:cond delay="0"/>
+                                          </p:stCondLst>
+                                        </p:cTn>
+                                        <p:tgtEl>
+                                          <p:spTgt spid="50"/>
+                                        </p:tgtEl>
+                                        <p:attrNameLst>
+                                          <p:attrName>style.visibility</p:attrName>
+                                        </p:attrNameLst>
+                                      </p:cBhvr>
+                                      <p:to>
+                                        <p:strVal val="hidden"/>
+                                      </p:to>
+                                    </p:set>
+                                  </p:childTnLst>
+                                </p:cTn>
+                              </p:par>
+                            </p:childTnLst>
+                          </p:cTn>
+                        </p:par>
+                      </p:childTnLst>
+                    </p:cTn>
+                  </p:par>
+                  <p:par>
+                    <p:cTn id="83" fill="hold">
+                      <p:stCondLst>
+                        <p:cond delay="indefinite"/>
+                      </p:stCondLst>
+                      <p:childTnLst>
+                        <p:par>
+                          <p:cTn id="84" fill="hold">
+                            <p:stCondLst>
+                              <p:cond delay="0"/>
+                            </p:stCondLst>
+                            <p:childTnLst>
+                              <p:par>
+                                <p:cTn id="85" presetID="1" presetClass="exit" presetSubtype="0" fill="hold" grpId="1" nodeType="clickEffect">
+                                  <p:stCondLst>
+                                    <p:cond delay="0"/>
+                                  </p:stCondLst>
+                                  <p:childTnLst>
+                                    <p:set>
+                                      <p:cBhvr>
+                                        <p:cTn id="86" dur="1" fill="hold">
+                                          <p:stCondLst>
+                                            <p:cond delay="0"/>
+                                          </p:stCondLst>
+                                        </p:cTn>
+                                        <p:tgtEl>
+                                          <p:spTgt spid="38"/>
+                                        </p:tgtEl>
+                                        <p:attrNameLst>
+                                          <p:attrName>style.visibility</p:attrName>
+                                        </p:attrNameLst>
+                                      </p:cBhvr>
+                                      <p:to>
+                                        <p:strVal val="hidden"/>
+                                      </p:to>
+                                    </p:set>
+                                  </p:childTnLst>
+                                </p:cTn>
+                              </p:par>
+                              <p:par>
+                                <p:cTn id="87" presetID="1" presetClass="entr" presetSubtype="0" fill="hold" grpId="0" nodeType="withEffect">
+                                  <p:stCondLst>
+                                    <p:cond delay="0"/>
+                                  </p:stCondLst>
+                                  <p:childTnLst>
+                                    <p:set>
+                                      <p:cBhvr>
+                                        <p:cTn id="88" dur="1" fill="hold">
+                                          <p:stCondLst>
+                                            <p:cond delay="0"/>
+                                          </p:stCondLst>
+                                        </p:cTn>
+                                        <p:tgtEl>
                                           <p:spTgt spid="40"/>
                                         </p:tgtEl>
                                         <p:attrNameLst>
@@ -11583,14 +14967,14 @@
                                 </p:cTn>
                               </p:par>
                               <p:par>
-                                <p:cTn id="55" presetID="1" presetClass="entr" presetSubtype="0" fill="hold" grpId="0" nodeType="withEffect">
+                                <p:cTn id="89" presetID="1" presetClass="entr" presetSubtype="0" fill="hold" grpId="0" nodeType="withEffect">
                                   <p:stCondLst>
                                     <p:cond delay="0"/>
                                   </p:stCondLst>
                                   <p:childTnLst>
                                     <p:set>
                                       <p:cBhvr>
-                                        <p:cTn id="56" dur="1" fill="hold">
+                                        <p:cTn id="90" dur="1" fill="hold">
                                           <p:stCondLst>
                                             <p:cond delay="0"/>
                                           </p:stCondLst>
@@ -11652,6 +15036,21 @@
       <p:bldP spid="38" grpId="1"/>
       <p:bldP spid="39" grpId="0" animBg="1"/>
       <p:bldP spid="40" grpId="0"/>
+      <p:bldP spid="9" grpId="0"/>
+      <p:bldP spid="15" grpId="0"/>
+      <p:bldP spid="28" grpId="0"/>
+      <p:bldP spid="41" grpId="0"/>
+      <p:bldP spid="44" grpId="0"/>
+      <p:bldP spid="45" grpId="0"/>
+      <p:bldP spid="46" grpId="0"/>
+      <p:bldP spid="47" grpId="0"/>
+      <p:bldP spid="48" grpId="0"/>
+      <p:bldP spid="48" grpId="1"/>
+      <p:bldP spid="49" grpId="0"/>
+      <p:bldP spid="50" grpId="0"/>
+      <p:bldP spid="50" grpId="1"/>
+      <p:bldP spid="54" grpId="0"/>
+      <p:bldP spid="55" grpId="0"/>
     </p:bldLst>
   </p:timing>
 </p:sld>
